--- a/2025/2025-05-16-AI-Updates.pptx
+++ b/2025/2025-05-16-AI-Updates.pptx
@@ -5,7 +5,7 @@
     <p:sldMasterId id="2147483661" r:id="rId1"/>
   </p:sldMasterIdLst>
   <p:notesMasterIdLst>
-    <p:notesMasterId r:id="rId18"/>
+    <p:notesMasterId r:id="rId21"/>
   </p:notesMasterIdLst>
   <p:sldIdLst>
     <p:sldId id="256" r:id="rId2"/>
@@ -24,6 +24,9 @@
     <p:sldId id="269" r:id="rId15"/>
     <p:sldId id="270" r:id="rId16"/>
     <p:sldId id="271" r:id="rId17"/>
+    <p:sldId id="272" r:id="rId18"/>
+    <p:sldId id="273" r:id="rId19"/>
+    <p:sldId id="274" r:id="rId20"/>
   </p:sldIdLst>
   <p:sldSz cx="9144000" cy="5143500" type="screen16x9"/>
   <p:notesSz cx="6858000" cy="9144000"/>
@@ -965,7 +968,7 @@
   <p:cSld>
     <p:spTree>
       <p:nvGrpSpPr>
-        <p:cNvPr id="1" name="Shape 151"/>
+        <p:cNvPr id="1" name="Shape 153"/>
         <p:cNvGrpSpPr/>
         <p:nvPr/>
       </p:nvGrpSpPr>
@@ -979,7 +982,7 @@
       </p:grpSpPr>
       <p:sp>
         <p:nvSpPr>
-          <p:cNvPr id="152" name="Google Shape;152;g3051b0463b9_1_0:notes"/>
+          <p:cNvPr id="154" name="Google Shape;154;g335eca5af5e_1_15:notes"/>
           <p:cNvSpPr>
             <a:spLocks noGrp="1" noRot="1" noChangeAspect="1"/>
           </p:cNvSpPr>
@@ -1030,7 +1033,7 @@
       </p:sp>
       <p:sp>
         <p:nvSpPr>
-          <p:cNvPr id="153" name="Google Shape;153;g3051b0463b9_1_0:notes"/>
+          <p:cNvPr id="155" name="Google Shape;155;g335eca5af5e_1_15:notes"/>
           <p:cNvSpPr txBox="1">
             <a:spLocks noGrp="1"/>
           </p:cNvSpPr>
@@ -1087,7 +1090,7 @@
   <p:cSld>
     <p:spTree>
       <p:nvGrpSpPr>
-        <p:cNvPr id="1" name="Shape 161"/>
+        <p:cNvPr id="1" name="Shape 162"/>
         <p:cNvGrpSpPr/>
         <p:nvPr/>
       </p:nvGrpSpPr>
@@ -1101,7 +1104,7 @@
       </p:grpSpPr>
       <p:sp>
         <p:nvSpPr>
-          <p:cNvPr id="162" name="Google Shape;162;g354830c09cf_1_0:notes"/>
+          <p:cNvPr id="163" name="Google Shape;163;g359106718ab_1_10:notes"/>
           <p:cNvSpPr>
             <a:spLocks noGrp="1" noRot="1" noChangeAspect="1"/>
           </p:cNvSpPr>
@@ -1152,7 +1155,7 @@
       </p:sp>
       <p:sp>
         <p:nvSpPr>
-          <p:cNvPr id="163" name="Google Shape;163;g354830c09cf_1_0:notes"/>
+          <p:cNvPr id="164" name="Google Shape;164;g359106718ab_1_10:notes"/>
           <p:cNvSpPr txBox="1">
             <a:spLocks noGrp="1"/>
           </p:cNvSpPr>
@@ -1209,7 +1212,7 @@
   <p:cSld>
     <p:spTree>
       <p:nvGrpSpPr>
-        <p:cNvPr id="1" name="Shape 168"/>
+        <p:cNvPr id="1" name="Shape 170"/>
         <p:cNvGrpSpPr/>
         <p:nvPr/>
       </p:nvGrpSpPr>
@@ -1223,7 +1226,7 @@
       </p:grpSpPr>
       <p:sp>
         <p:nvSpPr>
-          <p:cNvPr id="169" name="Google Shape;169;g357549c08ae_1_0:notes"/>
+          <p:cNvPr id="171" name="Google Shape;171;g359106718ab_1_0:notes"/>
           <p:cNvSpPr>
             <a:spLocks noGrp="1" noRot="1" noChangeAspect="1"/>
           </p:cNvSpPr>
@@ -1274,7 +1277,7 @@
       </p:sp>
       <p:sp>
         <p:nvSpPr>
-          <p:cNvPr id="170" name="Google Shape;170;g357549c08ae_1_0:notes"/>
+          <p:cNvPr id="172" name="Google Shape;172;g359106718ab_1_0:notes"/>
           <p:cNvSpPr txBox="1">
             <a:spLocks noGrp="1"/>
           </p:cNvSpPr>
@@ -1331,7 +1334,7 @@
   <p:cSld>
     <p:spTree>
       <p:nvGrpSpPr>
-        <p:cNvPr id="1" name="Shape 180"/>
+        <p:cNvPr id="1" name="Shape 177"/>
         <p:cNvGrpSpPr/>
         <p:nvPr/>
       </p:nvGrpSpPr>
@@ -1345,7 +1348,373 @@
       </p:grpSpPr>
       <p:sp>
         <p:nvSpPr>
-          <p:cNvPr id="181" name="Google Shape;181;p21:notes"/>
+          <p:cNvPr id="178" name="Google Shape;178;g3051b0463b9_1_0:notes"/>
+          <p:cNvSpPr>
+            <a:spLocks noGrp="1" noRot="1" noChangeAspect="1"/>
+          </p:cNvSpPr>
+          <p:nvPr>
+            <p:ph type="sldImg" idx="2"/>
+          </p:nvPr>
+        </p:nvSpPr>
+        <p:spPr>
+          <a:xfrm>
+            <a:off x="381000" y="685800"/>
+            <a:ext cx="6096000" cy="3429000"/>
+          </a:xfrm>
+          <a:custGeom>
+            <a:avLst/>
+            <a:gdLst/>
+            <a:ahLst/>
+            <a:cxnLst/>
+            <a:rect l="l" t="t" r="r" b="b"/>
+            <a:pathLst>
+              <a:path w="120000" h="120000" extrusionOk="0">
+                <a:moveTo>
+                  <a:pt x="0" y="0"/>
+                </a:moveTo>
+                <a:lnTo>
+                  <a:pt x="120000" y="0"/>
+                </a:lnTo>
+                <a:lnTo>
+                  <a:pt x="120000" y="120000"/>
+                </a:lnTo>
+                <a:lnTo>
+                  <a:pt x="0" y="120000"/>
+                </a:lnTo>
+                <a:close/>
+              </a:path>
+            </a:pathLst>
+          </a:custGeom>
+          <a:noFill/>
+          <a:ln w="9525" cap="flat" cmpd="sng">
+            <a:solidFill>
+              <a:srgbClr val="000000"/>
+            </a:solidFill>
+            <a:prstDash val="solid"/>
+            <a:round/>
+            <a:headEnd type="none" w="sm" len="sm"/>
+            <a:tailEnd type="none" w="sm" len="sm"/>
+          </a:ln>
+        </p:spPr>
+      </p:sp>
+      <p:sp>
+        <p:nvSpPr>
+          <p:cNvPr id="179" name="Google Shape;179;g3051b0463b9_1_0:notes"/>
+          <p:cNvSpPr txBox="1">
+            <a:spLocks noGrp="1"/>
+          </p:cNvSpPr>
+          <p:nvPr>
+            <p:ph type="body" idx="1"/>
+          </p:nvPr>
+        </p:nvSpPr>
+        <p:spPr>
+          <a:xfrm>
+            <a:off x="685800" y="4343400"/>
+            <a:ext cx="5486400" cy="4114800"/>
+          </a:xfrm>
+          <a:prstGeom prst="rect">
+            <a:avLst/>
+          </a:prstGeom>
+          <a:noFill/>
+          <a:ln>
+            <a:noFill/>
+          </a:ln>
+        </p:spPr>
+        <p:txBody>
+          <a:bodyPr spcFirstLastPara="1" wrap="square" lIns="91425" tIns="91425" rIns="91425" bIns="91425" anchor="t" anchorCtr="0">
+            <a:noAutofit/>
+          </a:bodyPr>
+          <a:lstStyle/>
+          <a:p>
+            <a:pPr marL="0" lvl="0" indent="0" algn="l" rtl="0">
+              <a:lnSpc>
+                <a:spcPct val="100000"/>
+              </a:lnSpc>
+              <a:spcBef>
+                <a:spcPts val="0"/>
+              </a:spcBef>
+              <a:spcAft>
+                <a:spcPts val="0"/>
+              </a:spcAft>
+              <a:buSzPts val="1100"/>
+              <a:buNone/>
+            </a:pPr>
+            <a:endParaRPr/>
+          </a:p>
+        </p:txBody>
+      </p:sp>
+    </p:spTree>
+  </p:cSld>
+  <p:clrMapOvr>
+    <a:masterClrMapping/>
+  </p:clrMapOvr>
+</p:notes>
+</file>
+
+<file path=ppt/notesSlides/notesSlide14.xml><?xml version="1.0" encoding="utf-8"?>
+<p:notes xmlns:a="http://schemas.openxmlformats.org/drawingml/2006/main" xmlns:r="http://schemas.openxmlformats.org/officeDocument/2006/relationships" xmlns:p="http://schemas.openxmlformats.org/presentationml/2006/main" showMasterSp="0" showMasterPhAnim="0">
+  <p:cSld>
+    <p:spTree>
+      <p:nvGrpSpPr>
+        <p:cNvPr id="1" name="Shape 187"/>
+        <p:cNvGrpSpPr/>
+        <p:nvPr/>
+      </p:nvGrpSpPr>
+      <p:grpSpPr>
+        <a:xfrm>
+          <a:off x="0" y="0"/>
+          <a:ext cx="0" cy="0"/>
+          <a:chOff x="0" y="0"/>
+          <a:chExt cx="0" cy="0"/>
+        </a:xfrm>
+      </p:grpSpPr>
+      <p:sp>
+        <p:nvSpPr>
+          <p:cNvPr id="188" name="Google Shape;188;g354830c09cf_1_0:notes"/>
+          <p:cNvSpPr>
+            <a:spLocks noGrp="1" noRot="1" noChangeAspect="1"/>
+          </p:cNvSpPr>
+          <p:nvPr>
+            <p:ph type="sldImg" idx="2"/>
+          </p:nvPr>
+        </p:nvSpPr>
+        <p:spPr>
+          <a:xfrm>
+            <a:off x="381000" y="685800"/>
+            <a:ext cx="6096000" cy="3429000"/>
+          </a:xfrm>
+          <a:custGeom>
+            <a:avLst/>
+            <a:gdLst/>
+            <a:ahLst/>
+            <a:cxnLst/>
+            <a:rect l="l" t="t" r="r" b="b"/>
+            <a:pathLst>
+              <a:path w="120000" h="120000" extrusionOk="0">
+                <a:moveTo>
+                  <a:pt x="0" y="0"/>
+                </a:moveTo>
+                <a:lnTo>
+                  <a:pt x="120000" y="0"/>
+                </a:lnTo>
+                <a:lnTo>
+                  <a:pt x="120000" y="120000"/>
+                </a:lnTo>
+                <a:lnTo>
+                  <a:pt x="0" y="120000"/>
+                </a:lnTo>
+                <a:close/>
+              </a:path>
+            </a:pathLst>
+          </a:custGeom>
+          <a:noFill/>
+          <a:ln w="9525" cap="flat" cmpd="sng">
+            <a:solidFill>
+              <a:srgbClr val="000000"/>
+            </a:solidFill>
+            <a:prstDash val="solid"/>
+            <a:round/>
+            <a:headEnd type="none" w="sm" len="sm"/>
+            <a:tailEnd type="none" w="sm" len="sm"/>
+          </a:ln>
+        </p:spPr>
+      </p:sp>
+      <p:sp>
+        <p:nvSpPr>
+          <p:cNvPr id="189" name="Google Shape;189;g354830c09cf_1_0:notes"/>
+          <p:cNvSpPr txBox="1">
+            <a:spLocks noGrp="1"/>
+          </p:cNvSpPr>
+          <p:nvPr>
+            <p:ph type="body" idx="1"/>
+          </p:nvPr>
+        </p:nvSpPr>
+        <p:spPr>
+          <a:xfrm>
+            <a:off x="685800" y="4343400"/>
+            <a:ext cx="5486400" cy="4114800"/>
+          </a:xfrm>
+          <a:prstGeom prst="rect">
+            <a:avLst/>
+          </a:prstGeom>
+          <a:noFill/>
+          <a:ln>
+            <a:noFill/>
+          </a:ln>
+        </p:spPr>
+        <p:txBody>
+          <a:bodyPr spcFirstLastPara="1" wrap="square" lIns="91425" tIns="91425" rIns="91425" bIns="91425" anchor="t" anchorCtr="0">
+            <a:noAutofit/>
+          </a:bodyPr>
+          <a:lstStyle/>
+          <a:p>
+            <a:pPr marL="0" lvl="0" indent="0" algn="l" rtl="0">
+              <a:lnSpc>
+                <a:spcPct val="100000"/>
+              </a:lnSpc>
+              <a:spcBef>
+                <a:spcPts val="0"/>
+              </a:spcBef>
+              <a:spcAft>
+                <a:spcPts val="0"/>
+              </a:spcAft>
+              <a:buSzPts val="1100"/>
+              <a:buNone/>
+            </a:pPr>
+            <a:endParaRPr/>
+          </a:p>
+        </p:txBody>
+      </p:sp>
+    </p:spTree>
+  </p:cSld>
+  <p:clrMapOvr>
+    <a:masterClrMapping/>
+  </p:clrMapOvr>
+</p:notes>
+</file>
+
+<file path=ppt/notesSlides/notesSlide15.xml><?xml version="1.0" encoding="utf-8"?>
+<p:notes xmlns:a="http://schemas.openxmlformats.org/drawingml/2006/main" xmlns:r="http://schemas.openxmlformats.org/officeDocument/2006/relationships" xmlns:p="http://schemas.openxmlformats.org/presentationml/2006/main" showMasterSp="0" showMasterPhAnim="0">
+  <p:cSld>
+    <p:spTree>
+      <p:nvGrpSpPr>
+        <p:cNvPr id="1" name="Shape 194"/>
+        <p:cNvGrpSpPr/>
+        <p:nvPr/>
+      </p:nvGrpSpPr>
+      <p:grpSpPr>
+        <a:xfrm>
+          <a:off x="0" y="0"/>
+          <a:ext cx="0" cy="0"/>
+          <a:chOff x="0" y="0"/>
+          <a:chExt cx="0" cy="0"/>
+        </a:xfrm>
+      </p:grpSpPr>
+      <p:sp>
+        <p:nvSpPr>
+          <p:cNvPr id="195" name="Google Shape;195;g357549c08ae_1_0:notes"/>
+          <p:cNvSpPr>
+            <a:spLocks noGrp="1" noRot="1" noChangeAspect="1"/>
+          </p:cNvSpPr>
+          <p:nvPr>
+            <p:ph type="sldImg" idx="2"/>
+          </p:nvPr>
+        </p:nvSpPr>
+        <p:spPr>
+          <a:xfrm>
+            <a:off x="381000" y="685800"/>
+            <a:ext cx="6096000" cy="3429000"/>
+          </a:xfrm>
+          <a:custGeom>
+            <a:avLst/>
+            <a:gdLst/>
+            <a:ahLst/>
+            <a:cxnLst/>
+            <a:rect l="l" t="t" r="r" b="b"/>
+            <a:pathLst>
+              <a:path w="120000" h="120000" extrusionOk="0">
+                <a:moveTo>
+                  <a:pt x="0" y="0"/>
+                </a:moveTo>
+                <a:lnTo>
+                  <a:pt x="120000" y="0"/>
+                </a:lnTo>
+                <a:lnTo>
+                  <a:pt x="120000" y="120000"/>
+                </a:lnTo>
+                <a:lnTo>
+                  <a:pt x="0" y="120000"/>
+                </a:lnTo>
+                <a:close/>
+              </a:path>
+            </a:pathLst>
+          </a:custGeom>
+          <a:noFill/>
+          <a:ln w="9525" cap="flat" cmpd="sng">
+            <a:solidFill>
+              <a:srgbClr val="000000"/>
+            </a:solidFill>
+            <a:prstDash val="solid"/>
+            <a:round/>
+            <a:headEnd type="none" w="sm" len="sm"/>
+            <a:tailEnd type="none" w="sm" len="sm"/>
+          </a:ln>
+        </p:spPr>
+      </p:sp>
+      <p:sp>
+        <p:nvSpPr>
+          <p:cNvPr id="196" name="Google Shape;196;g357549c08ae_1_0:notes"/>
+          <p:cNvSpPr txBox="1">
+            <a:spLocks noGrp="1"/>
+          </p:cNvSpPr>
+          <p:nvPr>
+            <p:ph type="body" idx="1"/>
+          </p:nvPr>
+        </p:nvSpPr>
+        <p:spPr>
+          <a:xfrm>
+            <a:off x="685800" y="4343400"/>
+            <a:ext cx="5486400" cy="4114800"/>
+          </a:xfrm>
+          <a:prstGeom prst="rect">
+            <a:avLst/>
+          </a:prstGeom>
+          <a:noFill/>
+          <a:ln>
+            <a:noFill/>
+          </a:ln>
+        </p:spPr>
+        <p:txBody>
+          <a:bodyPr spcFirstLastPara="1" wrap="square" lIns="91425" tIns="91425" rIns="91425" bIns="91425" anchor="t" anchorCtr="0">
+            <a:noAutofit/>
+          </a:bodyPr>
+          <a:lstStyle/>
+          <a:p>
+            <a:pPr marL="0" lvl="0" indent="0" algn="l" rtl="0">
+              <a:lnSpc>
+                <a:spcPct val="100000"/>
+              </a:lnSpc>
+              <a:spcBef>
+                <a:spcPts val="0"/>
+              </a:spcBef>
+              <a:spcAft>
+                <a:spcPts val="0"/>
+              </a:spcAft>
+              <a:buSzPts val="1100"/>
+              <a:buNone/>
+            </a:pPr>
+            <a:endParaRPr/>
+          </a:p>
+        </p:txBody>
+      </p:sp>
+    </p:spTree>
+  </p:cSld>
+  <p:clrMapOvr>
+    <a:masterClrMapping/>
+  </p:clrMapOvr>
+</p:notes>
+</file>
+
+<file path=ppt/notesSlides/notesSlide16.xml><?xml version="1.0" encoding="utf-8"?>
+<p:notes xmlns:a="http://schemas.openxmlformats.org/drawingml/2006/main" xmlns:r="http://schemas.openxmlformats.org/officeDocument/2006/relationships" xmlns:p="http://schemas.openxmlformats.org/presentationml/2006/main" showMasterSp="0" showMasterPhAnim="0">
+  <p:cSld>
+    <p:spTree>
+      <p:nvGrpSpPr>
+        <p:cNvPr id="1" name="Shape 206"/>
+        <p:cNvGrpSpPr/>
+        <p:nvPr/>
+      </p:nvGrpSpPr>
+      <p:grpSpPr>
+        <a:xfrm>
+          <a:off x="0" y="0"/>
+          <a:ext cx="0" cy="0"/>
+          <a:chOff x="0" y="0"/>
+          <a:chExt cx="0" cy="0"/>
+        </a:xfrm>
+      </p:grpSpPr>
+      <p:sp>
+        <p:nvSpPr>
+          <p:cNvPr id="207" name="Google Shape;207;p21:notes"/>
           <p:cNvSpPr>
             <a:spLocks noGrp="1" noRot="1" noChangeAspect="1"/>
           </p:cNvSpPr>
@@ -1396,7 +1765,7 @@
       </p:sp>
       <p:sp>
         <p:nvSpPr>
-          <p:cNvPr id="182" name="Google Shape;182;p21:notes"/>
+          <p:cNvPr id="208" name="Google Shape;208;p21:notes"/>
           <p:cNvSpPr txBox="1">
             <a:spLocks noGrp="1"/>
           </p:cNvSpPr>
@@ -1448,12 +1817,12 @@
 </p:notes>
 </file>
 
-<file path=ppt/notesSlides/notesSlide14.xml><?xml version="1.0" encoding="utf-8"?>
+<file path=ppt/notesSlides/notesSlide17.xml><?xml version="1.0" encoding="utf-8"?>
 <p:notes xmlns:a="http://schemas.openxmlformats.org/drawingml/2006/main" xmlns:r="http://schemas.openxmlformats.org/officeDocument/2006/relationships" xmlns:p="http://schemas.openxmlformats.org/presentationml/2006/main" showMasterSp="0" showMasterPhAnim="0">
   <p:cSld>
     <p:spTree>
       <p:nvGrpSpPr>
-        <p:cNvPr id="1" name="Shape 249"/>
+        <p:cNvPr id="1" name="Shape 275"/>
         <p:cNvGrpSpPr/>
         <p:nvPr/>
       </p:nvGrpSpPr>
@@ -1467,7 +1836,7 @@
       </p:grpSpPr>
       <p:sp>
         <p:nvSpPr>
-          <p:cNvPr id="250" name="Google Shape;250;p23:notes"/>
+          <p:cNvPr id="276" name="Google Shape;276;p23:notes"/>
           <p:cNvSpPr>
             <a:spLocks noGrp="1" noRot="1" noChangeAspect="1"/>
           </p:cNvSpPr>
@@ -1518,7 +1887,7 @@
       </p:sp>
       <p:sp>
         <p:nvSpPr>
-          <p:cNvPr id="251" name="Google Shape;251;p23:notes"/>
+          <p:cNvPr id="277" name="Google Shape;277;p23:notes"/>
           <p:cNvSpPr txBox="1">
             <a:spLocks noGrp="1"/>
           </p:cNvSpPr>
@@ -1570,12 +1939,12 @@
 </p:notes>
 </file>
 
-<file path=ppt/notesSlides/notesSlide15.xml><?xml version="1.0" encoding="utf-8"?>
+<file path=ppt/notesSlides/notesSlide18.xml><?xml version="1.0" encoding="utf-8"?>
 <p:notes xmlns:a="http://schemas.openxmlformats.org/drawingml/2006/main" xmlns:r="http://schemas.openxmlformats.org/officeDocument/2006/relationships" xmlns:p="http://schemas.openxmlformats.org/presentationml/2006/main" showMasterSp="0" showMasterPhAnim="0">
   <p:cSld>
     <p:spTree>
       <p:nvGrpSpPr>
-        <p:cNvPr id="1" name="Shape 258"/>
+        <p:cNvPr id="1" name="Shape 284"/>
         <p:cNvGrpSpPr/>
         <p:nvPr/>
       </p:nvGrpSpPr>
@@ -1589,7 +1958,7 @@
       </p:grpSpPr>
       <p:sp>
         <p:nvSpPr>
-          <p:cNvPr id="259" name="Google Shape;259;p24:notes"/>
+          <p:cNvPr id="285" name="Google Shape;285;p24:notes"/>
           <p:cNvSpPr>
             <a:spLocks noGrp="1" noRot="1" noChangeAspect="1"/>
           </p:cNvSpPr>
@@ -1640,7 +2009,7 @@
       </p:sp>
       <p:sp>
         <p:nvSpPr>
-          <p:cNvPr id="260" name="Google Shape;260;p24:notes"/>
+          <p:cNvPr id="286" name="Google Shape;286;p24:notes"/>
           <p:cNvSpPr txBox="1">
             <a:spLocks noGrp="1"/>
           </p:cNvSpPr>
@@ -1692,12 +2061,12 @@
 </p:notes>
 </file>
 
-<file path=ppt/notesSlides/notesSlide16.xml><?xml version="1.0" encoding="utf-8"?>
+<file path=ppt/notesSlides/notesSlide19.xml><?xml version="1.0" encoding="utf-8"?>
 <p:notes xmlns:a="http://schemas.openxmlformats.org/drawingml/2006/main" xmlns:r="http://schemas.openxmlformats.org/officeDocument/2006/relationships" xmlns:p="http://schemas.openxmlformats.org/presentationml/2006/main" showMasterSp="0" showMasterPhAnim="0">
   <p:cSld>
     <p:spTree>
       <p:nvGrpSpPr>
-        <p:cNvPr id="1" name="Shape 268"/>
+        <p:cNvPr id="1" name="Shape 294"/>
         <p:cNvGrpSpPr/>
         <p:nvPr/>
       </p:nvGrpSpPr>
@@ -1711,7 +2080,7 @@
       </p:grpSpPr>
       <p:sp>
         <p:nvSpPr>
-          <p:cNvPr id="269" name="Google Shape;269;p25:notes"/>
+          <p:cNvPr id="295" name="Google Shape;295;p25:notes"/>
           <p:cNvSpPr>
             <a:spLocks noGrp="1" noRot="1" noChangeAspect="1"/>
           </p:cNvSpPr>
@@ -1762,7 +2131,7 @@
       </p:sp>
       <p:sp>
         <p:nvSpPr>
-          <p:cNvPr id="270" name="Google Shape;270;p25:notes"/>
+          <p:cNvPr id="296" name="Google Shape;296;p25:notes"/>
           <p:cNvSpPr txBox="1">
             <a:spLocks noGrp="1"/>
           </p:cNvSpPr>
@@ -2063,7 +2432,7 @@
   <p:cSld>
     <p:spTree>
       <p:nvGrpSpPr>
-        <p:cNvPr id="1" name="Shape 90"/>
+        <p:cNvPr id="1" name="Shape 92"/>
         <p:cNvGrpSpPr/>
         <p:nvPr/>
       </p:nvGrpSpPr>
@@ -2077,7 +2446,7 @@
       </p:grpSpPr>
       <p:sp>
         <p:nvSpPr>
-          <p:cNvPr id="91" name="Google Shape;91;g335eca5af5e_1_0:notes"/>
+          <p:cNvPr id="93" name="Google Shape;93;g335eca5af5e_1_0:notes"/>
           <p:cNvSpPr>
             <a:spLocks noGrp="1" noRot="1" noChangeAspect="1"/>
           </p:cNvSpPr>
@@ -2128,7 +2497,7 @@
       </p:sp>
       <p:sp>
         <p:nvSpPr>
-          <p:cNvPr id="92" name="Google Shape;92;g335eca5af5e_1_0:notes"/>
+          <p:cNvPr id="94" name="Google Shape;94;g335eca5af5e_1_0:notes"/>
           <p:cNvSpPr txBox="1">
             <a:spLocks noGrp="1"/>
           </p:cNvSpPr>
@@ -2185,7 +2554,7 @@
   <p:cSld>
     <p:spTree>
       <p:nvGrpSpPr>
-        <p:cNvPr id="1" name="Shape 101"/>
+        <p:cNvPr id="1" name="Shape 103"/>
         <p:cNvGrpSpPr/>
         <p:nvPr/>
       </p:nvGrpSpPr>
@@ -2199,7 +2568,7 @@
       </p:grpSpPr>
       <p:sp>
         <p:nvSpPr>
-          <p:cNvPr id="102" name="Google Shape;102;g359cb8eeab4_0_0:notes"/>
+          <p:cNvPr id="104" name="Google Shape;104;g359cb8eeab4_0_0:notes"/>
           <p:cNvSpPr>
             <a:spLocks noGrp="1" noRot="1" noChangeAspect="1"/>
           </p:cNvSpPr>
@@ -2250,7 +2619,7 @@
       </p:sp>
       <p:sp>
         <p:nvSpPr>
-          <p:cNvPr id="103" name="Google Shape;103;g359cb8eeab4_0_0:notes"/>
+          <p:cNvPr id="105" name="Google Shape;105;g359cb8eeab4_0_0:notes"/>
           <p:cNvSpPr txBox="1">
             <a:spLocks noGrp="1"/>
           </p:cNvSpPr>
@@ -2307,7 +2676,7 @@
   <p:cSld>
     <p:spTree>
       <p:nvGrpSpPr>
-        <p:cNvPr id="1" name="Shape 111"/>
+        <p:cNvPr id="1" name="Shape 113"/>
         <p:cNvGrpSpPr/>
         <p:nvPr/>
       </p:nvGrpSpPr>
@@ -2321,7 +2690,7 @@
       </p:grpSpPr>
       <p:sp>
         <p:nvSpPr>
-          <p:cNvPr id="112" name="Google Shape;112;g3052796461d_0_2:notes"/>
+          <p:cNvPr id="114" name="Google Shape;114;g335eca5af5e_2_0:notes"/>
           <p:cNvSpPr>
             <a:spLocks noGrp="1" noRot="1" noChangeAspect="1"/>
           </p:cNvSpPr>
@@ -2372,7 +2741,7 @@
       </p:sp>
       <p:sp>
         <p:nvSpPr>
-          <p:cNvPr id="113" name="Google Shape;113;g3052796461d_0_2:notes"/>
+          <p:cNvPr id="115" name="Google Shape;115;g335eca5af5e_2_0:notes"/>
           <p:cNvSpPr txBox="1">
             <a:spLocks noGrp="1"/>
           </p:cNvSpPr>
@@ -2429,7 +2798,7 @@
   <p:cSld>
     <p:spTree>
       <p:nvGrpSpPr>
-        <p:cNvPr id="1" name="Shape 123"/>
+        <p:cNvPr id="1" name="Shape 119"/>
         <p:cNvGrpSpPr/>
         <p:nvPr/>
       </p:nvGrpSpPr>
@@ -2443,7 +2812,7 @@
       </p:grpSpPr>
       <p:sp>
         <p:nvSpPr>
-          <p:cNvPr id="124" name="Google Shape;124;g3052db9de59_1_4:notes"/>
+          <p:cNvPr id="120" name="Google Shape;120;g3052796461d_0_2:notes"/>
           <p:cNvSpPr>
             <a:spLocks noGrp="1" noRot="1" noChangeAspect="1"/>
           </p:cNvSpPr>
@@ -2494,7 +2863,7 @@
       </p:sp>
       <p:sp>
         <p:nvSpPr>
-          <p:cNvPr id="125" name="Google Shape;125;g3052db9de59_1_4:notes"/>
+          <p:cNvPr id="121" name="Google Shape;121;g3052796461d_0_2:notes"/>
           <p:cNvSpPr txBox="1">
             <a:spLocks noGrp="1"/>
           </p:cNvSpPr>
@@ -2551,7 +2920,7 @@
   <p:cSld>
     <p:spTree>
       <p:nvGrpSpPr>
-        <p:cNvPr id="1" name="Shape 133"/>
+        <p:cNvPr id="1" name="Shape 131"/>
         <p:cNvGrpSpPr/>
         <p:nvPr/>
       </p:nvGrpSpPr>
@@ -2565,7 +2934,7 @@
       </p:grpSpPr>
       <p:sp>
         <p:nvSpPr>
-          <p:cNvPr id="134" name="Google Shape;134;g3052ea687e9_0_0:notes"/>
+          <p:cNvPr id="132" name="Google Shape;132;g3052db9de59_1_4:notes"/>
           <p:cNvSpPr>
             <a:spLocks noGrp="1" noRot="1" noChangeAspect="1"/>
           </p:cNvSpPr>
@@ -2616,7 +2985,7 @@
       </p:sp>
       <p:sp>
         <p:nvSpPr>
-          <p:cNvPr id="135" name="Google Shape;135;g3052ea687e9_0_0:notes"/>
+          <p:cNvPr id="133" name="Google Shape;133;g3052db9de59_1_4:notes"/>
           <p:cNvSpPr txBox="1">
             <a:spLocks noGrp="1"/>
           </p:cNvSpPr>
@@ -2673,7 +3042,7 @@
   <p:cSld>
     <p:spTree>
       <p:nvGrpSpPr>
-        <p:cNvPr id="1" name="Shape 145"/>
+        <p:cNvPr id="1" name="Shape 141"/>
         <p:cNvGrpSpPr/>
         <p:nvPr/>
       </p:nvGrpSpPr>
@@ -2687,7 +3056,7 @@
       </p:grpSpPr>
       <p:sp>
         <p:nvSpPr>
-          <p:cNvPr id="146" name="Google Shape;146;g335eca5af5e_1_15:notes"/>
+          <p:cNvPr id="142" name="Google Shape;142;g3052ea687e9_0_0:notes"/>
           <p:cNvSpPr>
             <a:spLocks noGrp="1" noRot="1" noChangeAspect="1"/>
           </p:cNvSpPr>
@@ -2738,7 +3107,7 @@
       </p:sp>
       <p:sp>
         <p:nvSpPr>
-          <p:cNvPr id="147" name="Google Shape;147;g335eca5af5e_1_15:notes"/>
+          <p:cNvPr id="143" name="Google Shape;143;g3052ea687e9_0_0:notes"/>
           <p:cNvSpPr txBox="1">
             <a:spLocks noGrp="1"/>
           </p:cNvSpPr>
@@ -12188,7 +12557,7 @@
         <p:spPr>
           <a:xfrm>
             <a:off x="78651" y="891002"/>
-            <a:ext cx="4420200" cy="1173000"/>
+            <a:ext cx="4420200" cy="1403700"/>
           </a:xfrm>
           <a:prstGeom prst="rect">
             <a:avLst/>
@@ -12400,6 +12769,46 @@
                 <a:sym typeface="Calibri"/>
               </a:rPr>
               <a:t>Alibaba Qwen "Web Dev"</a:t>
+            </a:r>
+            <a:endParaRPr sz="1500" b="1">
+              <a:solidFill>
+                <a:srgbClr val="3C78D8"/>
+              </a:solidFill>
+              <a:latin typeface="Calibri"/>
+              <a:ea typeface="Calibri"/>
+              <a:cs typeface="Calibri"/>
+              <a:sym typeface="Calibri"/>
+            </a:endParaRPr>
+          </a:p>
+          <a:p>
+            <a:pPr marL="228600" marR="0" lvl="0" indent="-209550" algn="l" rtl="0">
+              <a:lnSpc>
+                <a:spcPct val="100000"/>
+              </a:lnSpc>
+              <a:spcBef>
+                <a:spcPts val="0"/>
+              </a:spcBef>
+              <a:spcAft>
+                <a:spcPts val="0"/>
+              </a:spcAft>
+              <a:buClr>
+                <a:srgbClr val="3C78D8"/>
+              </a:buClr>
+              <a:buSzPts val="1500"/>
+              <a:buFont typeface="Calibri"/>
+              <a:buChar char="●"/>
+            </a:pPr>
+            <a:r>
+              <a:rPr lang="en" sz="1500" b="1">
+                <a:solidFill>
+                  <a:srgbClr val="3C78D8"/>
+                </a:solidFill>
+                <a:latin typeface="Calibri"/>
+                <a:ea typeface="Calibri"/>
+                <a:cs typeface="Calibri"/>
+                <a:sym typeface="Calibri"/>
+              </a:rPr>
+              <a:t>GPT-4.1 and GPT-4.1-mini</a:t>
             </a:r>
             <a:endParaRPr sz="1500" b="1">
               <a:solidFill>
@@ -12665,7 +13074,7 @@
         </p:nvSpPr>
         <p:spPr>
           <a:xfrm>
-            <a:off x="70976" y="2313030"/>
+            <a:off x="70976" y="2465430"/>
             <a:ext cx="4420200" cy="1865400"/>
           </a:xfrm>
           <a:prstGeom prst="rect">
@@ -13020,7 +13429,7 @@
         <p:spPr>
           <a:xfrm>
             <a:off x="4576975" y="897612"/>
-            <a:ext cx="4502400" cy="1634700"/>
+            <a:ext cx="4502400" cy="2096400"/>
           </a:xfrm>
           <a:prstGeom prst="rect">
             <a:avLst/>
@@ -13192,6 +13601,86 @@
                 <a:sym typeface="Calibri"/>
               </a:rPr>
               <a:t>Audible uses AI to convert print to audio</a:t>
+            </a:r>
+            <a:endParaRPr sz="1500" b="1">
+              <a:solidFill>
+                <a:srgbClr val="3C78D8"/>
+              </a:solidFill>
+              <a:latin typeface="Calibri"/>
+              <a:ea typeface="Calibri"/>
+              <a:cs typeface="Calibri"/>
+              <a:sym typeface="Calibri"/>
+            </a:endParaRPr>
+          </a:p>
+          <a:p>
+            <a:pPr marL="228600" marR="0" lvl="0" indent="-209550" algn="l" rtl="0">
+              <a:lnSpc>
+                <a:spcPct val="100000"/>
+              </a:lnSpc>
+              <a:spcBef>
+                <a:spcPts val="0"/>
+              </a:spcBef>
+              <a:spcAft>
+                <a:spcPts val="0"/>
+              </a:spcAft>
+              <a:buClr>
+                <a:srgbClr val="3C78D8"/>
+              </a:buClr>
+              <a:buSzPts val="1500"/>
+              <a:buFont typeface="Calibri"/>
+              <a:buChar char="●"/>
+            </a:pPr>
+            <a:r>
+              <a:rPr lang="en" sz="1500" b="1">
+                <a:solidFill>
+                  <a:srgbClr val="3C78D8"/>
+                </a:solidFill>
+                <a:latin typeface="Calibri"/>
+                <a:ea typeface="Calibri"/>
+                <a:cs typeface="Calibri"/>
+                <a:sym typeface="Calibri"/>
+              </a:rPr>
+              <a:t>Suna - open-source AI Employee</a:t>
+            </a:r>
+            <a:endParaRPr sz="1500" b="1">
+              <a:solidFill>
+                <a:srgbClr val="3C78D8"/>
+              </a:solidFill>
+              <a:latin typeface="Calibri"/>
+              <a:ea typeface="Calibri"/>
+              <a:cs typeface="Calibri"/>
+              <a:sym typeface="Calibri"/>
+            </a:endParaRPr>
+          </a:p>
+          <a:p>
+            <a:pPr marL="228600" marR="0" lvl="0" indent="-209550" algn="l" rtl="0">
+              <a:lnSpc>
+                <a:spcPct val="100000"/>
+              </a:lnSpc>
+              <a:spcBef>
+                <a:spcPts val="0"/>
+              </a:spcBef>
+              <a:spcAft>
+                <a:spcPts val="0"/>
+              </a:spcAft>
+              <a:buClr>
+                <a:srgbClr val="3C78D8"/>
+              </a:buClr>
+              <a:buSzPts val="1500"/>
+              <a:buFont typeface="Calibri"/>
+              <a:buChar char="●"/>
+            </a:pPr>
+            <a:r>
+              <a:rPr lang="en" sz="1500" b="1">
+                <a:solidFill>
+                  <a:srgbClr val="3C78D8"/>
+                </a:solidFill>
+                <a:latin typeface="Calibri"/>
+                <a:ea typeface="Calibri"/>
+                <a:cs typeface="Calibri"/>
+                <a:sym typeface="Calibri"/>
+              </a:rPr>
+              <a:t>Jeremy Howard Answer.AI</a:t>
             </a:r>
             <a:endParaRPr sz="1500" b="1">
               <a:solidFill>
@@ -13399,7 +13888,7 @@
   <p:cSld>
     <p:spTree>
       <p:nvGrpSpPr>
-        <p:cNvPr id="1" name="Shape 154"/>
+        <p:cNvPr id="1" name="Shape 156"/>
         <p:cNvGrpSpPr/>
         <p:nvPr/>
       </p:nvGrpSpPr>
@@ -13413,7 +13902,2279 @@
       </p:grpSpPr>
       <p:sp>
         <p:nvSpPr>
-          <p:cNvPr id="155" name="Google Shape;155;p24"/>
+          <p:cNvPr id="157" name="Google Shape;157;p24"/>
+          <p:cNvSpPr txBox="1"/>
+          <p:nvPr/>
+        </p:nvSpPr>
+        <p:spPr>
+          <a:xfrm>
+            <a:off x="55075" y="52750"/>
+            <a:ext cx="2469300" cy="326400"/>
+          </a:xfrm>
+          <a:prstGeom prst="rect">
+            <a:avLst/>
+          </a:prstGeom>
+          <a:noFill/>
+          <a:ln>
+            <a:noFill/>
+          </a:ln>
+        </p:spPr>
+        <p:txBody>
+          <a:bodyPr spcFirstLastPara="1" wrap="square" lIns="9125" tIns="9125" rIns="9125" bIns="9125" anchor="t" anchorCtr="0">
+            <a:spAutoFit/>
+          </a:bodyPr>
+          <a:lstStyle/>
+          <a:p>
+            <a:pPr marL="0" marR="0" lvl="0" indent="0" algn="l" rtl="0">
+              <a:lnSpc>
+                <a:spcPct val="100000"/>
+              </a:lnSpc>
+              <a:spcBef>
+                <a:spcPts val="0"/>
+              </a:spcBef>
+              <a:spcAft>
+                <a:spcPts val="0"/>
+              </a:spcAft>
+              <a:buClr>
+                <a:schemeClr val="dk1"/>
+              </a:buClr>
+              <a:buSzPts val="1100"/>
+              <a:buFont typeface="Arial"/>
+              <a:buNone/>
+            </a:pPr>
+            <a:r>
+              <a:rPr lang="en" sz="2000" b="1">
+                <a:solidFill>
+                  <a:schemeClr val="dk1"/>
+                </a:solidFill>
+                <a:latin typeface="Calibri"/>
+                <a:ea typeface="Calibri"/>
+                <a:cs typeface="Calibri"/>
+                <a:sym typeface="Calibri"/>
+              </a:rPr>
+              <a:t>AI Updates 5</a:t>
+            </a:r>
+            <a:endParaRPr sz="2000" b="1" i="0" u="none" strike="noStrike" cap="none">
+              <a:solidFill>
+                <a:schemeClr val="dk1"/>
+              </a:solidFill>
+              <a:latin typeface="Calibri"/>
+              <a:ea typeface="Calibri"/>
+              <a:cs typeface="Calibri"/>
+              <a:sym typeface="Calibri"/>
+            </a:endParaRPr>
+          </a:p>
+        </p:txBody>
+      </p:sp>
+      <p:sp>
+        <p:nvSpPr>
+          <p:cNvPr id="158" name="Google Shape;158;p24"/>
+          <p:cNvSpPr txBox="1"/>
+          <p:nvPr/>
+        </p:nvSpPr>
+        <p:spPr>
+          <a:xfrm>
+            <a:off x="55075" y="540600"/>
+            <a:ext cx="4460700" cy="2511900"/>
+          </a:xfrm>
+          <a:prstGeom prst="rect">
+            <a:avLst/>
+          </a:prstGeom>
+          <a:solidFill>
+            <a:srgbClr val="FFF2CC"/>
+          </a:solidFill>
+          <a:ln w="9525" cap="flat" cmpd="sng">
+            <a:solidFill>
+              <a:srgbClr val="FF0000"/>
+            </a:solidFill>
+            <a:prstDash val="solid"/>
+            <a:round/>
+            <a:headEnd type="none" w="sm" len="sm"/>
+            <a:tailEnd type="none" w="sm" len="sm"/>
+          </a:ln>
+        </p:spPr>
+        <p:txBody>
+          <a:bodyPr spcFirstLastPara="1" wrap="square" lIns="9125" tIns="9125" rIns="9125" bIns="9125" anchor="t" anchorCtr="0">
+            <a:spAutoFit/>
+          </a:bodyPr>
+          <a:lstStyle/>
+          <a:p>
+            <a:pPr marL="171450" marR="0" lvl="0" indent="-114300" algn="l" rtl="0">
+              <a:lnSpc>
+                <a:spcPct val="100000"/>
+              </a:lnSpc>
+              <a:spcBef>
+                <a:spcPts val="0"/>
+              </a:spcBef>
+              <a:spcAft>
+                <a:spcPts val="0"/>
+              </a:spcAft>
+              <a:buClr>
+                <a:srgbClr val="FF0000"/>
+              </a:buClr>
+              <a:buSzPts val="900"/>
+              <a:buFont typeface="Calibri"/>
+              <a:buChar char="●"/>
+            </a:pPr>
+            <a:r>
+              <a:rPr lang="en" sz="1200" b="1">
+                <a:solidFill>
+                  <a:srgbClr val="FF0000"/>
+                </a:solidFill>
+                <a:latin typeface="Calibri"/>
+                <a:ea typeface="Calibri"/>
+                <a:cs typeface="Calibri"/>
+                <a:sym typeface="Calibri"/>
+              </a:rPr>
+              <a:t>Audible uses AI to convert print to audio</a:t>
+            </a:r>
+            <a:endParaRPr sz="1200" b="1">
+              <a:solidFill>
+                <a:srgbClr val="FF0000"/>
+              </a:solidFill>
+              <a:latin typeface="Calibri"/>
+              <a:ea typeface="Calibri"/>
+              <a:cs typeface="Calibri"/>
+              <a:sym typeface="Calibri"/>
+            </a:endParaRPr>
+          </a:p>
+          <a:p>
+            <a:pPr marL="171450" marR="0" lvl="0" indent="-114300" algn="l" rtl="0">
+              <a:lnSpc>
+                <a:spcPct val="100000"/>
+              </a:lnSpc>
+              <a:spcBef>
+                <a:spcPts val="0"/>
+              </a:spcBef>
+              <a:spcAft>
+                <a:spcPts val="0"/>
+              </a:spcAft>
+              <a:buClr>
+                <a:schemeClr val="dk1"/>
+              </a:buClr>
+              <a:buSzPts val="900"/>
+              <a:buFont typeface="Calibri"/>
+              <a:buChar char="●"/>
+            </a:pPr>
+            <a:r>
+              <a:rPr lang="en" sz="1200">
+                <a:solidFill>
+                  <a:schemeClr val="dk1"/>
+                </a:solidFill>
+                <a:latin typeface="Calibri"/>
+                <a:ea typeface="Calibri"/>
+                <a:cs typeface="Calibri"/>
+                <a:sym typeface="Calibri"/>
+              </a:rPr>
+              <a:t>Amazon’s audiobook service is converting print and e-books into AI-narrated audiobooks</a:t>
+            </a:r>
+            <a:endParaRPr sz="1200">
+              <a:solidFill>
+                <a:schemeClr val="dk1"/>
+              </a:solidFill>
+              <a:latin typeface="Calibri"/>
+              <a:ea typeface="Calibri"/>
+              <a:cs typeface="Calibri"/>
+              <a:sym typeface="Calibri"/>
+            </a:endParaRPr>
+          </a:p>
+          <a:p>
+            <a:pPr marL="171450" marR="0" lvl="0" indent="-114300" algn="l" rtl="0">
+              <a:lnSpc>
+                <a:spcPct val="100000"/>
+              </a:lnSpc>
+              <a:spcBef>
+                <a:spcPts val="0"/>
+              </a:spcBef>
+              <a:spcAft>
+                <a:spcPts val="0"/>
+              </a:spcAft>
+              <a:buClr>
+                <a:schemeClr val="dk1"/>
+              </a:buClr>
+              <a:buSzPts val="900"/>
+              <a:buFont typeface="Calibri"/>
+              <a:buChar char="●"/>
+            </a:pPr>
+            <a:r>
+              <a:rPr lang="en" sz="1200">
+                <a:solidFill>
+                  <a:schemeClr val="dk1"/>
+                </a:solidFill>
+                <a:latin typeface="Calibri"/>
+                <a:ea typeface="Calibri"/>
+                <a:cs typeface="Calibri"/>
+                <a:sym typeface="Calibri"/>
+              </a:rPr>
+              <a:t>Book publishers can choose from 100+ AI-generated voices available in English, French, Spanish, and Italian, with multiple accents and dialect options</a:t>
+            </a:r>
+            <a:endParaRPr sz="1200">
+              <a:solidFill>
+                <a:schemeClr val="dk1"/>
+              </a:solidFill>
+              <a:latin typeface="Calibri"/>
+              <a:ea typeface="Calibri"/>
+              <a:cs typeface="Calibri"/>
+              <a:sym typeface="Calibri"/>
+            </a:endParaRPr>
+          </a:p>
+          <a:p>
+            <a:pPr marL="171450" marR="0" lvl="0" indent="-114300" algn="l" rtl="0">
+              <a:lnSpc>
+                <a:spcPct val="100000"/>
+              </a:lnSpc>
+              <a:spcBef>
+                <a:spcPts val="0"/>
+              </a:spcBef>
+              <a:spcAft>
+                <a:spcPts val="0"/>
+              </a:spcAft>
+              <a:buClr>
+                <a:schemeClr val="dk1"/>
+              </a:buClr>
+              <a:buSzPts val="900"/>
+              <a:buFont typeface="Calibri"/>
+              <a:buChar char="●"/>
+            </a:pPr>
+            <a:r>
+              <a:rPr lang="en" sz="1200">
+                <a:solidFill>
+                  <a:schemeClr val="dk1"/>
+                </a:solidFill>
+                <a:latin typeface="Calibri"/>
+                <a:ea typeface="Calibri"/>
+                <a:cs typeface="Calibri"/>
+                <a:sym typeface="Calibri"/>
+              </a:rPr>
+              <a:t>Audible plans to roll out a beta version of AI translation later this year (text-to-text and speech-to-speech translation) - English, Spanish, French, Italian, and German. </a:t>
+            </a:r>
+            <a:endParaRPr sz="1200">
+              <a:solidFill>
+                <a:schemeClr val="dk1"/>
+              </a:solidFill>
+              <a:latin typeface="Calibri"/>
+              <a:ea typeface="Calibri"/>
+              <a:cs typeface="Calibri"/>
+              <a:sym typeface="Calibri"/>
+            </a:endParaRPr>
+          </a:p>
+          <a:p>
+            <a:pPr marL="171450" marR="0" lvl="0" indent="-114300" algn="l" rtl="0">
+              <a:lnSpc>
+                <a:spcPct val="100000"/>
+              </a:lnSpc>
+              <a:spcBef>
+                <a:spcPts val="0"/>
+              </a:spcBef>
+              <a:spcAft>
+                <a:spcPts val="0"/>
+              </a:spcAft>
+              <a:buClr>
+                <a:schemeClr val="dk1"/>
+              </a:buClr>
+              <a:buSzPts val="900"/>
+              <a:buFont typeface="Calibri"/>
+              <a:buChar char="●"/>
+            </a:pPr>
+            <a:r>
+              <a:rPr lang="en" sz="1200">
+                <a:solidFill>
+                  <a:schemeClr val="dk1"/>
+                </a:solidFill>
+                <a:latin typeface="Calibri"/>
+                <a:ea typeface="Calibri"/>
+                <a:cs typeface="Calibri"/>
+                <a:sym typeface="Calibri"/>
+              </a:rPr>
+              <a:t>Spotify, the second-largest audiobook provider after Audible, has also recently made efforts to expand its audiobook library by utilizing AI narration tools - partnered with ElevenLabs in February</a:t>
+            </a:r>
+            <a:endParaRPr sz="1200">
+              <a:solidFill>
+                <a:schemeClr val="dk1"/>
+              </a:solidFill>
+              <a:latin typeface="Calibri"/>
+              <a:ea typeface="Calibri"/>
+              <a:cs typeface="Calibri"/>
+              <a:sym typeface="Calibri"/>
+            </a:endParaRPr>
+          </a:p>
+          <a:p>
+            <a:pPr marL="171450" marR="0" lvl="0" indent="-114300" algn="l" rtl="0">
+              <a:lnSpc>
+                <a:spcPct val="100000"/>
+              </a:lnSpc>
+              <a:spcBef>
+                <a:spcPts val="0"/>
+              </a:spcBef>
+              <a:spcAft>
+                <a:spcPts val="0"/>
+              </a:spcAft>
+              <a:buClr>
+                <a:schemeClr val="dk1"/>
+              </a:buClr>
+              <a:buSzPts val="900"/>
+              <a:buFont typeface="Calibri"/>
+              <a:buChar char="●"/>
+            </a:pPr>
+            <a:r>
+              <a:rPr lang="en" sz="900" u="sng">
+                <a:solidFill>
+                  <a:schemeClr val="hlink"/>
+                </a:solidFill>
+                <a:latin typeface="Calibri"/>
+                <a:ea typeface="Calibri"/>
+                <a:cs typeface="Calibri"/>
+                <a:sym typeface="Calibri"/>
+                <a:hlinkClick r:id="rId3"/>
+              </a:rPr>
+              <a:t>https://www.audible.com/about/newsroom/audible-expands-catalog-with-ai-narration-and-translation-for-publishers</a:t>
+            </a:r>
+            <a:r>
+              <a:rPr lang="en" sz="900">
+                <a:solidFill>
+                  <a:schemeClr val="dk1"/>
+                </a:solidFill>
+                <a:latin typeface="Calibri"/>
+                <a:ea typeface="Calibri"/>
+                <a:cs typeface="Calibri"/>
+                <a:sym typeface="Calibri"/>
+              </a:rPr>
+              <a:t> </a:t>
+            </a:r>
+            <a:endParaRPr sz="900">
+              <a:solidFill>
+                <a:schemeClr val="dk1"/>
+              </a:solidFill>
+              <a:latin typeface="Calibri"/>
+              <a:ea typeface="Calibri"/>
+              <a:cs typeface="Calibri"/>
+              <a:sym typeface="Calibri"/>
+            </a:endParaRPr>
+          </a:p>
+        </p:txBody>
+      </p:sp>
+      <p:sp>
+        <p:nvSpPr>
+          <p:cNvPr id="159" name="Google Shape;159;p24"/>
+          <p:cNvSpPr txBox="1"/>
+          <p:nvPr/>
+        </p:nvSpPr>
+        <p:spPr>
+          <a:xfrm>
+            <a:off x="55075" y="3308975"/>
+            <a:ext cx="4460700" cy="7037400"/>
+          </a:xfrm>
+          <a:prstGeom prst="rect">
+            <a:avLst/>
+          </a:prstGeom>
+          <a:solidFill>
+            <a:srgbClr val="FFF2CC"/>
+          </a:solidFill>
+          <a:ln w="9525" cap="flat" cmpd="sng">
+            <a:solidFill>
+              <a:srgbClr val="FF0000"/>
+            </a:solidFill>
+            <a:prstDash val="solid"/>
+            <a:round/>
+            <a:headEnd type="none" w="sm" len="sm"/>
+            <a:tailEnd type="none" w="sm" len="sm"/>
+          </a:ln>
+        </p:spPr>
+        <p:txBody>
+          <a:bodyPr spcFirstLastPara="1" wrap="square" lIns="9125" tIns="9125" rIns="9125" bIns="9125" anchor="t" anchorCtr="0">
+            <a:spAutoFit/>
+          </a:bodyPr>
+          <a:lstStyle/>
+          <a:p>
+            <a:pPr marL="171450" marR="0" lvl="0" indent="-114300" algn="l" rtl="0">
+              <a:lnSpc>
+                <a:spcPct val="100000"/>
+              </a:lnSpc>
+              <a:spcBef>
+                <a:spcPts val="0"/>
+              </a:spcBef>
+              <a:spcAft>
+                <a:spcPts val="0"/>
+              </a:spcAft>
+              <a:buClr>
+                <a:schemeClr val="dk1"/>
+              </a:buClr>
+              <a:buSzPts val="900"/>
+              <a:buFont typeface="Calibri"/>
+              <a:buChar char="●"/>
+            </a:pPr>
+            <a:r>
+              <a:rPr lang="en" sz="1200">
+                <a:solidFill>
+                  <a:schemeClr val="dk1"/>
+                </a:solidFill>
+                <a:latin typeface="Calibri"/>
+                <a:ea typeface="Calibri"/>
+                <a:cs typeface="Calibri"/>
+                <a:sym typeface="Calibri"/>
+              </a:rPr>
+              <a:t>Suna an open-source AI employee</a:t>
+            </a:r>
+            <a:endParaRPr sz="1200">
+              <a:solidFill>
+                <a:schemeClr val="dk1"/>
+              </a:solidFill>
+              <a:latin typeface="Calibri"/>
+              <a:ea typeface="Calibri"/>
+              <a:cs typeface="Calibri"/>
+              <a:sym typeface="Calibri"/>
+            </a:endParaRPr>
+          </a:p>
+          <a:p>
+            <a:pPr marL="171450" marR="0" lvl="0" indent="-114300" algn="l" rtl="0">
+              <a:lnSpc>
+                <a:spcPct val="100000"/>
+              </a:lnSpc>
+              <a:spcBef>
+                <a:spcPts val="0"/>
+              </a:spcBef>
+              <a:spcAft>
+                <a:spcPts val="0"/>
+              </a:spcAft>
+              <a:buClr>
+                <a:schemeClr val="dk1"/>
+              </a:buClr>
+              <a:buSzPts val="900"/>
+              <a:buFont typeface="Calibri"/>
+              <a:buChar char="●"/>
+            </a:pPr>
+            <a:r>
+              <a:rPr lang="en" sz="1200" u="sng">
+                <a:solidFill>
+                  <a:schemeClr val="hlink"/>
+                </a:solidFill>
+                <a:latin typeface="Calibri"/>
+                <a:ea typeface="Calibri"/>
+                <a:cs typeface="Calibri"/>
+                <a:sym typeface="Calibri"/>
+                <a:hlinkClick r:id="rId4"/>
+              </a:rPr>
+              <a:t>https://www.suna.so</a:t>
+            </a:r>
+            <a:endParaRPr sz="1200">
+              <a:solidFill>
+                <a:schemeClr val="dk1"/>
+              </a:solidFill>
+              <a:latin typeface="Calibri"/>
+              <a:ea typeface="Calibri"/>
+              <a:cs typeface="Calibri"/>
+              <a:sym typeface="Calibri"/>
+            </a:endParaRPr>
+          </a:p>
+          <a:p>
+            <a:pPr marL="171450" marR="0" lvl="0" indent="-114300" algn="l" rtl="0">
+              <a:lnSpc>
+                <a:spcPct val="100000"/>
+              </a:lnSpc>
+              <a:spcBef>
+                <a:spcPts val="0"/>
+              </a:spcBef>
+              <a:spcAft>
+                <a:spcPts val="0"/>
+              </a:spcAft>
+              <a:buClr>
+                <a:schemeClr val="dk1"/>
+              </a:buClr>
+              <a:buSzPts val="900"/>
+              <a:buFont typeface="Calibri"/>
+              <a:buChar char="●"/>
+            </a:pPr>
+            <a:r>
+              <a:rPr lang="en" sz="1200" u="sng">
+                <a:solidFill>
+                  <a:schemeClr val="hlink"/>
+                </a:solidFill>
+                <a:latin typeface="Calibri"/>
+                <a:ea typeface="Calibri"/>
+                <a:cs typeface="Calibri"/>
+                <a:sym typeface="Calibri"/>
+                <a:hlinkClick r:id="rId5"/>
+              </a:rPr>
+              <a:t>https://github.com/kortix-ai/suna</a:t>
+            </a:r>
+            <a:endParaRPr sz="1200">
+              <a:solidFill>
+                <a:schemeClr val="dk1"/>
+              </a:solidFill>
+              <a:latin typeface="Calibri"/>
+              <a:ea typeface="Calibri"/>
+              <a:cs typeface="Calibri"/>
+              <a:sym typeface="Calibri"/>
+            </a:endParaRPr>
+          </a:p>
+          <a:p>
+            <a:pPr marL="171450" marR="0" lvl="0" indent="-114300" algn="l" rtl="0">
+              <a:lnSpc>
+                <a:spcPct val="100000"/>
+              </a:lnSpc>
+              <a:spcBef>
+                <a:spcPts val="0"/>
+              </a:spcBef>
+              <a:spcAft>
+                <a:spcPts val="0"/>
+              </a:spcAft>
+              <a:buClr>
+                <a:schemeClr val="dk1"/>
+              </a:buClr>
+              <a:buSzPts val="900"/>
+              <a:buFont typeface="Calibri"/>
+              <a:buChar char="●"/>
+            </a:pPr>
+            <a:r>
+              <a:rPr lang="en" sz="1200" u="sng">
+                <a:solidFill>
+                  <a:schemeClr val="hlink"/>
+                </a:solidFill>
+                <a:latin typeface="Calibri"/>
+                <a:ea typeface="Calibri"/>
+                <a:cs typeface="Calibri"/>
+                <a:sym typeface="Calibri"/>
+                <a:hlinkClick r:id="rId6"/>
+              </a:rPr>
+              <a:t>https://huggingface.co/blog/lynn-mikami/suno-ai</a:t>
+            </a:r>
+            <a:endParaRPr sz="1200">
+              <a:solidFill>
+                <a:schemeClr val="dk1"/>
+              </a:solidFill>
+              <a:latin typeface="Calibri"/>
+              <a:ea typeface="Calibri"/>
+              <a:cs typeface="Calibri"/>
+              <a:sym typeface="Calibri"/>
+            </a:endParaRPr>
+          </a:p>
+          <a:p>
+            <a:pPr marL="171450" marR="0" lvl="0" indent="-114300" algn="l" rtl="0">
+              <a:lnSpc>
+                <a:spcPct val="100000"/>
+              </a:lnSpc>
+              <a:spcBef>
+                <a:spcPts val="0"/>
+              </a:spcBef>
+              <a:spcAft>
+                <a:spcPts val="0"/>
+              </a:spcAft>
+              <a:buClr>
+                <a:schemeClr val="dk1"/>
+              </a:buClr>
+              <a:buSzPts val="900"/>
+              <a:buFont typeface="Calibri"/>
+              <a:buChar char="●"/>
+            </a:pPr>
+            <a:r>
+              <a:rPr lang="en" sz="1200">
+                <a:solidFill>
+                  <a:schemeClr val="dk1"/>
+                </a:solidFill>
+                <a:latin typeface="Calibri"/>
+                <a:ea typeface="Calibri"/>
+                <a:cs typeface="Calibri"/>
+                <a:sym typeface="Calibri"/>
+              </a:rPr>
+              <a:t> AI agent that is competing directly with Manus AI. Suna was developed by Kortix AI, is designed to perform real-world tasks with a level of autonomy that mimics human behavior. Launched with impressive traction, including 280,000 views on X and 2.8K stars on GitHub, this AI can reason, plan, and take action across various domains. Suna can interact with virtual systems, write files, execute code, browse the internet, just like Manus AI.</a:t>
+            </a:r>
+            <a:endParaRPr sz="1200">
+              <a:solidFill>
+                <a:schemeClr val="dk1"/>
+              </a:solidFill>
+              <a:latin typeface="Calibri"/>
+              <a:ea typeface="Calibri"/>
+              <a:cs typeface="Calibri"/>
+              <a:sym typeface="Calibri"/>
+            </a:endParaRPr>
+          </a:p>
+          <a:p>
+            <a:pPr marL="171450" marR="0" lvl="0" indent="-114300" algn="l" rtl="0">
+              <a:lnSpc>
+                <a:spcPct val="100000"/>
+              </a:lnSpc>
+              <a:spcBef>
+                <a:spcPts val="0"/>
+              </a:spcBef>
+              <a:spcAft>
+                <a:spcPts val="0"/>
+              </a:spcAft>
+              <a:buClr>
+                <a:schemeClr val="dk1"/>
+              </a:buClr>
+              <a:buSzPts val="900"/>
+              <a:buFont typeface="Calibri"/>
+              <a:buChar char="●"/>
+            </a:pPr>
+            <a:endParaRPr sz="1200">
+              <a:solidFill>
+                <a:schemeClr val="dk1"/>
+              </a:solidFill>
+              <a:latin typeface="Calibri"/>
+              <a:ea typeface="Calibri"/>
+              <a:cs typeface="Calibri"/>
+              <a:sym typeface="Calibri"/>
+            </a:endParaRPr>
+          </a:p>
+          <a:p>
+            <a:pPr marL="171450" marR="0" lvl="0" indent="-114300" algn="l" rtl="0">
+              <a:lnSpc>
+                <a:spcPct val="100000"/>
+              </a:lnSpc>
+              <a:spcBef>
+                <a:spcPts val="0"/>
+              </a:spcBef>
+              <a:spcAft>
+                <a:spcPts val="0"/>
+              </a:spcAft>
+              <a:buClr>
+                <a:schemeClr val="dk1"/>
+              </a:buClr>
+              <a:buSzPts val="900"/>
+              <a:buFont typeface="Calibri"/>
+              <a:buChar char="●"/>
+            </a:pPr>
+            <a:r>
+              <a:rPr lang="en" sz="1200">
+                <a:solidFill>
+                  <a:schemeClr val="dk1"/>
+                </a:solidFill>
+                <a:latin typeface="Calibri"/>
+                <a:ea typeface="Calibri"/>
+                <a:cs typeface="Calibri"/>
+                <a:sym typeface="Calibri"/>
+              </a:rPr>
+              <a:t>One notable feature is its ability to handle complex tasks such as enhancing B2B lead spreadsheets by gathering data from LinkedIn, or conducting research on financial topics like stock performance and market analysis. These tasks are carried out through an AI interface that plans and executes steps in a methodical sequence, ensuring an efficient completion of tasks without manual intervention.</a:t>
+            </a:r>
+            <a:endParaRPr sz="1200">
+              <a:solidFill>
+                <a:schemeClr val="dk1"/>
+              </a:solidFill>
+              <a:latin typeface="Calibri"/>
+              <a:ea typeface="Calibri"/>
+              <a:cs typeface="Calibri"/>
+              <a:sym typeface="Calibri"/>
+            </a:endParaRPr>
+          </a:p>
+          <a:p>
+            <a:pPr marL="171450" marR="0" lvl="0" indent="-114300" algn="l" rtl="0">
+              <a:lnSpc>
+                <a:spcPct val="100000"/>
+              </a:lnSpc>
+              <a:spcBef>
+                <a:spcPts val="0"/>
+              </a:spcBef>
+              <a:spcAft>
+                <a:spcPts val="0"/>
+              </a:spcAft>
+              <a:buClr>
+                <a:schemeClr val="dk1"/>
+              </a:buClr>
+              <a:buSzPts val="900"/>
+              <a:buFont typeface="Calibri"/>
+              <a:buChar char="●"/>
+            </a:pPr>
+            <a:endParaRPr sz="1200">
+              <a:solidFill>
+                <a:schemeClr val="dk1"/>
+              </a:solidFill>
+              <a:latin typeface="Calibri"/>
+              <a:ea typeface="Calibri"/>
+              <a:cs typeface="Calibri"/>
+              <a:sym typeface="Calibri"/>
+            </a:endParaRPr>
+          </a:p>
+          <a:p>
+            <a:pPr marL="171450" marR="0" lvl="0" indent="-114300" algn="l" rtl="0">
+              <a:lnSpc>
+                <a:spcPct val="100000"/>
+              </a:lnSpc>
+              <a:spcBef>
+                <a:spcPts val="0"/>
+              </a:spcBef>
+              <a:spcAft>
+                <a:spcPts val="0"/>
+              </a:spcAft>
+              <a:buClr>
+                <a:schemeClr val="dk1"/>
+              </a:buClr>
+              <a:buSzPts val="900"/>
+              <a:buFont typeface="Calibri"/>
+              <a:buChar char="●"/>
+            </a:pPr>
+            <a:r>
+              <a:rPr lang="en" sz="1200">
+                <a:solidFill>
+                  <a:schemeClr val="dk1"/>
+                </a:solidFill>
+                <a:latin typeface="Calibri"/>
+                <a:ea typeface="Calibri"/>
+                <a:cs typeface="Calibri"/>
+                <a:sym typeface="Calibri"/>
+              </a:rPr>
+              <a:t>However, Suna's capabilities also highlight areas for improvement, such as requiring occasional user input to resolve obstacles, as seen in instances where the AI fails to complete tasks without assistance. While impressive in its ability to handle specific research tasks autonomously, the AI still requires human intervention in certain scenarios, particularly when navigating unfamiliar challenges.</a:t>
+            </a:r>
+            <a:endParaRPr sz="1200">
+              <a:solidFill>
+                <a:schemeClr val="dk1"/>
+              </a:solidFill>
+              <a:latin typeface="Calibri"/>
+              <a:ea typeface="Calibri"/>
+              <a:cs typeface="Calibri"/>
+              <a:sym typeface="Calibri"/>
+            </a:endParaRPr>
+          </a:p>
+          <a:p>
+            <a:pPr marL="171450" marR="0" lvl="0" indent="-114300" algn="l" rtl="0">
+              <a:lnSpc>
+                <a:spcPct val="100000"/>
+              </a:lnSpc>
+              <a:spcBef>
+                <a:spcPts val="0"/>
+              </a:spcBef>
+              <a:spcAft>
+                <a:spcPts val="0"/>
+              </a:spcAft>
+              <a:buClr>
+                <a:schemeClr val="dk1"/>
+              </a:buClr>
+              <a:buSzPts val="900"/>
+              <a:buFont typeface="Calibri"/>
+              <a:buChar char="●"/>
+            </a:pPr>
+            <a:endParaRPr sz="1200">
+              <a:solidFill>
+                <a:schemeClr val="dk1"/>
+              </a:solidFill>
+              <a:latin typeface="Calibri"/>
+              <a:ea typeface="Calibri"/>
+              <a:cs typeface="Calibri"/>
+              <a:sym typeface="Calibri"/>
+            </a:endParaRPr>
+          </a:p>
+          <a:p>
+            <a:pPr marL="171450" marR="0" lvl="0" indent="-114300" algn="l" rtl="0">
+              <a:lnSpc>
+                <a:spcPct val="100000"/>
+              </a:lnSpc>
+              <a:spcBef>
+                <a:spcPts val="0"/>
+              </a:spcBef>
+              <a:spcAft>
+                <a:spcPts val="0"/>
+              </a:spcAft>
+              <a:buClr>
+                <a:schemeClr val="dk1"/>
+              </a:buClr>
+              <a:buSzPts val="900"/>
+              <a:buFont typeface="Calibri"/>
+              <a:buChar char="●"/>
+            </a:pPr>
+            <a:r>
+              <a:rPr lang="en" sz="1200">
+                <a:solidFill>
+                  <a:schemeClr val="dk1"/>
+                </a:solidFill>
+                <a:latin typeface="Calibri"/>
+                <a:ea typeface="Calibri"/>
+                <a:cs typeface="Calibri"/>
+                <a:sym typeface="Calibri"/>
+              </a:rPr>
+              <a:t>Kortix AI offers Suna both as a self-hosted solution and a cloud-hosted service, priced at $29 per month for professionals and $199 for small teams, with the higher-tier plan offering 40 hours of AI usage. This open-source approach allows users to host Suna on their own infrastructure, providing a more cost-effective alternative to the cloud service offered by Manus AI.</a:t>
+            </a:r>
+            <a:endParaRPr sz="1200">
+              <a:solidFill>
+                <a:schemeClr val="dk1"/>
+              </a:solidFill>
+              <a:latin typeface="Calibri"/>
+              <a:ea typeface="Calibri"/>
+              <a:cs typeface="Calibri"/>
+              <a:sym typeface="Calibri"/>
+            </a:endParaRPr>
+          </a:p>
+          <a:p>
+            <a:pPr marL="171450" marR="0" lvl="0" indent="-114300" algn="l" rtl="0">
+              <a:lnSpc>
+                <a:spcPct val="100000"/>
+              </a:lnSpc>
+              <a:spcBef>
+                <a:spcPts val="0"/>
+              </a:spcBef>
+              <a:spcAft>
+                <a:spcPts val="0"/>
+              </a:spcAft>
+              <a:buClr>
+                <a:schemeClr val="dk1"/>
+              </a:buClr>
+              <a:buSzPts val="900"/>
+              <a:buFont typeface="Calibri"/>
+              <a:buChar char="●"/>
+            </a:pPr>
+            <a:endParaRPr sz="1200">
+              <a:solidFill>
+                <a:schemeClr val="dk1"/>
+              </a:solidFill>
+              <a:latin typeface="Calibri"/>
+              <a:ea typeface="Calibri"/>
+              <a:cs typeface="Calibri"/>
+              <a:sym typeface="Calibri"/>
+            </a:endParaRPr>
+          </a:p>
+          <a:p>
+            <a:pPr marL="171450" marR="0" lvl="0" indent="-114300" algn="l" rtl="0">
+              <a:lnSpc>
+                <a:spcPct val="100000"/>
+              </a:lnSpc>
+              <a:spcBef>
+                <a:spcPts val="0"/>
+              </a:spcBef>
+              <a:spcAft>
+                <a:spcPts val="0"/>
+              </a:spcAft>
+              <a:buClr>
+                <a:schemeClr val="dk1"/>
+              </a:buClr>
+              <a:buSzPts val="900"/>
+              <a:buFont typeface="Calibri"/>
+              <a:buChar char="●"/>
+            </a:pPr>
+            <a:r>
+              <a:rPr lang="en" sz="1200">
+                <a:solidFill>
+                  <a:schemeClr val="dk1"/>
+                </a:solidFill>
+                <a:latin typeface="Calibri"/>
+                <a:ea typeface="Calibri"/>
+                <a:cs typeface="Calibri"/>
+                <a:sym typeface="Calibri"/>
+              </a:rPr>
+              <a:t>Despite some limitations, Suna represents a significant step in the development of general-purpose AI agents, offering a glimpse into a future where AI could serve as a highly capable digital assistant, tackling a broad range of tasks without constant human oversight.</a:t>
+            </a:r>
+            <a:endParaRPr sz="1200">
+              <a:solidFill>
+                <a:schemeClr val="dk1"/>
+              </a:solidFill>
+              <a:latin typeface="Calibri"/>
+              <a:ea typeface="Calibri"/>
+              <a:cs typeface="Calibri"/>
+              <a:sym typeface="Calibri"/>
+            </a:endParaRPr>
+          </a:p>
+        </p:txBody>
+      </p:sp>
+      <p:pic>
+        <p:nvPicPr>
+          <p:cNvPr id="160" name="Google Shape;160;p24"/>
+          <p:cNvPicPr preferRelativeResize="0"/>
+          <p:nvPr/>
+        </p:nvPicPr>
+        <p:blipFill>
+          <a:blip r:embed="rId7" cstate="email">
+            <a:alphaModFix/>
+            <a:extLst>
+              <a:ext uri="{28A0092B-C50C-407E-A947-70E740481C1C}">
+                <a14:useLocalDpi xmlns:a14="http://schemas.microsoft.com/office/drawing/2010/main"/>
+              </a:ext>
+            </a:extLst>
+          </a:blip>
+          <a:stretch>
+            <a:fillRect/>
+          </a:stretch>
+        </p:blipFill>
+        <p:spPr>
+          <a:xfrm>
+            <a:off x="5038618" y="1773800"/>
+            <a:ext cx="1190200" cy="817426"/>
+          </a:xfrm>
+          <a:prstGeom prst="rect">
+            <a:avLst/>
+          </a:prstGeom>
+          <a:noFill/>
+          <a:ln w="9525" cap="flat" cmpd="sng">
+            <a:solidFill>
+              <a:srgbClr val="FF0000"/>
+            </a:solidFill>
+            <a:prstDash val="solid"/>
+            <a:round/>
+            <a:headEnd type="none" w="sm" len="sm"/>
+            <a:tailEnd type="none" w="sm" len="sm"/>
+          </a:ln>
+        </p:spPr>
+      </p:pic>
+      <p:pic>
+        <p:nvPicPr>
+          <p:cNvPr id="161" name="Google Shape;161;p24"/>
+          <p:cNvPicPr preferRelativeResize="0"/>
+          <p:nvPr/>
+        </p:nvPicPr>
+        <p:blipFill>
+          <a:blip r:embed="rId8" cstate="email">
+            <a:alphaModFix/>
+            <a:extLst>
+              <a:ext uri="{28A0092B-C50C-407E-A947-70E740481C1C}">
+                <a14:useLocalDpi xmlns:a14="http://schemas.microsoft.com/office/drawing/2010/main"/>
+              </a:ext>
+            </a:extLst>
+          </a:blip>
+          <a:stretch>
+            <a:fillRect/>
+          </a:stretch>
+        </p:blipFill>
+        <p:spPr>
+          <a:xfrm>
+            <a:off x="4678650" y="540589"/>
+            <a:ext cx="2469300" cy="1006011"/>
+          </a:xfrm>
+          <a:prstGeom prst="rect">
+            <a:avLst/>
+          </a:prstGeom>
+          <a:noFill/>
+          <a:ln w="9525" cap="flat" cmpd="sng">
+            <a:solidFill>
+              <a:srgbClr val="FF0000"/>
+            </a:solidFill>
+            <a:prstDash val="solid"/>
+            <a:round/>
+            <a:headEnd type="none" w="sm" len="sm"/>
+            <a:tailEnd type="none" w="sm" len="sm"/>
+          </a:ln>
+        </p:spPr>
+      </p:pic>
+    </p:spTree>
+  </p:cSld>
+  <p:clrMapOvr>
+    <a:masterClrMapping/>
+  </p:clrMapOvr>
+</p:sld>
+</file>
+
+<file path=ppt/slides/slide11.xml><?xml version="1.0" encoding="utf-8"?>
+<p:sld xmlns:a="http://schemas.openxmlformats.org/drawingml/2006/main" xmlns:r="http://schemas.openxmlformats.org/officeDocument/2006/relationships" xmlns:p="http://schemas.openxmlformats.org/presentationml/2006/main">
+  <p:cSld>
+    <p:spTree>
+      <p:nvGrpSpPr>
+        <p:cNvPr id="1" name="Shape 165"/>
+        <p:cNvGrpSpPr/>
+        <p:nvPr/>
+      </p:nvGrpSpPr>
+      <p:grpSpPr>
+        <a:xfrm>
+          <a:off x="0" y="0"/>
+          <a:ext cx="0" cy="0"/>
+          <a:chOff x="0" y="0"/>
+          <a:chExt cx="0" cy="0"/>
+        </a:xfrm>
+      </p:grpSpPr>
+      <p:sp>
+        <p:nvSpPr>
+          <p:cNvPr id="166" name="Google Shape;166;p25"/>
+          <p:cNvSpPr txBox="1"/>
+          <p:nvPr/>
+        </p:nvSpPr>
+        <p:spPr>
+          <a:xfrm>
+            <a:off x="55075" y="52750"/>
+            <a:ext cx="4460700" cy="326400"/>
+          </a:xfrm>
+          <a:prstGeom prst="rect">
+            <a:avLst/>
+          </a:prstGeom>
+          <a:noFill/>
+          <a:ln>
+            <a:noFill/>
+          </a:ln>
+        </p:spPr>
+        <p:txBody>
+          <a:bodyPr spcFirstLastPara="1" wrap="square" lIns="9125" tIns="9125" rIns="9125" bIns="9125" anchor="t" anchorCtr="0">
+            <a:spAutoFit/>
+          </a:bodyPr>
+          <a:lstStyle/>
+          <a:p>
+            <a:pPr marL="0" marR="0" lvl="0" indent="0" algn="l" rtl="0">
+              <a:lnSpc>
+                <a:spcPct val="100000"/>
+              </a:lnSpc>
+              <a:spcBef>
+                <a:spcPts val="0"/>
+              </a:spcBef>
+              <a:spcAft>
+                <a:spcPts val="0"/>
+              </a:spcAft>
+              <a:buClr>
+                <a:schemeClr val="dk1"/>
+              </a:buClr>
+              <a:buSzPts val="1100"/>
+              <a:buFont typeface="Arial"/>
+              <a:buNone/>
+            </a:pPr>
+            <a:r>
+              <a:rPr lang="en" sz="2000" b="1">
+                <a:solidFill>
+                  <a:schemeClr val="dk1"/>
+                </a:solidFill>
+                <a:latin typeface="Calibri"/>
+                <a:ea typeface="Calibri"/>
+                <a:cs typeface="Calibri"/>
+                <a:sym typeface="Calibri"/>
+              </a:rPr>
+              <a:t>Suna open-source AI Employee</a:t>
+            </a:r>
+            <a:endParaRPr sz="2000" b="1" i="0" u="none" strike="noStrike" cap="none">
+              <a:solidFill>
+                <a:schemeClr val="dk1"/>
+              </a:solidFill>
+              <a:latin typeface="Calibri"/>
+              <a:ea typeface="Calibri"/>
+              <a:cs typeface="Calibri"/>
+              <a:sym typeface="Calibri"/>
+            </a:endParaRPr>
+          </a:p>
+        </p:txBody>
+      </p:sp>
+      <p:sp>
+        <p:nvSpPr>
+          <p:cNvPr id="167" name="Google Shape;167;p25"/>
+          <p:cNvSpPr txBox="1"/>
+          <p:nvPr/>
+        </p:nvSpPr>
+        <p:spPr>
+          <a:xfrm>
+            <a:off x="55075" y="411972"/>
+            <a:ext cx="4460700" cy="4636200"/>
+          </a:xfrm>
+          <a:prstGeom prst="rect">
+            <a:avLst/>
+          </a:prstGeom>
+          <a:solidFill>
+            <a:srgbClr val="FFF2CC"/>
+          </a:solidFill>
+          <a:ln w="9525" cap="flat" cmpd="sng">
+            <a:solidFill>
+              <a:srgbClr val="FF0000"/>
+            </a:solidFill>
+            <a:prstDash val="solid"/>
+            <a:round/>
+            <a:headEnd type="none" w="sm" len="sm"/>
+            <a:tailEnd type="none" w="sm" len="sm"/>
+          </a:ln>
+        </p:spPr>
+        <p:txBody>
+          <a:bodyPr spcFirstLastPara="1" wrap="square" lIns="9125" tIns="9125" rIns="9125" bIns="9125" anchor="t" anchorCtr="0">
+            <a:spAutoFit/>
+          </a:bodyPr>
+          <a:lstStyle/>
+          <a:p>
+            <a:pPr marL="171450" marR="0" lvl="0" indent="-114300" algn="l" rtl="0">
+              <a:lnSpc>
+                <a:spcPct val="100000"/>
+              </a:lnSpc>
+              <a:spcBef>
+                <a:spcPts val="0"/>
+              </a:spcBef>
+              <a:spcAft>
+                <a:spcPts val="0"/>
+              </a:spcAft>
+              <a:buClr>
+                <a:schemeClr val="dk1"/>
+              </a:buClr>
+              <a:buSzPts val="900"/>
+              <a:buFont typeface="Calibri"/>
+              <a:buChar char="●"/>
+            </a:pPr>
+            <a:r>
+              <a:rPr lang="en" sz="1200">
+                <a:solidFill>
+                  <a:schemeClr val="dk1"/>
+                </a:solidFill>
+                <a:latin typeface="Calibri"/>
+                <a:ea typeface="Calibri"/>
+                <a:cs typeface="Calibri"/>
+                <a:sym typeface="Calibri"/>
+              </a:rPr>
+              <a:t>Suna an open-source AI employee</a:t>
+            </a:r>
+            <a:endParaRPr sz="1200">
+              <a:solidFill>
+                <a:schemeClr val="dk1"/>
+              </a:solidFill>
+              <a:latin typeface="Calibri"/>
+              <a:ea typeface="Calibri"/>
+              <a:cs typeface="Calibri"/>
+              <a:sym typeface="Calibri"/>
+            </a:endParaRPr>
+          </a:p>
+          <a:p>
+            <a:pPr marL="171450" marR="0" lvl="0" indent="-114300" algn="l" rtl="0">
+              <a:lnSpc>
+                <a:spcPct val="100000"/>
+              </a:lnSpc>
+              <a:spcBef>
+                <a:spcPts val="0"/>
+              </a:spcBef>
+              <a:spcAft>
+                <a:spcPts val="0"/>
+              </a:spcAft>
+              <a:buClr>
+                <a:schemeClr val="dk1"/>
+              </a:buClr>
+              <a:buSzPts val="900"/>
+              <a:buFont typeface="Calibri"/>
+              <a:buChar char="●"/>
+            </a:pPr>
+            <a:r>
+              <a:rPr lang="en" sz="1200" u="sng">
+                <a:solidFill>
+                  <a:schemeClr val="hlink"/>
+                </a:solidFill>
+                <a:latin typeface="Calibri"/>
+                <a:ea typeface="Calibri"/>
+                <a:cs typeface="Calibri"/>
+                <a:sym typeface="Calibri"/>
+                <a:hlinkClick r:id="rId3"/>
+              </a:rPr>
+              <a:t>https://www.suna.so</a:t>
+            </a:r>
+            <a:endParaRPr sz="1200">
+              <a:solidFill>
+                <a:schemeClr val="dk1"/>
+              </a:solidFill>
+              <a:latin typeface="Calibri"/>
+              <a:ea typeface="Calibri"/>
+              <a:cs typeface="Calibri"/>
+              <a:sym typeface="Calibri"/>
+            </a:endParaRPr>
+          </a:p>
+          <a:p>
+            <a:pPr marL="171450" marR="0" lvl="0" indent="-114300" algn="l" rtl="0">
+              <a:lnSpc>
+                <a:spcPct val="100000"/>
+              </a:lnSpc>
+              <a:spcBef>
+                <a:spcPts val="0"/>
+              </a:spcBef>
+              <a:spcAft>
+                <a:spcPts val="0"/>
+              </a:spcAft>
+              <a:buClr>
+                <a:schemeClr val="dk1"/>
+              </a:buClr>
+              <a:buSzPts val="900"/>
+              <a:buFont typeface="Calibri"/>
+              <a:buChar char="●"/>
+            </a:pPr>
+            <a:r>
+              <a:rPr lang="en" sz="1200" u="sng">
+                <a:solidFill>
+                  <a:schemeClr val="hlink"/>
+                </a:solidFill>
+                <a:latin typeface="Calibri"/>
+                <a:ea typeface="Calibri"/>
+                <a:cs typeface="Calibri"/>
+                <a:sym typeface="Calibri"/>
+                <a:hlinkClick r:id="rId4"/>
+              </a:rPr>
+              <a:t>https://github.com/kortix-ai/suna</a:t>
+            </a:r>
+            <a:endParaRPr sz="1200">
+              <a:solidFill>
+                <a:schemeClr val="dk1"/>
+              </a:solidFill>
+              <a:latin typeface="Calibri"/>
+              <a:ea typeface="Calibri"/>
+              <a:cs typeface="Calibri"/>
+              <a:sym typeface="Calibri"/>
+            </a:endParaRPr>
+          </a:p>
+          <a:p>
+            <a:pPr marL="171450" marR="0" lvl="0" indent="-114300" algn="l" rtl="0">
+              <a:lnSpc>
+                <a:spcPct val="100000"/>
+              </a:lnSpc>
+              <a:spcBef>
+                <a:spcPts val="0"/>
+              </a:spcBef>
+              <a:spcAft>
+                <a:spcPts val="0"/>
+              </a:spcAft>
+              <a:buClr>
+                <a:schemeClr val="dk1"/>
+              </a:buClr>
+              <a:buSzPts val="900"/>
+              <a:buFont typeface="Calibri"/>
+              <a:buChar char="●"/>
+            </a:pPr>
+            <a:r>
+              <a:rPr lang="en" sz="1200" u="sng">
+                <a:solidFill>
+                  <a:schemeClr val="hlink"/>
+                </a:solidFill>
+                <a:latin typeface="Calibri"/>
+                <a:ea typeface="Calibri"/>
+                <a:cs typeface="Calibri"/>
+                <a:sym typeface="Calibri"/>
+                <a:hlinkClick r:id="rId5"/>
+              </a:rPr>
+              <a:t>https://huggingface.co/blog/lynn-mikami/suno-ai</a:t>
+            </a:r>
+            <a:endParaRPr sz="1200">
+              <a:solidFill>
+                <a:schemeClr val="dk1"/>
+              </a:solidFill>
+              <a:latin typeface="Calibri"/>
+              <a:ea typeface="Calibri"/>
+              <a:cs typeface="Calibri"/>
+              <a:sym typeface="Calibri"/>
+            </a:endParaRPr>
+          </a:p>
+          <a:p>
+            <a:pPr marL="171450" marR="0" lvl="0" indent="-114300" algn="l" rtl="0">
+              <a:lnSpc>
+                <a:spcPct val="100000"/>
+              </a:lnSpc>
+              <a:spcBef>
+                <a:spcPts val="0"/>
+              </a:spcBef>
+              <a:spcAft>
+                <a:spcPts val="0"/>
+              </a:spcAft>
+              <a:buClr>
+                <a:schemeClr val="dk1"/>
+              </a:buClr>
+              <a:buSzPts val="900"/>
+              <a:buFont typeface="Calibri"/>
+              <a:buChar char="●"/>
+            </a:pPr>
+            <a:r>
+              <a:rPr lang="en" sz="1200">
+                <a:solidFill>
+                  <a:schemeClr val="dk1"/>
+                </a:solidFill>
+                <a:latin typeface="Calibri"/>
+                <a:ea typeface="Calibri"/>
+                <a:cs typeface="Calibri"/>
+                <a:sym typeface="Calibri"/>
+              </a:rPr>
+              <a:t>AI agent that is competing directly with Manus AI. Suna was developed by Kortix AI (Lisbon, Portugal), is designed to perform real-world tasks with a level of autonomy that mimics human behavior. </a:t>
+            </a:r>
+            <a:endParaRPr sz="1200">
+              <a:solidFill>
+                <a:schemeClr val="dk1"/>
+              </a:solidFill>
+              <a:latin typeface="Calibri"/>
+              <a:ea typeface="Calibri"/>
+              <a:cs typeface="Calibri"/>
+              <a:sym typeface="Calibri"/>
+            </a:endParaRPr>
+          </a:p>
+          <a:p>
+            <a:pPr marL="171450" marR="0" lvl="0" indent="-133350" algn="l" rtl="0">
+              <a:lnSpc>
+                <a:spcPct val="100000"/>
+              </a:lnSpc>
+              <a:spcBef>
+                <a:spcPts val="0"/>
+              </a:spcBef>
+              <a:spcAft>
+                <a:spcPts val="0"/>
+              </a:spcAft>
+              <a:buClr>
+                <a:schemeClr val="dk1"/>
+              </a:buClr>
+              <a:buSzPts val="1200"/>
+              <a:buFont typeface="Calibri"/>
+              <a:buChar char="●"/>
+            </a:pPr>
+            <a:r>
+              <a:rPr lang="en" sz="1200">
+                <a:solidFill>
+                  <a:schemeClr val="dk1"/>
+                </a:solidFill>
+                <a:latin typeface="Calibri"/>
+                <a:ea typeface="Calibri"/>
+                <a:cs typeface="Calibri"/>
+                <a:sym typeface="Calibri"/>
+              </a:rPr>
+              <a:t>Founded by Marko Kraemer two years ago (when he was 18 y.old)</a:t>
+            </a:r>
+            <a:endParaRPr sz="1200">
+              <a:solidFill>
+                <a:schemeClr val="dk1"/>
+              </a:solidFill>
+              <a:latin typeface="Calibri"/>
+              <a:ea typeface="Calibri"/>
+              <a:cs typeface="Calibri"/>
+              <a:sym typeface="Calibri"/>
+            </a:endParaRPr>
+          </a:p>
+          <a:p>
+            <a:pPr marL="171450" marR="0" lvl="0" indent="-114300" algn="l" rtl="0">
+              <a:lnSpc>
+                <a:spcPct val="100000"/>
+              </a:lnSpc>
+              <a:spcBef>
+                <a:spcPts val="0"/>
+              </a:spcBef>
+              <a:spcAft>
+                <a:spcPts val="0"/>
+              </a:spcAft>
+              <a:buClr>
+                <a:schemeClr val="dk1"/>
+              </a:buClr>
+              <a:buSzPts val="900"/>
+              <a:buFont typeface="Calibri"/>
+              <a:buChar char="●"/>
+            </a:pPr>
+            <a:r>
+              <a:rPr lang="en" sz="1200">
+                <a:solidFill>
+                  <a:schemeClr val="dk1"/>
+                </a:solidFill>
+                <a:latin typeface="Calibri"/>
+                <a:ea typeface="Calibri"/>
+                <a:cs typeface="Calibri"/>
+                <a:sym typeface="Calibri"/>
+              </a:rPr>
+              <a:t>Very popular - 280,000 views on X,  11K+ stars on GitHub</a:t>
+            </a:r>
+            <a:endParaRPr sz="1200">
+              <a:solidFill>
+                <a:schemeClr val="dk1"/>
+              </a:solidFill>
+              <a:latin typeface="Calibri"/>
+              <a:ea typeface="Calibri"/>
+              <a:cs typeface="Calibri"/>
+              <a:sym typeface="Calibri"/>
+            </a:endParaRPr>
+          </a:p>
+          <a:p>
+            <a:pPr marL="171450" marR="0" lvl="0" indent="-114300" algn="l" rtl="0">
+              <a:lnSpc>
+                <a:spcPct val="100000"/>
+              </a:lnSpc>
+              <a:spcBef>
+                <a:spcPts val="0"/>
+              </a:spcBef>
+              <a:spcAft>
+                <a:spcPts val="0"/>
+              </a:spcAft>
+              <a:buClr>
+                <a:schemeClr val="dk1"/>
+              </a:buClr>
+              <a:buSzPts val="900"/>
+              <a:buFont typeface="Calibri"/>
+              <a:buChar char="●"/>
+            </a:pPr>
+            <a:r>
+              <a:rPr lang="en" sz="1200">
+                <a:solidFill>
+                  <a:schemeClr val="dk1"/>
+                </a:solidFill>
+                <a:latin typeface="Calibri"/>
+                <a:ea typeface="Calibri"/>
+                <a:cs typeface="Calibri"/>
+                <a:sym typeface="Calibri"/>
+              </a:rPr>
+              <a:t>Suna can reason, plan, and take action across various domains. Suna can interact with virtual systems, write files, execute code, browse the internet, just like Manus AI.</a:t>
+            </a:r>
+            <a:endParaRPr sz="1200">
+              <a:solidFill>
+                <a:schemeClr val="dk1"/>
+              </a:solidFill>
+              <a:latin typeface="Calibri"/>
+              <a:ea typeface="Calibri"/>
+              <a:cs typeface="Calibri"/>
+              <a:sym typeface="Calibri"/>
+            </a:endParaRPr>
+          </a:p>
+          <a:p>
+            <a:pPr marL="171450" marR="0" lvl="0" indent="-114300" algn="l" rtl="0">
+              <a:lnSpc>
+                <a:spcPct val="100000"/>
+              </a:lnSpc>
+              <a:spcBef>
+                <a:spcPts val="0"/>
+              </a:spcBef>
+              <a:spcAft>
+                <a:spcPts val="0"/>
+              </a:spcAft>
+              <a:buClr>
+                <a:schemeClr val="dk1"/>
+              </a:buClr>
+              <a:buSzPts val="900"/>
+              <a:buFont typeface="Calibri"/>
+              <a:buChar char="●"/>
+            </a:pPr>
+            <a:r>
+              <a:rPr lang="en" sz="1200">
+                <a:solidFill>
+                  <a:schemeClr val="dk1"/>
+                </a:solidFill>
+                <a:latin typeface="Calibri"/>
+                <a:ea typeface="Calibri"/>
+                <a:cs typeface="Calibri"/>
+                <a:sym typeface="Calibri"/>
+              </a:rPr>
+              <a:t>Suna can handle complex tasks, for example, enhancing B2B lead spreadsheets by gathering data from LinkedIn, or conducting research on financial topics like stock performance and market analysis. These tasks are carried out through an AI interface that plans and executes steps in a methodical sequence, ensuring an efficient completion of tasks without manual intervention.</a:t>
+            </a:r>
+            <a:endParaRPr sz="1200">
+              <a:solidFill>
+                <a:schemeClr val="dk1"/>
+              </a:solidFill>
+              <a:latin typeface="Calibri"/>
+              <a:ea typeface="Calibri"/>
+              <a:cs typeface="Calibri"/>
+              <a:sym typeface="Calibri"/>
+            </a:endParaRPr>
+          </a:p>
+          <a:p>
+            <a:pPr marL="171450" marR="0" lvl="0" indent="-114300" algn="l" rtl="0">
+              <a:lnSpc>
+                <a:spcPct val="100000"/>
+              </a:lnSpc>
+              <a:spcBef>
+                <a:spcPts val="0"/>
+              </a:spcBef>
+              <a:spcAft>
+                <a:spcPts val="0"/>
+              </a:spcAft>
+              <a:buClr>
+                <a:schemeClr val="dk1"/>
+              </a:buClr>
+              <a:buSzPts val="900"/>
+              <a:buFont typeface="Calibri"/>
+              <a:buChar char="●"/>
+            </a:pPr>
+            <a:r>
+              <a:rPr lang="en" sz="1200">
+                <a:solidFill>
+                  <a:schemeClr val="dk1"/>
+                </a:solidFill>
+                <a:latin typeface="Calibri"/>
+                <a:ea typeface="Calibri"/>
+                <a:cs typeface="Calibri"/>
+                <a:sym typeface="Calibri"/>
+              </a:rPr>
+              <a:t>Suna still requires human assistance - especially when navigating unfamiliar challenges.</a:t>
+            </a:r>
+            <a:endParaRPr sz="1200">
+              <a:solidFill>
+                <a:schemeClr val="dk1"/>
+              </a:solidFill>
+              <a:latin typeface="Calibri"/>
+              <a:ea typeface="Calibri"/>
+              <a:cs typeface="Calibri"/>
+              <a:sym typeface="Calibri"/>
+            </a:endParaRPr>
+          </a:p>
+          <a:p>
+            <a:pPr marL="171450" marR="0" lvl="0" indent="-114300" algn="l" rtl="0">
+              <a:lnSpc>
+                <a:spcPct val="100000"/>
+              </a:lnSpc>
+              <a:spcBef>
+                <a:spcPts val="0"/>
+              </a:spcBef>
+              <a:spcAft>
+                <a:spcPts val="0"/>
+              </a:spcAft>
+              <a:buClr>
+                <a:schemeClr val="dk1"/>
+              </a:buClr>
+              <a:buSzPts val="900"/>
+              <a:buFont typeface="Calibri"/>
+              <a:buChar char="●"/>
+            </a:pPr>
+            <a:r>
+              <a:rPr lang="en" sz="1200">
+                <a:solidFill>
+                  <a:schemeClr val="dk1"/>
+                </a:solidFill>
+                <a:latin typeface="Calibri"/>
+                <a:ea typeface="Calibri"/>
+                <a:cs typeface="Calibri"/>
+                <a:sym typeface="Calibri"/>
+              </a:rPr>
+              <a:t>Kortix AI offers Suna both as a self-hosted solution and a cloud-hosted service, priced at $29 per month for professionals and $199 for small teams, with the higher-tier plan offering 40 hours of AI usage. </a:t>
+            </a:r>
+            <a:endParaRPr sz="1200">
+              <a:solidFill>
+                <a:schemeClr val="dk1"/>
+              </a:solidFill>
+              <a:latin typeface="Calibri"/>
+              <a:ea typeface="Calibri"/>
+              <a:cs typeface="Calibri"/>
+              <a:sym typeface="Calibri"/>
+            </a:endParaRPr>
+          </a:p>
+        </p:txBody>
+      </p:sp>
+      <p:pic>
+        <p:nvPicPr>
+          <p:cNvPr id="168" name="Google Shape;168;p25"/>
+          <p:cNvPicPr preferRelativeResize="0"/>
+          <p:nvPr/>
+        </p:nvPicPr>
+        <p:blipFill>
+          <a:blip r:embed="rId6" cstate="email">
+            <a:alphaModFix/>
+            <a:extLst>
+              <a:ext uri="{28A0092B-C50C-407E-A947-70E740481C1C}">
+                <a14:useLocalDpi xmlns:a14="http://schemas.microsoft.com/office/drawing/2010/main"/>
+              </a:ext>
+            </a:extLst>
+          </a:blip>
+          <a:stretch>
+            <a:fillRect/>
+          </a:stretch>
+        </p:blipFill>
+        <p:spPr>
+          <a:xfrm>
+            <a:off x="5527950" y="379150"/>
+            <a:ext cx="2520425" cy="1868375"/>
+          </a:xfrm>
+          <a:prstGeom prst="rect">
+            <a:avLst/>
+          </a:prstGeom>
+          <a:noFill/>
+          <a:ln w="9525" cap="flat" cmpd="sng">
+            <a:solidFill>
+              <a:srgbClr val="FF0000"/>
+            </a:solidFill>
+            <a:prstDash val="solid"/>
+            <a:round/>
+            <a:headEnd type="none" w="sm" len="sm"/>
+            <a:tailEnd type="none" w="sm" len="sm"/>
+          </a:ln>
+        </p:spPr>
+      </p:pic>
+      <p:pic>
+        <p:nvPicPr>
+          <p:cNvPr id="169" name="Google Shape;169;p25"/>
+          <p:cNvPicPr preferRelativeResize="0"/>
+          <p:nvPr/>
+        </p:nvPicPr>
+        <p:blipFill>
+          <a:blip r:embed="rId7" cstate="email">
+            <a:alphaModFix/>
+            <a:extLst>
+              <a:ext uri="{28A0092B-C50C-407E-A947-70E740481C1C}">
+                <a14:useLocalDpi xmlns:a14="http://schemas.microsoft.com/office/drawing/2010/main"/>
+              </a:ext>
+            </a:extLst>
+          </a:blip>
+          <a:stretch>
+            <a:fillRect/>
+          </a:stretch>
+        </p:blipFill>
+        <p:spPr>
+          <a:xfrm>
+            <a:off x="5299923" y="2697374"/>
+            <a:ext cx="2976476" cy="1954776"/>
+          </a:xfrm>
+          <a:prstGeom prst="rect">
+            <a:avLst/>
+          </a:prstGeom>
+          <a:noFill/>
+          <a:ln w="9525" cap="flat" cmpd="sng">
+            <a:solidFill>
+              <a:srgbClr val="FF0000"/>
+            </a:solidFill>
+            <a:prstDash val="solid"/>
+            <a:round/>
+            <a:headEnd type="none" w="sm" len="sm"/>
+            <a:tailEnd type="none" w="sm" len="sm"/>
+          </a:ln>
+        </p:spPr>
+      </p:pic>
+    </p:spTree>
+  </p:cSld>
+  <p:clrMapOvr>
+    <a:masterClrMapping/>
+  </p:clrMapOvr>
+</p:sld>
+</file>
+
+<file path=ppt/slides/slide12.xml><?xml version="1.0" encoding="utf-8"?>
+<p:sld xmlns:a="http://schemas.openxmlformats.org/drawingml/2006/main" xmlns:r="http://schemas.openxmlformats.org/officeDocument/2006/relationships" xmlns:p="http://schemas.openxmlformats.org/presentationml/2006/main">
+  <p:cSld>
+    <p:spTree>
+      <p:nvGrpSpPr>
+        <p:cNvPr id="1" name="Shape 173"/>
+        <p:cNvGrpSpPr/>
+        <p:nvPr/>
+      </p:nvGrpSpPr>
+      <p:grpSpPr>
+        <a:xfrm>
+          <a:off x="0" y="0"/>
+          <a:ext cx="0" cy="0"/>
+          <a:chOff x="0" y="0"/>
+          <a:chExt cx="0" cy="0"/>
+        </a:xfrm>
+      </p:grpSpPr>
+      <p:sp>
+        <p:nvSpPr>
+          <p:cNvPr id="174" name="Google Shape;174;p26"/>
+          <p:cNvSpPr txBox="1"/>
+          <p:nvPr/>
+        </p:nvSpPr>
+        <p:spPr>
+          <a:xfrm>
+            <a:off x="55075" y="52750"/>
+            <a:ext cx="4233900" cy="326400"/>
+          </a:xfrm>
+          <a:prstGeom prst="rect">
+            <a:avLst/>
+          </a:prstGeom>
+          <a:noFill/>
+          <a:ln>
+            <a:noFill/>
+          </a:ln>
+        </p:spPr>
+        <p:txBody>
+          <a:bodyPr spcFirstLastPara="1" wrap="square" lIns="9125" tIns="9125" rIns="9125" bIns="9125" anchor="t" anchorCtr="0">
+            <a:spAutoFit/>
+          </a:bodyPr>
+          <a:lstStyle/>
+          <a:p>
+            <a:pPr marL="0" marR="0" lvl="0" indent="0" algn="l" rtl="0">
+              <a:lnSpc>
+                <a:spcPct val="100000"/>
+              </a:lnSpc>
+              <a:spcBef>
+                <a:spcPts val="0"/>
+              </a:spcBef>
+              <a:spcAft>
+                <a:spcPts val="0"/>
+              </a:spcAft>
+              <a:buClr>
+                <a:schemeClr val="dk1"/>
+              </a:buClr>
+              <a:buSzPts val="1100"/>
+              <a:buFont typeface="Arial"/>
+              <a:buNone/>
+            </a:pPr>
+            <a:r>
+              <a:rPr lang="en" sz="2000" b="1">
+                <a:solidFill>
+                  <a:schemeClr val="dk1"/>
+                </a:solidFill>
+                <a:latin typeface="Calibri"/>
+                <a:ea typeface="Calibri"/>
+                <a:cs typeface="Calibri"/>
+                <a:sym typeface="Calibri"/>
+              </a:rPr>
+              <a:t>Jeremy Howard Answer.AI</a:t>
+            </a:r>
+            <a:endParaRPr sz="2000" b="1" i="0" u="none" strike="noStrike" cap="none">
+              <a:solidFill>
+                <a:schemeClr val="dk1"/>
+              </a:solidFill>
+              <a:latin typeface="Calibri"/>
+              <a:ea typeface="Calibri"/>
+              <a:cs typeface="Calibri"/>
+              <a:sym typeface="Calibri"/>
+            </a:endParaRPr>
+          </a:p>
+        </p:txBody>
+      </p:sp>
+      <p:sp>
+        <p:nvSpPr>
+          <p:cNvPr id="175" name="Google Shape;175;p26"/>
+          <p:cNvSpPr txBox="1"/>
+          <p:nvPr/>
+        </p:nvSpPr>
+        <p:spPr>
+          <a:xfrm>
+            <a:off x="55075" y="540600"/>
+            <a:ext cx="4460700" cy="3897300"/>
+          </a:xfrm>
+          <a:prstGeom prst="rect">
+            <a:avLst/>
+          </a:prstGeom>
+          <a:solidFill>
+            <a:srgbClr val="FFF2CC"/>
+          </a:solidFill>
+          <a:ln w="9525" cap="flat" cmpd="sng">
+            <a:solidFill>
+              <a:srgbClr val="FF0000"/>
+            </a:solidFill>
+            <a:prstDash val="solid"/>
+            <a:round/>
+            <a:headEnd type="none" w="sm" len="sm"/>
+            <a:tailEnd type="none" w="sm" len="sm"/>
+          </a:ln>
+        </p:spPr>
+        <p:txBody>
+          <a:bodyPr spcFirstLastPara="1" wrap="square" lIns="9125" tIns="9125" rIns="9125" bIns="9125" anchor="t" anchorCtr="0">
+            <a:spAutoFit/>
+          </a:bodyPr>
+          <a:lstStyle/>
+          <a:p>
+            <a:pPr marL="171450" marR="0" lvl="0" indent="-114300" algn="l" rtl="0">
+              <a:lnSpc>
+                <a:spcPct val="100000"/>
+              </a:lnSpc>
+              <a:spcBef>
+                <a:spcPts val="0"/>
+              </a:spcBef>
+              <a:spcAft>
+                <a:spcPts val="0"/>
+              </a:spcAft>
+              <a:buClr>
+                <a:schemeClr val="dk1"/>
+              </a:buClr>
+              <a:buSzPts val="900"/>
+              <a:buFont typeface="Calibri"/>
+              <a:buChar char="●"/>
+            </a:pPr>
+            <a:r>
+              <a:rPr lang="en" sz="1200">
+                <a:solidFill>
+                  <a:schemeClr val="dk1"/>
+                </a:solidFill>
+                <a:latin typeface="Calibri"/>
+                <a:ea typeface="Calibri"/>
+                <a:cs typeface="Calibri"/>
+                <a:sym typeface="Calibri"/>
+              </a:rPr>
+              <a:t>Jeremy Howard, co-founder of Answer AI, on Building 5,000 AI products with 14 People</a:t>
+            </a:r>
+            <a:r>
+              <a:rPr lang="en" sz="900">
+                <a:solidFill>
+                  <a:schemeClr val="dk1"/>
+                </a:solidFill>
+                <a:latin typeface="Calibri"/>
+                <a:ea typeface="Calibri"/>
+                <a:cs typeface="Calibri"/>
+                <a:sym typeface="Calibri"/>
+              </a:rPr>
+              <a:t> - </a:t>
+            </a:r>
+            <a:r>
+              <a:rPr lang="en" sz="900" u="sng">
+                <a:solidFill>
+                  <a:schemeClr val="hlink"/>
+                </a:solidFill>
+                <a:latin typeface="Calibri"/>
+                <a:ea typeface="Calibri"/>
+                <a:cs typeface="Calibri"/>
+                <a:sym typeface="Calibri"/>
+                <a:hlinkClick r:id="rId3"/>
+              </a:rPr>
+              <a:t>https://www.youtube.com/watch?v=MbHL0uvKYbE</a:t>
+            </a:r>
+            <a:endParaRPr sz="900">
+              <a:solidFill>
+                <a:schemeClr val="dk1"/>
+              </a:solidFill>
+              <a:latin typeface="Calibri"/>
+              <a:ea typeface="Calibri"/>
+              <a:cs typeface="Calibri"/>
+              <a:sym typeface="Calibri"/>
+            </a:endParaRPr>
+          </a:p>
+          <a:p>
+            <a:pPr marL="171450" marR="0" lvl="0" indent="-114300" algn="l" rtl="0">
+              <a:lnSpc>
+                <a:spcPct val="100000"/>
+              </a:lnSpc>
+              <a:spcBef>
+                <a:spcPts val="0"/>
+              </a:spcBef>
+              <a:spcAft>
+                <a:spcPts val="0"/>
+              </a:spcAft>
+              <a:buClr>
+                <a:schemeClr val="dk1"/>
+              </a:buClr>
+              <a:buSzPts val="900"/>
+              <a:buFont typeface="Calibri"/>
+              <a:buChar char="●"/>
+            </a:pPr>
+            <a:r>
+              <a:rPr lang="en" sz="1200">
+                <a:solidFill>
+                  <a:schemeClr val="dk1"/>
+                </a:solidFill>
+                <a:latin typeface="Calibri"/>
+                <a:ea typeface="Calibri"/>
+                <a:cs typeface="Calibri"/>
+                <a:sym typeface="Calibri"/>
+              </a:rPr>
+              <a:t>His team uses Qwen and Deepseek. Answer AI is modeled after Edison's Menlo Park laboratory, focusing on both research and development, trying to create numerous commercially successful products with a tiny team</a:t>
+            </a:r>
+            <a:endParaRPr sz="1200">
+              <a:solidFill>
+                <a:schemeClr val="dk1"/>
+              </a:solidFill>
+              <a:latin typeface="Calibri"/>
+              <a:ea typeface="Calibri"/>
+              <a:cs typeface="Calibri"/>
+              <a:sym typeface="Calibri"/>
+            </a:endParaRPr>
+          </a:p>
+          <a:p>
+            <a:pPr marL="171450" marR="0" lvl="0" indent="-114300" algn="l" rtl="0">
+              <a:lnSpc>
+                <a:spcPct val="100000"/>
+              </a:lnSpc>
+              <a:spcBef>
+                <a:spcPts val="0"/>
+              </a:spcBef>
+              <a:spcAft>
+                <a:spcPts val="0"/>
+              </a:spcAft>
+              <a:buClr>
+                <a:schemeClr val="dk1"/>
+              </a:buClr>
+              <a:buSzPts val="900"/>
+              <a:buFont typeface="Calibri"/>
+              <a:buChar char="●"/>
+            </a:pPr>
+            <a:r>
+              <a:rPr lang="en" sz="1200">
+                <a:solidFill>
+                  <a:schemeClr val="dk1"/>
+                </a:solidFill>
+                <a:latin typeface="Calibri"/>
+                <a:ea typeface="Calibri"/>
+                <a:cs typeface="Calibri"/>
+                <a:sym typeface="Calibri"/>
+              </a:rPr>
+              <a:t>A core innovation at Answer AI is </a:t>
+            </a:r>
+            <a:r>
+              <a:rPr lang="en" sz="1200" b="1">
+                <a:solidFill>
+                  <a:srgbClr val="FF0000"/>
+                </a:solidFill>
+                <a:latin typeface="Calibri"/>
+                <a:ea typeface="Calibri"/>
+                <a:cs typeface="Calibri"/>
+                <a:sym typeface="Calibri"/>
+              </a:rPr>
+              <a:t>"dialogue engineering"</a:t>
+            </a:r>
+            <a:r>
+              <a:rPr lang="en" sz="1200">
+                <a:solidFill>
+                  <a:schemeClr val="dk1"/>
+                </a:solidFill>
+                <a:latin typeface="Calibri"/>
+                <a:ea typeface="Calibri"/>
+                <a:cs typeface="Calibri"/>
+                <a:sym typeface="Calibri"/>
+              </a:rPr>
+              <a:t> - a process where humans and AI work together in continuous dialogue. Their platform </a:t>
+            </a:r>
+            <a:r>
+              <a:rPr lang="en" sz="1200" b="1">
+                <a:solidFill>
+                  <a:srgbClr val="FF0000"/>
+                </a:solidFill>
+                <a:latin typeface="Calibri"/>
+                <a:ea typeface="Calibri"/>
+                <a:cs typeface="Calibri"/>
+                <a:sym typeface="Calibri"/>
+              </a:rPr>
+              <a:t>"Solve It"</a:t>
+            </a:r>
+            <a:r>
+              <a:rPr lang="en" sz="1200">
+                <a:solidFill>
+                  <a:schemeClr val="dk1"/>
+                </a:solidFill>
+                <a:latin typeface="Calibri"/>
+                <a:ea typeface="Calibri"/>
+                <a:cs typeface="Calibri"/>
+                <a:sym typeface="Calibri"/>
+              </a:rPr>
+              <a:t> - humans can recalibrate in real time, correct for hallucinations, grounding, retrieval capabilities, and collaborative text editing features</a:t>
+            </a:r>
+            <a:endParaRPr sz="1200">
+              <a:solidFill>
+                <a:schemeClr val="dk1"/>
+              </a:solidFill>
+              <a:latin typeface="Calibri"/>
+              <a:ea typeface="Calibri"/>
+              <a:cs typeface="Calibri"/>
+              <a:sym typeface="Calibri"/>
+            </a:endParaRPr>
+          </a:p>
+          <a:p>
+            <a:pPr marL="171450" marR="0" lvl="0" indent="-114300" algn="l" rtl="0">
+              <a:lnSpc>
+                <a:spcPct val="100000"/>
+              </a:lnSpc>
+              <a:spcBef>
+                <a:spcPts val="0"/>
+              </a:spcBef>
+              <a:spcAft>
+                <a:spcPts val="0"/>
+              </a:spcAft>
+              <a:buClr>
+                <a:schemeClr val="dk1"/>
+              </a:buClr>
+              <a:buSzPts val="900"/>
+              <a:buFont typeface="Calibri"/>
+              <a:buChar char="●"/>
+            </a:pPr>
+            <a:r>
+              <a:rPr lang="en" sz="1200">
+                <a:solidFill>
+                  <a:schemeClr val="dk1"/>
+                </a:solidFill>
+                <a:latin typeface="Calibri"/>
+                <a:ea typeface="Calibri"/>
+                <a:cs typeface="Calibri"/>
+                <a:sym typeface="Calibri"/>
+              </a:rPr>
+              <a:t>Purely autonomous AI agents like Devin can not be trusted</a:t>
+            </a:r>
+            <a:endParaRPr sz="1200">
+              <a:solidFill>
+                <a:schemeClr val="dk1"/>
+              </a:solidFill>
+              <a:latin typeface="Calibri"/>
+              <a:ea typeface="Calibri"/>
+              <a:cs typeface="Calibri"/>
+              <a:sym typeface="Calibri"/>
+            </a:endParaRPr>
+          </a:p>
+          <a:p>
+            <a:pPr marL="171450" marR="0" lvl="0" indent="-114300" algn="l" rtl="0">
+              <a:lnSpc>
+                <a:spcPct val="100000"/>
+              </a:lnSpc>
+              <a:spcBef>
+                <a:spcPts val="0"/>
+              </a:spcBef>
+              <a:spcAft>
+                <a:spcPts val="0"/>
+              </a:spcAft>
+              <a:buClr>
+                <a:schemeClr val="dk1"/>
+              </a:buClr>
+              <a:buSzPts val="900"/>
+              <a:buFont typeface="Calibri"/>
+              <a:buChar char="●"/>
+            </a:pPr>
+            <a:r>
+              <a:rPr lang="en" sz="1200">
+                <a:solidFill>
+                  <a:schemeClr val="dk1"/>
+                </a:solidFill>
+                <a:latin typeface="Calibri"/>
+                <a:ea typeface="Calibri"/>
+                <a:cs typeface="Calibri"/>
+                <a:sym typeface="Calibri"/>
+              </a:rPr>
+              <a:t>Answer AI is VC-backed but has a public benefit mission "to create as much societal benefit from AI as possible."</a:t>
+            </a:r>
+            <a:endParaRPr sz="1200">
+              <a:solidFill>
+                <a:schemeClr val="dk1"/>
+              </a:solidFill>
+              <a:latin typeface="Calibri"/>
+              <a:ea typeface="Calibri"/>
+              <a:cs typeface="Calibri"/>
+              <a:sym typeface="Calibri"/>
+            </a:endParaRPr>
+          </a:p>
+          <a:p>
+            <a:pPr marL="171450" marR="0" lvl="0" indent="-114300" algn="l" rtl="0">
+              <a:lnSpc>
+                <a:spcPct val="100000"/>
+              </a:lnSpc>
+              <a:spcBef>
+                <a:spcPts val="0"/>
+              </a:spcBef>
+              <a:spcAft>
+                <a:spcPts val="0"/>
+              </a:spcAft>
+              <a:buClr>
+                <a:schemeClr val="dk1"/>
+              </a:buClr>
+              <a:buSzPts val="900"/>
+              <a:buFont typeface="Calibri"/>
+              <a:buChar char="●"/>
+            </a:pPr>
+            <a:r>
+              <a:rPr lang="en" sz="1200">
+                <a:solidFill>
+                  <a:schemeClr val="dk1"/>
+                </a:solidFill>
+                <a:latin typeface="Calibri"/>
+                <a:ea typeface="Calibri"/>
+                <a:cs typeface="Calibri"/>
+                <a:sym typeface="Calibri"/>
+              </a:rPr>
+              <a:t>Howard intends to keep the company small at 12-14 people, focusing on scaling through better technology rather than headcount. He hopes to have about 50 products in use by then, creating more end-user products rather than just developer tools.</a:t>
+            </a:r>
+            <a:endParaRPr sz="1200">
+              <a:solidFill>
+                <a:schemeClr val="dk1"/>
+              </a:solidFill>
+              <a:latin typeface="Calibri"/>
+              <a:ea typeface="Calibri"/>
+              <a:cs typeface="Calibri"/>
+              <a:sym typeface="Calibri"/>
+            </a:endParaRPr>
+          </a:p>
+          <a:p>
+            <a:pPr marL="171450" marR="0" lvl="0" indent="-133350" algn="l" rtl="0">
+              <a:lnSpc>
+                <a:spcPct val="100000"/>
+              </a:lnSpc>
+              <a:spcBef>
+                <a:spcPts val="0"/>
+              </a:spcBef>
+              <a:spcAft>
+                <a:spcPts val="0"/>
+              </a:spcAft>
+              <a:buClr>
+                <a:schemeClr val="dk1"/>
+              </a:buClr>
+              <a:buSzPts val="1200"/>
+              <a:buFont typeface="Calibri"/>
+              <a:buChar char="●"/>
+            </a:pPr>
+            <a:r>
+              <a:rPr lang="en" sz="1200" u="sng">
+                <a:solidFill>
+                  <a:schemeClr val="hlink"/>
+                </a:solidFill>
+                <a:latin typeface="Calibri"/>
+                <a:ea typeface="Calibri"/>
+                <a:cs typeface="Calibri"/>
+                <a:sym typeface="Calibri"/>
+                <a:hlinkClick r:id="rId4"/>
+              </a:rPr>
+              <a:t>https://www.fast.ai</a:t>
+            </a:r>
+            <a:r>
+              <a:rPr lang="en" sz="1200">
+                <a:solidFill>
+                  <a:schemeClr val="dk1"/>
+                </a:solidFill>
+                <a:latin typeface="Calibri"/>
+                <a:ea typeface="Calibri"/>
+                <a:cs typeface="Calibri"/>
+                <a:sym typeface="Calibri"/>
+              </a:rPr>
+              <a:t> - education</a:t>
+            </a:r>
+            <a:endParaRPr sz="1200">
+              <a:solidFill>
+                <a:schemeClr val="dk1"/>
+              </a:solidFill>
+              <a:latin typeface="Calibri"/>
+              <a:ea typeface="Calibri"/>
+              <a:cs typeface="Calibri"/>
+              <a:sym typeface="Calibri"/>
+            </a:endParaRPr>
+          </a:p>
+          <a:p>
+            <a:pPr marL="171450" marR="0" lvl="0" indent="-133350" algn="l" rtl="0">
+              <a:lnSpc>
+                <a:spcPct val="100000"/>
+              </a:lnSpc>
+              <a:spcBef>
+                <a:spcPts val="0"/>
+              </a:spcBef>
+              <a:spcAft>
+                <a:spcPts val="0"/>
+              </a:spcAft>
+              <a:buClr>
+                <a:schemeClr val="dk1"/>
+              </a:buClr>
+              <a:buSzPts val="1200"/>
+              <a:buFont typeface="Calibri"/>
+              <a:buChar char="●"/>
+            </a:pPr>
+            <a:r>
+              <a:rPr lang="en" sz="1200" u="sng">
+                <a:solidFill>
+                  <a:schemeClr val="hlink"/>
+                </a:solidFill>
+                <a:latin typeface="Calibri"/>
+                <a:ea typeface="Calibri"/>
+                <a:cs typeface="Calibri"/>
+                <a:sym typeface="Calibri"/>
+                <a:hlinkClick r:id="rId5"/>
+              </a:rPr>
+              <a:t>https://answerai.pro</a:t>
+            </a:r>
+            <a:r>
+              <a:rPr lang="en" sz="1200">
+                <a:solidFill>
+                  <a:schemeClr val="dk1"/>
+                </a:solidFill>
+                <a:latin typeface="Calibri"/>
+                <a:ea typeface="Calibri"/>
+                <a:cs typeface="Calibri"/>
+                <a:sym typeface="Calibri"/>
+              </a:rPr>
+              <a:t> , </a:t>
+            </a:r>
+            <a:r>
+              <a:rPr lang="en" sz="1200" u="sng">
+                <a:solidFill>
+                  <a:schemeClr val="hlink"/>
+                </a:solidFill>
+                <a:latin typeface="Calibri"/>
+                <a:ea typeface="Calibri"/>
+                <a:cs typeface="Calibri"/>
+                <a:sym typeface="Calibri"/>
+                <a:hlinkClick r:id="rId6"/>
+              </a:rPr>
+              <a:t>https://answer.ai</a:t>
+            </a:r>
+            <a:r>
+              <a:rPr lang="en" sz="1200">
+                <a:solidFill>
+                  <a:schemeClr val="dk1"/>
+                </a:solidFill>
+                <a:latin typeface="Calibri"/>
+                <a:ea typeface="Calibri"/>
+                <a:cs typeface="Calibri"/>
+                <a:sym typeface="Calibri"/>
+              </a:rPr>
+              <a:t> - 14 people startup</a:t>
+            </a:r>
+            <a:endParaRPr sz="1200">
+              <a:solidFill>
+                <a:schemeClr val="dk1"/>
+              </a:solidFill>
+              <a:latin typeface="Calibri"/>
+              <a:ea typeface="Calibri"/>
+              <a:cs typeface="Calibri"/>
+              <a:sym typeface="Calibri"/>
+            </a:endParaRPr>
+          </a:p>
+          <a:p>
+            <a:pPr marL="171450" marR="0" lvl="0" indent="-133350" algn="l" rtl="0">
+              <a:lnSpc>
+                <a:spcPct val="100000"/>
+              </a:lnSpc>
+              <a:spcBef>
+                <a:spcPts val="0"/>
+              </a:spcBef>
+              <a:spcAft>
+                <a:spcPts val="0"/>
+              </a:spcAft>
+              <a:buClr>
+                <a:schemeClr val="dk1"/>
+              </a:buClr>
+              <a:buSzPts val="1200"/>
+              <a:buFont typeface="Calibri"/>
+              <a:buChar char="●"/>
+            </a:pPr>
+            <a:r>
+              <a:rPr lang="en" sz="1200" u="sng">
+                <a:solidFill>
+                  <a:schemeClr val="hlink"/>
+                </a:solidFill>
+                <a:latin typeface="Calibri"/>
+                <a:ea typeface="Calibri"/>
+                <a:cs typeface="Calibri"/>
+                <a:sym typeface="Calibri"/>
+                <a:hlinkClick r:id="rId7"/>
+              </a:rPr>
+              <a:t>https://www.fastht.ml</a:t>
+            </a:r>
+            <a:r>
+              <a:rPr lang="en" sz="1200">
+                <a:solidFill>
+                  <a:schemeClr val="dk1"/>
+                </a:solidFill>
+                <a:latin typeface="Calibri"/>
+                <a:ea typeface="Calibri"/>
+                <a:cs typeface="Calibri"/>
+                <a:sym typeface="Calibri"/>
+              </a:rPr>
+              <a:t> - FastHTML</a:t>
+            </a:r>
+            <a:endParaRPr sz="1200">
+              <a:solidFill>
+                <a:schemeClr val="dk1"/>
+              </a:solidFill>
+              <a:latin typeface="Calibri"/>
+              <a:ea typeface="Calibri"/>
+              <a:cs typeface="Calibri"/>
+              <a:sym typeface="Calibri"/>
+            </a:endParaRPr>
+          </a:p>
+        </p:txBody>
+      </p:sp>
+      <p:pic>
+        <p:nvPicPr>
+          <p:cNvPr id="176" name="Google Shape;176;p26"/>
+          <p:cNvPicPr preferRelativeResize="0"/>
+          <p:nvPr/>
+        </p:nvPicPr>
+        <p:blipFill>
+          <a:blip r:embed="rId8" cstate="email">
+            <a:alphaModFix/>
+            <a:extLst>
+              <a:ext uri="{28A0092B-C50C-407E-A947-70E740481C1C}">
+                <a14:useLocalDpi xmlns:a14="http://schemas.microsoft.com/office/drawing/2010/main"/>
+              </a:ext>
+            </a:extLst>
+          </a:blip>
+          <a:stretch>
+            <a:fillRect/>
+          </a:stretch>
+        </p:blipFill>
+        <p:spPr>
+          <a:xfrm>
+            <a:off x="5526251" y="540600"/>
+            <a:ext cx="2495525" cy="2474851"/>
+          </a:xfrm>
+          <a:prstGeom prst="rect">
+            <a:avLst/>
+          </a:prstGeom>
+          <a:noFill/>
+          <a:ln w="9525" cap="flat" cmpd="sng">
+            <a:solidFill>
+              <a:srgbClr val="FF0000"/>
+            </a:solidFill>
+            <a:prstDash val="solid"/>
+            <a:round/>
+            <a:headEnd type="none" w="sm" len="sm"/>
+            <a:tailEnd type="none" w="sm" len="sm"/>
+          </a:ln>
+        </p:spPr>
+      </p:pic>
+    </p:spTree>
+  </p:cSld>
+  <p:clrMapOvr>
+    <a:masterClrMapping/>
+  </p:clrMapOvr>
+</p:sld>
+</file>
+
+<file path=ppt/slides/slide13.xml><?xml version="1.0" encoding="utf-8"?>
+<p:sld xmlns:a="http://schemas.openxmlformats.org/drawingml/2006/main" xmlns:r="http://schemas.openxmlformats.org/officeDocument/2006/relationships" xmlns:p="http://schemas.openxmlformats.org/presentationml/2006/main">
+  <p:cSld>
+    <p:spTree>
+      <p:nvGrpSpPr>
+        <p:cNvPr id="1" name="Shape 180"/>
+        <p:cNvGrpSpPr/>
+        <p:nvPr/>
+      </p:nvGrpSpPr>
+      <p:grpSpPr>
+        <a:xfrm>
+          <a:off x="0" y="0"/>
+          <a:ext cx="0" cy="0"/>
+          <a:chOff x="0" y="0"/>
+          <a:chExt cx="0" cy="0"/>
+        </a:xfrm>
+      </p:grpSpPr>
+      <p:sp>
+        <p:nvSpPr>
+          <p:cNvPr id="181" name="Google Shape;181;p27"/>
           <p:cNvSpPr txBox="1"/>
           <p:nvPr/>
         </p:nvSpPr>
@@ -13479,7 +16240,7 @@
       </p:sp>
       <p:sp>
         <p:nvSpPr>
-          <p:cNvPr id="156" name="Google Shape;156;p24"/>
+          <p:cNvPr id="182" name="Google Shape;182;p27"/>
           <p:cNvSpPr txBox="1"/>
           <p:nvPr/>
         </p:nvSpPr>
@@ -14165,7 +16926,7 @@
       </p:sp>
       <p:sp>
         <p:nvSpPr>
-          <p:cNvPr id="157" name="Google Shape;157;p24"/>
+          <p:cNvPr id="183" name="Google Shape;183;p27"/>
           <p:cNvSpPr txBox="1"/>
           <p:nvPr/>
         </p:nvSpPr>
@@ -14279,7 +17040,7 @@
       </p:sp>
       <p:pic>
         <p:nvPicPr>
-          <p:cNvPr id="158" name="Google Shape;158;p24" title="1732059410151.jpg"/>
+          <p:cNvPr id="184" name="Google Shape;184;p27" title="1732059410151.jpg"/>
           <p:cNvPicPr preferRelativeResize="0"/>
           <p:nvPr/>
         </p:nvPicPr>
@@ -14318,7 +17079,7 @@
       </p:pic>
       <p:pic>
         <p:nvPicPr>
-          <p:cNvPr id="159" name="Google Shape;159;p24"/>
+          <p:cNvPr id="185" name="Google Shape;185;p27"/>
           <p:cNvPicPr preferRelativeResize="0"/>
           <p:nvPr/>
         </p:nvPicPr>
@@ -14357,7 +17118,7 @@
       </p:pic>
       <p:sp>
         <p:nvSpPr>
-          <p:cNvPr id="160" name="Google Shape;160;p24"/>
+          <p:cNvPr id="186" name="Google Shape;186;p27"/>
           <p:cNvSpPr txBox="1"/>
           <p:nvPr/>
         </p:nvSpPr>
@@ -14923,12 +17684,12 @@
 </p:sld>
 </file>
 
-<file path=ppt/slides/slide11.xml><?xml version="1.0" encoding="utf-8"?>
+<file path=ppt/slides/slide14.xml><?xml version="1.0" encoding="utf-8"?>
 <p:sld xmlns:a="http://schemas.openxmlformats.org/drawingml/2006/main" xmlns:r="http://schemas.openxmlformats.org/officeDocument/2006/relationships" xmlns:p="http://schemas.openxmlformats.org/presentationml/2006/main">
   <p:cSld>
     <p:spTree>
       <p:nvGrpSpPr>
-        <p:cNvPr id="1" name="Shape 164"/>
+        <p:cNvPr id="1" name="Shape 190"/>
         <p:cNvGrpSpPr/>
         <p:nvPr/>
       </p:nvGrpSpPr>
@@ -14942,7 +17703,7 @@
       </p:grpSpPr>
       <p:sp>
         <p:nvSpPr>
-          <p:cNvPr id="165" name="Google Shape;165;p25"/>
+          <p:cNvPr id="191" name="Google Shape;191;p28"/>
           <p:cNvSpPr txBox="1"/>
           <p:nvPr/>
         </p:nvSpPr>
@@ -15008,7 +17769,7 @@
       </p:sp>
       <p:sp>
         <p:nvSpPr>
-          <p:cNvPr id="166" name="Google Shape;166;p25"/>
+          <p:cNvPr id="192" name="Google Shape;192;p28"/>
           <p:cNvSpPr txBox="1"/>
           <p:nvPr/>
         </p:nvSpPr>
@@ -15642,7 +18403,7 @@
       </p:sp>
       <p:sp>
         <p:nvSpPr>
-          <p:cNvPr id="167" name="Google Shape;167;p25"/>
+          <p:cNvPr id="193" name="Google Shape;193;p28"/>
           <p:cNvSpPr txBox="1"/>
           <p:nvPr/>
         </p:nvSpPr>
@@ -16118,12 +18879,12 @@
 </p:sld>
 </file>
 
-<file path=ppt/slides/slide12.xml><?xml version="1.0" encoding="utf-8"?>
+<file path=ppt/slides/slide15.xml><?xml version="1.0" encoding="utf-8"?>
 <p:sld xmlns:a="http://schemas.openxmlformats.org/drawingml/2006/main" xmlns:r="http://schemas.openxmlformats.org/officeDocument/2006/relationships" xmlns:p="http://schemas.openxmlformats.org/presentationml/2006/main">
   <p:cSld>
     <p:spTree>
       <p:nvGrpSpPr>
-        <p:cNvPr id="1" name="Shape 171"/>
+        <p:cNvPr id="1" name="Shape 197"/>
         <p:cNvGrpSpPr/>
         <p:nvPr/>
       </p:nvGrpSpPr>
@@ -16137,7 +18898,7 @@
       </p:grpSpPr>
       <p:sp>
         <p:nvSpPr>
-          <p:cNvPr id="172" name="Google Shape;172;p26"/>
+          <p:cNvPr id="198" name="Google Shape;198;p29"/>
           <p:cNvSpPr txBox="1"/>
           <p:nvPr/>
         </p:nvSpPr>
@@ -16203,7 +18964,7 @@
       </p:sp>
       <p:sp>
         <p:nvSpPr>
-          <p:cNvPr id="173" name="Google Shape;173;p26"/>
+          <p:cNvPr id="199" name="Google Shape;199;p29"/>
           <p:cNvSpPr txBox="1"/>
           <p:nvPr/>
         </p:nvSpPr>
@@ -16650,7 +19411,7 @@
       </p:sp>
       <p:pic>
         <p:nvPicPr>
-          <p:cNvPr id="174" name="Google Shape;174;p26"/>
+          <p:cNvPr id="200" name="Google Shape;200;p29"/>
           <p:cNvPicPr preferRelativeResize="0"/>
           <p:nvPr/>
         </p:nvPicPr>
@@ -16683,7 +19444,7 @@
       </p:pic>
       <p:pic>
         <p:nvPicPr>
-          <p:cNvPr id="175" name="Google Shape;175;p26"/>
+          <p:cNvPr id="201" name="Google Shape;201;p29"/>
           <p:cNvPicPr preferRelativeResize="0"/>
           <p:nvPr/>
         </p:nvPicPr>
@@ -16722,7 +19483,7 @@
       </p:pic>
       <p:sp>
         <p:nvSpPr>
-          <p:cNvPr id="176" name="Google Shape;176;p26"/>
+          <p:cNvPr id="202" name="Google Shape;202;p29"/>
           <p:cNvSpPr txBox="1"/>
           <p:nvPr/>
         </p:nvSpPr>
@@ -16791,7 +19552,7 @@
       </p:sp>
       <p:sp>
         <p:nvSpPr>
-          <p:cNvPr id="177" name="Google Shape;177;p26"/>
+          <p:cNvPr id="203" name="Google Shape;203;p29"/>
           <p:cNvSpPr txBox="1"/>
           <p:nvPr/>
         </p:nvSpPr>
@@ -16945,7 +19706,7 @@
       </p:sp>
       <p:sp>
         <p:nvSpPr>
-          <p:cNvPr id="178" name="Google Shape;178;p26"/>
+          <p:cNvPr id="204" name="Google Shape;204;p29"/>
           <p:cNvSpPr txBox="1"/>
           <p:nvPr/>
         </p:nvSpPr>
@@ -17279,7 +20040,7 @@
       </p:sp>
       <p:sp>
         <p:nvSpPr>
-          <p:cNvPr id="179" name="Google Shape;179;p26"/>
+          <p:cNvPr id="205" name="Google Shape;205;p29"/>
           <p:cNvSpPr txBox="1"/>
           <p:nvPr/>
         </p:nvSpPr>
@@ -17679,12 +20440,12 @@
 </p:sld>
 </file>
 
-<file path=ppt/slides/slide13.xml><?xml version="1.0" encoding="utf-8"?>
+<file path=ppt/slides/slide16.xml><?xml version="1.0" encoding="utf-8"?>
 <p:sld xmlns:a="http://schemas.openxmlformats.org/drawingml/2006/main" xmlns:r="http://schemas.openxmlformats.org/officeDocument/2006/relationships" xmlns:p="http://schemas.openxmlformats.org/presentationml/2006/main">
   <p:cSld>
     <p:spTree>
       <p:nvGrpSpPr>
-        <p:cNvPr id="1" name="Shape 183"/>
+        <p:cNvPr id="1" name="Shape 209"/>
         <p:cNvGrpSpPr/>
         <p:nvPr/>
       </p:nvGrpSpPr>
@@ -17698,7 +20459,7 @@
       </p:grpSpPr>
       <p:sp>
         <p:nvSpPr>
-          <p:cNvPr id="184" name="Google Shape;184;p27"/>
+          <p:cNvPr id="210" name="Google Shape;210;p30"/>
           <p:cNvSpPr txBox="1"/>
           <p:nvPr/>
         </p:nvSpPr>
@@ -17865,7 +20626,7 @@
       </p:sp>
       <p:sp>
         <p:nvSpPr>
-          <p:cNvPr id="185" name="Google Shape;185;p27"/>
+          <p:cNvPr id="211" name="Google Shape;211;p30"/>
           <p:cNvSpPr txBox="1"/>
           <p:nvPr/>
         </p:nvSpPr>
@@ -17931,7 +20692,7 @@
       </p:sp>
       <p:sp>
         <p:nvSpPr>
-          <p:cNvPr id="186" name="Google Shape;186;p27"/>
+          <p:cNvPr id="212" name="Google Shape;212;p30"/>
           <p:cNvSpPr txBox="1"/>
           <p:nvPr/>
         </p:nvSpPr>
@@ -18157,7 +20918,7 @@
       </p:sp>
       <p:sp>
         <p:nvSpPr>
-          <p:cNvPr id="187" name="Google Shape;187;p27"/>
+          <p:cNvPr id="213" name="Google Shape;213;p30"/>
           <p:cNvSpPr txBox="1"/>
           <p:nvPr/>
         </p:nvSpPr>
@@ -18231,7 +20992,7 @@
       </p:sp>
       <p:sp>
         <p:nvSpPr>
-          <p:cNvPr id="188" name="Google Shape;188;p27"/>
+          <p:cNvPr id="214" name="Google Shape;214;p30"/>
           <p:cNvSpPr txBox="1"/>
           <p:nvPr/>
         </p:nvSpPr>
@@ -18401,7 +21162,7 @@
       </p:sp>
       <p:sp>
         <p:nvSpPr>
-          <p:cNvPr id="189" name="Google Shape;189;p27"/>
+          <p:cNvPr id="215" name="Google Shape;215;p30"/>
           <p:cNvSpPr txBox="1"/>
           <p:nvPr/>
         </p:nvSpPr>
@@ -18475,7 +21236,7 @@
       </p:sp>
       <p:sp>
         <p:nvSpPr>
-          <p:cNvPr id="190" name="Google Shape;190;p27"/>
+          <p:cNvPr id="216" name="Google Shape;216;p30"/>
           <p:cNvSpPr txBox="1"/>
           <p:nvPr/>
         </p:nvSpPr>
@@ -18553,7 +21314,7 @@
       </p:sp>
       <p:sp>
         <p:nvSpPr>
-          <p:cNvPr id="191" name="Google Shape;191;p27"/>
+          <p:cNvPr id="217" name="Google Shape;217;p30"/>
           <p:cNvSpPr/>
           <p:nvPr/>
         </p:nvSpPr>
@@ -18615,7 +21376,7 @@
       </p:sp>
       <p:sp>
         <p:nvSpPr>
-          <p:cNvPr id="192" name="Google Shape;192;p27"/>
+          <p:cNvPr id="218" name="Google Shape;218;p30"/>
           <p:cNvSpPr/>
           <p:nvPr/>
         </p:nvSpPr>
@@ -18677,7 +21438,7 @@
       </p:sp>
       <p:sp>
         <p:nvSpPr>
-          <p:cNvPr id="193" name="Google Shape;193;p27"/>
+          <p:cNvPr id="219" name="Google Shape;219;p30"/>
           <p:cNvSpPr/>
           <p:nvPr/>
         </p:nvSpPr>
@@ -18739,7 +21500,7 @@
       </p:sp>
       <p:sp>
         <p:nvSpPr>
-          <p:cNvPr id="194" name="Google Shape;194;p27"/>
+          <p:cNvPr id="220" name="Google Shape;220;p30"/>
           <p:cNvSpPr/>
           <p:nvPr/>
         </p:nvSpPr>
@@ -18801,7 +21562,7 @@
       </p:sp>
       <p:sp>
         <p:nvSpPr>
-          <p:cNvPr id="195" name="Google Shape;195;p27"/>
+          <p:cNvPr id="221" name="Google Shape;221;p30"/>
           <p:cNvSpPr/>
           <p:nvPr/>
         </p:nvSpPr>
@@ -18863,7 +21624,7 @@
       </p:sp>
       <p:sp>
         <p:nvSpPr>
-          <p:cNvPr id="196" name="Google Shape;196;p27"/>
+          <p:cNvPr id="222" name="Google Shape;222;p30"/>
           <p:cNvSpPr/>
           <p:nvPr/>
         </p:nvSpPr>
@@ -18925,7 +21686,7 @@
       </p:sp>
       <p:sp>
         <p:nvSpPr>
-          <p:cNvPr id="197" name="Google Shape;197;p27"/>
+          <p:cNvPr id="223" name="Google Shape;223;p30"/>
           <p:cNvSpPr/>
           <p:nvPr/>
         </p:nvSpPr>
@@ -18987,7 +21748,7 @@
       </p:sp>
       <p:sp>
         <p:nvSpPr>
-          <p:cNvPr id="198" name="Google Shape;198;p27"/>
+          <p:cNvPr id="224" name="Google Shape;224;p30"/>
           <p:cNvSpPr txBox="1"/>
           <p:nvPr/>
         </p:nvSpPr>
@@ -19065,7 +21826,7 @@
       </p:sp>
       <p:sp>
         <p:nvSpPr>
-          <p:cNvPr id="199" name="Google Shape;199;p27"/>
+          <p:cNvPr id="225" name="Google Shape;225;p30"/>
           <p:cNvSpPr/>
           <p:nvPr/>
         </p:nvSpPr>
@@ -19127,7 +21888,7 @@
       </p:sp>
       <p:sp>
         <p:nvSpPr>
-          <p:cNvPr id="200" name="Google Shape;200;p27"/>
+          <p:cNvPr id="226" name="Google Shape;226;p30"/>
           <p:cNvSpPr/>
           <p:nvPr/>
         </p:nvSpPr>
@@ -19189,7 +21950,7 @@
       </p:sp>
       <p:sp>
         <p:nvSpPr>
-          <p:cNvPr id="201" name="Google Shape;201;p27"/>
+          <p:cNvPr id="227" name="Google Shape;227;p30"/>
           <p:cNvSpPr txBox="1"/>
           <p:nvPr/>
         </p:nvSpPr>
@@ -19267,7 +22028,7 @@
       </p:sp>
       <p:sp>
         <p:nvSpPr>
-          <p:cNvPr id="202" name="Google Shape;202;p27"/>
+          <p:cNvPr id="228" name="Google Shape;228;p30"/>
           <p:cNvSpPr txBox="1"/>
           <p:nvPr/>
         </p:nvSpPr>
@@ -19341,7 +22102,7 @@
       </p:sp>
       <p:sp>
         <p:nvSpPr>
-          <p:cNvPr id="203" name="Google Shape;203;p27"/>
+          <p:cNvPr id="229" name="Google Shape;229;p30"/>
           <p:cNvSpPr txBox="1"/>
           <p:nvPr/>
         </p:nvSpPr>
@@ -19415,7 +22176,7 @@
       </p:sp>
       <p:sp>
         <p:nvSpPr>
-          <p:cNvPr id="204" name="Google Shape;204;p27"/>
+          <p:cNvPr id="230" name="Google Shape;230;p30"/>
           <p:cNvSpPr/>
           <p:nvPr/>
         </p:nvSpPr>
@@ -19477,7 +22238,7 @@
       </p:sp>
       <p:sp>
         <p:nvSpPr>
-          <p:cNvPr id="205" name="Google Shape;205;p27"/>
+          <p:cNvPr id="231" name="Google Shape;231;p30"/>
           <p:cNvSpPr/>
           <p:nvPr/>
         </p:nvSpPr>
@@ -19539,7 +22300,7 @@
       </p:sp>
       <p:sp>
         <p:nvSpPr>
-          <p:cNvPr id="206" name="Google Shape;206;p27"/>
+          <p:cNvPr id="232" name="Google Shape;232;p30"/>
           <p:cNvSpPr/>
           <p:nvPr/>
         </p:nvSpPr>
@@ -19601,7 +22362,7 @@
       </p:sp>
       <p:sp>
         <p:nvSpPr>
-          <p:cNvPr id="207" name="Google Shape;207;p27"/>
+          <p:cNvPr id="233" name="Google Shape;233;p30"/>
           <p:cNvSpPr/>
           <p:nvPr/>
         </p:nvSpPr>
@@ -19663,7 +22424,7 @@
       </p:sp>
       <p:sp>
         <p:nvSpPr>
-          <p:cNvPr id="208" name="Google Shape;208;p27"/>
+          <p:cNvPr id="234" name="Google Shape;234;p30"/>
           <p:cNvSpPr/>
           <p:nvPr/>
         </p:nvSpPr>
@@ -19725,7 +22486,7 @@
       </p:sp>
       <p:sp>
         <p:nvSpPr>
-          <p:cNvPr id="209" name="Google Shape;209;p27"/>
+          <p:cNvPr id="235" name="Google Shape;235;p30"/>
           <p:cNvSpPr/>
           <p:nvPr/>
         </p:nvSpPr>
@@ -19787,7 +22548,7 @@
       </p:sp>
       <p:sp>
         <p:nvSpPr>
-          <p:cNvPr id="210" name="Google Shape;210;p27"/>
+          <p:cNvPr id="236" name="Google Shape;236;p30"/>
           <p:cNvSpPr txBox="1"/>
           <p:nvPr/>
         </p:nvSpPr>
@@ -19865,7 +22626,7 @@
       </p:sp>
       <p:sp>
         <p:nvSpPr>
-          <p:cNvPr id="211" name="Google Shape;211;p27"/>
+          <p:cNvPr id="237" name="Google Shape;237;p30"/>
           <p:cNvSpPr/>
           <p:nvPr/>
         </p:nvSpPr>
@@ -19927,7 +22688,7 @@
       </p:sp>
       <p:sp>
         <p:nvSpPr>
-          <p:cNvPr id="212" name="Google Shape;212;p27"/>
+          <p:cNvPr id="238" name="Google Shape;238;p30"/>
           <p:cNvSpPr/>
           <p:nvPr/>
         </p:nvSpPr>
@@ -19989,7 +22750,7 @@
       </p:sp>
       <p:sp>
         <p:nvSpPr>
-          <p:cNvPr id="213" name="Google Shape;213;p27"/>
+          <p:cNvPr id="239" name="Google Shape;239;p30"/>
           <p:cNvSpPr/>
           <p:nvPr/>
         </p:nvSpPr>
@@ -20051,7 +22812,7 @@
       </p:sp>
       <p:sp>
         <p:nvSpPr>
-          <p:cNvPr id="214" name="Google Shape;214;p27"/>
+          <p:cNvPr id="240" name="Google Shape;240;p30"/>
           <p:cNvSpPr/>
           <p:nvPr/>
         </p:nvSpPr>
@@ -20113,7 +22874,7 @@
       </p:sp>
       <p:sp>
         <p:nvSpPr>
-          <p:cNvPr id="215" name="Google Shape;215;p27"/>
+          <p:cNvPr id="241" name="Google Shape;241;p30"/>
           <p:cNvSpPr txBox="1"/>
           <p:nvPr/>
         </p:nvSpPr>
@@ -20291,7 +23052,7 @@
       </p:sp>
       <p:sp>
         <p:nvSpPr>
-          <p:cNvPr id="216" name="Google Shape;216;p27"/>
+          <p:cNvPr id="242" name="Google Shape;242;p30"/>
           <p:cNvSpPr/>
           <p:nvPr/>
         </p:nvSpPr>
@@ -20353,7 +23114,7 @@
       </p:sp>
       <p:sp>
         <p:nvSpPr>
-          <p:cNvPr id="217" name="Google Shape;217;p27"/>
+          <p:cNvPr id="243" name="Google Shape;243;p30"/>
           <p:cNvSpPr/>
           <p:nvPr/>
         </p:nvSpPr>
@@ -20415,7 +23176,7 @@
       </p:sp>
       <p:sp>
         <p:nvSpPr>
-          <p:cNvPr id="218" name="Google Shape;218;p27"/>
+          <p:cNvPr id="244" name="Google Shape;244;p30"/>
           <p:cNvSpPr/>
           <p:nvPr/>
         </p:nvSpPr>
@@ -20477,7 +23238,7 @@
       </p:sp>
       <p:sp>
         <p:nvSpPr>
-          <p:cNvPr id="219" name="Google Shape;219;p27"/>
+          <p:cNvPr id="245" name="Google Shape;245;p30"/>
           <p:cNvSpPr/>
           <p:nvPr/>
         </p:nvSpPr>
@@ -20539,7 +23300,7 @@
       </p:sp>
       <p:sp>
         <p:nvSpPr>
-          <p:cNvPr id="220" name="Google Shape;220;p27"/>
+          <p:cNvPr id="246" name="Google Shape;246;p30"/>
           <p:cNvSpPr/>
           <p:nvPr/>
         </p:nvSpPr>
@@ -20601,7 +23362,7 @@
       </p:sp>
       <p:sp>
         <p:nvSpPr>
-          <p:cNvPr id="221" name="Google Shape;221;p27"/>
+          <p:cNvPr id="247" name="Google Shape;247;p30"/>
           <p:cNvSpPr/>
           <p:nvPr/>
         </p:nvSpPr>
@@ -20663,7 +23424,7 @@
       </p:sp>
       <p:sp>
         <p:nvSpPr>
-          <p:cNvPr id="222" name="Google Shape;222;p27"/>
+          <p:cNvPr id="248" name="Google Shape;248;p30"/>
           <p:cNvSpPr/>
           <p:nvPr/>
         </p:nvSpPr>
@@ -20725,7 +23486,7 @@
       </p:sp>
       <p:sp>
         <p:nvSpPr>
-          <p:cNvPr id="223" name="Google Shape;223;p27"/>
+          <p:cNvPr id="249" name="Google Shape;249;p30"/>
           <p:cNvSpPr/>
           <p:nvPr/>
         </p:nvSpPr>
@@ -20787,7 +23548,7 @@
       </p:sp>
       <p:sp>
         <p:nvSpPr>
-          <p:cNvPr id="224" name="Google Shape;224;p27"/>
+          <p:cNvPr id="250" name="Google Shape;250;p30"/>
           <p:cNvSpPr txBox="1"/>
           <p:nvPr/>
         </p:nvSpPr>
@@ -21359,7 +24120,7 @@
       </p:sp>
       <p:sp>
         <p:nvSpPr>
-          <p:cNvPr id="225" name="Google Shape;225;p27"/>
+          <p:cNvPr id="251" name="Google Shape;251;p30"/>
           <p:cNvSpPr/>
           <p:nvPr/>
         </p:nvSpPr>
@@ -21421,7 +24182,7 @@
       </p:sp>
       <p:sp>
         <p:nvSpPr>
-          <p:cNvPr id="226" name="Google Shape;226;p27"/>
+          <p:cNvPr id="252" name="Google Shape;252;p30"/>
           <p:cNvSpPr/>
           <p:nvPr/>
         </p:nvSpPr>
@@ -21483,7 +24244,7 @@
       </p:sp>
       <p:sp>
         <p:nvSpPr>
-          <p:cNvPr id="227" name="Google Shape;227;p27"/>
+          <p:cNvPr id="253" name="Google Shape;253;p30"/>
           <p:cNvSpPr txBox="1"/>
           <p:nvPr/>
         </p:nvSpPr>
@@ -21561,7 +24322,7 @@
       </p:sp>
       <p:sp>
         <p:nvSpPr>
-          <p:cNvPr id="228" name="Google Shape;228;p27"/>
+          <p:cNvPr id="254" name="Google Shape;254;p30"/>
           <p:cNvSpPr/>
           <p:nvPr/>
         </p:nvSpPr>
@@ -21623,7 +24384,7 @@
       </p:sp>
       <p:sp>
         <p:nvSpPr>
-          <p:cNvPr id="229" name="Google Shape;229;p27"/>
+          <p:cNvPr id="255" name="Google Shape;255;p30"/>
           <p:cNvSpPr/>
           <p:nvPr/>
         </p:nvSpPr>
@@ -21685,7 +24446,7 @@
       </p:sp>
       <p:sp>
         <p:nvSpPr>
-          <p:cNvPr id="230" name="Google Shape;230;p27"/>
+          <p:cNvPr id="256" name="Google Shape;256;p30"/>
           <p:cNvSpPr/>
           <p:nvPr/>
         </p:nvSpPr>
@@ -21747,7 +24508,7 @@
       </p:sp>
       <p:sp>
         <p:nvSpPr>
-          <p:cNvPr id="231" name="Google Shape;231;p27"/>
+          <p:cNvPr id="257" name="Google Shape;257;p30"/>
           <p:cNvSpPr txBox="1"/>
           <p:nvPr/>
         </p:nvSpPr>
@@ -21825,7 +24586,7 @@
       </p:sp>
       <p:sp>
         <p:nvSpPr>
-          <p:cNvPr id="232" name="Google Shape;232;p27"/>
+          <p:cNvPr id="258" name="Google Shape;258;p30"/>
           <p:cNvSpPr/>
           <p:nvPr/>
         </p:nvSpPr>
@@ -21887,7 +24648,7 @@
       </p:sp>
       <p:sp>
         <p:nvSpPr>
-          <p:cNvPr id="233" name="Google Shape;233;p27"/>
+          <p:cNvPr id="259" name="Google Shape;259;p30"/>
           <p:cNvSpPr/>
           <p:nvPr/>
         </p:nvSpPr>
@@ -21949,7 +24710,7 @@
       </p:sp>
       <p:sp>
         <p:nvSpPr>
-          <p:cNvPr id="234" name="Google Shape;234;p27"/>
+          <p:cNvPr id="260" name="Google Shape;260;p30"/>
           <p:cNvSpPr txBox="1"/>
           <p:nvPr/>
         </p:nvSpPr>
@@ -22027,7 +24788,7 @@
       </p:sp>
       <p:pic>
         <p:nvPicPr>
-          <p:cNvPr id="235" name="Google Shape;235;p27"/>
+          <p:cNvPr id="261" name="Google Shape;261;p30"/>
           <p:cNvPicPr preferRelativeResize="0"/>
           <p:nvPr/>
         </p:nvPicPr>
@@ -22065,7 +24826,7 @@
       </p:pic>
       <p:sp>
         <p:nvSpPr>
-          <p:cNvPr id="236" name="Google Shape;236;p27"/>
+          <p:cNvPr id="262" name="Google Shape;262;p30"/>
           <p:cNvSpPr/>
           <p:nvPr/>
         </p:nvSpPr>
@@ -22127,7 +24888,7 @@
       </p:sp>
       <p:sp>
         <p:nvSpPr>
-          <p:cNvPr id="237" name="Google Shape;237;p27"/>
+          <p:cNvPr id="263" name="Google Shape;263;p30"/>
           <p:cNvSpPr txBox="1"/>
           <p:nvPr/>
         </p:nvSpPr>
@@ -22205,7 +24966,7 @@
       </p:sp>
       <p:sp>
         <p:nvSpPr>
-          <p:cNvPr id="238" name="Google Shape;238;p27"/>
+          <p:cNvPr id="264" name="Google Shape;264;p30"/>
           <p:cNvSpPr/>
           <p:nvPr/>
         </p:nvSpPr>
@@ -22267,7 +25028,7 @@
       </p:sp>
       <p:sp>
         <p:nvSpPr>
-          <p:cNvPr id="239" name="Google Shape;239;p27"/>
+          <p:cNvPr id="265" name="Google Shape;265;p30"/>
           <p:cNvSpPr/>
           <p:nvPr/>
         </p:nvSpPr>
@@ -22329,7 +25090,7 @@
       </p:sp>
       <p:sp>
         <p:nvSpPr>
-          <p:cNvPr id="240" name="Google Shape;240;p27"/>
+          <p:cNvPr id="266" name="Google Shape;266;p30"/>
           <p:cNvSpPr/>
           <p:nvPr/>
         </p:nvSpPr>
@@ -22391,7 +25152,7 @@
       </p:sp>
       <p:pic>
         <p:nvPicPr>
-          <p:cNvPr id="241" name="Google Shape;241;p27"/>
+          <p:cNvPr id="267" name="Google Shape;267;p30"/>
           <p:cNvPicPr preferRelativeResize="0"/>
           <p:nvPr/>
         </p:nvPicPr>
@@ -22429,7 +25190,7 @@
       </p:pic>
       <p:sp>
         <p:nvSpPr>
-          <p:cNvPr id="242" name="Google Shape;242;p27"/>
+          <p:cNvPr id="268" name="Google Shape;268;p30"/>
           <p:cNvSpPr/>
           <p:nvPr/>
         </p:nvSpPr>
@@ -22491,7 +25252,7 @@
       </p:sp>
       <p:sp>
         <p:nvSpPr>
-          <p:cNvPr id="243" name="Google Shape;243;p27"/>
+          <p:cNvPr id="269" name="Google Shape;269;p30"/>
           <p:cNvSpPr txBox="1"/>
           <p:nvPr/>
         </p:nvSpPr>
@@ -22569,7 +25330,7 @@
       </p:sp>
       <p:sp>
         <p:nvSpPr>
-          <p:cNvPr id="244" name="Google Shape;244;p27"/>
+          <p:cNvPr id="270" name="Google Shape;270;p30"/>
           <p:cNvSpPr/>
           <p:nvPr/>
         </p:nvSpPr>
@@ -22631,7 +25392,7 @@
       </p:sp>
       <p:sp>
         <p:nvSpPr>
-          <p:cNvPr id="245" name="Google Shape;245;p27"/>
+          <p:cNvPr id="271" name="Google Shape;271;p30"/>
           <p:cNvSpPr/>
           <p:nvPr/>
         </p:nvSpPr>
@@ -22684,7 +25445,7 @@
       </p:sp>
       <p:sp>
         <p:nvSpPr>
-          <p:cNvPr id="246" name="Google Shape;246;p27"/>
+          <p:cNvPr id="272" name="Google Shape;272;p30"/>
           <p:cNvSpPr/>
           <p:nvPr/>
         </p:nvSpPr>
@@ -22737,7 +25498,7 @@
       </p:sp>
       <p:sp>
         <p:nvSpPr>
-          <p:cNvPr id="247" name="Google Shape;247;p27"/>
+          <p:cNvPr id="273" name="Google Shape;273;p30"/>
           <p:cNvSpPr/>
           <p:nvPr/>
         </p:nvSpPr>
@@ -22790,7 +25551,7 @@
       </p:sp>
       <p:sp>
         <p:nvSpPr>
-          <p:cNvPr id="248" name="Google Shape;248;p27"/>
+          <p:cNvPr id="274" name="Google Shape;274;p30"/>
           <p:cNvSpPr/>
           <p:nvPr/>
         </p:nvSpPr>
@@ -22849,12 +25610,12 @@
 </p:sld>
 </file>
 
-<file path=ppt/slides/slide14.xml><?xml version="1.0" encoding="utf-8"?>
+<file path=ppt/slides/slide17.xml><?xml version="1.0" encoding="utf-8"?>
 <p:sld xmlns:a="http://schemas.openxmlformats.org/drawingml/2006/main" xmlns:r="http://schemas.openxmlformats.org/officeDocument/2006/relationships" xmlns:p="http://schemas.openxmlformats.org/presentationml/2006/main">
   <p:cSld>
     <p:spTree>
       <p:nvGrpSpPr>
-        <p:cNvPr id="1" name="Shape 252"/>
+        <p:cNvPr id="1" name="Shape 278"/>
         <p:cNvGrpSpPr/>
         <p:nvPr/>
       </p:nvGrpSpPr>
@@ -22868,7 +25629,7 @@
       </p:grpSpPr>
       <p:sp>
         <p:nvSpPr>
-          <p:cNvPr id="253" name="Google Shape;253;p28"/>
+          <p:cNvPr id="279" name="Google Shape;279;p31"/>
           <p:cNvSpPr txBox="1"/>
           <p:nvPr/>
         </p:nvSpPr>
@@ -22934,7 +25695,7 @@
       </p:sp>
       <p:sp>
         <p:nvSpPr>
-          <p:cNvPr id="254" name="Google Shape;254;p28"/>
+          <p:cNvPr id="280" name="Google Shape;280;p31"/>
           <p:cNvSpPr txBox="1"/>
           <p:nvPr/>
         </p:nvSpPr>
@@ -23021,7 +25782,7 @@
       </p:sp>
       <p:sp>
         <p:nvSpPr>
-          <p:cNvPr id="255" name="Google Shape;255;p28"/>
+          <p:cNvPr id="281" name="Google Shape;281;p31"/>
           <p:cNvSpPr txBox="1"/>
           <p:nvPr/>
         </p:nvSpPr>
@@ -23250,7 +26011,7 @@
       </p:sp>
       <p:pic>
         <p:nvPicPr>
-          <p:cNvPr id="256" name="Google Shape;256;p28"/>
+          <p:cNvPr id="282" name="Google Shape;282;p31"/>
           <p:cNvPicPr preferRelativeResize="0"/>
           <p:nvPr/>
         </p:nvPicPr>
@@ -23289,7 +26050,7 @@
       </p:pic>
       <p:pic>
         <p:nvPicPr>
-          <p:cNvPr id="257" name="Google Shape;257;p28"/>
+          <p:cNvPr id="283" name="Google Shape;283;p31"/>
           <p:cNvPicPr preferRelativeResize="0"/>
           <p:nvPr/>
         </p:nvPicPr>
@@ -23334,12 +26095,12 @@
 </p:sld>
 </file>
 
-<file path=ppt/slides/slide15.xml><?xml version="1.0" encoding="utf-8"?>
+<file path=ppt/slides/slide18.xml><?xml version="1.0" encoding="utf-8"?>
 <p:sld xmlns:a="http://schemas.openxmlformats.org/drawingml/2006/main" xmlns:r="http://schemas.openxmlformats.org/officeDocument/2006/relationships" xmlns:p="http://schemas.openxmlformats.org/presentationml/2006/main">
   <p:cSld>
     <p:spTree>
       <p:nvGrpSpPr>
-        <p:cNvPr id="1" name="Shape 261"/>
+        <p:cNvPr id="1" name="Shape 287"/>
         <p:cNvGrpSpPr/>
         <p:nvPr/>
       </p:nvGrpSpPr>
@@ -23353,7 +26114,7 @@
       </p:grpSpPr>
       <p:pic>
         <p:nvPicPr>
-          <p:cNvPr id="262" name="Google Shape;262;p29"/>
+          <p:cNvPr id="288" name="Google Shape;288;p32"/>
           <p:cNvPicPr preferRelativeResize="0"/>
           <p:nvPr/>
         </p:nvPicPr>
@@ -23385,7 +26146,7 @@
       </p:pic>
       <p:sp>
         <p:nvSpPr>
-          <p:cNvPr id="263" name="Google Shape;263;p29"/>
+          <p:cNvPr id="289" name="Google Shape;289;p32"/>
           <p:cNvSpPr txBox="1"/>
           <p:nvPr/>
         </p:nvSpPr>
@@ -23451,7 +26212,7 @@
       </p:sp>
       <p:sp>
         <p:nvSpPr>
-          <p:cNvPr id="264" name="Google Shape;264;p29"/>
+          <p:cNvPr id="290" name="Google Shape;290;p32"/>
           <p:cNvSpPr txBox="1"/>
           <p:nvPr/>
         </p:nvSpPr>
@@ -23881,7 +26642,7 @@
       </p:sp>
       <p:pic>
         <p:nvPicPr>
-          <p:cNvPr id="265" name="Google Shape;265;p29"/>
+          <p:cNvPr id="291" name="Google Shape;291;p32"/>
           <p:cNvPicPr preferRelativeResize="0"/>
           <p:nvPr/>
         </p:nvPicPr>
@@ -23913,7 +26674,7 @@
       </p:pic>
       <p:sp>
         <p:nvSpPr>
-          <p:cNvPr id="266" name="Google Shape;266;p29"/>
+          <p:cNvPr id="292" name="Google Shape;292;p32"/>
           <p:cNvSpPr txBox="1"/>
           <p:nvPr/>
         </p:nvSpPr>
@@ -23992,7 +26753,7 @@
       </p:sp>
       <p:sp>
         <p:nvSpPr>
-          <p:cNvPr id="267" name="Google Shape;267;p29"/>
+          <p:cNvPr id="293" name="Google Shape;293;p32"/>
           <p:cNvSpPr txBox="1"/>
           <p:nvPr/>
         </p:nvSpPr>
@@ -24064,12 +26825,12 @@
 </p:sld>
 </file>
 
-<file path=ppt/slides/slide16.xml><?xml version="1.0" encoding="utf-8"?>
+<file path=ppt/slides/slide19.xml><?xml version="1.0" encoding="utf-8"?>
 <p:sld xmlns:a="http://schemas.openxmlformats.org/drawingml/2006/main" xmlns:r="http://schemas.openxmlformats.org/officeDocument/2006/relationships" xmlns:p="http://schemas.openxmlformats.org/presentationml/2006/main">
   <p:cSld>
     <p:spTree>
       <p:nvGrpSpPr>
-        <p:cNvPr id="1" name="Shape 271"/>
+        <p:cNvPr id="1" name="Shape 297"/>
         <p:cNvGrpSpPr/>
         <p:nvPr/>
       </p:nvGrpSpPr>
@@ -24083,7 +26844,7 @@
       </p:grpSpPr>
       <p:sp>
         <p:nvSpPr>
-          <p:cNvPr id="272" name="Google Shape;272;p30"/>
+          <p:cNvPr id="298" name="Google Shape;298;p33"/>
           <p:cNvSpPr txBox="1"/>
           <p:nvPr/>
         </p:nvSpPr>
@@ -24812,48 +27573,9 @@
           <a:chExt cx="0" cy="0"/>
         </a:xfrm>
       </p:grpSpPr>
-      <p:pic>
-        <p:nvPicPr>
-          <p:cNvPr id="81" name="Google Shape;81;p17"/>
-          <p:cNvPicPr preferRelativeResize="0"/>
-          <p:nvPr/>
-        </p:nvPicPr>
-        <p:blipFill>
-          <a:blip r:embed="rId3" cstate="email">
-            <a:alphaModFix/>
-            <a:extLst>
-              <a:ext uri="{28A0092B-C50C-407E-A947-70E740481C1C}">
-                <a14:useLocalDpi xmlns:a14="http://schemas.microsoft.com/office/drawing/2010/main"/>
-              </a:ext>
-            </a:extLst>
-          </a:blip>
-          <a:stretch>
-            <a:fillRect/>
-          </a:stretch>
-        </p:blipFill>
-        <p:spPr>
-          <a:xfrm>
-            <a:off x="3730278" y="1757956"/>
-            <a:ext cx="1425150" cy="712575"/>
-          </a:xfrm>
-          <a:prstGeom prst="rect">
-            <a:avLst/>
-          </a:prstGeom>
-          <a:noFill/>
-          <a:ln w="9525" cap="flat" cmpd="sng">
-            <a:solidFill>
-              <a:srgbClr val="FF0000"/>
-            </a:solidFill>
-            <a:prstDash val="solid"/>
-            <a:round/>
-            <a:headEnd type="none" w="sm" len="sm"/>
-            <a:tailEnd type="none" w="sm" len="sm"/>
-          </a:ln>
-        </p:spPr>
-      </p:pic>
       <p:sp>
         <p:nvSpPr>
-          <p:cNvPr id="82" name="Google Shape;82;p17"/>
+          <p:cNvPr id="81" name="Google Shape;81;p17"/>
           <p:cNvSpPr txBox="1"/>
           <p:nvPr/>
         </p:nvSpPr>
@@ -24919,14 +27641,14 @@
       </p:sp>
       <p:sp>
         <p:nvSpPr>
-          <p:cNvPr id="83" name="Google Shape;83;p17"/>
+          <p:cNvPr id="82" name="Google Shape;82;p17"/>
           <p:cNvSpPr txBox="1"/>
           <p:nvPr/>
         </p:nvSpPr>
         <p:spPr>
           <a:xfrm>
-            <a:off x="705275" y="477506"/>
-            <a:ext cx="4453200" cy="526500"/>
+            <a:off x="1898325" y="103025"/>
+            <a:ext cx="3257100" cy="711000"/>
           </a:xfrm>
           <a:prstGeom prst="rect">
             <a:avLst/>
@@ -24977,7 +27699,7 @@
                 <a:cs typeface="Calibri"/>
                 <a:sym typeface="Calibri"/>
               </a:rPr>
-              <a:t>Meta's AssetGen 2.0: Enhanced 3D Model Generation</a:t>
+              <a:t>Meta's AssetGen 2.0: 3D Model Generation</a:t>
             </a:r>
             <a:endParaRPr sz="1200" b="1">
               <a:solidFill>
@@ -25056,7 +27778,7 @@
                 <a:ea typeface="Calibri"/>
                 <a:cs typeface="Calibri"/>
                 <a:sym typeface="Calibri"/>
-                <a:hlinkClick r:id="rId4"/>
+                <a:hlinkClick r:id="rId3"/>
               </a:rPr>
               <a:t>https://developers.meta.com/horizon/blog/AssetGen2</a:t>
             </a:r>
@@ -25086,12 +27808,12 @@
       </p:sp>
       <p:pic>
         <p:nvPicPr>
-          <p:cNvPr id="84" name="Google Shape;84;p17"/>
+          <p:cNvPr id="83" name="Google Shape;83;p17"/>
           <p:cNvPicPr preferRelativeResize="0"/>
           <p:nvPr/>
         </p:nvPicPr>
         <p:blipFill>
-          <a:blip r:embed="rId5" cstate="email">
+          <a:blip r:embed="rId4" cstate="email">
             <a:alphaModFix/>
             <a:extLst>
               <a:ext uri="{28A0092B-C50C-407E-A947-70E740481C1C}">
@@ -25125,13 +27847,13 @@
       </p:pic>
       <p:sp>
         <p:nvSpPr>
-          <p:cNvPr id="85" name="Google Shape;85;p17"/>
+          <p:cNvPr id="84" name="Google Shape;84;p17"/>
           <p:cNvSpPr txBox="1"/>
           <p:nvPr/>
         </p:nvSpPr>
         <p:spPr>
           <a:xfrm>
-            <a:off x="2524375" y="3511575"/>
+            <a:off x="3730275" y="2738225"/>
             <a:ext cx="3055800" cy="1218900"/>
           </a:xfrm>
           <a:prstGeom prst="rect">
@@ -25274,7 +27996,7 @@
                 <a:ea typeface="Calibri"/>
                 <a:cs typeface="Calibri"/>
                 <a:sym typeface="Calibri"/>
-                <a:hlinkClick r:id="rId6"/>
+                <a:hlinkClick r:id="rId5"/>
               </a:rPr>
               <a:t>https://the-decoder.com/web-dev-in-qwen-generates-full-front-end-code-from-just-a-prompt/</a:t>
             </a:r>
@@ -25304,12 +28026,12 @@
       </p:sp>
       <p:pic>
         <p:nvPicPr>
-          <p:cNvPr id="86" name="Google Shape;86;p17"/>
+          <p:cNvPr id="85" name="Google Shape;85;p17"/>
           <p:cNvPicPr preferRelativeResize="0"/>
           <p:nvPr/>
         </p:nvPicPr>
         <p:blipFill>
-          <a:blip r:embed="rId7" cstate="email">
+          <a:blip r:embed="rId6" cstate="email">
             <a:alphaModFix/>
             <a:extLst>
               <a:ext uri="{28A0092B-C50C-407E-A947-70E740481C1C}">
@@ -25323,8 +28045,8 @@
         </p:blipFill>
         <p:spPr>
           <a:xfrm>
-            <a:off x="5655200" y="2795525"/>
-            <a:ext cx="3354039" cy="2236026"/>
+            <a:off x="6894271" y="2795525"/>
+            <a:ext cx="2114976" cy="1409974"/>
           </a:xfrm>
           <a:prstGeom prst="rect">
             <a:avLst/>
@@ -25343,13 +28065,13 @@
       </p:pic>
       <p:sp>
         <p:nvSpPr>
-          <p:cNvPr id="87" name="Google Shape;87;p17"/>
+          <p:cNvPr id="86" name="Google Shape;86;p17"/>
           <p:cNvSpPr txBox="1"/>
           <p:nvPr/>
         </p:nvSpPr>
         <p:spPr>
           <a:xfrm>
-            <a:off x="55075" y="1132731"/>
+            <a:off x="55075" y="904131"/>
             <a:ext cx="4453200" cy="572700"/>
           </a:xfrm>
           <a:prstGeom prst="rect">
@@ -25457,13 +28179,13 @@
       </p:sp>
       <p:sp>
         <p:nvSpPr>
-          <p:cNvPr id="88" name="Google Shape;88;p17"/>
+          <p:cNvPr id="87" name="Google Shape;87;p17"/>
           <p:cNvSpPr txBox="1"/>
           <p:nvPr/>
         </p:nvSpPr>
         <p:spPr>
           <a:xfrm>
-            <a:off x="55075" y="1839325"/>
+            <a:off x="55075" y="1581696"/>
             <a:ext cx="3097200" cy="849600"/>
           </a:xfrm>
           <a:prstGeom prst="rect">
@@ -25544,7 +28266,7 @@
                 <a:ea typeface="Calibri"/>
                 <a:cs typeface="Calibri"/>
                 <a:sym typeface="Calibri"/>
-                <a:hlinkClick r:id="rId8"/>
+                <a:hlinkClick r:id="rId7"/>
               </a:rPr>
               <a:t>https://techcrunch.com/2025/05/11/microsoft-and-openai-may-be-renegotiating-their-partnership/</a:t>
             </a:r>
@@ -25574,12 +28296,12 @@
       </p:sp>
       <p:pic>
         <p:nvPicPr>
-          <p:cNvPr id="89" name="Google Shape;89;p17"/>
+          <p:cNvPr id="88" name="Google Shape;88;p17"/>
           <p:cNvPicPr preferRelativeResize="0"/>
           <p:nvPr/>
         </p:nvPicPr>
         <p:blipFill>
-          <a:blip r:embed="rId9" cstate="email">
+          <a:blip r:embed="rId8" cstate="email">
             <a:alphaModFix/>
             <a:extLst>
               <a:ext uri="{28A0092B-C50C-407E-A947-70E740481C1C}">
@@ -25593,8 +28315,225 @@
         </p:blipFill>
         <p:spPr>
           <a:xfrm>
-            <a:off x="55074" y="2738226"/>
-            <a:ext cx="2346874" cy="1530351"/>
+            <a:off x="55075" y="2480597"/>
+            <a:ext cx="1302907" cy="849601"/>
+          </a:xfrm>
+          <a:prstGeom prst="rect">
+            <a:avLst/>
+          </a:prstGeom>
+          <a:noFill/>
+          <a:ln w="9525" cap="flat" cmpd="sng">
+            <a:solidFill>
+              <a:srgbClr val="FF0000"/>
+            </a:solidFill>
+            <a:prstDash val="solid"/>
+            <a:round/>
+            <a:headEnd type="none" w="sm" len="sm"/>
+            <a:tailEnd type="none" w="sm" len="sm"/>
+          </a:ln>
+        </p:spPr>
+      </p:pic>
+      <p:sp>
+        <p:nvSpPr>
+          <p:cNvPr id="89" name="Google Shape;89;p17"/>
+          <p:cNvSpPr txBox="1"/>
+          <p:nvPr/>
+        </p:nvSpPr>
+        <p:spPr>
+          <a:xfrm>
+            <a:off x="3005625" y="4320725"/>
+            <a:ext cx="2744700" cy="711000"/>
+          </a:xfrm>
+          <a:prstGeom prst="rect">
+            <a:avLst/>
+          </a:prstGeom>
+          <a:solidFill>
+            <a:srgbClr val="FFF2CC"/>
+          </a:solidFill>
+          <a:ln w="9525" cap="flat" cmpd="sng">
+            <a:solidFill>
+              <a:srgbClr val="FF0000"/>
+            </a:solidFill>
+            <a:prstDash val="solid"/>
+            <a:round/>
+            <a:headEnd type="none" w="sm" len="sm"/>
+            <a:tailEnd type="none" w="sm" len="sm"/>
+          </a:ln>
+        </p:spPr>
+        <p:txBody>
+          <a:bodyPr spcFirstLastPara="1" wrap="square" lIns="9125" tIns="9125" rIns="9125" bIns="9125" anchor="t" anchorCtr="0">
+            <a:spAutoFit/>
+          </a:bodyPr>
+          <a:lstStyle/>
+          <a:p>
+            <a:pPr marL="171450" marR="0" lvl="0" indent="-114300" algn="l" rtl="0">
+              <a:lnSpc>
+                <a:spcPct val="100000"/>
+              </a:lnSpc>
+              <a:spcBef>
+                <a:spcPts val="0"/>
+              </a:spcBef>
+              <a:spcAft>
+                <a:spcPts val="0"/>
+              </a:spcAft>
+              <a:buClr>
+                <a:schemeClr val="dk1"/>
+              </a:buClr>
+              <a:buSzPts val="900"/>
+              <a:buFont typeface="Calibri"/>
+              <a:buChar char="●"/>
+            </a:pPr>
+            <a:r>
+              <a:rPr lang="en" sz="1200" b="1">
+                <a:solidFill>
+                  <a:srgbClr val="FF0000"/>
+                </a:solidFill>
+                <a:latin typeface="Calibri"/>
+                <a:ea typeface="Calibri"/>
+                <a:cs typeface="Calibri"/>
+                <a:sym typeface="Calibri"/>
+              </a:rPr>
+              <a:t>GPT-4.1 and GPT-4.1-mini </a:t>
+            </a:r>
+            <a:r>
+              <a:rPr lang="en" sz="1200">
+                <a:solidFill>
+                  <a:schemeClr val="dk1"/>
+                </a:solidFill>
+                <a:latin typeface="Calibri"/>
+                <a:ea typeface="Calibri"/>
+                <a:cs typeface="Calibri"/>
+                <a:sym typeface="Calibri"/>
+              </a:rPr>
+              <a:t>added to ChatGPT - good at coding tasks &amp; instruction following</a:t>
+            </a:r>
+            <a:endParaRPr sz="1200">
+              <a:solidFill>
+                <a:schemeClr val="dk1"/>
+              </a:solidFill>
+              <a:latin typeface="Calibri"/>
+              <a:ea typeface="Calibri"/>
+              <a:cs typeface="Calibri"/>
+              <a:sym typeface="Calibri"/>
+            </a:endParaRPr>
+          </a:p>
+          <a:p>
+            <a:pPr marL="171450" marR="0" lvl="0" indent="-114300" algn="l" rtl="0">
+              <a:lnSpc>
+                <a:spcPct val="100000"/>
+              </a:lnSpc>
+              <a:spcBef>
+                <a:spcPts val="0"/>
+              </a:spcBef>
+              <a:spcAft>
+                <a:spcPts val="0"/>
+              </a:spcAft>
+              <a:buClr>
+                <a:schemeClr val="dk1"/>
+              </a:buClr>
+              <a:buSzPts val="900"/>
+              <a:buFont typeface="Calibri"/>
+              <a:buChar char="●"/>
+            </a:pPr>
+            <a:r>
+              <a:rPr lang="en" sz="900" u="sng">
+                <a:solidFill>
+                  <a:schemeClr val="hlink"/>
+                </a:solidFill>
+                <a:latin typeface="Calibri"/>
+                <a:ea typeface="Calibri"/>
+                <a:cs typeface="Calibri"/>
+                <a:sym typeface="Calibri"/>
+                <a:hlinkClick r:id="rId9"/>
+              </a:rPr>
+              <a:t>https://x.com/OpenAI/status/1922707554745909391</a:t>
+            </a:r>
+            <a:r>
+              <a:rPr lang="en" sz="900">
+                <a:solidFill>
+                  <a:schemeClr val="dk1"/>
+                </a:solidFill>
+                <a:latin typeface="Calibri"/>
+                <a:ea typeface="Calibri"/>
+                <a:cs typeface="Calibri"/>
+                <a:sym typeface="Calibri"/>
+              </a:rPr>
+              <a:t> </a:t>
+            </a:r>
+            <a:endParaRPr sz="900">
+              <a:solidFill>
+                <a:schemeClr val="dk1"/>
+              </a:solidFill>
+              <a:latin typeface="Calibri"/>
+              <a:ea typeface="Calibri"/>
+              <a:cs typeface="Calibri"/>
+              <a:sym typeface="Calibri"/>
+            </a:endParaRPr>
+          </a:p>
+        </p:txBody>
+      </p:sp>
+      <p:pic>
+        <p:nvPicPr>
+          <p:cNvPr id="90" name="Google Shape;90;p17"/>
+          <p:cNvPicPr preferRelativeResize="0"/>
+          <p:nvPr/>
+        </p:nvPicPr>
+        <p:blipFill>
+          <a:blip r:embed="rId10" cstate="email">
+            <a:alphaModFix/>
+            <a:extLst>
+              <a:ext uri="{28A0092B-C50C-407E-A947-70E740481C1C}">
+                <a14:useLocalDpi xmlns:a14="http://schemas.microsoft.com/office/drawing/2010/main"/>
+              </a:ext>
+            </a:extLst>
+          </a:blip>
+          <a:stretch>
+            <a:fillRect/>
+          </a:stretch>
+        </p:blipFill>
+        <p:spPr>
+          <a:xfrm>
+            <a:off x="55065" y="3379500"/>
+            <a:ext cx="2858273" cy="1699899"/>
+          </a:xfrm>
+          <a:prstGeom prst="rect">
+            <a:avLst/>
+          </a:prstGeom>
+          <a:noFill/>
+          <a:ln w="9525" cap="flat" cmpd="sng">
+            <a:solidFill>
+              <a:srgbClr val="FF0000"/>
+            </a:solidFill>
+            <a:prstDash val="solid"/>
+            <a:round/>
+            <a:headEnd type="none" w="sm" len="sm"/>
+            <a:tailEnd type="none" w="sm" len="sm"/>
+          </a:ln>
+        </p:spPr>
+      </p:pic>
+      <p:pic>
+        <p:nvPicPr>
+          <p:cNvPr id="91" name="Google Shape;91;p17"/>
+          <p:cNvPicPr preferRelativeResize="0"/>
+          <p:nvPr/>
+        </p:nvPicPr>
+        <p:blipFill>
+          <a:blip r:embed="rId11" cstate="email">
+            <a:alphaModFix/>
+            <a:extLst>
+              <a:ext uri="{28A0092B-C50C-407E-A947-70E740481C1C}">
+                <a14:useLocalDpi xmlns:a14="http://schemas.microsoft.com/office/drawing/2010/main"/>
+              </a:ext>
+            </a:extLst>
+          </a:blip>
+          <a:stretch>
+            <a:fillRect/>
+          </a:stretch>
+        </p:blipFill>
+        <p:spPr>
+          <a:xfrm>
+            <a:off x="3480841" y="1311631"/>
+            <a:ext cx="1425150" cy="712575"/>
           </a:xfrm>
           <a:prstGeom prst="rect">
             <a:avLst/>
@@ -25624,7 +28563,7 @@
   <p:cSld>
     <p:spTree>
       <p:nvGrpSpPr>
-        <p:cNvPr id="1" name="Shape 93"/>
+        <p:cNvPr id="1" name="Shape 95"/>
         <p:cNvGrpSpPr/>
         <p:nvPr/>
       </p:nvGrpSpPr>
@@ -25638,7 +28577,7 @@
       </p:grpSpPr>
       <p:sp>
         <p:nvSpPr>
-          <p:cNvPr id="94" name="Google Shape;94;p18"/>
+          <p:cNvPr id="96" name="Google Shape;96;p18"/>
           <p:cNvSpPr txBox="1"/>
           <p:nvPr/>
         </p:nvSpPr>
@@ -25704,7 +28643,7 @@
       </p:sp>
       <p:sp>
         <p:nvSpPr>
-          <p:cNvPr id="95" name="Google Shape;95;p18"/>
+          <p:cNvPr id="97" name="Google Shape;97;p18"/>
           <p:cNvSpPr txBox="1"/>
           <p:nvPr/>
         </p:nvSpPr>
@@ -25991,7 +28930,7 @@
       </p:sp>
       <p:pic>
         <p:nvPicPr>
-          <p:cNvPr id="96" name="Google Shape;96;p18"/>
+          <p:cNvPr id="98" name="Google Shape;98;p18"/>
           <p:cNvPicPr preferRelativeResize="0"/>
           <p:nvPr/>
         </p:nvPicPr>
@@ -26030,7 +28969,7 @@
       </p:pic>
       <p:sp>
         <p:nvSpPr>
-          <p:cNvPr id="97" name="Google Shape;97;p18"/>
+          <p:cNvPr id="99" name="Google Shape;99;p18"/>
           <p:cNvSpPr txBox="1"/>
           <p:nvPr/>
         </p:nvSpPr>
@@ -26144,7 +29083,7 @@
       </p:sp>
       <p:sp>
         <p:nvSpPr>
-          <p:cNvPr id="98" name="Google Shape;98;p18"/>
+          <p:cNvPr id="100" name="Google Shape;100;p18"/>
           <p:cNvSpPr txBox="1"/>
           <p:nvPr/>
         </p:nvSpPr>
@@ -26378,7 +29317,7 @@
       </p:sp>
       <p:sp>
         <p:nvSpPr>
-          <p:cNvPr id="99" name="Google Shape;99;p18"/>
+          <p:cNvPr id="101" name="Google Shape;101;p18"/>
           <p:cNvSpPr txBox="1"/>
           <p:nvPr/>
         </p:nvSpPr>
@@ -26452,7 +29391,7 @@
       </p:sp>
       <p:pic>
         <p:nvPicPr>
-          <p:cNvPr id="100" name="Google Shape;100;p18"/>
+          <p:cNvPr id="102" name="Google Shape;102;p18"/>
           <p:cNvPicPr preferRelativeResize="0"/>
           <p:nvPr/>
         </p:nvPicPr>
@@ -26502,7 +29441,7 @@
   <p:cSld>
     <p:spTree>
       <p:nvGrpSpPr>
-        <p:cNvPr id="1" name="Shape 104"/>
+        <p:cNvPr id="1" name="Shape 106"/>
         <p:cNvGrpSpPr/>
         <p:nvPr/>
       </p:nvGrpSpPr>
@@ -26516,7 +29455,7 @@
       </p:grpSpPr>
       <p:sp>
         <p:nvSpPr>
-          <p:cNvPr id="105" name="Google Shape;105;p19"/>
+          <p:cNvPr id="107" name="Google Shape;107;p19"/>
           <p:cNvSpPr txBox="1"/>
           <p:nvPr/>
         </p:nvSpPr>
@@ -26582,7 +29521,7 @@
       </p:sp>
       <p:sp>
         <p:nvSpPr>
-          <p:cNvPr id="106" name="Google Shape;106;p19"/>
+          <p:cNvPr id="108" name="Google Shape;108;p19"/>
           <p:cNvSpPr txBox="1"/>
           <p:nvPr/>
         </p:nvSpPr>
@@ -27195,7 +30134,7 @@
       </p:sp>
       <p:pic>
         <p:nvPicPr>
-          <p:cNvPr id="107" name="Google Shape;107;p19"/>
+          <p:cNvPr id="109" name="Google Shape;109;p19"/>
           <p:cNvPicPr preferRelativeResize="0"/>
           <p:nvPr/>
         </p:nvPicPr>
@@ -27234,7 +30173,7 @@
       </p:pic>
       <p:sp>
         <p:nvSpPr>
-          <p:cNvPr id="108" name="Google Shape;108;p19"/>
+          <p:cNvPr id="110" name="Google Shape;110;p19"/>
           <p:cNvSpPr txBox="1"/>
           <p:nvPr/>
         </p:nvSpPr>
@@ -27495,7 +30434,7 @@
       </p:sp>
       <p:pic>
         <p:nvPicPr>
-          <p:cNvPr id="109" name="Google Shape;109;p19"/>
+          <p:cNvPr id="111" name="Google Shape;111;p19"/>
           <p:cNvPicPr preferRelativeResize="0"/>
           <p:nvPr/>
         </p:nvPicPr>
@@ -27534,7 +30473,7 @@
       </p:pic>
       <p:sp>
         <p:nvSpPr>
-          <p:cNvPr id="110" name="Google Shape;110;p19"/>
+          <p:cNvPr id="112" name="Google Shape;112;p19"/>
           <p:cNvSpPr txBox="1"/>
           <p:nvPr/>
         </p:nvSpPr>
@@ -27810,7 +30749,7 @@
   <p:cSld>
     <p:spTree>
       <p:nvGrpSpPr>
-        <p:cNvPr id="1" name="Shape 114"/>
+        <p:cNvPr id="1" name="Shape 116"/>
         <p:cNvGrpSpPr/>
         <p:nvPr/>
       </p:nvGrpSpPr>
@@ -27824,7 +30763,520 @@
       </p:grpSpPr>
       <p:sp>
         <p:nvSpPr>
-          <p:cNvPr id="115" name="Google Shape;115;p20"/>
+          <p:cNvPr id="117" name="Google Shape;117;p20"/>
+          <p:cNvSpPr txBox="1"/>
+          <p:nvPr/>
+        </p:nvSpPr>
+        <p:spPr>
+          <a:xfrm>
+            <a:off x="145925" y="197675"/>
+            <a:ext cx="4337700" cy="4863900"/>
+          </a:xfrm>
+          <a:prstGeom prst="rect">
+            <a:avLst/>
+          </a:prstGeom>
+          <a:noFill/>
+          <a:ln>
+            <a:noFill/>
+          </a:ln>
+        </p:spPr>
+        <p:txBody>
+          <a:bodyPr spcFirstLastPara="1" wrap="square" lIns="91425" tIns="91425" rIns="91425" bIns="91425" anchor="t" anchorCtr="0">
+            <a:spAutoFit/>
+          </a:bodyPr>
+          <a:lstStyle/>
+          <a:p>
+            <a:pPr marL="0" marR="0" lvl="0" indent="0" algn="l" rtl="0">
+              <a:lnSpc>
+                <a:spcPct val="100000"/>
+              </a:lnSpc>
+              <a:spcBef>
+                <a:spcPts val="0"/>
+              </a:spcBef>
+              <a:spcAft>
+                <a:spcPts val="0"/>
+              </a:spcAft>
+              <a:buClr>
+                <a:srgbClr val="000000"/>
+              </a:buClr>
+              <a:buSzPts val="2500"/>
+              <a:buFont typeface="Arial"/>
+              <a:buNone/>
+            </a:pPr>
+            <a:r>
+              <a:rPr lang="en" sz="2200">
+                <a:latin typeface="Calibri"/>
+                <a:ea typeface="Calibri"/>
+                <a:cs typeface="Calibri"/>
+                <a:sym typeface="Calibri"/>
+              </a:rPr>
+              <a:t>About this Channel:</a:t>
+            </a:r>
+            <a:endParaRPr sz="2200">
+              <a:latin typeface="Calibri"/>
+              <a:ea typeface="Calibri"/>
+              <a:cs typeface="Calibri"/>
+              <a:sym typeface="Calibri"/>
+            </a:endParaRPr>
+          </a:p>
+          <a:p>
+            <a:pPr marL="0" marR="0" lvl="0" indent="0" algn="l" rtl="0">
+              <a:lnSpc>
+                <a:spcPct val="100000"/>
+              </a:lnSpc>
+              <a:spcBef>
+                <a:spcPts val="0"/>
+              </a:spcBef>
+              <a:spcAft>
+                <a:spcPts val="0"/>
+              </a:spcAft>
+              <a:buClr>
+                <a:srgbClr val="000000"/>
+              </a:buClr>
+              <a:buSzPts val="2500"/>
+              <a:buFont typeface="Arial"/>
+              <a:buNone/>
+            </a:pPr>
+            <a:endParaRPr sz="2200">
+              <a:latin typeface="Calibri"/>
+              <a:ea typeface="Calibri"/>
+              <a:cs typeface="Calibri"/>
+              <a:sym typeface="Calibri"/>
+            </a:endParaRPr>
+          </a:p>
+          <a:p>
+            <a:pPr marL="0" marR="0" lvl="0" indent="0" algn="l" rtl="0">
+              <a:lnSpc>
+                <a:spcPct val="100000"/>
+              </a:lnSpc>
+              <a:spcBef>
+                <a:spcPts val="0"/>
+              </a:spcBef>
+              <a:spcAft>
+                <a:spcPts val="0"/>
+              </a:spcAft>
+              <a:buClr>
+                <a:srgbClr val="000000"/>
+              </a:buClr>
+              <a:buSzPts val="2500"/>
+              <a:buFont typeface="Arial"/>
+              <a:buNone/>
+            </a:pPr>
+            <a:r>
+              <a:rPr lang="en" sz="2200" b="0" i="0" u="none" strike="noStrike" cap="none">
+                <a:solidFill>
+                  <a:srgbClr val="000000"/>
+                </a:solidFill>
+                <a:latin typeface="Calibri"/>
+                <a:ea typeface="Calibri"/>
+                <a:cs typeface="Calibri"/>
+                <a:sym typeface="Calibri"/>
+              </a:rPr>
+              <a:t>We post our AI Updates</a:t>
+            </a:r>
+            <a:endParaRPr sz="2200" b="0" i="0" u="none" strike="noStrike" cap="none">
+              <a:solidFill>
+                <a:srgbClr val="000000"/>
+              </a:solidFill>
+              <a:latin typeface="Calibri"/>
+              <a:ea typeface="Calibri"/>
+              <a:cs typeface="Calibri"/>
+              <a:sym typeface="Calibri"/>
+            </a:endParaRPr>
+          </a:p>
+          <a:p>
+            <a:pPr marL="0" marR="0" lvl="0" indent="0" algn="l" rtl="0">
+              <a:lnSpc>
+                <a:spcPct val="100000"/>
+              </a:lnSpc>
+              <a:spcBef>
+                <a:spcPts val="0"/>
+              </a:spcBef>
+              <a:spcAft>
+                <a:spcPts val="0"/>
+              </a:spcAft>
+              <a:buClr>
+                <a:srgbClr val="000000"/>
+              </a:buClr>
+              <a:buSzPts val="2500"/>
+              <a:buFont typeface="Arial"/>
+              <a:buNone/>
+            </a:pPr>
+            <a:r>
+              <a:rPr lang="en" sz="2200" b="0" i="0" u="none" strike="noStrike" cap="none">
+                <a:solidFill>
+                  <a:srgbClr val="000000"/>
+                </a:solidFill>
+                <a:latin typeface="Calibri"/>
+                <a:ea typeface="Calibri"/>
+                <a:cs typeface="Calibri"/>
+                <a:sym typeface="Calibri"/>
+              </a:rPr>
+              <a:t>Every Friday after 3pm EST</a:t>
+            </a:r>
+            <a:endParaRPr sz="2200" b="0" i="0" u="none" strike="noStrike" cap="none">
+              <a:solidFill>
+                <a:srgbClr val="000000"/>
+              </a:solidFill>
+              <a:latin typeface="Calibri"/>
+              <a:ea typeface="Calibri"/>
+              <a:cs typeface="Calibri"/>
+              <a:sym typeface="Calibri"/>
+            </a:endParaRPr>
+          </a:p>
+          <a:p>
+            <a:pPr marL="0" marR="0" lvl="0" indent="0" algn="l" rtl="0">
+              <a:lnSpc>
+                <a:spcPct val="100000"/>
+              </a:lnSpc>
+              <a:spcBef>
+                <a:spcPts val="0"/>
+              </a:spcBef>
+              <a:spcAft>
+                <a:spcPts val="0"/>
+              </a:spcAft>
+              <a:buClr>
+                <a:srgbClr val="000000"/>
+              </a:buClr>
+              <a:buSzPts val="2500"/>
+              <a:buFont typeface="Arial"/>
+              <a:buNone/>
+            </a:pPr>
+            <a:endParaRPr sz="2200" b="0" i="0" u="none" strike="noStrike" cap="none">
+              <a:solidFill>
+                <a:srgbClr val="000000"/>
+              </a:solidFill>
+              <a:latin typeface="Calibri"/>
+              <a:ea typeface="Calibri"/>
+              <a:cs typeface="Calibri"/>
+              <a:sym typeface="Calibri"/>
+            </a:endParaRPr>
+          </a:p>
+          <a:p>
+            <a:pPr marL="0" marR="0" lvl="0" indent="0" algn="l" rtl="0">
+              <a:lnSpc>
+                <a:spcPct val="100000"/>
+              </a:lnSpc>
+              <a:spcBef>
+                <a:spcPts val="0"/>
+              </a:spcBef>
+              <a:spcAft>
+                <a:spcPts val="0"/>
+              </a:spcAft>
+              <a:buClr>
+                <a:srgbClr val="000000"/>
+              </a:buClr>
+              <a:buSzPts val="2500"/>
+              <a:buFont typeface="Arial"/>
+              <a:buNone/>
+            </a:pPr>
+            <a:r>
+              <a:rPr lang="en" sz="2200" b="0" i="0" u="none" strike="noStrike" cap="none">
+                <a:solidFill>
+                  <a:srgbClr val="000000"/>
+                </a:solidFill>
+                <a:latin typeface="Calibri"/>
+                <a:ea typeface="Calibri"/>
+                <a:cs typeface="Calibri"/>
+                <a:sym typeface="Calibri"/>
+              </a:rPr>
+              <a:t>It is usually 25-30 min long</a:t>
+            </a:r>
+            <a:endParaRPr sz="2200" b="0" i="0" u="none" strike="noStrike" cap="none">
+              <a:solidFill>
+                <a:srgbClr val="000000"/>
+              </a:solidFill>
+              <a:latin typeface="Calibri"/>
+              <a:ea typeface="Calibri"/>
+              <a:cs typeface="Calibri"/>
+              <a:sym typeface="Calibri"/>
+            </a:endParaRPr>
+          </a:p>
+          <a:p>
+            <a:pPr marL="0" marR="0" lvl="0" indent="0" algn="l" rtl="0">
+              <a:lnSpc>
+                <a:spcPct val="100000"/>
+              </a:lnSpc>
+              <a:spcBef>
+                <a:spcPts val="0"/>
+              </a:spcBef>
+              <a:spcAft>
+                <a:spcPts val="0"/>
+              </a:spcAft>
+              <a:buClr>
+                <a:srgbClr val="000000"/>
+              </a:buClr>
+              <a:buSzPts val="2500"/>
+              <a:buFont typeface="Arial"/>
+              <a:buNone/>
+            </a:pPr>
+            <a:endParaRPr sz="2200" b="0" i="0" u="none" strike="noStrike" cap="none">
+              <a:solidFill>
+                <a:srgbClr val="000000"/>
+              </a:solidFill>
+              <a:latin typeface="Calibri"/>
+              <a:ea typeface="Calibri"/>
+              <a:cs typeface="Calibri"/>
+              <a:sym typeface="Calibri"/>
+            </a:endParaRPr>
+          </a:p>
+          <a:p>
+            <a:pPr marL="0" marR="0" lvl="0" indent="0" algn="l" rtl="0">
+              <a:lnSpc>
+                <a:spcPct val="100000"/>
+              </a:lnSpc>
+              <a:spcBef>
+                <a:spcPts val="0"/>
+              </a:spcBef>
+              <a:spcAft>
+                <a:spcPts val="0"/>
+              </a:spcAft>
+              <a:buClr>
+                <a:srgbClr val="000000"/>
+              </a:buClr>
+              <a:buSzPts val="2500"/>
+              <a:buFont typeface="Arial"/>
+              <a:buNone/>
+            </a:pPr>
+            <a:r>
+              <a:rPr lang="en" sz="2200" b="0" i="0" u="none" strike="noStrike" cap="none">
+                <a:solidFill>
+                  <a:srgbClr val="000000"/>
+                </a:solidFill>
+                <a:latin typeface="Calibri"/>
+                <a:ea typeface="Calibri"/>
+                <a:cs typeface="Calibri"/>
+                <a:sym typeface="Calibri"/>
+              </a:rPr>
+              <a:t>Links to slides are under the videos</a:t>
+            </a:r>
+            <a:endParaRPr sz="2200" b="0" i="0" u="none" strike="noStrike" cap="none">
+              <a:solidFill>
+                <a:srgbClr val="000000"/>
+              </a:solidFill>
+              <a:latin typeface="Calibri"/>
+              <a:ea typeface="Calibri"/>
+              <a:cs typeface="Calibri"/>
+              <a:sym typeface="Calibri"/>
+            </a:endParaRPr>
+          </a:p>
+          <a:p>
+            <a:pPr marL="0" marR="0" lvl="0" indent="0" algn="l" rtl="0">
+              <a:lnSpc>
+                <a:spcPct val="100000"/>
+              </a:lnSpc>
+              <a:spcBef>
+                <a:spcPts val="0"/>
+              </a:spcBef>
+              <a:spcAft>
+                <a:spcPts val="0"/>
+              </a:spcAft>
+              <a:buClr>
+                <a:srgbClr val="000000"/>
+              </a:buClr>
+              <a:buSzPts val="2500"/>
+              <a:buFont typeface="Arial"/>
+              <a:buNone/>
+            </a:pPr>
+            <a:endParaRPr sz="2200" b="0" i="0" u="none" strike="noStrike" cap="none">
+              <a:solidFill>
+                <a:srgbClr val="000000"/>
+              </a:solidFill>
+              <a:latin typeface="Calibri"/>
+              <a:ea typeface="Calibri"/>
+              <a:cs typeface="Calibri"/>
+              <a:sym typeface="Calibri"/>
+            </a:endParaRPr>
+          </a:p>
+          <a:p>
+            <a:pPr marL="0" marR="0" lvl="0" indent="0" algn="l" rtl="0">
+              <a:lnSpc>
+                <a:spcPct val="100000"/>
+              </a:lnSpc>
+              <a:spcBef>
+                <a:spcPts val="0"/>
+              </a:spcBef>
+              <a:spcAft>
+                <a:spcPts val="0"/>
+              </a:spcAft>
+              <a:buClr>
+                <a:srgbClr val="000000"/>
+              </a:buClr>
+              <a:buSzPts val="2500"/>
+              <a:buFont typeface="Arial"/>
+              <a:buNone/>
+            </a:pPr>
+            <a:r>
+              <a:rPr lang="en" sz="2200" b="0" i="0" u="none" strike="noStrike" cap="none">
+                <a:solidFill>
+                  <a:srgbClr val="000000"/>
+                </a:solidFill>
+                <a:latin typeface="Calibri"/>
+                <a:ea typeface="Calibri"/>
+                <a:cs typeface="Calibri"/>
+                <a:sym typeface="Calibri"/>
+              </a:rPr>
+              <a:t>Subscribe to our YouTube channel to get notified when new videos are posted</a:t>
+            </a:r>
+            <a:endParaRPr sz="2200" b="0" i="0" u="none" strike="noStrike" cap="none">
+              <a:solidFill>
+                <a:srgbClr val="000000"/>
+              </a:solidFill>
+              <a:latin typeface="Calibri"/>
+              <a:ea typeface="Calibri"/>
+              <a:cs typeface="Calibri"/>
+              <a:sym typeface="Calibri"/>
+            </a:endParaRPr>
+          </a:p>
+          <a:p>
+            <a:pPr marL="0" marR="0" lvl="0" indent="0" algn="l" rtl="0">
+              <a:lnSpc>
+                <a:spcPct val="100000"/>
+              </a:lnSpc>
+              <a:spcBef>
+                <a:spcPts val="0"/>
+              </a:spcBef>
+              <a:spcAft>
+                <a:spcPts val="0"/>
+              </a:spcAft>
+              <a:buClr>
+                <a:srgbClr val="000000"/>
+              </a:buClr>
+              <a:buSzPts val="2500"/>
+              <a:buFont typeface="Arial"/>
+              <a:buNone/>
+            </a:pPr>
+            <a:endParaRPr sz="2200" b="0" i="0" u="none" strike="noStrike" cap="none">
+              <a:solidFill>
+                <a:srgbClr val="000000"/>
+              </a:solidFill>
+              <a:latin typeface="Calibri"/>
+              <a:ea typeface="Calibri"/>
+              <a:cs typeface="Calibri"/>
+              <a:sym typeface="Calibri"/>
+            </a:endParaRPr>
+          </a:p>
+          <a:p>
+            <a:pPr marL="0" marR="0" lvl="0" indent="0" algn="l" rtl="0">
+              <a:lnSpc>
+                <a:spcPct val="100000"/>
+              </a:lnSpc>
+              <a:spcBef>
+                <a:spcPts val="0"/>
+              </a:spcBef>
+              <a:spcAft>
+                <a:spcPts val="0"/>
+              </a:spcAft>
+              <a:buClr>
+                <a:srgbClr val="000000"/>
+              </a:buClr>
+              <a:buSzPts val="2500"/>
+              <a:buFont typeface="Arial"/>
+              <a:buNone/>
+            </a:pPr>
+            <a:r>
+              <a:rPr lang="en" sz="1800" b="1" i="0" u="sng" strike="noStrike" cap="none">
+                <a:solidFill>
+                  <a:schemeClr val="hlink"/>
+                </a:solidFill>
+                <a:latin typeface="Calibri"/>
+                <a:ea typeface="Calibri"/>
+                <a:cs typeface="Calibri"/>
+                <a:sym typeface="Calibri"/>
+                <a:hlinkClick r:id="rId3"/>
+              </a:rPr>
+              <a:t>https://www.youtube.com/@lev-selector</a:t>
+            </a:r>
+            <a:r>
+              <a:rPr lang="en" sz="1800" b="1" i="0" u="none" strike="noStrike" cap="none">
+                <a:solidFill>
+                  <a:srgbClr val="000000"/>
+                </a:solidFill>
+                <a:latin typeface="Calibri"/>
+                <a:ea typeface="Calibri"/>
+                <a:cs typeface="Calibri"/>
+                <a:sym typeface="Calibri"/>
+              </a:rPr>
+              <a:t> </a:t>
+            </a:r>
+            <a:endParaRPr sz="1800" b="1" i="0" u="none" strike="noStrike" cap="none">
+              <a:solidFill>
+                <a:srgbClr val="000000"/>
+              </a:solidFill>
+              <a:latin typeface="Calibri"/>
+              <a:ea typeface="Calibri"/>
+              <a:cs typeface="Calibri"/>
+              <a:sym typeface="Calibri"/>
+            </a:endParaRPr>
+          </a:p>
+        </p:txBody>
+      </p:sp>
+      <p:pic>
+        <p:nvPicPr>
+          <p:cNvPr id="118" name="Google Shape;118;p20"/>
+          <p:cNvPicPr preferRelativeResize="0"/>
+          <p:nvPr/>
+        </p:nvPicPr>
+        <p:blipFill rotWithShape="1">
+          <a:blip r:embed="rId4" cstate="email">
+            <a:alphaModFix/>
+            <a:extLst>
+              <a:ext uri="{28A0092B-C50C-407E-A947-70E740481C1C}">
+                <a14:useLocalDpi xmlns:a14="http://schemas.microsoft.com/office/drawing/2010/main"/>
+              </a:ext>
+            </a:extLst>
+          </a:blip>
+          <a:srcRect/>
+          <a:stretch/>
+        </p:blipFill>
+        <p:spPr>
+          <a:xfrm>
+            <a:off x="4596750" y="519975"/>
+            <a:ext cx="4448501" cy="3864501"/>
+          </a:xfrm>
+          <a:prstGeom prst="rect">
+            <a:avLst/>
+          </a:prstGeom>
+          <a:noFill/>
+          <a:ln w="9525" cap="flat" cmpd="sng">
+            <a:solidFill>
+              <a:srgbClr val="FF0000"/>
+            </a:solidFill>
+            <a:prstDash val="solid"/>
+            <a:round/>
+            <a:headEnd type="none" w="sm" len="sm"/>
+            <a:tailEnd type="none" w="sm" len="sm"/>
+          </a:ln>
+        </p:spPr>
+      </p:pic>
+    </p:spTree>
+  </p:cSld>
+  <p:clrMapOvr>
+    <a:masterClrMapping/>
+  </p:clrMapOvr>
+</p:sld>
+</file>
+
+<file path=ppt/slides/slide7.xml><?xml version="1.0" encoding="utf-8"?>
+<p:sld xmlns:a="http://schemas.openxmlformats.org/drawingml/2006/main" xmlns:r="http://schemas.openxmlformats.org/officeDocument/2006/relationships" xmlns:p="http://schemas.openxmlformats.org/presentationml/2006/main">
+  <p:cSld>
+    <p:spTree>
+      <p:nvGrpSpPr>
+        <p:cNvPr id="1" name="Shape 122"/>
+        <p:cNvGrpSpPr/>
+        <p:nvPr/>
+      </p:nvGrpSpPr>
+      <p:grpSpPr>
+        <a:xfrm>
+          <a:off x="0" y="0"/>
+          <a:ext cx="0" cy="0"/>
+          <a:chOff x="0" y="0"/>
+          <a:chExt cx="0" cy="0"/>
+        </a:xfrm>
+      </p:grpSpPr>
+      <p:sp>
+        <p:nvSpPr>
+          <p:cNvPr id="123" name="Google Shape;123;p21"/>
           <p:cNvSpPr txBox="1"/>
           <p:nvPr/>
         </p:nvSpPr>
@@ -27890,7 +31342,7 @@
       </p:sp>
       <p:sp>
         <p:nvSpPr>
-          <p:cNvPr id="116" name="Google Shape;116;p20"/>
+          <p:cNvPr id="124" name="Google Shape;124;p21"/>
           <p:cNvSpPr txBox="1"/>
           <p:nvPr/>
         </p:nvSpPr>
@@ -28225,7 +31677,7 @@
       </p:sp>
       <p:pic>
         <p:nvPicPr>
-          <p:cNvPr id="117" name="Google Shape;117;p20"/>
+          <p:cNvPr id="125" name="Google Shape;125;p21"/>
           <p:cNvPicPr preferRelativeResize="0"/>
           <p:nvPr/>
         </p:nvPicPr>
@@ -28264,7 +31716,7 @@
       </p:pic>
       <p:sp>
         <p:nvSpPr>
-          <p:cNvPr id="118" name="Google Shape;118;p20"/>
+          <p:cNvPr id="126" name="Google Shape;126;p21"/>
           <p:cNvSpPr txBox="1"/>
           <p:nvPr/>
         </p:nvSpPr>
@@ -28450,7 +31902,7 @@
       </p:sp>
       <p:pic>
         <p:nvPicPr>
-          <p:cNvPr id="119" name="Google Shape;119;p20"/>
+          <p:cNvPr id="127" name="Google Shape;127;p21"/>
           <p:cNvPicPr preferRelativeResize="0"/>
           <p:nvPr/>
         </p:nvPicPr>
@@ -28489,7 +31941,7 @@
       </p:pic>
       <p:sp>
         <p:nvSpPr>
-          <p:cNvPr id="120" name="Google Shape;120;p20"/>
+          <p:cNvPr id="128" name="Google Shape;128;p21"/>
           <p:cNvSpPr txBox="1"/>
           <p:nvPr/>
         </p:nvSpPr>
@@ -28719,7 +32171,7 @@
       </p:sp>
       <p:pic>
         <p:nvPicPr>
-          <p:cNvPr id="121" name="Google Shape;121;p20"/>
+          <p:cNvPr id="129" name="Google Shape;129;p21"/>
           <p:cNvPicPr preferRelativeResize="0"/>
           <p:nvPr/>
         </p:nvPicPr>
@@ -28758,7 +32210,7 @@
       </p:pic>
       <p:pic>
         <p:nvPicPr>
-          <p:cNvPr id="122" name="Google Shape;122;p20"/>
+          <p:cNvPr id="130" name="Google Shape;130;p21"/>
           <p:cNvPicPr preferRelativeResize="0"/>
           <p:nvPr/>
         </p:nvPicPr>
@@ -28802,12 +32254,12 @@
 </p:sld>
 </file>
 
-<file path=ppt/slides/slide7.xml><?xml version="1.0" encoding="utf-8"?>
+<file path=ppt/slides/slide8.xml><?xml version="1.0" encoding="utf-8"?>
 <p:sld xmlns:a="http://schemas.openxmlformats.org/drawingml/2006/main" xmlns:r="http://schemas.openxmlformats.org/officeDocument/2006/relationships" xmlns:p="http://schemas.openxmlformats.org/presentationml/2006/main">
   <p:cSld>
     <p:spTree>
       <p:nvGrpSpPr>
-        <p:cNvPr id="1" name="Shape 126"/>
+        <p:cNvPr id="1" name="Shape 134"/>
         <p:cNvGrpSpPr/>
         <p:nvPr/>
       </p:nvGrpSpPr>
@@ -28821,7 +32273,7 @@
       </p:grpSpPr>
       <p:sp>
         <p:nvSpPr>
-          <p:cNvPr id="127" name="Google Shape;127;p21"/>
+          <p:cNvPr id="135" name="Google Shape;135;p22"/>
           <p:cNvSpPr txBox="1"/>
           <p:nvPr/>
         </p:nvSpPr>
@@ -28887,7 +32339,7 @@
       </p:sp>
       <p:sp>
         <p:nvSpPr>
-          <p:cNvPr id="128" name="Google Shape;128;p21"/>
+          <p:cNvPr id="136" name="Google Shape;136;p22"/>
           <p:cNvSpPr txBox="1"/>
           <p:nvPr/>
         </p:nvSpPr>
@@ -29144,7 +32596,7 @@
       </p:sp>
       <p:pic>
         <p:nvPicPr>
-          <p:cNvPr id="129" name="Google Shape;129;p21"/>
+          <p:cNvPr id="137" name="Google Shape;137;p22"/>
           <p:cNvPicPr preferRelativeResize="0"/>
           <p:nvPr/>
         </p:nvPicPr>
@@ -29183,7 +32635,7 @@
       </p:pic>
       <p:sp>
         <p:nvSpPr>
-          <p:cNvPr id="130" name="Google Shape;130;p21"/>
+          <p:cNvPr id="138" name="Google Shape;138;p22"/>
           <p:cNvSpPr txBox="1"/>
           <p:nvPr/>
         </p:nvSpPr>
@@ -29430,7 +32882,7 @@
       </p:sp>
       <p:pic>
         <p:nvPicPr>
-          <p:cNvPr id="131" name="Google Shape;131;p21"/>
+          <p:cNvPr id="139" name="Google Shape;139;p22"/>
           <p:cNvPicPr preferRelativeResize="0"/>
           <p:nvPr/>
         </p:nvPicPr>
@@ -29469,7 +32921,7 @@
       </p:pic>
       <p:pic>
         <p:nvPicPr>
-          <p:cNvPr id="132" name="Google Shape;132;p21"/>
+          <p:cNvPr id="140" name="Google Shape;140;p22"/>
           <p:cNvPicPr preferRelativeResize="0"/>
           <p:nvPr/>
         </p:nvPicPr>
@@ -29514,12 +32966,12 @@
 </p:sld>
 </file>
 
-<file path=ppt/slides/slide8.xml><?xml version="1.0" encoding="utf-8"?>
+<file path=ppt/slides/slide9.xml><?xml version="1.0" encoding="utf-8"?>
 <p:sld xmlns:a="http://schemas.openxmlformats.org/drawingml/2006/main" xmlns:r="http://schemas.openxmlformats.org/officeDocument/2006/relationships" xmlns:p="http://schemas.openxmlformats.org/presentationml/2006/main">
   <p:cSld>
     <p:spTree>
       <p:nvGrpSpPr>
-        <p:cNvPr id="1" name="Shape 136"/>
+        <p:cNvPr id="1" name="Shape 144"/>
         <p:cNvGrpSpPr/>
         <p:nvPr/>
       </p:nvGrpSpPr>
@@ -29533,7 +32985,7 @@
       </p:grpSpPr>
       <p:sp>
         <p:nvSpPr>
-          <p:cNvPr id="137" name="Google Shape;137;p22"/>
+          <p:cNvPr id="145" name="Google Shape;145;p23"/>
           <p:cNvSpPr txBox="1"/>
           <p:nvPr/>
         </p:nvSpPr>
@@ -29599,7 +33051,7 @@
       </p:sp>
       <p:sp>
         <p:nvSpPr>
-          <p:cNvPr id="138" name="Google Shape;138;p22"/>
+          <p:cNvPr id="146" name="Google Shape;146;p23"/>
           <p:cNvSpPr txBox="1"/>
           <p:nvPr/>
         </p:nvSpPr>
@@ -29717,7 +33169,7 @@
       </p:sp>
       <p:pic>
         <p:nvPicPr>
-          <p:cNvPr id="139" name="Google Shape;139;p22"/>
+          <p:cNvPr id="147" name="Google Shape;147;p23"/>
           <p:cNvPicPr preferRelativeResize="0"/>
           <p:nvPr/>
         </p:nvPicPr>
@@ -29756,7 +33208,7 @@
       </p:pic>
       <p:sp>
         <p:nvSpPr>
-          <p:cNvPr id="140" name="Google Shape;140;p22"/>
+          <p:cNvPr id="148" name="Google Shape;148;p23"/>
           <p:cNvSpPr txBox="1"/>
           <p:nvPr/>
         </p:nvSpPr>
@@ -29923,7 +33375,7 @@
       </p:sp>
       <p:pic>
         <p:nvPicPr>
-          <p:cNvPr id="141" name="Google Shape;141;p22"/>
+          <p:cNvPr id="149" name="Google Shape;149;p23"/>
           <p:cNvPicPr preferRelativeResize="0"/>
           <p:nvPr/>
         </p:nvPicPr>
@@ -29961,7 +33413,7 @@
       </p:pic>
       <p:sp>
         <p:nvSpPr>
-          <p:cNvPr id="142" name="Google Shape;142;p22"/>
+          <p:cNvPr id="150" name="Google Shape;150;p23"/>
           <p:cNvSpPr txBox="1"/>
           <p:nvPr/>
         </p:nvSpPr>
@@ -30110,7 +33562,7 @@
       </p:sp>
       <p:pic>
         <p:nvPicPr>
-          <p:cNvPr id="143" name="Google Shape;143;p22"/>
+          <p:cNvPr id="151" name="Google Shape;151;p23"/>
           <p:cNvPicPr preferRelativeResize="0"/>
           <p:nvPr/>
         </p:nvPicPr>
@@ -30144,7 +33596,7 @@
       </p:pic>
       <p:pic>
         <p:nvPicPr>
-          <p:cNvPr id="144" name="Google Shape;144;p22"/>
+          <p:cNvPr id="152" name="Google Shape;152;p23"/>
           <p:cNvPicPr preferRelativeResize="0"/>
           <p:nvPr/>
         </p:nvPicPr>
@@ -30176,331 +33628,6 @@
           </a:ln>
         </p:spPr>
       </p:pic>
-    </p:spTree>
-  </p:cSld>
-  <p:clrMapOvr>
-    <a:masterClrMapping/>
-  </p:clrMapOvr>
-</p:sld>
-</file>
-
-<file path=ppt/slides/slide9.xml><?xml version="1.0" encoding="utf-8"?>
-<p:sld xmlns:a="http://schemas.openxmlformats.org/drawingml/2006/main" xmlns:r="http://schemas.openxmlformats.org/officeDocument/2006/relationships" xmlns:p="http://schemas.openxmlformats.org/presentationml/2006/main">
-  <p:cSld>
-    <p:spTree>
-      <p:nvGrpSpPr>
-        <p:cNvPr id="1" name="Shape 148"/>
-        <p:cNvGrpSpPr/>
-        <p:nvPr/>
-      </p:nvGrpSpPr>
-      <p:grpSpPr>
-        <a:xfrm>
-          <a:off x="0" y="0"/>
-          <a:ext cx="0" cy="0"/>
-          <a:chOff x="0" y="0"/>
-          <a:chExt cx="0" cy="0"/>
-        </a:xfrm>
-      </p:grpSpPr>
-      <p:sp>
-        <p:nvSpPr>
-          <p:cNvPr id="149" name="Google Shape;149;p23"/>
-          <p:cNvSpPr txBox="1"/>
-          <p:nvPr/>
-        </p:nvSpPr>
-        <p:spPr>
-          <a:xfrm>
-            <a:off x="55075" y="52750"/>
-            <a:ext cx="2469300" cy="326400"/>
-          </a:xfrm>
-          <a:prstGeom prst="rect">
-            <a:avLst/>
-          </a:prstGeom>
-          <a:noFill/>
-          <a:ln>
-            <a:noFill/>
-          </a:ln>
-        </p:spPr>
-        <p:txBody>
-          <a:bodyPr spcFirstLastPara="1" wrap="square" lIns="9125" tIns="9125" rIns="9125" bIns="9125" anchor="t" anchorCtr="0">
-            <a:spAutoFit/>
-          </a:bodyPr>
-          <a:lstStyle/>
-          <a:p>
-            <a:pPr marL="0" marR="0" lvl="0" indent="0" algn="l" rtl="0">
-              <a:lnSpc>
-                <a:spcPct val="100000"/>
-              </a:lnSpc>
-              <a:spcBef>
-                <a:spcPts val="0"/>
-              </a:spcBef>
-              <a:spcAft>
-                <a:spcPts val="0"/>
-              </a:spcAft>
-              <a:buClr>
-                <a:schemeClr val="dk1"/>
-              </a:buClr>
-              <a:buSzPts val="1100"/>
-              <a:buFont typeface="Arial"/>
-              <a:buNone/>
-            </a:pPr>
-            <a:r>
-              <a:rPr lang="en" sz="2000" b="1">
-                <a:solidFill>
-                  <a:schemeClr val="dk1"/>
-                </a:solidFill>
-                <a:latin typeface="Calibri"/>
-                <a:ea typeface="Calibri"/>
-                <a:cs typeface="Calibri"/>
-                <a:sym typeface="Calibri"/>
-              </a:rPr>
-              <a:t>AI Updates 5</a:t>
-            </a:r>
-            <a:endParaRPr sz="2000" b="1" i="0" u="none" strike="noStrike" cap="none">
-              <a:solidFill>
-                <a:schemeClr val="dk1"/>
-              </a:solidFill>
-              <a:latin typeface="Calibri"/>
-              <a:ea typeface="Calibri"/>
-              <a:cs typeface="Calibri"/>
-              <a:sym typeface="Calibri"/>
-            </a:endParaRPr>
-          </a:p>
-        </p:txBody>
-      </p:sp>
-      <p:sp>
-        <p:nvSpPr>
-          <p:cNvPr id="150" name="Google Shape;150;p23"/>
-          <p:cNvSpPr txBox="1"/>
-          <p:nvPr/>
-        </p:nvSpPr>
-        <p:spPr>
-          <a:xfrm>
-            <a:off x="55075" y="540600"/>
-            <a:ext cx="4460700" cy="2235000"/>
-          </a:xfrm>
-          <a:prstGeom prst="rect">
-            <a:avLst/>
-          </a:prstGeom>
-          <a:solidFill>
-            <a:srgbClr val="FFF2CC"/>
-          </a:solidFill>
-          <a:ln w="9525" cap="flat" cmpd="sng">
-            <a:solidFill>
-              <a:srgbClr val="FF0000"/>
-            </a:solidFill>
-            <a:prstDash val="solid"/>
-            <a:round/>
-            <a:headEnd type="none" w="sm" len="sm"/>
-            <a:tailEnd type="none" w="sm" len="sm"/>
-          </a:ln>
-        </p:spPr>
-        <p:txBody>
-          <a:bodyPr spcFirstLastPara="1" wrap="square" lIns="9125" tIns="9125" rIns="9125" bIns="9125" anchor="t" anchorCtr="0">
-            <a:spAutoFit/>
-          </a:bodyPr>
-          <a:lstStyle/>
-          <a:p>
-            <a:pPr marL="171450" marR="0" lvl="0" indent="-114300" algn="l" rtl="0">
-              <a:lnSpc>
-                <a:spcPct val="100000"/>
-              </a:lnSpc>
-              <a:spcBef>
-                <a:spcPts val="0"/>
-              </a:spcBef>
-              <a:spcAft>
-                <a:spcPts val="0"/>
-              </a:spcAft>
-              <a:buClr>
-                <a:srgbClr val="FF0000"/>
-              </a:buClr>
-              <a:buSzPts val="900"/>
-              <a:buFont typeface="Calibri"/>
-              <a:buChar char="●"/>
-            </a:pPr>
-            <a:r>
-              <a:rPr lang="en" sz="1200" b="1">
-                <a:solidFill>
-                  <a:srgbClr val="FF0000"/>
-                </a:solidFill>
-                <a:latin typeface="Calibri"/>
-                <a:ea typeface="Calibri"/>
-                <a:cs typeface="Calibri"/>
-                <a:sym typeface="Calibri"/>
-              </a:rPr>
-              <a:t>Audible uses AI to convert print to audio</a:t>
-            </a:r>
-            <a:endParaRPr sz="1200" b="1">
-              <a:solidFill>
-                <a:srgbClr val="FF0000"/>
-              </a:solidFill>
-              <a:latin typeface="Calibri"/>
-              <a:ea typeface="Calibri"/>
-              <a:cs typeface="Calibri"/>
-              <a:sym typeface="Calibri"/>
-            </a:endParaRPr>
-          </a:p>
-          <a:p>
-            <a:pPr marL="171450" marR="0" lvl="0" indent="-114300" algn="l" rtl="0">
-              <a:lnSpc>
-                <a:spcPct val="100000"/>
-              </a:lnSpc>
-              <a:spcBef>
-                <a:spcPts val="0"/>
-              </a:spcBef>
-              <a:spcAft>
-                <a:spcPts val="0"/>
-              </a:spcAft>
-              <a:buClr>
-                <a:schemeClr val="dk1"/>
-              </a:buClr>
-              <a:buSzPts val="900"/>
-              <a:buFont typeface="Calibri"/>
-              <a:buChar char="●"/>
-            </a:pPr>
-            <a:r>
-              <a:rPr lang="en" sz="1200">
-                <a:solidFill>
-                  <a:schemeClr val="dk1"/>
-                </a:solidFill>
-                <a:latin typeface="Calibri"/>
-                <a:ea typeface="Calibri"/>
-                <a:cs typeface="Calibri"/>
-                <a:sym typeface="Calibri"/>
-              </a:rPr>
-              <a:t>Amazon’s audiobook service is converting print and e-books into AI-narrated audiobooks</a:t>
-            </a:r>
-            <a:endParaRPr sz="1200">
-              <a:solidFill>
-                <a:schemeClr val="dk1"/>
-              </a:solidFill>
-              <a:latin typeface="Calibri"/>
-              <a:ea typeface="Calibri"/>
-              <a:cs typeface="Calibri"/>
-              <a:sym typeface="Calibri"/>
-            </a:endParaRPr>
-          </a:p>
-          <a:p>
-            <a:pPr marL="171450" marR="0" lvl="0" indent="-114300" algn="l" rtl="0">
-              <a:lnSpc>
-                <a:spcPct val="100000"/>
-              </a:lnSpc>
-              <a:spcBef>
-                <a:spcPts val="0"/>
-              </a:spcBef>
-              <a:spcAft>
-                <a:spcPts val="0"/>
-              </a:spcAft>
-              <a:buClr>
-                <a:schemeClr val="dk1"/>
-              </a:buClr>
-              <a:buSzPts val="900"/>
-              <a:buFont typeface="Calibri"/>
-              <a:buChar char="●"/>
-            </a:pPr>
-            <a:r>
-              <a:rPr lang="en" sz="1200">
-                <a:solidFill>
-                  <a:schemeClr val="dk1"/>
-                </a:solidFill>
-                <a:latin typeface="Calibri"/>
-                <a:ea typeface="Calibri"/>
-                <a:cs typeface="Calibri"/>
-                <a:sym typeface="Calibri"/>
-              </a:rPr>
-              <a:t>Book publishers can choose from 100+ AI-generated voices available in English, French, Spanish, and Italian, with multiple accents and dialect options</a:t>
-            </a:r>
-            <a:endParaRPr sz="1200">
-              <a:solidFill>
-                <a:schemeClr val="dk1"/>
-              </a:solidFill>
-              <a:latin typeface="Calibri"/>
-              <a:ea typeface="Calibri"/>
-              <a:cs typeface="Calibri"/>
-              <a:sym typeface="Calibri"/>
-            </a:endParaRPr>
-          </a:p>
-          <a:p>
-            <a:pPr marL="171450" marR="0" lvl="0" indent="-114300" algn="l" rtl="0">
-              <a:lnSpc>
-                <a:spcPct val="100000"/>
-              </a:lnSpc>
-              <a:spcBef>
-                <a:spcPts val="0"/>
-              </a:spcBef>
-              <a:spcAft>
-                <a:spcPts val="0"/>
-              </a:spcAft>
-              <a:buClr>
-                <a:schemeClr val="dk1"/>
-              </a:buClr>
-              <a:buSzPts val="900"/>
-              <a:buFont typeface="Calibri"/>
-              <a:buChar char="●"/>
-            </a:pPr>
-            <a:r>
-              <a:rPr lang="en" sz="1200">
-                <a:solidFill>
-                  <a:schemeClr val="dk1"/>
-                </a:solidFill>
-                <a:latin typeface="Calibri"/>
-                <a:ea typeface="Calibri"/>
-                <a:cs typeface="Calibri"/>
-                <a:sym typeface="Calibri"/>
-              </a:rPr>
-              <a:t>Audible plans to roll out a beta version of AI translation later this year (text-to-text and speech-to-speech translation) - English, Spanish, French, Italian, and German. </a:t>
-            </a:r>
-            <a:endParaRPr sz="1200">
-              <a:solidFill>
-                <a:schemeClr val="dk1"/>
-              </a:solidFill>
-              <a:latin typeface="Calibri"/>
-              <a:ea typeface="Calibri"/>
-              <a:cs typeface="Calibri"/>
-              <a:sym typeface="Calibri"/>
-            </a:endParaRPr>
-          </a:p>
-          <a:p>
-            <a:pPr marL="171450" marR="0" lvl="0" indent="-114300" algn="l" rtl="0">
-              <a:lnSpc>
-                <a:spcPct val="100000"/>
-              </a:lnSpc>
-              <a:spcBef>
-                <a:spcPts val="0"/>
-              </a:spcBef>
-              <a:spcAft>
-                <a:spcPts val="0"/>
-              </a:spcAft>
-              <a:buClr>
-                <a:schemeClr val="dk1"/>
-              </a:buClr>
-              <a:buSzPts val="900"/>
-              <a:buFont typeface="Calibri"/>
-              <a:buChar char="●"/>
-            </a:pPr>
-            <a:r>
-              <a:rPr lang="en" sz="1200">
-                <a:solidFill>
-                  <a:schemeClr val="dk1"/>
-                </a:solidFill>
-                <a:latin typeface="Calibri"/>
-                <a:ea typeface="Calibri"/>
-                <a:cs typeface="Calibri"/>
-                <a:sym typeface="Calibri"/>
-              </a:rPr>
-              <a:t>Spotify, the second-largest audiobook provider after Audible, has also recently made efforts to expand its audiobook library by utilizing AI narration tools - partnered with ElevenLabs in February</a:t>
-            </a:r>
-            <a:endParaRPr sz="1200">
-              <a:solidFill>
-                <a:schemeClr val="dk1"/>
-              </a:solidFill>
-              <a:latin typeface="Calibri"/>
-              <a:ea typeface="Calibri"/>
-              <a:cs typeface="Calibri"/>
-              <a:sym typeface="Calibri"/>
-            </a:endParaRPr>
-          </a:p>
-        </p:txBody>
-      </p:sp>
     </p:spTree>
   </p:cSld>
   <p:clrMapOvr>

--- a/2025/2025-05-16-AI-Updates.pptx
+++ b/2025/2025-05-16-AI-Updates.pptx
@@ -1090,7 +1090,7 @@
   <p:cSld>
     <p:spTree>
       <p:nvGrpSpPr>
-        <p:cNvPr id="1" name="Shape 162"/>
+        <p:cNvPr id="1" name="Shape 166"/>
         <p:cNvGrpSpPr/>
         <p:nvPr/>
       </p:nvGrpSpPr>
@@ -1104,7 +1104,7 @@
       </p:grpSpPr>
       <p:sp>
         <p:nvSpPr>
-          <p:cNvPr id="163" name="Google Shape;163;g359106718ab_1_10:notes"/>
+          <p:cNvPr id="167" name="Google Shape;167;g359106718ab_1_10:notes"/>
           <p:cNvSpPr>
             <a:spLocks noGrp="1" noRot="1" noChangeAspect="1"/>
           </p:cNvSpPr>
@@ -1155,7 +1155,7 @@
       </p:sp>
       <p:sp>
         <p:nvSpPr>
-          <p:cNvPr id="164" name="Google Shape;164;g359106718ab_1_10:notes"/>
+          <p:cNvPr id="168" name="Google Shape;168;g359106718ab_1_10:notes"/>
           <p:cNvSpPr txBox="1">
             <a:spLocks noGrp="1"/>
           </p:cNvSpPr>
@@ -1212,7 +1212,7 @@
   <p:cSld>
     <p:spTree>
       <p:nvGrpSpPr>
-        <p:cNvPr id="1" name="Shape 170"/>
+        <p:cNvPr id="1" name="Shape 176"/>
         <p:cNvGrpSpPr/>
         <p:nvPr/>
       </p:nvGrpSpPr>
@@ -1226,7 +1226,7 @@
       </p:grpSpPr>
       <p:sp>
         <p:nvSpPr>
-          <p:cNvPr id="171" name="Google Shape;171;g359106718ab_1_0:notes"/>
+          <p:cNvPr id="177" name="Google Shape;177;g359106718ab_1_0:notes"/>
           <p:cNvSpPr>
             <a:spLocks noGrp="1" noRot="1" noChangeAspect="1"/>
           </p:cNvSpPr>
@@ -1277,7 +1277,7 @@
       </p:sp>
       <p:sp>
         <p:nvSpPr>
-          <p:cNvPr id="172" name="Google Shape;172;g359106718ab_1_0:notes"/>
+          <p:cNvPr id="178" name="Google Shape;178;g359106718ab_1_0:notes"/>
           <p:cNvSpPr txBox="1">
             <a:spLocks noGrp="1"/>
           </p:cNvSpPr>
@@ -1334,7 +1334,7 @@
   <p:cSld>
     <p:spTree>
       <p:nvGrpSpPr>
-        <p:cNvPr id="1" name="Shape 177"/>
+        <p:cNvPr id="1" name="Shape 183"/>
         <p:cNvGrpSpPr/>
         <p:nvPr/>
       </p:nvGrpSpPr>
@@ -1348,7 +1348,7 @@
       </p:grpSpPr>
       <p:sp>
         <p:nvSpPr>
-          <p:cNvPr id="178" name="Google Shape;178;g3051b0463b9_1_0:notes"/>
+          <p:cNvPr id="184" name="Google Shape;184;g3051b0463b9_1_0:notes"/>
           <p:cNvSpPr>
             <a:spLocks noGrp="1" noRot="1" noChangeAspect="1"/>
           </p:cNvSpPr>
@@ -1399,7 +1399,7 @@
       </p:sp>
       <p:sp>
         <p:nvSpPr>
-          <p:cNvPr id="179" name="Google Shape;179;g3051b0463b9_1_0:notes"/>
+          <p:cNvPr id="185" name="Google Shape;185;g3051b0463b9_1_0:notes"/>
           <p:cNvSpPr txBox="1">
             <a:spLocks noGrp="1"/>
           </p:cNvSpPr>
@@ -1456,7 +1456,7 @@
   <p:cSld>
     <p:spTree>
       <p:nvGrpSpPr>
-        <p:cNvPr id="1" name="Shape 187"/>
+        <p:cNvPr id="1" name="Shape 193"/>
         <p:cNvGrpSpPr/>
         <p:nvPr/>
       </p:nvGrpSpPr>
@@ -1470,7 +1470,7 @@
       </p:grpSpPr>
       <p:sp>
         <p:nvSpPr>
-          <p:cNvPr id="188" name="Google Shape;188;g354830c09cf_1_0:notes"/>
+          <p:cNvPr id="194" name="Google Shape;194;g354830c09cf_1_0:notes"/>
           <p:cNvSpPr>
             <a:spLocks noGrp="1" noRot="1" noChangeAspect="1"/>
           </p:cNvSpPr>
@@ -1521,7 +1521,7 @@
       </p:sp>
       <p:sp>
         <p:nvSpPr>
-          <p:cNvPr id="189" name="Google Shape;189;g354830c09cf_1_0:notes"/>
+          <p:cNvPr id="195" name="Google Shape;195;g354830c09cf_1_0:notes"/>
           <p:cNvSpPr txBox="1">
             <a:spLocks noGrp="1"/>
           </p:cNvSpPr>
@@ -1578,7 +1578,7 @@
   <p:cSld>
     <p:spTree>
       <p:nvGrpSpPr>
-        <p:cNvPr id="1" name="Shape 194"/>
+        <p:cNvPr id="1" name="Shape 200"/>
         <p:cNvGrpSpPr/>
         <p:nvPr/>
       </p:nvGrpSpPr>
@@ -1592,7 +1592,7 @@
       </p:grpSpPr>
       <p:sp>
         <p:nvSpPr>
-          <p:cNvPr id="195" name="Google Shape;195;g357549c08ae_1_0:notes"/>
+          <p:cNvPr id="201" name="Google Shape;201;g357549c08ae_1_0:notes"/>
           <p:cNvSpPr>
             <a:spLocks noGrp="1" noRot="1" noChangeAspect="1"/>
           </p:cNvSpPr>
@@ -1643,7 +1643,7 @@
       </p:sp>
       <p:sp>
         <p:nvSpPr>
-          <p:cNvPr id="196" name="Google Shape;196;g357549c08ae_1_0:notes"/>
+          <p:cNvPr id="202" name="Google Shape;202;g357549c08ae_1_0:notes"/>
           <p:cNvSpPr txBox="1">
             <a:spLocks noGrp="1"/>
           </p:cNvSpPr>
@@ -1700,7 +1700,7 @@
   <p:cSld>
     <p:spTree>
       <p:nvGrpSpPr>
-        <p:cNvPr id="1" name="Shape 206"/>
+        <p:cNvPr id="1" name="Shape 212"/>
         <p:cNvGrpSpPr/>
         <p:nvPr/>
       </p:nvGrpSpPr>
@@ -1714,7 +1714,7 @@
       </p:grpSpPr>
       <p:sp>
         <p:nvSpPr>
-          <p:cNvPr id="207" name="Google Shape;207;p21:notes"/>
+          <p:cNvPr id="213" name="Google Shape;213;p21:notes"/>
           <p:cNvSpPr>
             <a:spLocks noGrp="1" noRot="1" noChangeAspect="1"/>
           </p:cNvSpPr>
@@ -1765,7 +1765,7 @@
       </p:sp>
       <p:sp>
         <p:nvSpPr>
-          <p:cNvPr id="208" name="Google Shape;208;p21:notes"/>
+          <p:cNvPr id="214" name="Google Shape;214;p21:notes"/>
           <p:cNvSpPr txBox="1">
             <a:spLocks noGrp="1"/>
           </p:cNvSpPr>
@@ -1822,7 +1822,7 @@
   <p:cSld>
     <p:spTree>
       <p:nvGrpSpPr>
-        <p:cNvPr id="1" name="Shape 275"/>
+        <p:cNvPr id="1" name="Shape 273"/>
         <p:cNvGrpSpPr/>
         <p:nvPr/>
       </p:nvGrpSpPr>
@@ -1836,7 +1836,7 @@
       </p:grpSpPr>
       <p:sp>
         <p:nvSpPr>
-          <p:cNvPr id="276" name="Google Shape;276;p23:notes"/>
+          <p:cNvPr id="274" name="Google Shape;274;p23:notes"/>
           <p:cNvSpPr>
             <a:spLocks noGrp="1" noRot="1" noChangeAspect="1"/>
           </p:cNvSpPr>
@@ -1887,7 +1887,7 @@
       </p:sp>
       <p:sp>
         <p:nvSpPr>
-          <p:cNvPr id="277" name="Google Shape;277;p23:notes"/>
+          <p:cNvPr id="275" name="Google Shape;275;p23:notes"/>
           <p:cNvSpPr txBox="1">
             <a:spLocks noGrp="1"/>
           </p:cNvSpPr>
@@ -1944,7 +1944,7 @@
   <p:cSld>
     <p:spTree>
       <p:nvGrpSpPr>
-        <p:cNvPr id="1" name="Shape 284"/>
+        <p:cNvPr id="1" name="Shape 285"/>
         <p:cNvGrpSpPr/>
         <p:nvPr/>
       </p:nvGrpSpPr>
@@ -1958,7 +1958,7 @@
       </p:grpSpPr>
       <p:sp>
         <p:nvSpPr>
-          <p:cNvPr id="285" name="Google Shape;285;p24:notes"/>
+          <p:cNvPr id="286" name="Google Shape;286;p24:notes"/>
           <p:cNvSpPr>
             <a:spLocks noGrp="1" noRot="1" noChangeAspect="1"/>
           </p:cNvSpPr>
@@ -2009,7 +2009,7 @@
       </p:sp>
       <p:sp>
         <p:nvSpPr>
-          <p:cNvPr id="286" name="Google Shape;286;p24:notes"/>
+          <p:cNvPr id="287" name="Google Shape;287;p24:notes"/>
           <p:cNvSpPr txBox="1">
             <a:spLocks noGrp="1"/>
           </p:cNvSpPr>
@@ -2066,7 +2066,7 @@
   <p:cSld>
     <p:spTree>
       <p:nvGrpSpPr>
-        <p:cNvPr id="1" name="Shape 294"/>
+        <p:cNvPr id="1" name="Shape 295"/>
         <p:cNvGrpSpPr/>
         <p:nvPr/>
       </p:nvGrpSpPr>
@@ -2080,7 +2080,7 @@
       </p:grpSpPr>
       <p:sp>
         <p:nvSpPr>
-          <p:cNvPr id="295" name="Google Shape;295;p25:notes"/>
+          <p:cNvPr id="296" name="Google Shape;296;p25:notes"/>
           <p:cNvSpPr>
             <a:spLocks noGrp="1" noRot="1" noChangeAspect="1"/>
           </p:cNvSpPr>
@@ -2131,7 +2131,7 @@
       </p:sp>
       <p:sp>
         <p:nvSpPr>
-          <p:cNvPr id="296" name="Google Shape;296;p25:notes"/>
+          <p:cNvPr id="297" name="Google Shape;297;p25:notes"/>
           <p:cNvSpPr txBox="1">
             <a:spLocks noGrp="1"/>
           </p:cNvSpPr>
@@ -12556,8 +12556,8 @@
         </p:nvSpPr>
         <p:spPr>
           <a:xfrm>
-            <a:off x="78651" y="891002"/>
-            <a:ext cx="4420200" cy="1403700"/>
+            <a:off x="78651" y="967202"/>
+            <a:ext cx="4420200" cy="1496100"/>
           </a:xfrm>
           <a:prstGeom prst="rect">
             <a:avLst/>
@@ -12581,7 +12581,7 @@
           </a:bodyPr>
           <a:lstStyle/>
           <a:p>
-            <a:pPr marL="228600" marR="0" lvl="0" indent="-209550" algn="l" rtl="0">
+            <a:pPr marL="228600" marR="0" lvl="0" indent="-215900" algn="l" rtl="0">
               <a:lnSpc>
                 <a:spcPct val="100000"/>
               </a:lnSpc>
@@ -12594,12 +12594,12 @@
               <a:buClr>
                 <a:srgbClr val="3C78D8"/>
               </a:buClr>
-              <a:buSzPts val="1500"/>
+              <a:buSzPts val="1600"/>
               <a:buFont typeface="Calibri"/>
               <a:buChar char="●"/>
             </a:pPr>
             <a:r>
-              <a:rPr lang="en" sz="1500" b="1">
+              <a:rPr lang="en" sz="1600" b="1">
                 <a:solidFill>
                   <a:srgbClr val="3C78D8"/>
                 </a:solidFill>
@@ -12610,7 +12610,7 @@
               </a:rPr>
               <a:t>Continuous Thought Machines from Sakana-AI</a:t>
             </a:r>
-            <a:endParaRPr sz="1500" b="1">
+            <a:endParaRPr sz="1600" b="1">
               <a:solidFill>
                 <a:srgbClr val="3C78D8"/>
               </a:solidFill>
@@ -12621,7 +12621,7 @@
             </a:endParaRPr>
           </a:p>
           <a:p>
-            <a:pPr marL="228600" marR="0" lvl="0" indent="-209550" algn="l" rtl="0">
+            <a:pPr marL="228600" marR="0" lvl="0" indent="-215900" algn="l" rtl="0">
               <a:lnSpc>
                 <a:spcPct val="100000"/>
               </a:lnSpc>
@@ -12634,12 +12634,12 @@
               <a:buClr>
                 <a:srgbClr val="3C78D8"/>
               </a:buClr>
-              <a:buSzPts val="1500"/>
+              <a:buSzPts val="1600"/>
               <a:buFont typeface="Calibri"/>
               <a:buChar char="●"/>
             </a:pPr>
             <a:r>
-              <a:rPr lang="en" sz="1500" b="1">
+              <a:rPr lang="en" sz="1600" b="1">
                 <a:solidFill>
                   <a:srgbClr val="3C78D8"/>
                 </a:solidFill>
@@ -12650,7 +12650,7 @@
               </a:rPr>
               <a:t>Meta's AssetGen 2.0: 3D Model Generation</a:t>
             </a:r>
-            <a:endParaRPr sz="1500" b="1">
+            <a:endParaRPr sz="1600" b="1">
               <a:solidFill>
                 <a:srgbClr val="3C78D8"/>
               </a:solidFill>
@@ -12661,7 +12661,7 @@
             </a:endParaRPr>
           </a:p>
           <a:p>
-            <a:pPr marL="228600" marR="0" lvl="0" indent="-209550" algn="l" rtl="0">
+            <a:pPr marL="228600" marR="0" lvl="0" indent="-215900" algn="l" rtl="0">
               <a:lnSpc>
                 <a:spcPct val="100000"/>
               </a:lnSpc>
@@ -12674,12 +12674,12 @@
               <a:buClr>
                 <a:srgbClr val="3C78D8"/>
               </a:buClr>
-              <a:buSzPts val="1500"/>
+              <a:buSzPts val="1600"/>
               <a:buFont typeface="Calibri"/>
               <a:buChar char="●"/>
             </a:pPr>
             <a:r>
-              <a:rPr lang="en" sz="1500" b="1">
+              <a:rPr lang="en" sz="1600" b="1">
                 <a:solidFill>
                   <a:srgbClr val="3C78D8"/>
                 </a:solidFill>
@@ -12690,7 +12690,7 @@
               </a:rPr>
               <a:t>Amazon "Enhance My Listing" AI for sellers</a:t>
             </a:r>
-            <a:endParaRPr sz="1500" b="1">
+            <a:endParaRPr sz="1600" b="1">
               <a:solidFill>
                 <a:srgbClr val="3C78D8"/>
               </a:solidFill>
@@ -12701,7 +12701,7 @@
             </a:endParaRPr>
           </a:p>
           <a:p>
-            <a:pPr marL="228600" marR="0" lvl="0" indent="-209550" algn="l" rtl="0">
+            <a:pPr marL="228600" marR="0" lvl="0" indent="-215900" algn="l" rtl="0">
               <a:lnSpc>
                 <a:spcPct val="100000"/>
               </a:lnSpc>
@@ -12714,12 +12714,12 @@
               <a:buClr>
                 <a:srgbClr val="3C78D8"/>
               </a:buClr>
-              <a:buSzPts val="1500"/>
+              <a:buSzPts val="1600"/>
               <a:buFont typeface="Calibri"/>
               <a:buChar char="●"/>
             </a:pPr>
             <a:r>
-              <a:rPr lang="en" sz="1500" b="1">
+              <a:rPr lang="en" sz="1600" b="1">
                 <a:solidFill>
                   <a:srgbClr val="3C78D8"/>
                 </a:solidFill>
@@ -12730,7 +12730,7 @@
               </a:rPr>
               <a:t>Microsoft is offering OpenAI equity for access</a:t>
             </a:r>
-            <a:endParaRPr sz="1500" b="1">
+            <a:endParaRPr sz="1600" b="1">
               <a:solidFill>
                 <a:srgbClr val="3C78D8"/>
               </a:solidFill>
@@ -12741,7 +12741,7 @@
             </a:endParaRPr>
           </a:p>
           <a:p>
-            <a:pPr marL="228600" marR="0" lvl="0" indent="-209550" algn="l" rtl="0">
+            <a:pPr marL="228600" marR="0" lvl="0" indent="-215900" algn="l" rtl="0">
               <a:lnSpc>
                 <a:spcPct val="100000"/>
               </a:lnSpc>
@@ -12754,12 +12754,12 @@
               <a:buClr>
                 <a:srgbClr val="3C78D8"/>
               </a:buClr>
-              <a:buSzPts val="1500"/>
+              <a:buSzPts val="1600"/>
               <a:buFont typeface="Calibri"/>
               <a:buChar char="●"/>
             </a:pPr>
             <a:r>
-              <a:rPr lang="en" sz="1500" b="1">
+              <a:rPr lang="en" sz="1600" b="1">
                 <a:solidFill>
                   <a:srgbClr val="3C78D8"/>
                 </a:solidFill>
@@ -12770,7 +12770,7 @@
               </a:rPr>
               <a:t>Alibaba Qwen "Web Dev"</a:t>
             </a:r>
-            <a:endParaRPr sz="1500" b="1">
+            <a:endParaRPr sz="1600" b="1">
               <a:solidFill>
                 <a:srgbClr val="3C78D8"/>
               </a:solidFill>
@@ -12781,7 +12781,7 @@
             </a:endParaRPr>
           </a:p>
           <a:p>
-            <a:pPr marL="228600" marR="0" lvl="0" indent="-209550" algn="l" rtl="0">
+            <a:pPr marL="228600" marR="0" lvl="0" indent="-215900" algn="l" rtl="0">
               <a:lnSpc>
                 <a:spcPct val="100000"/>
               </a:lnSpc>
@@ -12794,12 +12794,12 @@
               <a:buClr>
                 <a:srgbClr val="3C78D8"/>
               </a:buClr>
-              <a:buSzPts val="1500"/>
+              <a:buSzPts val="1600"/>
               <a:buFont typeface="Calibri"/>
               <a:buChar char="●"/>
             </a:pPr>
             <a:r>
-              <a:rPr lang="en" sz="1500" b="1">
+              <a:rPr lang="en" sz="1600" b="1">
                 <a:solidFill>
                   <a:srgbClr val="3C78D8"/>
                 </a:solidFill>
@@ -12810,7 +12810,7 @@
               </a:rPr>
               <a:t>GPT-4.1 and GPT-4.1-mini</a:t>
             </a:r>
-            <a:endParaRPr sz="1500" b="1">
+            <a:endParaRPr sz="1600" b="1">
               <a:solidFill>
                 <a:srgbClr val="3C78D8"/>
               </a:solidFill>
@@ -12960,8 +12960,8 @@
         </p:nvSpPr>
         <p:spPr>
           <a:xfrm>
-            <a:off x="4576975" y="4459716"/>
-            <a:ext cx="4502400" cy="480300"/>
+            <a:off x="4576975" y="4261508"/>
+            <a:ext cx="4502400" cy="510900"/>
           </a:xfrm>
           <a:prstGeom prst="rect">
             <a:avLst/>
@@ -12985,7 +12985,7 @@
           </a:bodyPr>
           <a:lstStyle/>
           <a:p>
-            <a:pPr marL="228600" marR="0" lvl="0" indent="-209550" algn="l" rtl="0">
+            <a:pPr marL="228600" marR="0" lvl="0" indent="-215900" algn="l" rtl="0">
               <a:lnSpc>
                 <a:spcPct val="100000"/>
               </a:lnSpc>
@@ -12998,12 +12998,12 @@
               <a:buClr>
                 <a:srgbClr val="3C78D8"/>
               </a:buClr>
-              <a:buSzPts val="1500"/>
+              <a:buSzPts val="1600"/>
               <a:buFont typeface="Calibri"/>
               <a:buChar char="●"/>
             </a:pPr>
             <a:r>
-              <a:rPr lang="en" sz="1500" b="1" i="0" u="none" strike="noStrike" cap="none">
+              <a:rPr lang="en" sz="1600" b="1" i="0" u="none" strike="noStrike" cap="none">
                 <a:solidFill>
                   <a:srgbClr val="3C78D8"/>
                 </a:solidFill>
@@ -13014,7 +13014,7 @@
               </a:rPr>
               <a:t>Crowd-sourced "Arena" Leaderboard</a:t>
             </a:r>
-            <a:endParaRPr sz="1500" b="1" i="0" u="none" strike="noStrike" cap="none">
+            <a:endParaRPr sz="1600" b="1" i="0" u="none" strike="noStrike" cap="none">
               <a:solidFill>
                 <a:srgbClr val="3C78D8"/>
               </a:solidFill>
@@ -13025,7 +13025,7 @@
             </a:endParaRPr>
           </a:p>
           <a:p>
-            <a:pPr marL="228600" marR="0" lvl="0" indent="-209550" algn="l" rtl="0">
+            <a:pPr marL="228600" marR="0" lvl="0" indent="-215900" algn="l" rtl="0">
               <a:lnSpc>
                 <a:spcPct val="100000"/>
               </a:lnSpc>
@@ -13038,12 +13038,12 @@
               <a:buClr>
                 <a:srgbClr val="3C78D8"/>
               </a:buClr>
-              <a:buSzPts val="1500"/>
+              <a:buSzPts val="1600"/>
               <a:buFont typeface="Calibri"/>
               <a:buChar char="●"/>
             </a:pPr>
             <a:r>
-              <a:rPr lang="en" sz="1500" b="1" i="0" u="none" strike="noStrike" cap="none">
+              <a:rPr lang="en" sz="1600" b="1" i="0" u="none" strike="noStrike" cap="none">
                 <a:solidFill>
                   <a:srgbClr val="3C78D8"/>
                 </a:solidFill>
@@ -13054,7 +13054,7 @@
               </a:rPr>
               <a:t>Jobs, Layoffs</a:t>
             </a:r>
-            <a:endParaRPr sz="1500" b="1" i="0" u="none" strike="noStrike" cap="none">
+            <a:endParaRPr sz="1600" b="1" i="0" u="none" strike="noStrike" cap="none">
               <a:solidFill>
                 <a:srgbClr val="3C78D8"/>
               </a:solidFill>
@@ -13074,8 +13074,8 @@
         </p:nvSpPr>
         <p:spPr>
           <a:xfrm>
-            <a:off x="70976" y="2465430"/>
-            <a:ext cx="4420200" cy="1865400"/>
+            <a:off x="70976" y="2541630"/>
+            <a:ext cx="4420200" cy="2235000"/>
           </a:xfrm>
           <a:prstGeom prst="rect">
             <a:avLst/>
@@ -13099,7 +13099,7 @@
           </a:bodyPr>
           <a:lstStyle/>
           <a:p>
-            <a:pPr marL="228600" marR="0" lvl="0" indent="-209550" algn="l" rtl="0">
+            <a:pPr marL="228600" marR="0" lvl="0" indent="-215900" algn="l" rtl="0">
               <a:lnSpc>
                 <a:spcPct val="100000"/>
               </a:lnSpc>
@@ -13112,12 +13112,12 @@
               <a:buClr>
                 <a:srgbClr val="3C78D8"/>
               </a:buClr>
-              <a:buSzPts val="1500"/>
+              <a:buSzPts val="1600"/>
               <a:buFont typeface="Calibri"/>
               <a:buChar char="●"/>
             </a:pPr>
             <a:r>
-              <a:rPr lang="en" sz="1500" b="1">
+              <a:rPr lang="en" sz="1600" b="1">
                 <a:solidFill>
                   <a:srgbClr val="3C78D8"/>
                 </a:solidFill>
@@ -13128,7 +13128,7 @@
               </a:rPr>
               <a:t>Absolute Zero Reasoner (AZR)</a:t>
             </a:r>
-            <a:endParaRPr sz="1500" b="1">
+            <a:endParaRPr sz="1600" b="1">
               <a:solidFill>
                 <a:srgbClr val="3C78D8"/>
               </a:solidFill>
@@ -13139,7 +13139,7 @@
             </a:endParaRPr>
           </a:p>
           <a:p>
-            <a:pPr marL="228600" marR="0" lvl="0" indent="-209550" algn="l" rtl="0">
+            <a:pPr marL="228600" marR="0" lvl="0" indent="-215900" algn="l" rtl="0">
               <a:lnSpc>
                 <a:spcPct val="100000"/>
               </a:lnSpc>
@@ -13152,12 +13152,12 @@
               <a:buClr>
                 <a:srgbClr val="3C78D8"/>
               </a:buClr>
-              <a:buSzPts val="1500"/>
+              <a:buSzPts val="1600"/>
               <a:buFont typeface="Calibri"/>
               <a:buChar char="●"/>
             </a:pPr>
             <a:r>
-              <a:rPr lang="en" sz="1500" b="1">
+              <a:rPr lang="en" sz="1600" b="1">
                 <a:solidFill>
                   <a:srgbClr val="3C78D8"/>
                 </a:solidFill>
@@ -13168,7 +13168,7 @@
               </a:rPr>
               <a:t>WebThinker</a:t>
             </a:r>
-            <a:endParaRPr sz="1500" b="1">
+            <a:endParaRPr sz="1600" b="1">
               <a:solidFill>
                 <a:srgbClr val="3C78D8"/>
               </a:solidFill>
@@ -13179,7 +13179,7 @@
             </a:endParaRPr>
           </a:p>
           <a:p>
-            <a:pPr marL="228600" marR="0" lvl="0" indent="-209550" algn="l" rtl="0">
+            <a:pPr marL="228600" marR="0" lvl="0" indent="-215900" algn="l" rtl="0">
               <a:lnSpc>
                 <a:spcPct val="100000"/>
               </a:lnSpc>
@@ -13192,12 +13192,12 @@
               <a:buClr>
                 <a:srgbClr val="3C78D8"/>
               </a:buClr>
-              <a:buSzPts val="1500"/>
+              <a:buSzPts val="1600"/>
               <a:buFont typeface="Calibri"/>
               <a:buChar char="●"/>
             </a:pPr>
             <a:r>
-              <a:rPr lang="en" sz="1500" b="1">
+              <a:rPr lang="en" sz="1600" b="1">
                 <a:solidFill>
                   <a:srgbClr val="3C78D8"/>
                 </a:solidFill>
@@ -13208,7 +13208,7 @@
               </a:rPr>
               <a:t>WizardLM, WizardCoder, WizardMath</a:t>
             </a:r>
-            <a:endParaRPr sz="1500" b="1">
+            <a:endParaRPr sz="1600" b="1">
               <a:solidFill>
                 <a:srgbClr val="3C78D8"/>
               </a:solidFill>
@@ -13219,7 +13219,7 @@
             </a:endParaRPr>
           </a:p>
           <a:p>
-            <a:pPr marL="228600" marR="0" lvl="0" indent="-209550" algn="l" rtl="0">
+            <a:pPr marL="228600" marR="0" lvl="0" indent="-215900" algn="l" rtl="0">
               <a:lnSpc>
                 <a:spcPct val="100000"/>
               </a:lnSpc>
@@ -13232,12 +13232,12 @@
               <a:buClr>
                 <a:srgbClr val="3C78D8"/>
               </a:buClr>
-              <a:buSzPts val="1500"/>
+              <a:buSzPts val="1600"/>
               <a:buFont typeface="Calibri"/>
               <a:buChar char="●"/>
             </a:pPr>
             <a:r>
-              <a:rPr lang="en" sz="1500" b="1">
+              <a:rPr lang="en" sz="1600" b="1">
                 <a:solidFill>
                   <a:srgbClr val="3C78D8"/>
                 </a:solidFill>
@@ -13248,7 +13248,7 @@
               </a:rPr>
               <a:t>Bytedance Opensources DeerFlow</a:t>
             </a:r>
-            <a:endParaRPr sz="1500" b="1">
+            <a:endParaRPr sz="1600" b="1">
               <a:solidFill>
                 <a:srgbClr val="3C78D8"/>
               </a:solidFill>
@@ -13259,7 +13259,7 @@
             </a:endParaRPr>
           </a:p>
           <a:p>
-            <a:pPr marL="228600" marR="0" lvl="0" indent="-209550" algn="l" rtl="0">
+            <a:pPr marL="228600" marR="0" lvl="0" indent="-215900" algn="l" rtl="0">
               <a:lnSpc>
                 <a:spcPct val="100000"/>
               </a:lnSpc>
@@ -13272,12 +13272,12 @@
               <a:buClr>
                 <a:srgbClr val="3C78D8"/>
               </a:buClr>
-              <a:buSzPts val="1500"/>
+              <a:buSzPts val="1600"/>
               <a:buFont typeface="Calibri"/>
               <a:buChar char="●"/>
             </a:pPr>
             <a:r>
-              <a:rPr lang="en" sz="1500" b="1">
+              <a:rPr lang="en" sz="1600" b="1">
                 <a:solidFill>
                   <a:srgbClr val="3C78D8"/>
                 </a:solidFill>
@@ -13288,7 +13288,7 @@
               </a:rPr>
               <a:t>Perplexity raises $500 Mln</a:t>
             </a:r>
-            <a:endParaRPr sz="1500" b="1">
+            <a:endParaRPr sz="1600" b="1">
               <a:solidFill>
                 <a:srgbClr val="3C78D8"/>
               </a:solidFill>
@@ -13299,7 +13299,7 @@
             </a:endParaRPr>
           </a:p>
           <a:p>
-            <a:pPr marL="228600" marR="0" lvl="0" indent="-209550" algn="l" rtl="0">
+            <a:pPr marL="228600" marR="0" lvl="0" indent="-215900" algn="l" rtl="0">
               <a:lnSpc>
                 <a:spcPct val="100000"/>
               </a:lnSpc>
@@ -13312,12 +13312,12 @@
               <a:buClr>
                 <a:srgbClr val="3C78D8"/>
               </a:buClr>
-              <a:buSzPts val="1500"/>
+              <a:buSzPts val="1600"/>
               <a:buFont typeface="Calibri"/>
               <a:buChar char="●"/>
             </a:pPr>
             <a:r>
-              <a:rPr lang="en" sz="1500" b="1">
+              <a:rPr lang="en" sz="1600" b="1">
                 <a:solidFill>
                   <a:srgbClr val="3C78D8"/>
                 </a:solidFill>
@@ -13328,7 +13328,7 @@
               </a:rPr>
               <a:t>Honor phones image to video</a:t>
             </a:r>
-            <a:endParaRPr sz="1500" b="1">
+            <a:endParaRPr sz="1600" b="1">
               <a:solidFill>
                 <a:srgbClr val="3C78D8"/>
               </a:solidFill>
@@ -13339,7 +13339,7 @@
             </a:endParaRPr>
           </a:p>
           <a:p>
-            <a:pPr marL="228600" marR="0" lvl="0" indent="-209550" algn="l" rtl="0">
+            <a:pPr marL="228600" marR="0" lvl="0" indent="-215900" algn="l" rtl="0">
               <a:lnSpc>
                 <a:spcPct val="100000"/>
               </a:lnSpc>
@@ -13352,12 +13352,12 @@
               <a:buClr>
                 <a:srgbClr val="3C78D8"/>
               </a:buClr>
-              <a:buSzPts val="1500"/>
+              <a:buSzPts val="1600"/>
               <a:buFont typeface="Calibri"/>
               <a:buChar char="●"/>
             </a:pPr>
             <a:r>
-              <a:rPr lang="en" sz="1500" b="1">
+              <a:rPr lang="en" sz="1600" b="1">
                 <a:solidFill>
                   <a:srgbClr val="3C78D8"/>
                 </a:solidFill>
@@ -13368,7 +13368,7 @@
               </a:rPr>
               <a:t>Bamba-9B-v2 - Mamba2-based</a:t>
             </a:r>
-            <a:endParaRPr sz="1500" b="1">
+            <a:endParaRPr sz="1600" b="1">
               <a:solidFill>
                 <a:srgbClr val="3C78D8"/>
               </a:solidFill>
@@ -13379,7 +13379,7 @@
             </a:endParaRPr>
           </a:p>
           <a:p>
-            <a:pPr marL="228600" marR="0" lvl="0" indent="-209550" algn="l" rtl="0">
+            <a:pPr marL="228600" marR="0" lvl="0" indent="-215900" algn="l" rtl="0">
               <a:lnSpc>
                 <a:spcPct val="100000"/>
               </a:lnSpc>
@@ -13392,12 +13392,12 @@
               <a:buClr>
                 <a:srgbClr val="3C78D8"/>
               </a:buClr>
-              <a:buSzPts val="1500"/>
+              <a:buSzPts val="1600"/>
               <a:buFont typeface="Calibri"/>
               <a:buChar char="●"/>
             </a:pPr>
             <a:r>
-              <a:rPr lang="en" sz="1500" b="1">
+              <a:rPr lang="en" sz="1600" b="1">
                 <a:solidFill>
                   <a:srgbClr val="3C78D8"/>
                 </a:solidFill>
@@ -13408,7 +13408,7 @@
               </a:rPr>
               <a:t>FaceAge AI predicts age and cancer from face photo</a:t>
             </a:r>
-            <a:endParaRPr sz="1500" b="1">
+            <a:endParaRPr sz="1600" b="1">
               <a:solidFill>
                 <a:srgbClr val="3C78D8"/>
               </a:solidFill>
@@ -13428,8 +13428,8 @@
         </p:nvSpPr>
         <p:spPr>
           <a:xfrm>
-            <a:off x="4576975" y="897612"/>
-            <a:ext cx="4502400" cy="2096400"/>
+            <a:off x="4576975" y="976895"/>
+            <a:ext cx="4502400" cy="2973900"/>
           </a:xfrm>
           <a:prstGeom prst="rect">
             <a:avLst/>
@@ -13453,7 +13453,7 @@
           </a:bodyPr>
           <a:lstStyle/>
           <a:p>
-            <a:pPr marL="228600" marR="0" lvl="0" indent="-209550" algn="l" rtl="0">
+            <a:pPr marL="228600" marR="0" lvl="0" indent="-215900" algn="l" rtl="0">
               <a:lnSpc>
                 <a:spcPct val="100000"/>
               </a:lnSpc>
@@ -13466,12 +13466,12 @@
               <a:buClr>
                 <a:srgbClr val="3C78D8"/>
               </a:buClr>
-              <a:buSzPts val="1500"/>
+              <a:buSzPts val="1600"/>
               <a:buFont typeface="Calibri"/>
               <a:buChar char="●"/>
             </a:pPr>
             <a:r>
-              <a:rPr lang="en" sz="1500" b="1">
+              <a:rPr lang="en" sz="1600" b="1">
                 <a:solidFill>
                   <a:srgbClr val="3C78D8"/>
                 </a:solidFill>
@@ -13482,7 +13482,7 @@
               </a:rPr>
               <a:t>NVIDIA’s Global Headquarters Will Be In Taiwan</a:t>
             </a:r>
-            <a:endParaRPr sz="1500" b="1">
+            <a:endParaRPr sz="1600" b="1">
               <a:solidFill>
                 <a:srgbClr val="3C78D8"/>
               </a:solidFill>
@@ -13493,7 +13493,7 @@
             </a:endParaRPr>
           </a:p>
           <a:p>
-            <a:pPr marL="228600" marR="0" lvl="0" indent="-209550" algn="l" rtl="0">
+            <a:pPr marL="228600" marR="0" lvl="0" indent="-215900" algn="l" rtl="0">
               <a:lnSpc>
                 <a:spcPct val="100000"/>
               </a:lnSpc>
@@ -13506,12 +13506,12 @@
               <a:buClr>
                 <a:srgbClr val="3C78D8"/>
               </a:buClr>
-              <a:buSzPts val="1500"/>
+              <a:buSzPts val="1600"/>
               <a:buFont typeface="Calibri"/>
               <a:buChar char="●"/>
             </a:pPr>
             <a:r>
-              <a:rPr lang="en" sz="1500" b="1">
+              <a:rPr lang="en" sz="1600" b="1">
                 <a:solidFill>
                   <a:srgbClr val="3C78D8"/>
                 </a:solidFill>
@@ -13522,7 +13522,7 @@
               </a:rPr>
               <a:t>China's 500+ data centers are 80% idle </a:t>
             </a:r>
-            <a:endParaRPr sz="1500" b="1">
+            <a:endParaRPr sz="1600" b="1">
               <a:solidFill>
                 <a:srgbClr val="3C78D8"/>
               </a:solidFill>
@@ -13533,7 +13533,7 @@
             </a:endParaRPr>
           </a:p>
           <a:p>
-            <a:pPr marL="228600" marR="0" lvl="0" indent="-209550" algn="l" rtl="0">
+            <a:pPr marL="228600" marR="0" lvl="0" indent="-215900" algn="l" rtl="0">
               <a:lnSpc>
                 <a:spcPct val="100000"/>
               </a:lnSpc>
@@ -13546,12 +13546,12 @@
               <a:buClr>
                 <a:srgbClr val="3C78D8"/>
               </a:buClr>
-              <a:buSzPts val="1500"/>
+              <a:buSzPts val="1600"/>
               <a:buFont typeface="Calibri"/>
               <a:buChar char="●"/>
             </a:pPr>
             <a:r>
-              <a:rPr lang="en" sz="1500" b="1">
+              <a:rPr lang="en" sz="1600" b="1">
                 <a:solidFill>
                   <a:srgbClr val="3C78D8"/>
                 </a:solidFill>
@@ -13562,7 +13562,7 @@
               </a:rPr>
               <a:t>TikTok AI Alive Stories</a:t>
             </a:r>
-            <a:endParaRPr sz="1500" b="1">
+            <a:endParaRPr sz="1600" b="1">
               <a:solidFill>
                 <a:srgbClr val="3C78D8"/>
               </a:solidFill>
@@ -13573,7 +13573,7 @@
             </a:endParaRPr>
           </a:p>
           <a:p>
-            <a:pPr marL="228600" marR="0" lvl="0" indent="-209550" algn="l" rtl="0">
+            <a:pPr marL="228600" marR="0" lvl="0" indent="-215900" algn="l" rtl="0">
               <a:lnSpc>
                 <a:spcPct val="100000"/>
               </a:lnSpc>
@@ -13586,12 +13586,12 @@
               <a:buClr>
                 <a:srgbClr val="3C78D8"/>
               </a:buClr>
-              <a:buSzPts val="1500"/>
+              <a:buSzPts val="1600"/>
               <a:buFont typeface="Calibri"/>
               <a:buChar char="●"/>
             </a:pPr>
             <a:r>
-              <a:rPr lang="en" sz="1500" b="1">
+              <a:rPr lang="en" sz="1600" b="1">
                 <a:solidFill>
                   <a:srgbClr val="3C78D8"/>
                 </a:solidFill>
@@ -13602,7 +13602,7 @@
               </a:rPr>
               <a:t>Audible uses AI to convert print to audio</a:t>
             </a:r>
-            <a:endParaRPr sz="1500" b="1">
+            <a:endParaRPr sz="1600" b="1">
               <a:solidFill>
                 <a:srgbClr val="3C78D8"/>
               </a:solidFill>
@@ -13613,7 +13613,7 @@
             </a:endParaRPr>
           </a:p>
           <a:p>
-            <a:pPr marL="228600" marR="0" lvl="0" indent="-209550" algn="l" rtl="0">
+            <a:pPr marL="228600" marR="0" lvl="0" indent="-215900" algn="l" rtl="0">
               <a:lnSpc>
                 <a:spcPct val="100000"/>
               </a:lnSpc>
@@ -13626,12 +13626,12 @@
               <a:buClr>
                 <a:srgbClr val="3C78D8"/>
               </a:buClr>
-              <a:buSzPts val="1500"/>
+              <a:buSzPts val="1600"/>
               <a:buFont typeface="Calibri"/>
               <a:buChar char="●"/>
             </a:pPr>
             <a:r>
-              <a:rPr lang="en" sz="1500" b="1">
+              <a:rPr lang="en" sz="1600" b="1">
                 <a:solidFill>
                   <a:srgbClr val="3C78D8"/>
                 </a:solidFill>
@@ -13640,9 +13640,9 @@
                 <a:cs typeface="Calibri"/>
                 <a:sym typeface="Calibri"/>
               </a:rPr>
-              <a:t>Suna - open-source AI Employee</a:t>
-            </a:r>
-            <a:endParaRPr sz="1500" b="1">
+              <a:t>II-Medical-8B - reasoning medical LLM</a:t>
+            </a:r>
+            <a:endParaRPr sz="1600" b="1">
               <a:solidFill>
                 <a:srgbClr val="3C78D8"/>
               </a:solidFill>
@@ -13653,7 +13653,7 @@
             </a:endParaRPr>
           </a:p>
           <a:p>
-            <a:pPr marL="228600" marR="0" lvl="0" indent="-209550" algn="l" rtl="0">
+            <a:pPr marL="228600" marR="0" lvl="0" indent="-215900" algn="l" rtl="0">
               <a:lnSpc>
                 <a:spcPct val="100000"/>
               </a:lnSpc>
@@ -13666,12 +13666,12 @@
               <a:buClr>
                 <a:srgbClr val="3C78D8"/>
               </a:buClr>
-              <a:buSzPts val="1500"/>
+              <a:buSzPts val="1600"/>
               <a:buFont typeface="Calibri"/>
               <a:buChar char="●"/>
             </a:pPr>
             <a:r>
-              <a:rPr lang="en" sz="1500" b="1">
+              <a:rPr lang="en" sz="1600" b="1">
                 <a:solidFill>
                   <a:srgbClr val="3C78D8"/>
                 </a:solidFill>
@@ -13680,9 +13680,9 @@
                 <a:cs typeface="Calibri"/>
                 <a:sym typeface="Calibri"/>
               </a:rPr>
-              <a:t>Jeremy Howard Answer.AI</a:t>
-            </a:r>
-            <a:endParaRPr sz="1500" b="1">
+              <a:t>Windsurf SWE-1 Family of models</a:t>
+            </a:r>
+            <a:endParaRPr sz="1600" b="1">
               <a:solidFill>
                 <a:srgbClr val="3C78D8"/>
               </a:solidFill>
@@ -13693,7 +13693,7 @@
             </a:endParaRPr>
           </a:p>
           <a:p>
-            <a:pPr marL="228600" marR="0" lvl="0" indent="-209550" algn="l" rtl="0">
+            <a:pPr marL="228600" marR="0" lvl="0" indent="-215900" algn="l" rtl="0">
               <a:lnSpc>
                 <a:spcPct val="100000"/>
               </a:lnSpc>
@@ -13706,12 +13706,12 @@
               <a:buClr>
                 <a:srgbClr val="3C78D8"/>
               </a:buClr>
-              <a:buSzPts val="1500"/>
+              <a:buSzPts val="1600"/>
               <a:buFont typeface="Calibri"/>
               <a:buChar char="●"/>
             </a:pPr>
             <a:r>
-              <a:rPr lang="en" sz="1500" b="1">
+              <a:rPr lang="en" sz="1600" b="1">
                 <a:solidFill>
                   <a:srgbClr val="3C78D8"/>
                 </a:solidFill>
@@ -13720,9 +13720,9 @@
                 <a:cs typeface="Calibri"/>
                 <a:sym typeface="Calibri"/>
               </a:rPr>
-              <a:t>Cline AI Coding Assistant</a:t>
-            </a:r>
-            <a:endParaRPr sz="1500" b="1">
+              <a:t>LLMS Get Lost in Multi-Turn Conversations</a:t>
+            </a:r>
+            <a:endParaRPr sz="1600" b="1">
               <a:solidFill>
                 <a:srgbClr val="3C78D8"/>
               </a:solidFill>
@@ -13733,7 +13733,7 @@
             </a:endParaRPr>
           </a:p>
           <a:p>
-            <a:pPr marL="228600" marR="0" lvl="0" indent="-209550" algn="l" rtl="0">
+            <a:pPr marL="228600" marR="0" lvl="0" indent="-215900" algn="l" rtl="0">
               <a:lnSpc>
                 <a:spcPct val="100000"/>
               </a:lnSpc>
@@ -13746,12 +13746,12 @@
               <a:buClr>
                 <a:srgbClr val="3C78D8"/>
               </a:buClr>
-              <a:buSzPts val="1500"/>
+              <a:buSzPts val="1600"/>
               <a:buFont typeface="Calibri"/>
               <a:buChar char="●"/>
             </a:pPr>
             <a:r>
-              <a:rPr lang="en" sz="1500" b="1">
+              <a:rPr lang="en" sz="1600" b="1">
                 <a:solidFill>
                   <a:srgbClr val="3C78D8"/>
                 </a:solidFill>
@@ -13760,9 +13760,9 @@
                 <a:cs typeface="Calibri"/>
                 <a:sym typeface="Calibri"/>
               </a:rPr>
-              <a:t>Which Local Coding Model to Use</a:t>
-            </a:r>
-            <a:endParaRPr sz="1500" b="1">
+              <a:t>Suna - open-source AI Employee</a:t>
+            </a:r>
+            <a:endParaRPr sz="1600" b="1">
               <a:solidFill>
                 <a:srgbClr val="3C78D8"/>
               </a:solidFill>
@@ -13773,7 +13773,7 @@
             </a:endParaRPr>
           </a:p>
           <a:p>
-            <a:pPr marL="228600" marR="0" lvl="0" indent="-209550" algn="l" rtl="0">
+            <a:pPr marL="228600" marR="0" lvl="0" indent="-215900" algn="l" rtl="0">
               <a:lnSpc>
                 <a:spcPct val="100000"/>
               </a:lnSpc>
@@ -13786,12 +13786,12 @@
               <a:buClr>
                 <a:srgbClr val="3C78D8"/>
               </a:buClr>
-              <a:buSzPts val="1500"/>
+              <a:buSzPts val="1600"/>
               <a:buFont typeface="Calibri"/>
               <a:buChar char="●"/>
             </a:pPr>
             <a:r>
-              <a:rPr lang="en" sz="1500" b="1">
+              <a:rPr lang="en" sz="1600" b="1">
                 <a:solidFill>
                   <a:srgbClr val="3C78D8"/>
                 </a:solidFill>
@@ -13800,9 +13800,129 @@
                 <a:cs typeface="Calibri"/>
                 <a:sym typeface="Calibri"/>
               </a:rPr>
+              <a:t>Jeremy Howard Answer.AI</a:t>
+            </a:r>
+            <a:endParaRPr sz="1600" b="1">
+              <a:solidFill>
+                <a:srgbClr val="3C78D8"/>
+              </a:solidFill>
+              <a:latin typeface="Calibri"/>
+              <a:ea typeface="Calibri"/>
+              <a:cs typeface="Calibri"/>
+              <a:sym typeface="Calibri"/>
+            </a:endParaRPr>
+          </a:p>
+          <a:p>
+            <a:pPr marL="228600" marR="0" lvl="0" indent="-215900" algn="l" rtl="0">
+              <a:lnSpc>
+                <a:spcPct val="100000"/>
+              </a:lnSpc>
+              <a:spcBef>
+                <a:spcPts val="0"/>
+              </a:spcBef>
+              <a:spcAft>
+                <a:spcPts val="0"/>
+              </a:spcAft>
+              <a:buClr>
+                <a:srgbClr val="3C78D8"/>
+              </a:buClr>
+              <a:buSzPts val="1600"/>
+              <a:buFont typeface="Calibri"/>
+              <a:buChar char="●"/>
+            </a:pPr>
+            <a:r>
+              <a:rPr lang="en" sz="1600" b="1">
+                <a:solidFill>
+                  <a:srgbClr val="3C78D8"/>
+                </a:solidFill>
+                <a:latin typeface="Calibri"/>
+                <a:ea typeface="Calibri"/>
+                <a:cs typeface="Calibri"/>
+                <a:sym typeface="Calibri"/>
+              </a:rPr>
+              <a:t>Cline AI Coding Assistant</a:t>
+            </a:r>
+            <a:endParaRPr sz="1600" b="1">
+              <a:solidFill>
+                <a:srgbClr val="3C78D8"/>
+              </a:solidFill>
+              <a:latin typeface="Calibri"/>
+              <a:ea typeface="Calibri"/>
+              <a:cs typeface="Calibri"/>
+              <a:sym typeface="Calibri"/>
+            </a:endParaRPr>
+          </a:p>
+          <a:p>
+            <a:pPr marL="228600" marR="0" lvl="0" indent="-215900" algn="l" rtl="0">
+              <a:lnSpc>
+                <a:spcPct val="100000"/>
+              </a:lnSpc>
+              <a:spcBef>
+                <a:spcPts val="0"/>
+              </a:spcBef>
+              <a:spcAft>
+                <a:spcPts val="0"/>
+              </a:spcAft>
+              <a:buClr>
+                <a:srgbClr val="3C78D8"/>
+              </a:buClr>
+              <a:buSzPts val="1600"/>
+              <a:buFont typeface="Calibri"/>
+              <a:buChar char="●"/>
+            </a:pPr>
+            <a:r>
+              <a:rPr lang="en" sz="1600" b="1">
+                <a:solidFill>
+                  <a:srgbClr val="3C78D8"/>
+                </a:solidFill>
+                <a:latin typeface="Calibri"/>
+                <a:ea typeface="Calibri"/>
+                <a:cs typeface="Calibri"/>
+                <a:sym typeface="Calibri"/>
+              </a:rPr>
+              <a:t>Which Local Coding Model to Use</a:t>
+            </a:r>
+            <a:endParaRPr sz="1600" b="1">
+              <a:solidFill>
+                <a:srgbClr val="3C78D8"/>
+              </a:solidFill>
+              <a:latin typeface="Calibri"/>
+              <a:ea typeface="Calibri"/>
+              <a:cs typeface="Calibri"/>
+              <a:sym typeface="Calibri"/>
+            </a:endParaRPr>
+          </a:p>
+          <a:p>
+            <a:pPr marL="228600" marR="0" lvl="0" indent="-215900" algn="l" rtl="0">
+              <a:lnSpc>
+                <a:spcPct val="100000"/>
+              </a:lnSpc>
+              <a:spcBef>
+                <a:spcPts val="0"/>
+              </a:spcBef>
+              <a:spcAft>
+                <a:spcPts val="0"/>
+              </a:spcAft>
+              <a:buClr>
+                <a:srgbClr val="3C78D8"/>
+              </a:buClr>
+              <a:buSzPts val="1600"/>
+              <a:buFont typeface="Calibri"/>
+              <a:buChar char="●"/>
+            </a:pPr>
+            <a:r>
+              <a:rPr lang="en" sz="1600" b="1">
+                <a:solidFill>
+                  <a:srgbClr val="3C78D8"/>
+                </a:solidFill>
+                <a:latin typeface="Calibri"/>
+                <a:ea typeface="Calibri"/>
+                <a:cs typeface="Calibri"/>
+                <a:sym typeface="Calibri"/>
+              </a:rPr>
               <a:t>Figma Prototyping using AI</a:t>
             </a:r>
-            <a:endParaRPr sz="1500" b="1">
+            <a:endParaRPr sz="1600" b="1">
               <a:solidFill>
                 <a:srgbClr val="3C78D8"/>
               </a:solidFill>
@@ -13822,8 +13942,8 @@
         </p:nvSpPr>
         <p:spPr>
           <a:xfrm>
-            <a:off x="5490775" y="111898"/>
-            <a:ext cx="3588600" cy="249300"/>
+            <a:off x="6124625" y="172150"/>
+            <a:ext cx="2289300" cy="541800"/>
           </a:xfrm>
           <a:prstGeom prst="rect">
             <a:avLst/>
@@ -13852,20 +13972,55 @@
               <a:buNone/>
             </a:pPr>
             <a:r>
-              <a:rPr lang="en" sz="1500" b="1">
-                <a:solidFill>
-                  <a:srgbClr val="3C78D8"/>
-                </a:solidFill>
-                <a:latin typeface="Calibri"/>
-                <a:ea typeface="Calibri"/>
-                <a:cs typeface="Calibri"/>
-                <a:sym typeface="Calibri"/>
-              </a:rPr>
-              <a:t>AI Competition Shifts from Models to Apps</a:t>
-            </a:r>
-            <a:endParaRPr sz="1500" b="1">
+              <a:rPr lang="en" sz="1700" b="1" i="1">
+                <a:solidFill>
+                  <a:srgbClr val="FF0000"/>
+                </a:solidFill>
+                <a:latin typeface="Calibri"/>
+                <a:ea typeface="Calibri"/>
+                <a:cs typeface="Calibri"/>
+                <a:sym typeface="Calibri"/>
+              </a:rPr>
+              <a:t>AI Competition Shifts</a:t>
+            </a:r>
+            <a:endParaRPr sz="1700" b="1" i="1">
               <a:solidFill>
-                <a:srgbClr val="3C78D8"/>
+                <a:srgbClr val="FF0000"/>
+              </a:solidFill>
+              <a:latin typeface="Calibri"/>
+              <a:ea typeface="Calibri"/>
+              <a:cs typeface="Calibri"/>
+              <a:sym typeface="Calibri"/>
+            </a:endParaRPr>
+          </a:p>
+          <a:p>
+            <a:pPr marL="0" marR="0" lvl="0" indent="0" algn="l" rtl="0">
+              <a:lnSpc>
+                <a:spcPct val="100000"/>
+              </a:lnSpc>
+              <a:spcBef>
+                <a:spcPts val="0"/>
+              </a:spcBef>
+              <a:spcAft>
+                <a:spcPts val="0"/>
+              </a:spcAft>
+              <a:buNone/>
+            </a:pPr>
+            <a:r>
+              <a:rPr lang="en" sz="1700" b="1" i="1">
+                <a:solidFill>
+                  <a:srgbClr val="FF0000"/>
+                </a:solidFill>
+                <a:latin typeface="Calibri"/>
+                <a:ea typeface="Calibri"/>
+                <a:cs typeface="Calibri"/>
+                <a:sym typeface="Calibri"/>
+              </a:rPr>
+              <a:t>from Models to Apps</a:t>
+            </a:r>
+            <a:endParaRPr sz="1700" b="1" i="1">
+              <a:solidFill>
+                <a:srgbClr val="FF0000"/>
               </a:solidFill>
               <a:latin typeface="Calibri"/>
               <a:ea typeface="Calibri"/>
@@ -13974,8 +14129,8 @@
         </p:nvSpPr>
         <p:spPr>
           <a:xfrm>
-            <a:off x="55075" y="540600"/>
-            <a:ext cx="4460700" cy="2511900"/>
+            <a:off x="55075" y="421675"/>
+            <a:ext cx="6059700" cy="1080600"/>
           </a:xfrm>
           <a:prstGeom prst="rect">
             <a:avLst/>
@@ -14106,7 +14261,7 @@
                 <a:cs typeface="Calibri"/>
                 <a:sym typeface="Calibri"/>
               </a:rPr>
-              <a:t>Book publishers can choose from 100+ AI-generated voices available in English, French, Spanish, and Italian, with multiple accents and dialect options</a:t>
+              <a:t>Book publishers can choose between multiple AI voices, languages, accents &amp; dialects</a:t>
             </a:r>
             <a:endParaRPr sz="1200">
               <a:solidFill>
@@ -14146,7 +14301,7 @@
                 <a:cs typeface="Calibri"/>
                 <a:sym typeface="Calibri"/>
               </a:rPr>
-              <a:t>Audible plans to roll out a beta version of AI translation later this year (text-to-text and speech-to-speech translation) - English, Spanish, French, Italian, and German. </a:t>
+              <a:t>Audible plans to roll out AI translation (English, Spanish, French, Italian, and German) </a:t>
             </a:r>
             <a:endParaRPr sz="1200">
               <a:solidFill>
@@ -14186,7 +14341,7 @@
                 <a:cs typeface="Calibri"/>
                 <a:sym typeface="Calibri"/>
               </a:rPr>
-              <a:t>Spotify, the second-largest audiobook provider after Audible, has also recently made efforts to expand its audiobook library by utilizing AI narration tools - partnered with ElevenLabs in February</a:t>
+              <a:t>Spotify partnered with ElevenLabs to deliver audio narration of books</a:t>
             </a:r>
             <a:endParaRPr sz="1200">
               <a:solidFill>
@@ -14253,16 +14408,55 @@
           </a:p>
         </p:txBody>
       </p:sp>
+      <p:pic>
+        <p:nvPicPr>
+          <p:cNvPr id="159" name="Google Shape;159;p24"/>
+          <p:cNvPicPr preferRelativeResize="0"/>
+          <p:nvPr/>
+        </p:nvPicPr>
+        <p:blipFill>
+          <a:blip r:embed="rId4" cstate="email">
+            <a:alphaModFix/>
+            <a:extLst>
+              <a:ext uri="{28A0092B-C50C-407E-A947-70E740481C1C}">
+                <a14:useLocalDpi xmlns:a14="http://schemas.microsoft.com/office/drawing/2010/main"/>
+              </a:ext>
+            </a:extLst>
+          </a:blip>
+          <a:stretch>
+            <a:fillRect/>
+          </a:stretch>
+        </p:blipFill>
+        <p:spPr>
+          <a:xfrm>
+            <a:off x="6232375" y="458964"/>
+            <a:ext cx="2469300" cy="1006011"/>
+          </a:xfrm>
+          <a:prstGeom prst="rect">
+            <a:avLst/>
+          </a:prstGeom>
+          <a:noFill/>
+          <a:ln w="9525" cap="flat" cmpd="sng">
+            <a:solidFill>
+              <a:srgbClr val="FF0000"/>
+            </a:solidFill>
+            <a:prstDash val="solid"/>
+            <a:round/>
+            <a:headEnd type="none" w="sm" len="sm"/>
+            <a:tailEnd type="none" w="sm" len="sm"/>
+          </a:ln>
+        </p:spPr>
+      </p:pic>
       <p:sp>
         <p:nvSpPr>
-          <p:cNvPr id="159" name="Google Shape;159;p24"/>
+          <p:cNvPr id="160" name="Google Shape;160;p24"/>
           <p:cNvSpPr txBox="1"/>
           <p:nvPr/>
         </p:nvSpPr>
         <p:spPr>
           <a:xfrm>
-            <a:off x="55075" y="3308975"/>
-            <a:ext cx="4460700" cy="7037400"/>
+            <a:off x="55075" y="1570950"/>
+            <a:ext cx="6059700" cy="1126800"/>
           </a:xfrm>
           <a:prstGeom prst="rect">
             <a:avLst/>
@@ -14297,27 +14491,27 @@
                 <a:spcPts val="0"/>
               </a:spcAft>
               <a:buClr>
-                <a:schemeClr val="dk1"/>
+                <a:srgbClr val="FF0000"/>
               </a:buClr>
               <a:buSzPts val="900"/>
               <a:buFont typeface="Calibri"/>
               <a:buChar char="●"/>
             </a:pPr>
             <a:r>
-              <a:rPr lang="en" sz="1200">
-                <a:solidFill>
-                  <a:schemeClr val="dk1"/>
-                </a:solidFill>
-                <a:latin typeface="Calibri"/>
-                <a:ea typeface="Calibri"/>
-                <a:cs typeface="Calibri"/>
-                <a:sym typeface="Calibri"/>
-              </a:rPr>
-              <a:t>Suna an open-source AI employee</a:t>
-            </a:r>
-            <a:endParaRPr sz="1200">
+              <a:rPr lang="en" sz="1200" b="1">
+                <a:solidFill>
+                  <a:srgbClr val="FF0000"/>
+                </a:solidFill>
+                <a:latin typeface="Calibri"/>
+                <a:ea typeface="Calibri"/>
+                <a:cs typeface="Calibri"/>
+                <a:sym typeface="Calibri"/>
+              </a:rPr>
+              <a:t>II-Medical-8B - reasoning LLM answers medical questions</a:t>
+            </a:r>
+            <a:endParaRPr sz="1200" b="1">
               <a:solidFill>
-                <a:schemeClr val="dk1"/>
+                <a:srgbClr val="FF0000"/>
               </a:solidFill>
               <a:latin typeface="Calibri"/>
               <a:ea typeface="Calibri"/>
@@ -14326,35 +14520,34 @@
             </a:endParaRPr>
           </a:p>
           <a:p>
-            <a:pPr marL="171450" marR="0" lvl="0" indent="-114300" algn="l" rtl="0">
-              <a:lnSpc>
-                <a:spcPct val="100000"/>
-              </a:lnSpc>
-              <a:spcBef>
-                <a:spcPts val="0"/>
-              </a:spcBef>
-              <a:spcAft>
-                <a:spcPts val="0"/>
-              </a:spcAft>
-              <a:buClr>
-                <a:schemeClr val="dk1"/>
-              </a:buClr>
-              <a:buSzPts val="900"/>
+            <a:pPr marL="171450" marR="0" lvl="0" indent="-133350" algn="l" rtl="0">
+              <a:lnSpc>
+                <a:spcPct val="100000"/>
+              </a:lnSpc>
+              <a:spcBef>
+                <a:spcPts val="0"/>
+              </a:spcBef>
+              <a:spcAft>
+                <a:spcPts val="0"/>
+              </a:spcAft>
+              <a:buClr>
+                <a:schemeClr val="dk1"/>
+              </a:buClr>
+              <a:buSzPts val="1200"/>
               <a:buFont typeface="Calibri"/>
               <a:buChar char="●"/>
             </a:pPr>
             <a:r>
-              <a:rPr lang="en" sz="1200" u="sng">
-                <a:solidFill>
-                  <a:schemeClr val="hlink"/>
-                </a:solidFill>
-                <a:latin typeface="Calibri"/>
-                <a:ea typeface="Calibri"/>
-                <a:cs typeface="Calibri"/>
-                <a:sym typeface="Calibri"/>
-                <a:hlinkClick r:id="rId4"/>
-              </a:rPr>
-              <a:t>https://www.suna.so</a:t>
+              <a:rPr lang="en" sz="1200">
+                <a:solidFill>
+                  <a:schemeClr val="dk1"/>
+                </a:solidFill>
+                <a:latin typeface="Calibri"/>
+                <a:ea typeface="Calibri"/>
+                <a:cs typeface="Calibri"/>
+                <a:sym typeface="Calibri"/>
+              </a:rPr>
+              <a:t>Trained on top of Qwen3-8B by Intelligent Internet </a:t>
             </a:r>
             <a:endParaRPr sz="1200">
               <a:solidFill>
@@ -14367,35 +14560,34 @@
             </a:endParaRPr>
           </a:p>
           <a:p>
-            <a:pPr marL="171450" marR="0" lvl="0" indent="-114300" algn="l" rtl="0">
-              <a:lnSpc>
-                <a:spcPct val="100000"/>
-              </a:lnSpc>
-              <a:spcBef>
-                <a:spcPts val="0"/>
-              </a:spcBef>
-              <a:spcAft>
-                <a:spcPts val="0"/>
-              </a:spcAft>
-              <a:buClr>
-                <a:schemeClr val="dk1"/>
-              </a:buClr>
-              <a:buSzPts val="900"/>
+            <a:pPr marL="171450" marR="0" lvl="0" indent="-133350" algn="l" rtl="0">
+              <a:lnSpc>
+                <a:spcPct val="100000"/>
+              </a:lnSpc>
+              <a:spcBef>
+                <a:spcPts val="0"/>
+              </a:spcBef>
+              <a:spcAft>
+                <a:spcPts val="0"/>
+              </a:spcAft>
+              <a:buClr>
+                <a:schemeClr val="dk1"/>
+              </a:buClr>
+              <a:buSzPts val="1200"/>
               <a:buFont typeface="Calibri"/>
               <a:buChar char="●"/>
             </a:pPr>
             <a:r>
-              <a:rPr lang="en" sz="1200" u="sng">
-                <a:solidFill>
-                  <a:schemeClr val="hlink"/>
-                </a:solidFill>
-                <a:latin typeface="Calibri"/>
-                <a:ea typeface="Calibri"/>
-                <a:cs typeface="Calibri"/>
-                <a:sym typeface="Calibri"/>
-                <a:hlinkClick r:id="rId5"/>
-              </a:rPr>
-              <a:t>https://github.com/kortix-ai/suna</a:t>
+              <a:rPr lang="en" sz="1200">
+                <a:solidFill>
+                  <a:schemeClr val="dk1"/>
+                </a:solidFill>
+                <a:latin typeface="Calibri"/>
+                <a:ea typeface="Calibri"/>
+                <a:cs typeface="Calibri"/>
+                <a:sym typeface="Calibri"/>
+              </a:rPr>
+              <a:t>Achieved high scores on medical benchmarks</a:t>
             </a:r>
             <a:endParaRPr sz="1200">
               <a:solidFill>
@@ -14408,35 +14600,34 @@
             </a:endParaRPr>
           </a:p>
           <a:p>
-            <a:pPr marL="171450" marR="0" lvl="0" indent="-114300" algn="l" rtl="0">
-              <a:lnSpc>
-                <a:spcPct val="100000"/>
-              </a:lnSpc>
-              <a:spcBef>
-                <a:spcPts val="0"/>
-              </a:spcBef>
-              <a:spcAft>
-                <a:spcPts val="0"/>
-              </a:spcAft>
-              <a:buClr>
-                <a:schemeClr val="dk1"/>
-              </a:buClr>
-              <a:buSzPts val="900"/>
+            <a:pPr marL="171450" marR="0" lvl="0" indent="-133350" algn="l" rtl="0">
+              <a:lnSpc>
+                <a:spcPct val="100000"/>
+              </a:lnSpc>
+              <a:spcBef>
+                <a:spcPts val="0"/>
+              </a:spcBef>
+              <a:spcAft>
+                <a:spcPts val="0"/>
+              </a:spcAft>
+              <a:buClr>
+                <a:schemeClr val="dk1"/>
+              </a:buClr>
+              <a:buSzPts val="1200"/>
               <a:buFont typeface="Calibri"/>
               <a:buChar char="●"/>
             </a:pPr>
             <a:r>
-              <a:rPr lang="en" sz="1200" u="sng">
-                <a:solidFill>
-                  <a:schemeClr val="hlink"/>
-                </a:solidFill>
-                <a:latin typeface="Calibri"/>
-                <a:ea typeface="Calibri"/>
-                <a:cs typeface="Calibri"/>
-                <a:sym typeface="Calibri"/>
-                <a:hlinkClick r:id="rId6"/>
-              </a:rPr>
-              <a:t>https://huggingface.co/blog/lynn-mikami/suno-ai</a:t>
+              <a:rPr lang="en" sz="1200">
+                <a:solidFill>
+                  <a:schemeClr val="dk1"/>
+                </a:solidFill>
+                <a:latin typeface="Calibri"/>
+                <a:ea typeface="Calibri"/>
+                <a:cs typeface="Calibri"/>
+                <a:sym typeface="Calibri"/>
+              </a:rPr>
+              <a:t>Context length 16K</a:t>
             </a:r>
             <a:endParaRPr sz="1200">
               <a:solidFill>
@@ -14449,20 +14640,20 @@
             </a:endParaRPr>
           </a:p>
           <a:p>
-            <a:pPr marL="171450" marR="0" lvl="0" indent="-114300" algn="l" rtl="0">
-              <a:lnSpc>
-                <a:spcPct val="100000"/>
-              </a:lnSpc>
-              <a:spcBef>
-                <a:spcPts val="0"/>
-              </a:spcBef>
-              <a:spcAft>
-                <a:spcPts val="0"/>
-              </a:spcAft>
-              <a:buClr>
-                <a:schemeClr val="dk1"/>
-              </a:buClr>
-              <a:buSzPts val="900"/>
+            <a:pPr marL="171450" marR="0" lvl="0" indent="-133350" algn="l" rtl="0">
+              <a:lnSpc>
+                <a:spcPct val="100000"/>
+              </a:lnSpc>
+              <a:spcBef>
+                <a:spcPts val="0"/>
+              </a:spcBef>
+              <a:spcAft>
+                <a:spcPts val="0"/>
+              </a:spcAft>
+              <a:buClr>
+                <a:schemeClr val="dk1"/>
+              </a:buClr>
+              <a:buSzPts val="1200"/>
               <a:buFont typeface="Calibri"/>
               <a:buChar char="●"/>
             </a:pPr>
@@ -14476,7 +14667,7 @@
                 <a:cs typeface="Calibri"/>
                 <a:sym typeface="Calibri"/>
               </a:rPr>
-              <a:t> AI agent that is competing directly with Manus AI. Suna was developed by Kortix AI, is designed to perform real-world tasks with a level of autonomy that mimics human behavior. Launched with impressive traction, including 280,000 views on X and 2.8K stars on GitHub, this AI can reason, plan, and take action across various domains. Suna can interact with virtual systems, write files, execute code, browse the internet, just like Manus AI.</a:t>
+              <a:t>Not intended or certified for real-world medical or clinical decision-making</a:t>
             </a:r>
             <a:endParaRPr sz="1200">
               <a:solidFill>
@@ -14489,23 +14680,48 @@
             </a:endParaRPr>
           </a:p>
           <a:p>
-            <a:pPr marL="171450" marR="0" lvl="0" indent="-114300" algn="l" rtl="0">
-              <a:lnSpc>
-                <a:spcPct val="100000"/>
-              </a:lnSpc>
-              <a:spcBef>
-                <a:spcPts val="0"/>
-              </a:spcBef>
-              <a:spcAft>
-                <a:spcPts val="0"/>
-              </a:spcAft>
-              <a:buClr>
-                <a:schemeClr val="dk1"/>
-              </a:buClr>
-              <a:buSzPts val="900"/>
+            <a:pPr marL="171450" marR="0" lvl="0" indent="-133350" algn="l" rtl="0">
+              <a:lnSpc>
+                <a:spcPct val="100000"/>
+              </a:lnSpc>
+              <a:spcBef>
+                <a:spcPts val="0"/>
+              </a:spcBef>
+              <a:spcAft>
+                <a:spcPts val="0"/>
+              </a:spcAft>
+              <a:buClr>
+                <a:schemeClr val="dk1"/>
+              </a:buClr>
+              <a:buSzPts val="1200"/>
               <a:buFont typeface="Calibri"/>
               <a:buChar char="●"/>
             </a:pPr>
+            <a:r>
+              <a:rPr lang="en" sz="1200" u="sng">
+                <a:solidFill>
+                  <a:schemeClr val="hlink"/>
+                </a:solidFill>
+                <a:latin typeface="Calibri"/>
+                <a:ea typeface="Calibri"/>
+                <a:cs typeface="Calibri"/>
+                <a:sym typeface="Calibri"/>
+                <a:hlinkClick r:id="rId5"/>
+              </a:rPr>
+              <a:t>https://huggingface.co/Intelligent-Internet/II-Medical-8B</a:t>
+            </a:r>
+            <a:r>
+              <a:rPr lang="en" sz="1200">
+                <a:solidFill>
+                  <a:schemeClr val="dk1"/>
+                </a:solidFill>
+                <a:latin typeface="Calibri"/>
+                <a:ea typeface="Calibri"/>
+                <a:cs typeface="Calibri"/>
+                <a:sym typeface="Calibri"/>
+              </a:rPr>
+              <a:t> </a:t>
+            </a:r>
             <a:endParaRPr sz="1200">
               <a:solidFill>
                 <a:schemeClr val="dk1"/>
@@ -14516,260 +14732,16 @@
               <a:sym typeface="Calibri"/>
             </a:endParaRPr>
           </a:p>
-          <a:p>
-            <a:pPr marL="171450" marR="0" lvl="0" indent="-114300" algn="l" rtl="0">
-              <a:lnSpc>
-                <a:spcPct val="100000"/>
-              </a:lnSpc>
-              <a:spcBef>
-                <a:spcPts val="0"/>
-              </a:spcBef>
-              <a:spcAft>
-                <a:spcPts val="0"/>
-              </a:spcAft>
-              <a:buClr>
-                <a:schemeClr val="dk1"/>
-              </a:buClr>
-              <a:buSzPts val="900"/>
-              <a:buFont typeface="Calibri"/>
-              <a:buChar char="●"/>
-            </a:pPr>
-            <a:r>
-              <a:rPr lang="en" sz="1200">
-                <a:solidFill>
-                  <a:schemeClr val="dk1"/>
-                </a:solidFill>
-                <a:latin typeface="Calibri"/>
-                <a:ea typeface="Calibri"/>
-                <a:cs typeface="Calibri"/>
-                <a:sym typeface="Calibri"/>
-              </a:rPr>
-              <a:t>One notable feature is its ability to handle complex tasks such as enhancing B2B lead spreadsheets by gathering data from LinkedIn, or conducting research on financial topics like stock performance and market analysis. These tasks are carried out through an AI interface that plans and executes steps in a methodical sequence, ensuring an efficient completion of tasks without manual intervention.</a:t>
-            </a:r>
-            <a:endParaRPr sz="1200">
-              <a:solidFill>
-                <a:schemeClr val="dk1"/>
-              </a:solidFill>
-              <a:latin typeface="Calibri"/>
-              <a:ea typeface="Calibri"/>
-              <a:cs typeface="Calibri"/>
-              <a:sym typeface="Calibri"/>
-            </a:endParaRPr>
-          </a:p>
-          <a:p>
-            <a:pPr marL="171450" marR="0" lvl="0" indent="-114300" algn="l" rtl="0">
-              <a:lnSpc>
-                <a:spcPct val="100000"/>
-              </a:lnSpc>
-              <a:spcBef>
-                <a:spcPts val="0"/>
-              </a:spcBef>
-              <a:spcAft>
-                <a:spcPts val="0"/>
-              </a:spcAft>
-              <a:buClr>
-                <a:schemeClr val="dk1"/>
-              </a:buClr>
-              <a:buSzPts val="900"/>
-              <a:buFont typeface="Calibri"/>
-              <a:buChar char="●"/>
-            </a:pPr>
-            <a:endParaRPr sz="1200">
-              <a:solidFill>
-                <a:schemeClr val="dk1"/>
-              </a:solidFill>
-              <a:latin typeface="Calibri"/>
-              <a:ea typeface="Calibri"/>
-              <a:cs typeface="Calibri"/>
-              <a:sym typeface="Calibri"/>
-            </a:endParaRPr>
-          </a:p>
-          <a:p>
-            <a:pPr marL="171450" marR="0" lvl="0" indent="-114300" algn="l" rtl="0">
-              <a:lnSpc>
-                <a:spcPct val="100000"/>
-              </a:lnSpc>
-              <a:spcBef>
-                <a:spcPts val="0"/>
-              </a:spcBef>
-              <a:spcAft>
-                <a:spcPts val="0"/>
-              </a:spcAft>
-              <a:buClr>
-                <a:schemeClr val="dk1"/>
-              </a:buClr>
-              <a:buSzPts val="900"/>
-              <a:buFont typeface="Calibri"/>
-              <a:buChar char="●"/>
-            </a:pPr>
-            <a:r>
-              <a:rPr lang="en" sz="1200">
-                <a:solidFill>
-                  <a:schemeClr val="dk1"/>
-                </a:solidFill>
-                <a:latin typeface="Calibri"/>
-                <a:ea typeface="Calibri"/>
-                <a:cs typeface="Calibri"/>
-                <a:sym typeface="Calibri"/>
-              </a:rPr>
-              <a:t>However, Suna's capabilities also highlight areas for improvement, such as requiring occasional user input to resolve obstacles, as seen in instances where the AI fails to complete tasks without assistance. While impressive in its ability to handle specific research tasks autonomously, the AI still requires human intervention in certain scenarios, particularly when navigating unfamiliar challenges.</a:t>
-            </a:r>
-            <a:endParaRPr sz="1200">
-              <a:solidFill>
-                <a:schemeClr val="dk1"/>
-              </a:solidFill>
-              <a:latin typeface="Calibri"/>
-              <a:ea typeface="Calibri"/>
-              <a:cs typeface="Calibri"/>
-              <a:sym typeface="Calibri"/>
-            </a:endParaRPr>
-          </a:p>
-          <a:p>
-            <a:pPr marL="171450" marR="0" lvl="0" indent="-114300" algn="l" rtl="0">
-              <a:lnSpc>
-                <a:spcPct val="100000"/>
-              </a:lnSpc>
-              <a:spcBef>
-                <a:spcPts val="0"/>
-              </a:spcBef>
-              <a:spcAft>
-                <a:spcPts val="0"/>
-              </a:spcAft>
-              <a:buClr>
-                <a:schemeClr val="dk1"/>
-              </a:buClr>
-              <a:buSzPts val="900"/>
-              <a:buFont typeface="Calibri"/>
-              <a:buChar char="●"/>
-            </a:pPr>
-            <a:endParaRPr sz="1200">
-              <a:solidFill>
-                <a:schemeClr val="dk1"/>
-              </a:solidFill>
-              <a:latin typeface="Calibri"/>
-              <a:ea typeface="Calibri"/>
-              <a:cs typeface="Calibri"/>
-              <a:sym typeface="Calibri"/>
-            </a:endParaRPr>
-          </a:p>
-          <a:p>
-            <a:pPr marL="171450" marR="0" lvl="0" indent="-114300" algn="l" rtl="0">
-              <a:lnSpc>
-                <a:spcPct val="100000"/>
-              </a:lnSpc>
-              <a:spcBef>
-                <a:spcPts val="0"/>
-              </a:spcBef>
-              <a:spcAft>
-                <a:spcPts val="0"/>
-              </a:spcAft>
-              <a:buClr>
-                <a:schemeClr val="dk1"/>
-              </a:buClr>
-              <a:buSzPts val="900"/>
-              <a:buFont typeface="Calibri"/>
-              <a:buChar char="●"/>
-            </a:pPr>
-            <a:r>
-              <a:rPr lang="en" sz="1200">
-                <a:solidFill>
-                  <a:schemeClr val="dk1"/>
-                </a:solidFill>
-                <a:latin typeface="Calibri"/>
-                <a:ea typeface="Calibri"/>
-                <a:cs typeface="Calibri"/>
-                <a:sym typeface="Calibri"/>
-              </a:rPr>
-              <a:t>Kortix AI offers Suna both as a self-hosted solution and a cloud-hosted service, priced at $29 per month for professionals and $199 for small teams, with the higher-tier plan offering 40 hours of AI usage. This open-source approach allows users to host Suna on their own infrastructure, providing a more cost-effective alternative to the cloud service offered by Manus AI.</a:t>
-            </a:r>
-            <a:endParaRPr sz="1200">
-              <a:solidFill>
-                <a:schemeClr val="dk1"/>
-              </a:solidFill>
-              <a:latin typeface="Calibri"/>
-              <a:ea typeface="Calibri"/>
-              <a:cs typeface="Calibri"/>
-              <a:sym typeface="Calibri"/>
-            </a:endParaRPr>
-          </a:p>
-          <a:p>
-            <a:pPr marL="171450" marR="0" lvl="0" indent="-114300" algn="l" rtl="0">
-              <a:lnSpc>
-                <a:spcPct val="100000"/>
-              </a:lnSpc>
-              <a:spcBef>
-                <a:spcPts val="0"/>
-              </a:spcBef>
-              <a:spcAft>
-                <a:spcPts val="0"/>
-              </a:spcAft>
-              <a:buClr>
-                <a:schemeClr val="dk1"/>
-              </a:buClr>
-              <a:buSzPts val="900"/>
-              <a:buFont typeface="Calibri"/>
-              <a:buChar char="●"/>
-            </a:pPr>
-            <a:endParaRPr sz="1200">
-              <a:solidFill>
-                <a:schemeClr val="dk1"/>
-              </a:solidFill>
-              <a:latin typeface="Calibri"/>
-              <a:ea typeface="Calibri"/>
-              <a:cs typeface="Calibri"/>
-              <a:sym typeface="Calibri"/>
-            </a:endParaRPr>
-          </a:p>
-          <a:p>
-            <a:pPr marL="171450" marR="0" lvl="0" indent="-114300" algn="l" rtl="0">
-              <a:lnSpc>
-                <a:spcPct val="100000"/>
-              </a:lnSpc>
-              <a:spcBef>
-                <a:spcPts val="0"/>
-              </a:spcBef>
-              <a:spcAft>
-                <a:spcPts val="0"/>
-              </a:spcAft>
-              <a:buClr>
-                <a:schemeClr val="dk1"/>
-              </a:buClr>
-              <a:buSzPts val="900"/>
-              <a:buFont typeface="Calibri"/>
-              <a:buChar char="●"/>
-            </a:pPr>
-            <a:r>
-              <a:rPr lang="en" sz="1200">
-                <a:solidFill>
-                  <a:schemeClr val="dk1"/>
-                </a:solidFill>
-                <a:latin typeface="Calibri"/>
-                <a:ea typeface="Calibri"/>
-                <a:cs typeface="Calibri"/>
-                <a:sym typeface="Calibri"/>
-              </a:rPr>
-              <a:t>Despite some limitations, Suna represents a significant step in the development of general-purpose AI agents, offering a glimpse into a future where AI could serve as a highly capable digital assistant, tackling a broad range of tasks without constant human oversight.</a:t>
-            </a:r>
-            <a:endParaRPr sz="1200">
-              <a:solidFill>
-                <a:schemeClr val="dk1"/>
-              </a:solidFill>
-              <a:latin typeface="Calibri"/>
-              <a:ea typeface="Calibri"/>
-              <a:cs typeface="Calibri"/>
-              <a:sym typeface="Calibri"/>
-            </a:endParaRPr>
-          </a:p>
         </p:txBody>
       </p:sp>
       <p:pic>
         <p:nvPicPr>
-          <p:cNvPr id="160" name="Google Shape;160;p24"/>
+          <p:cNvPr id="161" name="Google Shape;161;p24"/>
           <p:cNvPicPr preferRelativeResize="0"/>
           <p:nvPr/>
         </p:nvPicPr>
         <p:blipFill>
-          <a:blip r:embed="rId7" cstate="email">
+          <a:blip r:embed="rId6" cstate="email">
             <a:alphaModFix/>
             <a:extLst>
               <a:ext uri="{28A0092B-C50C-407E-A947-70E740481C1C}">
@@ -14783,8 +14755,8 @@
         </p:blipFill>
         <p:spPr>
           <a:xfrm>
-            <a:off x="5038618" y="1773800"/>
-            <a:ext cx="1190200" cy="817426"/>
+            <a:off x="6175125" y="1521400"/>
+            <a:ext cx="2241085" cy="1176351"/>
           </a:xfrm>
           <a:prstGeom prst="rect">
             <a:avLst/>
@@ -14801,9 +14773,244 @@
           </a:ln>
         </p:spPr>
       </p:pic>
+      <p:sp>
+        <p:nvSpPr>
+          <p:cNvPr id="162" name="Google Shape;162;p24"/>
+          <p:cNvSpPr txBox="1"/>
+          <p:nvPr/>
+        </p:nvSpPr>
+        <p:spPr>
+          <a:xfrm>
+            <a:off x="55075" y="2790150"/>
+            <a:ext cx="6059700" cy="942000"/>
+          </a:xfrm>
+          <a:prstGeom prst="rect">
+            <a:avLst/>
+          </a:prstGeom>
+          <a:solidFill>
+            <a:srgbClr val="FFF2CC"/>
+          </a:solidFill>
+          <a:ln w="9525" cap="flat" cmpd="sng">
+            <a:solidFill>
+              <a:srgbClr val="FF0000"/>
+            </a:solidFill>
+            <a:prstDash val="solid"/>
+            <a:round/>
+            <a:headEnd type="none" w="sm" len="sm"/>
+            <a:tailEnd type="none" w="sm" len="sm"/>
+          </a:ln>
+        </p:spPr>
+        <p:txBody>
+          <a:bodyPr spcFirstLastPara="1" wrap="square" lIns="9125" tIns="9125" rIns="9125" bIns="9125" anchor="t" anchorCtr="0">
+            <a:spAutoFit/>
+          </a:bodyPr>
+          <a:lstStyle/>
+          <a:p>
+            <a:pPr marL="171450" marR="0" lvl="0" indent="-133350" algn="l" rtl="0">
+              <a:lnSpc>
+                <a:spcPct val="100000"/>
+              </a:lnSpc>
+              <a:spcBef>
+                <a:spcPts val="0"/>
+              </a:spcBef>
+              <a:spcAft>
+                <a:spcPts val="0"/>
+              </a:spcAft>
+              <a:buClr>
+                <a:srgbClr val="FF0000"/>
+              </a:buClr>
+              <a:buSzPts val="1200"/>
+              <a:buFont typeface="Calibri"/>
+              <a:buChar char="●"/>
+            </a:pPr>
+            <a:r>
+              <a:rPr lang="en" sz="1200" b="1">
+                <a:solidFill>
+                  <a:srgbClr val="FF0000"/>
+                </a:solidFill>
+                <a:latin typeface="Calibri"/>
+                <a:ea typeface="Calibri"/>
+                <a:cs typeface="Calibri"/>
+                <a:sym typeface="Calibri"/>
+              </a:rPr>
+              <a:t>Windsurf SWE-1 Family of models</a:t>
+            </a:r>
+            <a:endParaRPr sz="1200" b="1">
+              <a:solidFill>
+                <a:srgbClr val="FF0000"/>
+              </a:solidFill>
+              <a:latin typeface="Calibri"/>
+              <a:ea typeface="Calibri"/>
+              <a:cs typeface="Calibri"/>
+              <a:sym typeface="Calibri"/>
+            </a:endParaRPr>
+          </a:p>
+          <a:p>
+            <a:pPr marL="171450" marR="0" lvl="0" indent="-133350" algn="l" rtl="0">
+              <a:lnSpc>
+                <a:spcPct val="100000"/>
+              </a:lnSpc>
+              <a:spcBef>
+                <a:spcPts val="0"/>
+              </a:spcBef>
+              <a:spcAft>
+                <a:spcPts val="0"/>
+              </a:spcAft>
+              <a:buClr>
+                <a:schemeClr val="dk1"/>
+              </a:buClr>
+              <a:buSzPts val="1200"/>
+              <a:buFont typeface="Calibri"/>
+              <a:buChar char="●"/>
+            </a:pPr>
+            <a:r>
+              <a:rPr lang="en" sz="1200">
+                <a:solidFill>
+                  <a:schemeClr val="dk1"/>
+                </a:solidFill>
+                <a:latin typeface="Calibri"/>
+                <a:ea typeface="Calibri"/>
+                <a:cs typeface="Calibri"/>
+                <a:sym typeface="Calibri"/>
+              </a:rPr>
+              <a:t>Proprietary - SWE-1, SWE-1-lite, SWE-1-mini</a:t>
+            </a:r>
+            <a:endParaRPr sz="1200">
+              <a:solidFill>
+                <a:schemeClr val="dk1"/>
+              </a:solidFill>
+              <a:latin typeface="Calibri"/>
+              <a:ea typeface="Calibri"/>
+              <a:cs typeface="Calibri"/>
+              <a:sym typeface="Calibri"/>
+            </a:endParaRPr>
+          </a:p>
+          <a:p>
+            <a:pPr marL="171450" marR="0" lvl="0" indent="-133350" algn="l" rtl="0">
+              <a:lnSpc>
+                <a:spcPct val="100000"/>
+              </a:lnSpc>
+              <a:spcBef>
+                <a:spcPts val="0"/>
+              </a:spcBef>
+              <a:spcAft>
+                <a:spcPts val="0"/>
+              </a:spcAft>
+              <a:buClr>
+                <a:schemeClr val="dk1"/>
+              </a:buClr>
+              <a:buSzPts val="1200"/>
+              <a:buFont typeface="Calibri"/>
+              <a:buChar char="●"/>
+            </a:pPr>
+            <a:r>
+              <a:rPr lang="en" sz="1200">
+                <a:solidFill>
+                  <a:schemeClr val="dk1"/>
+                </a:solidFill>
+                <a:latin typeface="Calibri"/>
+                <a:ea typeface="Calibri"/>
+                <a:cs typeface="Calibri"/>
+                <a:sym typeface="Calibri"/>
+              </a:rPr>
+              <a:t>flow awareness, the ability for humans and AI to operate on a shared timeline</a:t>
+            </a:r>
+            <a:endParaRPr sz="1200">
+              <a:solidFill>
+                <a:schemeClr val="dk1"/>
+              </a:solidFill>
+              <a:latin typeface="Calibri"/>
+              <a:ea typeface="Calibri"/>
+              <a:cs typeface="Calibri"/>
+              <a:sym typeface="Calibri"/>
+            </a:endParaRPr>
+          </a:p>
+          <a:p>
+            <a:pPr marL="171450" marR="0" lvl="0" indent="-133350" algn="l" rtl="0">
+              <a:lnSpc>
+                <a:spcPct val="100000"/>
+              </a:lnSpc>
+              <a:spcBef>
+                <a:spcPts val="0"/>
+              </a:spcBef>
+              <a:spcAft>
+                <a:spcPts val="0"/>
+              </a:spcAft>
+              <a:buClr>
+                <a:schemeClr val="dk1"/>
+              </a:buClr>
+              <a:buSzPts val="1200"/>
+              <a:buFont typeface="Calibri"/>
+              <a:buChar char="●"/>
+            </a:pPr>
+            <a:r>
+              <a:rPr lang="en" sz="1200">
+                <a:solidFill>
+                  <a:schemeClr val="dk1"/>
+                </a:solidFill>
+                <a:latin typeface="Calibri"/>
+                <a:ea typeface="Calibri"/>
+                <a:cs typeface="Calibri"/>
+                <a:sym typeface="Calibri"/>
+              </a:rPr>
+              <a:t>Good, but behind Claude 3.7</a:t>
+            </a:r>
+            <a:endParaRPr sz="1200">
+              <a:solidFill>
+                <a:schemeClr val="dk1"/>
+              </a:solidFill>
+              <a:latin typeface="Calibri"/>
+              <a:ea typeface="Calibri"/>
+              <a:cs typeface="Calibri"/>
+              <a:sym typeface="Calibri"/>
+            </a:endParaRPr>
+          </a:p>
+          <a:p>
+            <a:pPr marL="171450" marR="0" lvl="0" indent="-133350" algn="l" rtl="0">
+              <a:lnSpc>
+                <a:spcPct val="100000"/>
+              </a:lnSpc>
+              <a:spcBef>
+                <a:spcPts val="0"/>
+              </a:spcBef>
+              <a:spcAft>
+                <a:spcPts val="0"/>
+              </a:spcAft>
+              <a:buClr>
+                <a:schemeClr val="dk1"/>
+              </a:buClr>
+              <a:buSzPts val="1200"/>
+              <a:buFont typeface="Calibri"/>
+              <a:buChar char="●"/>
+            </a:pPr>
+            <a:r>
+              <a:rPr lang="en" sz="1200" u="sng">
+                <a:solidFill>
+                  <a:schemeClr val="hlink"/>
+                </a:solidFill>
+                <a:latin typeface="Calibri"/>
+                <a:ea typeface="Calibri"/>
+                <a:cs typeface="Calibri"/>
+                <a:sym typeface="Calibri"/>
+                <a:hlinkClick r:id="rId7"/>
+              </a:rPr>
+              <a:t>https://windsurf.com/blog/windsurf-wave-9-swe-1</a:t>
+            </a:r>
+            <a:endParaRPr sz="1200">
+              <a:solidFill>
+                <a:schemeClr val="dk1"/>
+              </a:solidFill>
+              <a:latin typeface="Calibri"/>
+              <a:ea typeface="Calibri"/>
+              <a:cs typeface="Calibri"/>
+              <a:sym typeface="Calibri"/>
+            </a:endParaRPr>
+          </a:p>
+        </p:txBody>
+      </p:sp>
       <p:pic>
         <p:nvPicPr>
-          <p:cNvPr id="161" name="Google Shape;161;p24"/>
+          <p:cNvPr id="163" name="Google Shape;163;p24"/>
           <p:cNvPicPr preferRelativeResize="0"/>
           <p:nvPr/>
         </p:nvPicPr>
@@ -14822,8 +15029,254 @@
         </p:blipFill>
         <p:spPr>
           <a:xfrm>
-            <a:off x="4678650" y="540589"/>
-            <a:ext cx="2469300" cy="1006011"/>
+            <a:off x="6175125" y="2779525"/>
+            <a:ext cx="1675605" cy="942000"/>
+          </a:xfrm>
+          <a:prstGeom prst="rect">
+            <a:avLst/>
+          </a:prstGeom>
+          <a:noFill/>
+          <a:ln w="9525" cap="flat" cmpd="sng">
+            <a:solidFill>
+              <a:srgbClr val="FF0000"/>
+            </a:solidFill>
+            <a:prstDash val="solid"/>
+            <a:round/>
+            <a:headEnd type="none" w="sm" len="sm"/>
+            <a:tailEnd type="none" w="sm" len="sm"/>
+          </a:ln>
+        </p:spPr>
+      </p:pic>
+      <p:sp>
+        <p:nvSpPr>
+          <p:cNvPr id="164" name="Google Shape;164;p24"/>
+          <p:cNvSpPr txBox="1"/>
+          <p:nvPr/>
+        </p:nvSpPr>
+        <p:spPr>
+          <a:xfrm>
+            <a:off x="55075" y="3780750"/>
+            <a:ext cx="6059700" cy="757200"/>
+          </a:xfrm>
+          <a:prstGeom prst="rect">
+            <a:avLst/>
+          </a:prstGeom>
+          <a:solidFill>
+            <a:srgbClr val="FFF2CC"/>
+          </a:solidFill>
+          <a:ln w="9525" cap="flat" cmpd="sng">
+            <a:solidFill>
+              <a:srgbClr val="FF0000"/>
+            </a:solidFill>
+            <a:prstDash val="solid"/>
+            <a:round/>
+            <a:headEnd type="none" w="sm" len="sm"/>
+            <a:tailEnd type="none" w="sm" len="sm"/>
+          </a:ln>
+        </p:spPr>
+        <p:txBody>
+          <a:bodyPr spcFirstLastPara="1" wrap="square" lIns="9125" tIns="9125" rIns="9125" bIns="9125" anchor="t" anchorCtr="0">
+            <a:spAutoFit/>
+          </a:bodyPr>
+          <a:lstStyle/>
+          <a:p>
+            <a:pPr marL="171450" marR="0" lvl="0" indent="-133350" algn="l" rtl="0">
+              <a:lnSpc>
+                <a:spcPct val="100000"/>
+              </a:lnSpc>
+              <a:spcBef>
+                <a:spcPts val="0"/>
+              </a:spcBef>
+              <a:spcAft>
+                <a:spcPts val="0"/>
+              </a:spcAft>
+              <a:buClr>
+                <a:srgbClr val="FF0000"/>
+              </a:buClr>
+              <a:buSzPts val="1200"/>
+              <a:buFont typeface="Calibri"/>
+              <a:buChar char="●"/>
+            </a:pPr>
+            <a:r>
+              <a:rPr lang="en" sz="1200" b="1">
+                <a:solidFill>
+                  <a:srgbClr val="FF0000"/>
+                </a:solidFill>
+                <a:latin typeface="Calibri"/>
+                <a:ea typeface="Calibri"/>
+                <a:cs typeface="Calibri"/>
+                <a:sym typeface="Calibri"/>
+              </a:rPr>
+              <a:t>LLMS Get Lost in Multi-Turn Conversations</a:t>
+            </a:r>
+            <a:endParaRPr sz="1200" b="1">
+              <a:solidFill>
+                <a:srgbClr val="FF0000"/>
+              </a:solidFill>
+              <a:latin typeface="Calibri"/>
+              <a:ea typeface="Calibri"/>
+              <a:cs typeface="Calibri"/>
+              <a:sym typeface="Calibri"/>
+            </a:endParaRPr>
+          </a:p>
+          <a:p>
+            <a:pPr marL="171450" marR="0" lvl="0" indent="-133350" algn="l" rtl="0">
+              <a:lnSpc>
+                <a:spcPct val="100000"/>
+              </a:lnSpc>
+              <a:spcBef>
+                <a:spcPts val="0"/>
+              </a:spcBef>
+              <a:spcAft>
+                <a:spcPts val="0"/>
+              </a:spcAft>
+              <a:buClr>
+                <a:schemeClr val="dk1"/>
+              </a:buClr>
+              <a:buSzPts val="1200"/>
+              <a:buFont typeface="Calibri"/>
+              <a:buChar char="●"/>
+            </a:pPr>
+            <a:r>
+              <a:rPr lang="en" sz="1200">
+                <a:solidFill>
+                  <a:schemeClr val="dk1"/>
+                </a:solidFill>
+                <a:latin typeface="Calibri"/>
+                <a:ea typeface="Calibri"/>
+                <a:cs typeface="Calibri"/>
+                <a:sym typeface="Calibri"/>
+              </a:rPr>
+              <a:t>In multi-turn conversations the success drops from 90% down to 60%</a:t>
+            </a:r>
+            <a:endParaRPr sz="1200">
+              <a:solidFill>
+                <a:schemeClr val="dk1"/>
+              </a:solidFill>
+              <a:latin typeface="Calibri"/>
+              <a:ea typeface="Calibri"/>
+              <a:cs typeface="Calibri"/>
+              <a:sym typeface="Calibri"/>
+            </a:endParaRPr>
+          </a:p>
+          <a:p>
+            <a:pPr marL="171450" marR="0" lvl="0" indent="-133350" algn="l" rtl="0">
+              <a:lnSpc>
+                <a:spcPct val="100000"/>
+              </a:lnSpc>
+              <a:spcBef>
+                <a:spcPts val="0"/>
+              </a:spcBef>
+              <a:spcAft>
+                <a:spcPts val="0"/>
+              </a:spcAft>
+              <a:buClr>
+                <a:schemeClr val="dk1"/>
+              </a:buClr>
+              <a:buSzPts val="1200"/>
+              <a:buFont typeface="Calibri"/>
+              <a:buChar char="●"/>
+            </a:pPr>
+            <a:r>
+              <a:rPr lang="en" sz="1200">
+                <a:solidFill>
+                  <a:schemeClr val="dk1"/>
+                </a:solidFill>
+                <a:latin typeface="Calibri"/>
+                <a:ea typeface="Calibri"/>
+                <a:cs typeface="Calibri"/>
+                <a:sym typeface="Calibri"/>
+              </a:rPr>
+              <a:t>major gap between how LLMs are typically evaluated versus how they're often used</a:t>
+            </a:r>
+            <a:endParaRPr sz="1200">
+              <a:solidFill>
+                <a:schemeClr val="dk1"/>
+              </a:solidFill>
+              <a:latin typeface="Calibri"/>
+              <a:ea typeface="Calibri"/>
+              <a:cs typeface="Calibri"/>
+              <a:sym typeface="Calibri"/>
+            </a:endParaRPr>
+          </a:p>
+          <a:p>
+            <a:pPr marL="171450" marR="0" lvl="0" indent="-133350" algn="l" rtl="0">
+              <a:lnSpc>
+                <a:spcPct val="100000"/>
+              </a:lnSpc>
+              <a:spcBef>
+                <a:spcPts val="0"/>
+              </a:spcBef>
+              <a:spcAft>
+                <a:spcPts val="0"/>
+              </a:spcAft>
+              <a:buClr>
+                <a:schemeClr val="dk1"/>
+              </a:buClr>
+              <a:buSzPts val="1200"/>
+              <a:buFont typeface="Calibri"/>
+              <a:buChar char="●"/>
+            </a:pPr>
+            <a:r>
+              <a:rPr lang="en" sz="1200" u="sng">
+                <a:solidFill>
+                  <a:schemeClr val="hlink"/>
+                </a:solidFill>
+                <a:latin typeface="Calibri"/>
+                <a:ea typeface="Calibri"/>
+                <a:cs typeface="Calibri"/>
+                <a:sym typeface="Calibri"/>
+                <a:hlinkClick r:id="rId9"/>
+              </a:rPr>
+              <a:t>https://arxiv.org/pdf/2505.06120</a:t>
+            </a:r>
+            <a:r>
+              <a:rPr lang="en" sz="1200">
+                <a:solidFill>
+                  <a:schemeClr val="dk1"/>
+                </a:solidFill>
+                <a:latin typeface="Calibri"/>
+                <a:ea typeface="Calibri"/>
+                <a:cs typeface="Calibri"/>
+                <a:sym typeface="Calibri"/>
+              </a:rPr>
+              <a:t> - work from Microsoft &amp; Salesforce</a:t>
+            </a:r>
+            <a:endParaRPr sz="1200">
+              <a:solidFill>
+                <a:schemeClr val="dk1"/>
+              </a:solidFill>
+              <a:latin typeface="Calibri"/>
+              <a:ea typeface="Calibri"/>
+              <a:cs typeface="Calibri"/>
+              <a:sym typeface="Calibri"/>
+            </a:endParaRPr>
+          </a:p>
+        </p:txBody>
+      </p:sp>
+      <p:pic>
+        <p:nvPicPr>
+          <p:cNvPr id="165" name="Google Shape;165;p24"/>
+          <p:cNvPicPr preferRelativeResize="0"/>
+          <p:nvPr/>
+        </p:nvPicPr>
+        <p:blipFill>
+          <a:blip r:embed="rId10" cstate="email">
+            <a:alphaModFix/>
+            <a:extLst>
+              <a:ext uri="{28A0092B-C50C-407E-A947-70E740481C1C}">
+                <a14:useLocalDpi xmlns:a14="http://schemas.microsoft.com/office/drawing/2010/main"/>
+              </a:ext>
+            </a:extLst>
+          </a:blip>
+          <a:stretch>
+            <a:fillRect/>
+          </a:stretch>
+        </p:blipFill>
+        <p:spPr>
+          <a:xfrm>
+            <a:off x="6232367" y="3803301"/>
+            <a:ext cx="1137725" cy="1268525"/>
           </a:xfrm>
           <a:prstGeom prst="rect">
             <a:avLst/>
@@ -14853,7 +15306,7 @@
   <p:cSld>
     <p:spTree>
       <p:nvGrpSpPr>
-        <p:cNvPr id="1" name="Shape 165"/>
+        <p:cNvPr id="1" name="Shape 169"/>
         <p:cNvGrpSpPr/>
         <p:nvPr/>
       </p:nvGrpSpPr>
@@ -14867,14 +15320,14 @@
       </p:grpSpPr>
       <p:sp>
         <p:nvSpPr>
-          <p:cNvPr id="166" name="Google Shape;166;p25"/>
+          <p:cNvPr id="170" name="Google Shape;170;p25"/>
           <p:cNvSpPr txBox="1"/>
           <p:nvPr/>
         </p:nvSpPr>
         <p:spPr>
           <a:xfrm>
             <a:off x="55075" y="52750"/>
-            <a:ext cx="4460700" cy="326400"/>
+            <a:ext cx="3522600" cy="326400"/>
           </a:xfrm>
           <a:prstGeom prst="rect">
             <a:avLst/>
@@ -14917,7 +15370,7 @@
                 <a:cs typeface="Calibri"/>
                 <a:sym typeface="Calibri"/>
               </a:rPr>
-              <a:t>Suna open-source AI Employee</a:t>
+              <a:t>Suna - open-source AI Employee</a:t>
             </a:r>
             <a:endParaRPr sz="2000" b="1" i="0" u="none" strike="noStrike" cap="none">
               <a:solidFill>
@@ -14933,7 +15386,7 @@
       </p:sp>
       <p:sp>
         <p:nvSpPr>
-          <p:cNvPr id="167" name="Google Shape;167;p25"/>
+          <p:cNvPr id="171" name="Google Shape;171;p25"/>
           <p:cNvSpPr txBox="1"/>
           <p:nvPr/>
         </p:nvSpPr>
@@ -14975,16 +15428,16 @@
                 <a:spcPts val="0"/>
               </a:spcAft>
               <a:buClr>
-                <a:schemeClr val="dk1"/>
+                <a:srgbClr val="FF0000"/>
               </a:buClr>
               <a:buSzPts val="900"/>
               <a:buFont typeface="Calibri"/>
               <a:buChar char="●"/>
             </a:pPr>
             <a:r>
-              <a:rPr lang="en" sz="1200">
-                <a:solidFill>
-                  <a:schemeClr val="dk1"/>
+              <a:rPr lang="en" sz="1200" b="1">
+                <a:solidFill>
+                  <a:srgbClr val="FF0000"/>
                 </a:solidFill>
                 <a:latin typeface="Calibri"/>
                 <a:ea typeface="Calibri"/>
@@ -14993,9 +15446,9 @@
               </a:rPr>
               <a:t>Suna an open-source AI employee</a:t>
             </a:r>
-            <a:endParaRPr sz="1200">
+            <a:endParaRPr sz="1200" b="1">
               <a:solidFill>
-                <a:schemeClr val="dk1"/>
+                <a:srgbClr val="FF0000"/>
               </a:solidFill>
               <a:latin typeface="Calibri"/>
               <a:ea typeface="Calibri"/>
@@ -15154,7 +15607,31 @@
                 <a:cs typeface="Calibri"/>
                 <a:sym typeface="Calibri"/>
               </a:rPr>
-              <a:t>AI agent that is competing directly with Manus AI. Suna was developed by Kortix AI (Lisbon, Portugal), is designed to perform real-world tasks with a level of autonomy that mimics human behavior. </a:t>
+              <a:t>AI agent that is </a:t>
+            </a:r>
+            <a:r>
+              <a:rPr lang="en" sz="1200" b="1">
+                <a:solidFill>
+                  <a:srgbClr val="FF0000"/>
+                </a:solidFill>
+                <a:latin typeface="Calibri"/>
+                <a:ea typeface="Calibri"/>
+                <a:cs typeface="Calibri"/>
+                <a:sym typeface="Calibri"/>
+              </a:rPr>
+              <a:t>competing directly with Manus AI</a:t>
+            </a:r>
+            <a:r>
+              <a:rPr lang="en" sz="1200">
+                <a:solidFill>
+                  <a:schemeClr val="dk1"/>
+                </a:solidFill>
+                <a:latin typeface="Calibri"/>
+                <a:ea typeface="Calibri"/>
+                <a:cs typeface="Calibri"/>
+                <a:sym typeface="Calibri"/>
+              </a:rPr>
+              <a:t>. </a:t>
             </a:r>
             <a:endParaRPr sz="1200">
               <a:solidFill>
@@ -15167,20 +15644,20 @@
             </a:endParaRPr>
           </a:p>
           <a:p>
-            <a:pPr marL="171450" marR="0" lvl="0" indent="-133350" algn="l" rtl="0">
-              <a:lnSpc>
-                <a:spcPct val="100000"/>
-              </a:lnSpc>
-              <a:spcBef>
-                <a:spcPts val="0"/>
-              </a:spcBef>
-              <a:spcAft>
-                <a:spcPts val="0"/>
-              </a:spcAft>
-              <a:buClr>
-                <a:schemeClr val="dk1"/>
-              </a:buClr>
-              <a:buSzPts val="1200"/>
+            <a:pPr marL="171450" marR="0" lvl="0" indent="-114300" algn="l" rtl="0">
+              <a:lnSpc>
+                <a:spcPct val="100000"/>
+              </a:lnSpc>
+              <a:spcBef>
+                <a:spcPts val="0"/>
+              </a:spcBef>
+              <a:spcAft>
+                <a:spcPts val="0"/>
+              </a:spcAft>
+              <a:buClr>
+                <a:schemeClr val="dk1"/>
+              </a:buClr>
+              <a:buSzPts val="900"/>
               <a:buFont typeface="Calibri"/>
               <a:buChar char="●"/>
             </a:pPr>
@@ -15194,7 +15671,31 @@
                 <a:cs typeface="Calibri"/>
                 <a:sym typeface="Calibri"/>
               </a:rPr>
-              <a:t>Founded by Marko Kraemer two years ago (when he was 18 y.old)</a:t>
+              <a:t>Suna was developed by </a:t>
+            </a:r>
+            <a:r>
+              <a:rPr lang="en" sz="1200" b="1">
+                <a:solidFill>
+                  <a:srgbClr val="FF0000"/>
+                </a:solidFill>
+                <a:latin typeface="Calibri"/>
+                <a:ea typeface="Calibri"/>
+                <a:cs typeface="Calibri"/>
+                <a:sym typeface="Calibri"/>
+              </a:rPr>
+              <a:t>Kortix AI (Lisbon, Portugal)</a:t>
+            </a:r>
+            <a:r>
+              <a:rPr lang="en" sz="1200">
+                <a:solidFill>
+                  <a:schemeClr val="dk1"/>
+                </a:solidFill>
+                <a:latin typeface="Calibri"/>
+                <a:ea typeface="Calibri"/>
+                <a:cs typeface="Calibri"/>
+                <a:sym typeface="Calibri"/>
+              </a:rPr>
+              <a:t>, is designed to perform real-world tasks with a level of autonomy that mimics human behavior. </a:t>
             </a:r>
             <a:endParaRPr sz="1200">
               <a:solidFill>
@@ -15207,20 +15708,20 @@
             </a:endParaRPr>
           </a:p>
           <a:p>
-            <a:pPr marL="171450" marR="0" lvl="0" indent="-114300" algn="l" rtl="0">
-              <a:lnSpc>
-                <a:spcPct val="100000"/>
-              </a:lnSpc>
-              <a:spcBef>
-                <a:spcPts val="0"/>
-              </a:spcBef>
-              <a:spcAft>
-                <a:spcPts val="0"/>
-              </a:spcAft>
-              <a:buClr>
-                <a:schemeClr val="dk1"/>
-              </a:buClr>
-              <a:buSzPts val="900"/>
+            <a:pPr marL="171450" marR="0" lvl="0" indent="-133350" algn="l" rtl="0">
+              <a:lnSpc>
+                <a:spcPct val="100000"/>
+              </a:lnSpc>
+              <a:spcBef>
+                <a:spcPts val="0"/>
+              </a:spcBef>
+              <a:spcAft>
+                <a:spcPts val="0"/>
+              </a:spcAft>
+              <a:buClr>
+                <a:schemeClr val="dk1"/>
+              </a:buClr>
+              <a:buSzPts val="1200"/>
               <a:buFont typeface="Calibri"/>
               <a:buChar char="●"/>
             </a:pPr>
@@ -15234,7 +15735,31 @@
                 <a:cs typeface="Calibri"/>
                 <a:sym typeface="Calibri"/>
               </a:rPr>
-              <a:t>Very popular - 280,000 views on X,  11K+ stars on GitHub</a:t>
+              <a:t>Founded by </a:t>
+            </a:r>
+            <a:r>
+              <a:rPr lang="en" sz="1200" b="1">
+                <a:solidFill>
+                  <a:srgbClr val="FF0000"/>
+                </a:solidFill>
+                <a:latin typeface="Calibri"/>
+                <a:ea typeface="Calibri"/>
+                <a:cs typeface="Calibri"/>
+                <a:sym typeface="Calibri"/>
+              </a:rPr>
+              <a:t>Marko Kraemer </a:t>
+            </a:r>
+            <a:r>
+              <a:rPr lang="en" sz="1200">
+                <a:solidFill>
+                  <a:schemeClr val="dk1"/>
+                </a:solidFill>
+                <a:latin typeface="Calibri"/>
+                <a:ea typeface="Calibri"/>
+                <a:cs typeface="Calibri"/>
+                <a:sym typeface="Calibri"/>
+              </a:rPr>
+              <a:t>two years ago (when he was 18 y.old)</a:t>
             </a:r>
             <a:endParaRPr sz="1200">
               <a:solidFill>
@@ -15274,7 +15799,7 @@
                 <a:cs typeface="Calibri"/>
                 <a:sym typeface="Calibri"/>
               </a:rPr>
-              <a:t>Suna can reason, plan, and take action across various domains. Suna can interact with virtual systems, write files, execute code, browse the internet, just like Manus AI.</a:t>
+              <a:t>Very popular - 280,000 views on X,  11K+ stars on GitHub</a:t>
             </a:r>
             <a:endParaRPr sz="1200">
               <a:solidFill>
@@ -15314,7 +15839,7 @@
                 <a:cs typeface="Calibri"/>
                 <a:sym typeface="Calibri"/>
               </a:rPr>
-              <a:t>Suna can handle complex tasks, for example, enhancing B2B lead spreadsheets by gathering data from LinkedIn, or conducting research on financial topics like stock performance and market analysis. These tasks are carried out through an AI interface that plans and executes steps in a methodical sequence, ensuring an efficient completion of tasks without manual intervention.</a:t>
+              <a:t>Suna can reason, plan, and take action across various domains. Suna can interact with virtual systems, write files, execute code, browse the internet, just like Manus AI.</a:t>
             </a:r>
             <a:endParaRPr sz="1200">
               <a:solidFill>
@@ -15354,7 +15879,7 @@
                 <a:cs typeface="Calibri"/>
                 <a:sym typeface="Calibri"/>
               </a:rPr>
-              <a:t>Suna still requires human assistance - especially when navigating unfamiliar challenges.</a:t>
+              <a:t>Suna can handle complex tasks, for example, enhancing B2B lead spreadsheets by gathering data from LinkedIn, or conducting research on financial topics like stock performance and market analysis. These tasks are carried out through an AI interface that plans and executes steps in a methodical sequence, ensuring an efficient completion of tasks without manual intervention.</a:t>
             </a:r>
             <a:endParaRPr sz="1200">
               <a:solidFill>
@@ -15394,7 +15919,7 @@
                 <a:cs typeface="Calibri"/>
                 <a:sym typeface="Calibri"/>
               </a:rPr>
-              <a:t>Kortix AI offers Suna both as a self-hosted solution and a cloud-hosted service, priced at $29 per month for professionals and $199 for small teams, with the higher-tier plan offering 40 hours of AI usage. </a:t>
+              <a:t>Suna still requires human assistance - especially when navigating unfamiliar challenges.</a:t>
             </a:r>
             <a:endParaRPr sz="1200">
               <a:solidFill>
@@ -15406,11 +15931,51 @@
               <a:sym typeface="Calibri"/>
             </a:endParaRPr>
           </a:p>
+          <a:p>
+            <a:pPr marL="171450" marR="0" lvl="0" indent="-114300" algn="l" rtl="0">
+              <a:lnSpc>
+                <a:spcPct val="100000"/>
+              </a:lnSpc>
+              <a:spcBef>
+                <a:spcPts val="0"/>
+              </a:spcBef>
+              <a:spcAft>
+                <a:spcPts val="0"/>
+              </a:spcAft>
+              <a:buClr>
+                <a:schemeClr val="dk1"/>
+              </a:buClr>
+              <a:buSzPts val="900"/>
+              <a:buFont typeface="Calibri"/>
+              <a:buChar char="●"/>
+            </a:pPr>
+            <a:r>
+              <a:rPr lang="en" sz="1200">
+                <a:solidFill>
+                  <a:schemeClr val="dk1"/>
+                </a:solidFill>
+                <a:latin typeface="Calibri"/>
+                <a:ea typeface="Calibri"/>
+                <a:cs typeface="Calibri"/>
+                <a:sym typeface="Calibri"/>
+              </a:rPr>
+              <a:t>Kortix AI offers Suna both as a self-hosted solution and a cloud-hosted service, priced at $29 per month for professionals and $199 for small teams, with the higher-tier plan offering 40 hours of AI usage. </a:t>
+            </a:r>
+            <a:endParaRPr sz="1200">
+              <a:solidFill>
+                <a:schemeClr val="dk1"/>
+              </a:solidFill>
+              <a:latin typeface="Calibri"/>
+              <a:ea typeface="Calibri"/>
+              <a:cs typeface="Calibri"/>
+              <a:sym typeface="Calibri"/>
+            </a:endParaRPr>
+          </a:p>
         </p:txBody>
       </p:sp>
       <p:pic>
         <p:nvPicPr>
-          <p:cNvPr id="168" name="Google Shape;168;p25"/>
+          <p:cNvPr id="172" name="Google Shape;172;p25"/>
           <p:cNvPicPr preferRelativeResize="0"/>
           <p:nvPr/>
         </p:nvPicPr>
@@ -15429,7 +15994,7 @@
         </p:blipFill>
         <p:spPr>
           <a:xfrm>
-            <a:off x="5527950" y="379150"/>
+            <a:off x="4655825" y="411975"/>
             <a:ext cx="2520425" cy="1868375"/>
           </a:xfrm>
           <a:prstGeom prst="rect">
@@ -15449,7 +16014,7 @@
       </p:pic>
       <p:pic>
         <p:nvPicPr>
-          <p:cNvPr id="169" name="Google Shape;169;p25"/>
+          <p:cNvPr id="173" name="Google Shape;173;p25"/>
           <p:cNvPicPr preferRelativeResize="0"/>
           <p:nvPr/>
         </p:nvPicPr>
@@ -15468,7 +16033,7 @@
         </p:blipFill>
         <p:spPr>
           <a:xfrm>
-            <a:off x="5299923" y="2697374"/>
+            <a:off x="5299923" y="2895574"/>
             <a:ext cx="2976476" cy="1954776"/>
           </a:xfrm>
           <a:prstGeom prst="rect">
@@ -15486,6 +16051,108 @@
           </a:ln>
         </p:spPr>
       </p:pic>
+      <p:pic>
+        <p:nvPicPr>
+          <p:cNvPr id="174" name="Google Shape;174;p25"/>
+          <p:cNvPicPr preferRelativeResize="0"/>
+          <p:nvPr/>
+        </p:nvPicPr>
+        <p:blipFill>
+          <a:blip r:embed="rId8" cstate="email">
+            <a:alphaModFix/>
+            <a:extLst>
+              <a:ext uri="{28A0092B-C50C-407E-A947-70E740481C1C}">
+                <a14:useLocalDpi xmlns:a14="http://schemas.microsoft.com/office/drawing/2010/main"/>
+              </a:ext>
+            </a:extLst>
+          </a:blip>
+          <a:stretch>
+            <a:fillRect/>
+          </a:stretch>
+        </p:blipFill>
+        <p:spPr>
+          <a:xfrm>
+            <a:off x="7316300" y="411975"/>
+            <a:ext cx="1550213" cy="1868375"/>
+          </a:xfrm>
+          <a:prstGeom prst="rect">
+            <a:avLst/>
+          </a:prstGeom>
+          <a:noFill/>
+          <a:ln>
+            <a:noFill/>
+          </a:ln>
+        </p:spPr>
+      </p:pic>
+      <p:sp>
+        <p:nvSpPr>
+          <p:cNvPr id="175" name="Google Shape;175;p25"/>
+          <p:cNvSpPr txBox="1"/>
+          <p:nvPr/>
+        </p:nvSpPr>
+        <p:spPr>
+          <a:xfrm>
+            <a:off x="7496513" y="2328425"/>
+            <a:ext cx="1189800" cy="203100"/>
+          </a:xfrm>
+          <a:prstGeom prst="rect">
+            <a:avLst/>
+          </a:prstGeom>
+          <a:solidFill>
+            <a:srgbClr val="FFF2CC"/>
+          </a:solidFill>
+          <a:ln w="9525" cap="flat" cmpd="sng">
+            <a:solidFill>
+              <a:srgbClr val="FF0000"/>
+            </a:solidFill>
+            <a:prstDash val="solid"/>
+            <a:round/>
+            <a:headEnd type="none" w="sm" len="sm"/>
+            <a:tailEnd type="none" w="sm" len="sm"/>
+          </a:ln>
+        </p:spPr>
+        <p:txBody>
+          <a:bodyPr spcFirstLastPara="1" wrap="square" lIns="9125" tIns="9125" rIns="9125" bIns="9125" anchor="t" anchorCtr="0">
+            <a:spAutoFit/>
+          </a:bodyPr>
+          <a:lstStyle/>
+          <a:p>
+            <a:pPr marL="0" marR="0" lvl="0" indent="0" algn="ctr" rtl="0">
+              <a:lnSpc>
+                <a:spcPct val="100000"/>
+              </a:lnSpc>
+              <a:spcBef>
+                <a:spcPts val="0"/>
+              </a:spcBef>
+              <a:spcAft>
+                <a:spcPts val="0"/>
+              </a:spcAft>
+              <a:buNone/>
+            </a:pPr>
+            <a:r>
+              <a:rPr lang="en" sz="1200" b="1">
+                <a:solidFill>
+                  <a:srgbClr val="FF0000"/>
+                </a:solidFill>
+                <a:latin typeface="Calibri"/>
+                <a:ea typeface="Calibri"/>
+                <a:cs typeface="Calibri"/>
+                <a:sym typeface="Calibri"/>
+              </a:rPr>
+              <a:t>Marko Kraemer </a:t>
+            </a:r>
+            <a:endParaRPr sz="1200">
+              <a:solidFill>
+                <a:schemeClr val="dk1"/>
+              </a:solidFill>
+              <a:latin typeface="Calibri"/>
+              <a:ea typeface="Calibri"/>
+              <a:cs typeface="Calibri"/>
+              <a:sym typeface="Calibri"/>
+            </a:endParaRPr>
+          </a:p>
+        </p:txBody>
+      </p:sp>
     </p:spTree>
   </p:cSld>
   <p:clrMapOvr>
@@ -15499,7 +16166,7 @@
   <p:cSld>
     <p:spTree>
       <p:nvGrpSpPr>
-        <p:cNvPr id="1" name="Shape 173"/>
+        <p:cNvPr id="1" name="Shape 179"/>
         <p:cNvGrpSpPr/>
         <p:nvPr/>
       </p:nvGrpSpPr>
@@ -15513,7 +16180,7 @@
       </p:grpSpPr>
       <p:sp>
         <p:nvSpPr>
-          <p:cNvPr id="174" name="Google Shape;174;p26"/>
+          <p:cNvPr id="180" name="Google Shape;180;p26"/>
           <p:cNvSpPr txBox="1"/>
           <p:nvPr/>
         </p:nvSpPr>
@@ -15579,7 +16246,7 @@
       </p:sp>
       <p:sp>
         <p:nvSpPr>
-          <p:cNvPr id="175" name="Google Shape;175;p26"/>
+          <p:cNvPr id="181" name="Google Shape;181;p26"/>
           <p:cNvSpPr txBox="1"/>
           <p:nvPr/>
         </p:nvSpPr>
@@ -16110,7 +16777,7 @@
       </p:sp>
       <p:pic>
         <p:nvPicPr>
-          <p:cNvPr id="176" name="Google Shape;176;p26"/>
+          <p:cNvPr id="182" name="Google Shape;182;p26"/>
           <p:cNvPicPr preferRelativeResize="0"/>
           <p:nvPr/>
         </p:nvPicPr>
@@ -16160,7 +16827,7 @@
   <p:cSld>
     <p:spTree>
       <p:nvGrpSpPr>
-        <p:cNvPr id="1" name="Shape 180"/>
+        <p:cNvPr id="1" name="Shape 186"/>
         <p:cNvGrpSpPr/>
         <p:nvPr/>
       </p:nvGrpSpPr>
@@ -16174,7 +16841,7 @@
       </p:grpSpPr>
       <p:sp>
         <p:nvSpPr>
-          <p:cNvPr id="181" name="Google Shape;181;p27"/>
+          <p:cNvPr id="187" name="Google Shape;187;p27"/>
           <p:cNvSpPr txBox="1"/>
           <p:nvPr/>
         </p:nvSpPr>
@@ -16240,7 +16907,7 @@
       </p:sp>
       <p:sp>
         <p:nvSpPr>
-          <p:cNvPr id="182" name="Google Shape;182;p27"/>
+          <p:cNvPr id="188" name="Google Shape;188;p27"/>
           <p:cNvSpPr txBox="1"/>
           <p:nvPr/>
         </p:nvSpPr>
@@ -16926,7 +17593,7 @@
       </p:sp>
       <p:sp>
         <p:nvSpPr>
-          <p:cNvPr id="183" name="Google Shape;183;p27"/>
+          <p:cNvPr id="189" name="Google Shape;189;p27"/>
           <p:cNvSpPr txBox="1"/>
           <p:nvPr/>
         </p:nvSpPr>
@@ -17040,7 +17707,7 @@
       </p:sp>
       <p:pic>
         <p:nvPicPr>
-          <p:cNvPr id="184" name="Google Shape;184;p27" title="1732059410151.jpg"/>
+          <p:cNvPr id="190" name="Google Shape;190;p27" title="1732059410151.jpg"/>
           <p:cNvPicPr preferRelativeResize="0"/>
           <p:nvPr/>
         </p:nvPicPr>
@@ -17079,7 +17746,7 @@
       </p:pic>
       <p:pic>
         <p:nvPicPr>
-          <p:cNvPr id="185" name="Google Shape;185;p27"/>
+          <p:cNvPr id="191" name="Google Shape;191;p27"/>
           <p:cNvPicPr preferRelativeResize="0"/>
           <p:nvPr/>
         </p:nvPicPr>
@@ -17118,7 +17785,7 @@
       </p:pic>
       <p:sp>
         <p:nvSpPr>
-          <p:cNvPr id="186" name="Google Shape;186;p27"/>
+          <p:cNvPr id="192" name="Google Shape;192;p27"/>
           <p:cNvSpPr txBox="1"/>
           <p:nvPr/>
         </p:nvSpPr>
@@ -17689,7 +18356,7 @@
   <p:cSld>
     <p:spTree>
       <p:nvGrpSpPr>
-        <p:cNvPr id="1" name="Shape 190"/>
+        <p:cNvPr id="1" name="Shape 196"/>
         <p:cNvGrpSpPr/>
         <p:nvPr/>
       </p:nvGrpSpPr>
@@ -17703,7 +18370,7 @@
       </p:grpSpPr>
       <p:sp>
         <p:nvSpPr>
-          <p:cNvPr id="191" name="Google Shape;191;p28"/>
+          <p:cNvPr id="197" name="Google Shape;197;p28"/>
           <p:cNvSpPr txBox="1"/>
           <p:nvPr/>
         </p:nvSpPr>
@@ -17769,7 +18436,7 @@
       </p:sp>
       <p:sp>
         <p:nvSpPr>
-          <p:cNvPr id="192" name="Google Shape;192;p28"/>
+          <p:cNvPr id="198" name="Google Shape;198;p28"/>
           <p:cNvSpPr txBox="1"/>
           <p:nvPr/>
         </p:nvSpPr>
@@ -18403,7 +19070,7 @@
       </p:sp>
       <p:sp>
         <p:nvSpPr>
-          <p:cNvPr id="193" name="Google Shape;193;p28"/>
+          <p:cNvPr id="199" name="Google Shape;199;p28"/>
           <p:cNvSpPr txBox="1"/>
           <p:nvPr/>
         </p:nvSpPr>
@@ -18884,7 +19551,7 @@
   <p:cSld>
     <p:spTree>
       <p:nvGrpSpPr>
-        <p:cNvPr id="1" name="Shape 197"/>
+        <p:cNvPr id="1" name="Shape 203"/>
         <p:cNvGrpSpPr/>
         <p:nvPr/>
       </p:nvGrpSpPr>
@@ -18898,7 +19565,7 @@
       </p:grpSpPr>
       <p:sp>
         <p:nvSpPr>
-          <p:cNvPr id="198" name="Google Shape;198;p29"/>
+          <p:cNvPr id="204" name="Google Shape;204;p29"/>
           <p:cNvSpPr txBox="1"/>
           <p:nvPr/>
         </p:nvSpPr>
@@ -18964,7 +19631,7 @@
       </p:sp>
       <p:sp>
         <p:nvSpPr>
-          <p:cNvPr id="199" name="Google Shape;199;p29"/>
+          <p:cNvPr id="205" name="Google Shape;205;p29"/>
           <p:cNvSpPr txBox="1"/>
           <p:nvPr/>
         </p:nvSpPr>
@@ -19411,7 +20078,7 @@
       </p:sp>
       <p:pic>
         <p:nvPicPr>
-          <p:cNvPr id="200" name="Google Shape;200;p29"/>
+          <p:cNvPr id="206" name="Google Shape;206;p29"/>
           <p:cNvPicPr preferRelativeResize="0"/>
           <p:nvPr/>
         </p:nvPicPr>
@@ -19444,7 +20111,7 @@
       </p:pic>
       <p:pic>
         <p:nvPicPr>
-          <p:cNvPr id="201" name="Google Shape;201;p29"/>
+          <p:cNvPr id="207" name="Google Shape;207;p29"/>
           <p:cNvPicPr preferRelativeResize="0"/>
           <p:nvPr/>
         </p:nvPicPr>
@@ -19483,7 +20150,7 @@
       </p:pic>
       <p:sp>
         <p:nvSpPr>
-          <p:cNvPr id="202" name="Google Shape;202;p29"/>
+          <p:cNvPr id="208" name="Google Shape;208;p29"/>
           <p:cNvSpPr txBox="1"/>
           <p:nvPr/>
         </p:nvSpPr>
@@ -19552,7 +20219,7 @@
       </p:sp>
       <p:sp>
         <p:nvSpPr>
-          <p:cNvPr id="203" name="Google Shape;203;p29"/>
+          <p:cNvPr id="209" name="Google Shape;209;p29"/>
           <p:cNvSpPr txBox="1"/>
           <p:nvPr/>
         </p:nvSpPr>
@@ -19706,7 +20373,7 @@
       </p:sp>
       <p:sp>
         <p:nvSpPr>
-          <p:cNvPr id="204" name="Google Shape;204;p29"/>
+          <p:cNvPr id="210" name="Google Shape;210;p29"/>
           <p:cNvSpPr txBox="1"/>
           <p:nvPr/>
         </p:nvSpPr>
@@ -20040,7 +20707,7 @@
       </p:sp>
       <p:sp>
         <p:nvSpPr>
-          <p:cNvPr id="205" name="Google Shape;205;p29"/>
+          <p:cNvPr id="211" name="Google Shape;211;p29"/>
           <p:cNvSpPr txBox="1"/>
           <p:nvPr/>
         </p:nvSpPr>
@@ -20445,7 +21112,7 @@
   <p:cSld>
     <p:spTree>
       <p:nvGrpSpPr>
-        <p:cNvPr id="1" name="Shape 209"/>
+        <p:cNvPr id="1" name="Shape 215"/>
         <p:cNvGrpSpPr/>
         <p:nvPr/>
       </p:nvGrpSpPr>
@@ -20459,7 +21126,7 @@
       </p:grpSpPr>
       <p:sp>
         <p:nvSpPr>
-          <p:cNvPr id="210" name="Google Shape;210;p30"/>
+          <p:cNvPr id="216" name="Google Shape;216;p30"/>
           <p:cNvSpPr txBox="1"/>
           <p:nvPr/>
         </p:nvSpPr>
@@ -20626,7 +21293,7 @@
       </p:sp>
       <p:sp>
         <p:nvSpPr>
-          <p:cNvPr id="211" name="Google Shape;211;p30"/>
+          <p:cNvPr id="217" name="Google Shape;217;p30"/>
           <p:cNvSpPr txBox="1"/>
           <p:nvPr/>
         </p:nvSpPr>
@@ -20692,7 +21359,7 @@
       </p:sp>
       <p:sp>
         <p:nvSpPr>
-          <p:cNvPr id="212" name="Google Shape;212;p30"/>
+          <p:cNvPr id="218" name="Google Shape;218;p30"/>
           <p:cNvSpPr txBox="1"/>
           <p:nvPr/>
         </p:nvSpPr>
@@ -20918,7 +21585,7 @@
       </p:sp>
       <p:sp>
         <p:nvSpPr>
-          <p:cNvPr id="213" name="Google Shape;213;p30"/>
+          <p:cNvPr id="219" name="Google Shape;219;p30"/>
           <p:cNvSpPr txBox="1"/>
           <p:nvPr/>
         </p:nvSpPr>
@@ -20992,7 +21659,7 @@
       </p:sp>
       <p:sp>
         <p:nvSpPr>
-          <p:cNvPr id="214" name="Google Shape;214;p30"/>
+          <p:cNvPr id="220" name="Google Shape;220;p30"/>
           <p:cNvSpPr txBox="1"/>
           <p:nvPr/>
         </p:nvSpPr>
@@ -21051,7 +21718,7 @@
                 <a:cs typeface="Calibri"/>
                 <a:sym typeface="Calibri"/>
               </a:rPr>
-              <a:t>Total #models: 233</a:t>
+              <a:t>Total #models: 235</a:t>
             </a:r>
             <a:endParaRPr sz="1100">
               <a:solidFill>
@@ -21097,7 +21764,7 @@
                 <a:cs typeface="Calibri"/>
                 <a:sym typeface="Calibri"/>
               </a:rPr>
-              <a:t>Total #votes: 2,909,287</a:t>
+              <a:t>Total #votes: 2,920,528</a:t>
             </a:r>
             <a:endParaRPr sz="1100">
               <a:solidFill>
@@ -21143,7 +21810,7 @@
                 <a:cs typeface="Calibri"/>
                 <a:sym typeface="Calibri"/>
               </a:rPr>
-              <a:t>Last updated: 2025-05-04</a:t>
+              <a:t>Last updated: 2025-05-11</a:t>
             </a:r>
             <a:endParaRPr sz="1100" b="0" i="0" u="none" strike="noStrike" cap="none">
               <a:solidFill>
@@ -21162,7 +21829,7 @@
       </p:sp>
       <p:sp>
         <p:nvSpPr>
-          <p:cNvPr id="215" name="Google Shape;215;p30"/>
+          <p:cNvPr id="221" name="Google Shape;221;p30"/>
           <p:cNvSpPr txBox="1"/>
           <p:nvPr/>
         </p:nvSpPr>
@@ -21236,13 +21903,13 @@
       </p:sp>
       <p:sp>
         <p:nvSpPr>
-          <p:cNvPr id="216" name="Google Shape;216;p30"/>
+          <p:cNvPr id="222" name="Google Shape;222;p30"/>
           <p:cNvSpPr txBox="1"/>
           <p:nvPr/>
         </p:nvSpPr>
         <p:spPr>
           <a:xfrm>
-            <a:off x="47284" y="2240132"/>
+            <a:off x="47284" y="2316332"/>
             <a:ext cx="287100" cy="141600"/>
           </a:xfrm>
           <a:prstGeom prst="rect">
@@ -21314,13 +21981,13 @@
       </p:sp>
       <p:sp>
         <p:nvSpPr>
-          <p:cNvPr id="217" name="Google Shape;217;p30"/>
+          <p:cNvPr id="223" name="Google Shape;223;p30"/>
           <p:cNvSpPr/>
           <p:nvPr/>
         </p:nvSpPr>
         <p:spPr>
           <a:xfrm>
-            <a:off x="344428" y="1857684"/>
+            <a:off x="344428" y="1933884"/>
             <a:ext cx="125400" cy="125400"/>
           </a:xfrm>
           <a:prstGeom prst="ellipse">
@@ -21376,13 +22043,13 @@
       </p:sp>
       <p:sp>
         <p:nvSpPr>
-          <p:cNvPr id="218" name="Google Shape;218;p30"/>
+          <p:cNvPr id="224" name="Google Shape;224;p30"/>
           <p:cNvSpPr/>
           <p:nvPr/>
         </p:nvSpPr>
         <p:spPr>
           <a:xfrm>
-            <a:off x="3470304" y="3950151"/>
+            <a:off x="3463654" y="4504026"/>
             <a:ext cx="125400" cy="125400"/>
           </a:xfrm>
           <a:prstGeom prst="ellipse">
@@ -21438,13 +22105,13 @@
       </p:sp>
       <p:sp>
         <p:nvSpPr>
-          <p:cNvPr id="219" name="Google Shape;219;p30"/>
+          <p:cNvPr id="225" name="Google Shape;225;p30"/>
           <p:cNvSpPr/>
           <p:nvPr/>
         </p:nvSpPr>
         <p:spPr>
           <a:xfrm>
-            <a:off x="346124" y="3383239"/>
+            <a:off x="346124" y="3307039"/>
             <a:ext cx="125400" cy="125400"/>
           </a:xfrm>
           <a:prstGeom prst="ellipse">
@@ -21500,13 +22167,13 @@
       </p:sp>
       <p:sp>
         <p:nvSpPr>
-          <p:cNvPr id="220" name="Google Shape;220;p30"/>
+          <p:cNvPr id="226" name="Google Shape;226;p30"/>
           <p:cNvSpPr/>
           <p:nvPr/>
         </p:nvSpPr>
         <p:spPr>
           <a:xfrm>
-            <a:off x="3468666" y="3769721"/>
+            <a:off x="3470291" y="4708559"/>
             <a:ext cx="125400" cy="125400"/>
           </a:xfrm>
           <a:prstGeom prst="ellipse">
@@ -21562,13 +22229,13 @@
       </p:sp>
       <p:sp>
         <p:nvSpPr>
-          <p:cNvPr id="221" name="Google Shape;221;p30"/>
+          <p:cNvPr id="227" name="Google Shape;227;p30"/>
           <p:cNvSpPr/>
           <p:nvPr/>
         </p:nvSpPr>
         <p:spPr>
           <a:xfrm>
-            <a:off x="3463871" y="2056526"/>
+            <a:off x="3463871" y="2154992"/>
             <a:ext cx="125400" cy="125400"/>
           </a:xfrm>
           <a:prstGeom prst="ellipse">
@@ -21624,13 +22291,13 @@
       </p:sp>
       <p:sp>
         <p:nvSpPr>
-          <p:cNvPr id="222" name="Google Shape;222;p30"/>
+          <p:cNvPr id="228" name="Google Shape;228;p30"/>
           <p:cNvSpPr/>
           <p:nvPr/>
         </p:nvSpPr>
         <p:spPr>
           <a:xfrm>
-            <a:off x="347525" y="4528817"/>
+            <a:off x="343747" y="4697579"/>
             <a:ext cx="125400" cy="125400"/>
           </a:xfrm>
           <a:prstGeom prst="ellipse">
@@ -21686,13 +22353,13 @@
       </p:sp>
       <p:sp>
         <p:nvSpPr>
-          <p:cNvPr id="223" name="Google Shape;223;p30"/>
+          <p:cNvPr id="229" name="Google Shape;229;p30"/>
           <p:cNvSpPr/>
           <p:nvPr/>
         </p:nvSpPr>
         <p:spPr>
           <a:xfrm>
-            <a:off x="346116" y="4141171"/>
+            <a:off x="346116" y="4493315"/>
             <a:ext cx="125400" cy="125400"/>
           </a:xfrm>
           <a:prstGeom prst="ellipse">
@@ -21748,13 +22415,13 @@
       </p:sp>
       <p:sp>
         <p:nvSpPr>
-          <p:cNvPr id="224" name="Google Shape;224;p30"/>
+          <p:cNvPr id="230" name="Google Shape;230;p30"/>
           <p:cNvSpPr txBox="1"/>
           <p:nvPr/>
         </p:nvSpPr>
         <p:spPr>
           <a:xfrm>
-            <a:off x="3161441" y="2233985"/>
+            <a:off x="3161441" y="2347296"/>
             <a:ext cx="288900" cy="141600"/>
           </a:xfrm>
           <a:prstGeom prst="rect">
@@ -21826,13 +22493,13 @@
       </p:sp>
       <p:sp>
         <p:nvSpPr>
-          <p:cNvPr id="225" name="Google Shape;225;p30"/>
+          <p:cNvPr id="231" name="Google Shape;231;p30"/>
           <p:cNvSpPr/>
           <p:nvPr/>
         </p:nvSpPr>
         <p:spPr>
           <a:xfrm>
-            <a:off x="3461898" y="2245274"/>
+            <a:off x="3461898" y="2358585"/>
             <a:ext cx="125400" cy="125400"/>
           </a:xfrm>
           <a:prstGeom prst="ellipse">
@@ -21888,13 +22555,13 @@
       </p:sp>
       <p:sp>
         <p:nvSpPr>
-          <p:cNvPr id="226" name="Google Shape;226;p30"/>
+          <p:cNvPr id="232" name="Google Shape;232;p30"/>
           <p:cNvSpPr/>
           <p:nvPr/>
         </p:nvSpPr>
         <p:spPr>
           <a:xfrm>
-            <a:off x="3463883" y="3381388"/>
+            <a:off x="3463883" y="3524387"/>
             <a:ext cx="125400" cy="125400"/>
           </a:xfrm>
           <a:prstGeom prst="ellipse">
@@ -21950,13 +22617,13 @@
       </p:sp>
       <p:sp>
         <p:nvSpPr>
-          <p:cNvPr id="227" name="Google Shape;227;p30"/>
+          <p:cNvPr id="233" name="Google Shape;233;p30"/>
           <p:cNvSpPr txBox="1"/>
           <p:nvPr/>
         </p:nvSpPr>
         <p:spPr>
           <a:xfrm>
-            <a:off x="182725" y="3955462"/>
+            <a:off x="185813" y="4300837"/>
             <a:ext cx="287100" cy="141600"/>
           </a:xfrm>
           <a:prstGeom prst="rect">
@@ -22028,13 +22695,13 @@
       </p:sp>
       <p:sp>
         <p:nvSpPr>
-          <p:cNvPr id="228" name="Google Shape;228;p30"/>
+          <p:cNvPr id="234" name="Google Shape;234;p30"/>
           <p:cNvSpPr txBox="1"/>
           <p:nvPr/>
         </p:nvSpPr>
         <p:spPr>
           <a:xfrm flipH="1">
-            <a:off x="269652" y="1664257"/>
+            <a:off x="269652" y="1733035"/>
             <a:ext cx="194400" cy="141600"/>
           </a:xfrm>
           <a:prstGeom prst="rect">
@@ -22102,13 +22769,13 @@
       </p:sp>
       <p:sp>
         <p:nvSpPr>
-          <p:cNvPr id="229" name="Google Shape;229;p30"/>
+          <p:cNvPr id="235" name="Google Shape;235;p30"/>
           <p:cNvSpPr txBox="1"/>
           <p:nvPr/>
         </p:nvSpPr>
         <p:spPr>
           <a:xfrm flipH="1">
-            <a:off x="3392877" y="1477103"/>
+            <a:off x="3392877" y="1553303"/>
             <a:ext cx="194400" cy="141600"/>
           </a:xfrm>
           <a:prstGeom prst="rect">
@@ -22176,13 +22843,13 @@
       </p:sp>
       <p:sp>
         <p:nvSpPr>
-          <p:cNvPr id="230" name="Google Shape;230;p30"/>
+          <p:cNvPr id="236" name="Google Shape;236;p30"/>
           <p:cNvSpPr/>
           <p:nvPr/>
         </p:nvSpPr>
         <p:spPr>
           <a:xfrm>
-            <a:off x="3463644" y="3582216"/>
+            <a:off x="3463644" y="3725215"/>
             <a:ext cx="125400" cy="125400"/>
           </a:xfrm>
           <a:prstGeom prst="ellipse">
@@ -22238,13 +22905,13 @@
       </p:sp>
       <p:sp>
         <p:nvSpPr>
-          <p:cNvPr id="231" name="Google Shape;231;p30"/>
+          <p:cNvPr id="237" name="Google Shape;237;p30"/>
           <p:cNvSpPr/>
           <p:nvPr/>
         </p:nvSpPr>
         <p:spPr>
           <a:xfrm>
-            <a:off x="347049" y="1288189"/>
+            <a:off x="346490" y="1347979"/>
             <a:ext cx="125400" cy="125400"/>
           </a:xfrm>
           <a:prstGeom prst="ellipse">
@@ -22300,13 +22967,13 @@
       </p:sp>
       <p:sp>
         <p:nvSpPr>
-          <p:cNvPr id="232" name="Google Shape;232;p30"/>
+          <p:cNvPr id="238" name="Google Shape;238;p30"/>
           <p:cNvSpPr/>
           <p:nvPr/>
         </p:nvSpPr>
         <p:spPr>
           <a:xfrm>
-            <a:off x="206798" y="4533207"/>
+            <a:off x="203020" y="4701969"/>
             <a:ext cx="125400" cy="125400"/>
           </a:xfrm>
           <a:prstGeom prst="ellipse">
@@ -22362,13 +23029,13 @@
       </p:sp>
       <p:sp>
         <p:nvSpPr>
-          <p:cNvPr id="233" name="Google Shape;233;p30"/>
+          <p:cNvPr id="239" name="Google Shape;239;p30"/>
           <p:cNvSpPr/>
           <p:nvPr/>
         </p:nvSpPr>
         <p:spPr>
           <a:xfrm>
-            <a:off x="347049" y="1100990"/>
+            <a:off x="347524" y="1160425"/>
             <a:ext cx="125400" cy="125400"/>
           </a:xfrm>
           <a:prstGeom prst="ellipse">
@@ -22424,13 +23091,13 @@
       </p:sp>
       <p:sp>
         <p:nvSpPr>
-          <p:cNvPr id="234" name="Google Shape;234;p30"/>
+          <p:cNvPr id="240" name="Google Shape;240;p30"/>
           <p:cNvSpPr/>
           <p:nvPr/>
         </p:nvSpPr>
         <p:spPr>
           <a:xfrm>
-            <a:off x="3457995" y="1676547"/>
+            <a:off x="3457995" y="1752747"/>
             <a:ext cx="125400" cy="125400"/>
           </a:xfrm>
           <a:prstGeom prst="ellipse">
@@ -22486,13 +23153,13 @@
       </p:sp>
       <p:sp>
         <p:nvSpPr>
-          <p:cNvPr id="235" name="Google Shape;235;p30"/>
+          <p:cNvPr id="241" name="Google Shape;241;p30"/>
           <p:cNvSpPr/>
           <p:nvPr/>
         </p:nvSpPr>
         <p:spPr>
           <a:xfrm>
-            <a:off x="347049" y="1480109"/>
+            <a:off x="347049" y="1556309"/>
             <a:ext cx="125400" cy="125400"/>
           </a:xfrm>
           <a:prstGeom prst="ellipse">
@@ -22548,13 +23215,13 @@
       </p:sp>
       <p:sp>
         <p:nvSpPr>
-          <p:cNvPr id="236" name="Google Shape;236;p30"/>
+          <p:cNvPr id="242" name="Google Shape;242;p30"/>
           <p:cNvSpPr txBox="1"/>
           <p:nvPr/>
         </p:nvSpPr>
         <p:spPr>
           <a:xfrm>
-            <a:off x="55681" y="2614457"/>
+            <a:off x="55681" y="2919257"/>
             <a:ext cx="287100" cy="141600"/>
           </a:xfrm>
           <a:prstGeom prst="rect">
@@ -22626,13 +23293,13 @@
       </p:sp>
       <p:sp>
         <p:nvSpPr>
-          <p:cNvPr id="237" name="Google Shape;237;p30"/>
+          <p:cNvPr id="243" name="Google Shape;243;p30"/>
           <p:cNvSpPr/>
           <p:nvPr/>
         </p:nvSpPr>
         <p:spPr>
           <a:xfrm>
-            <a:off x="346550" y="2622851"/>
+            <a:off x="346550" y="2927651"/>
             <a:ext cx="125400" cy="125400"/>
           </a:xfrm>
           <a:prstGeom prst="ellipse">
@@ -22688,13 +23355,13 @@
       </p:sp>
       <p:sp>
         <p:nvSpPr>
-          <p:cNvPr id="238" name="Google Shape;238;p30"/>
+          <p:cNvPr id="244" name="Google Shape;244;p30"/>
           <p:cNvSpPr/>
           <p:nvPr/>
         </p:nvSpPr>
         <p:spPr>
           <a:xfrm>
-            <a:off x="346550" y="2247379"/>
+            <a:off x="346550" y="2323579"/>
             <a:ext cx="125400" cy="125400"/>
           </a:xfrm>
           <a:prstGeom prst="ellipse">
@@ -22750,13 +23417,13 @@
       </p:sp>
       <p:sp>
         <p:nvSpPr>
-          <p:cNvPr id="239" name="Google Shape;239;p30"/>
+          <p:cNvPr id="245" name="Google Shape;245;p30"/>
           <p:cNvSpPr/>
           <p:nvPr/>
         </p:nvSpPr>
         <p:spPr>
           <a:xfrm>
-            <a:off x="3470291" y="4334002"/>
+            <a:off x="3470291" y="4319158"/>
             <a:ext cx="125400" cy="125400"/>
           </a:xfrm>
           <a:prstGeom prst="ellipse">
@@ -22812,13 +23479,13 @@
       </p:sp>
       <p:sp>
         <p:nvSpPr>
-          <p:cNvPr id="240" name="Google Shape;240;p30"/>
+          <p:cNvPr id="246" name="Google Shape;246;p30"/>
           <p:cNvSpPr/>
           <p:nvPr/>
         </p:nvSpPr>
         <p:spPr>
           <a:xfrm>
-            <a:off x="3461846" y="1111195"/>
+            <a:off x="3461846" y="1187395"/>
             <a:ext cx="125400" cy="125400"/>
           </a:xfrm>
           <a:prstGeom prst="ellipse">
@@ -22874,191 +23541,13 @@
       </p:sp>
       <p:sp>
         <p:nvSpPr>
-          <p:cNvPr id="241" name="Google Shape;241;p30"/>
-          <p:cNvSpPr txBox="1"/>
-          <p:nvPr/>
-        </p:nvSpPr>
-        <p:spPr>
-          <a:xfrm>
-            <a:off x="6301950" y="1163375"/>
-            <a:ext cx="2657400" cy="480300"/>
-          </a:xfrm>
-          <a:prstGeom prst="rect">
-            <a:avLst/>
-          </a:prstGeom>
-          <a:solidFill>
-            <a:srgbClr val="FCE5CD"/>
-          </a:solidFill>
-          <a:ln w="9525" cap="flat" cmpd="sng">
-            <a:solidFill>
-              <a:srgbClr val="FF0000"/>
-            </a:solidFill>
-            <a:prstDash val="solid"/>
-            <a:round/>
-            <a:headEnd type="none" w="sm" len="sm"/>
-            <a:tailEnd type="none" w="sm" len="sm"/>
-          </a:ln>
-        </p:spPr>
-        <p:txBody>
-          <a:bodyPr spcFirstLastPara="1" wrap="square" lIns="9125" tIns="9125" rIns="9125" bIns="9125" anchor="t" anchorCtr="0">
-            <a:spAutoFit/>
-          </a:bodyPr>
-          <a:lstStyle/>
-          <a:p>
-            <a:pPr marL="0" marR="0" lvl="0" indent="0" algn="l" rtl="0">
-              <a:lnSpc>
-                <a:spcPct val="100000"/>
-              </a:lnSpc>
-              <a:spcBef>
-                <a:spcPts val="0"/>
-              </a:spcBef>
-              <a:spcAft>
-                <a:spcPts val="0"/>
-              </a:spcAft>
-              <a:buClr>
-                <a:schemeClr val="dk1"/>
-              </a:buClr>
-              <a:buSzPts val="1100"/>
-              <a:buFont typeface="Arial"/>
-              <a:buNone/>
-            </a:pPr>
-            <a:r>
-              <a:rPr lang="en" sz="1000">
-                <a:solidFill>
-                  <a:schemeClr val="dk1"/>
-                </a:solidFill>
-                <a:latin typeface="Calibri"/>
-                <a:ea typeface="Calibri"/>
-                <a:cs typeface="Calibri"/>
-                <a:sym typeface="Calibri"/>
-              </a:rPr>
-              <a:t>Gemini-2.5-Pro-Exp-03.25      on 1st place</a:t>
-            </a:r>
-            <a:endParaRPr sz="1000">
-              <a:solidFill>
-                <a:schemeClr val="dk1"/>
-              </a:solidFill>
-              <a:latin typeface="Calibri"/>
-              <a:ea typeface="Calibri"/>
-              <a:cs typeface="Calibri"/>
-              <a:sym typeface="Calibri"/>
-            </a:endParaRPr>
-          </a:p>
-          <a:p>
-            <a:pPr marL="0" marR="0" lvl="0" indent="0" algn="l" rtl="0">
-              <a:lnSpc>
-                <a:spcPct val="100000"/>
-              </a:lnSpc>
-              <a:spcBef>
-                <a:spcPts val="0"/>
-              </a:spcBef>
-              <a:spcAft>
-                <a:spcPts val="0"/>
-              </a:spcAft>
-              <a:buClr>
-                <a:schemeClr val="dk1"/>
-              </a:buClr>
-              <a:buSzPts val="1100"/>
-              <a:buFont typeface="Arial"/>
-              <a:buNone/>
-            </a:pPr>
-            <a:r>
-              <a:rPr lang="en" sz="1000">
-                <a:solidFill>
-                  <a:schemeClr val="dk1"/>
-                </a:solidFill>
-                <a:latin typeface="Calibri"/>
-                <a:ea typeface="Calibri"/>
-                <a:cs typeface="Calibri"/>
-                <a:sym typeface="Calibri"/>
-              </a:rPr>
-              <a:t>Qwen3-235B      on 10..15 place</a:t>
-            </a:r>
-            <a:endParaRPr sz="1000">
-              <a:solidFill>
-                <a:schemeClr val="dk1"/>
-              </a:solidFill>
-              <a:latin typeface="Calibri"/>
-              <a:ea typeface="Calibri"/>
-              <a:cs typeface="Calibri"/>
-              <a:sym typeface="Calibri"/>
-            </a:endParaRPr>
-          </a:p>
-          <a:p>
-            <a:pPr marL="0" marR="0" lvl="0" indent="0" algn="l" rtl="0">
-              <a:lnSpc>
-                <a:spcPct val="100000"/>
-              </a:lnSpc>
-              <a:spcBef>
-                <a:spcPts val="0"/>
-              </a:spcBef>
-              <a:spcAft>
-                <a:spcPts val="0"/>
-              </a:spcAft>
-              <a:buClr>
-                <a:schemeClr val="dk1"/>
-              </a:buClr>
-              <a:buSzPts val="1100"/>
-              <a:buFont typeface="Arial"/>
-              <a:buNone/>
-            </a:pPr>
-            <a:r>
-              <a:rPr lang="en" sz="1000" b="0" i="0" u="none" strike="noStrike" cap="none">
-                <a:solidFill>
-                  <a:schemeClr val="dk1"/>
-                </a:solidFill>
-                <a:latin typeface="Calibri"/>
-                <a:ea typeface="Calibri"/>
-                <a:cs typeface="Calibri"/>
-                <a:sym typeface="Calibri"/>
-              </a:rPr>
-              <a:t>Llama-4-Maverick is still       on </a:t>
-            </a:r>
-            <a:r>
-              <a:rPr lang="en" sz="1000">
-                <a:solidFill>
-                  <a:schemeClr val="dk1"/>
-                </a:solidFill>
-                <a:latin typeface="Calibri"/>
-                <a:ea typeface="Calibri"/>
-                <a:cs typeface="Calibri"/>
-                <a:sym typeface="Calibri"/>
-              </a:rPr>
-              <a:t>40th</a:t>
-            </a:r>
-            <a:r>
-              <a:rPr lang="en" sz="1000" b="0" i="0" u="none" strike="noStrike" cap="none">
-                <a:solidFill>
-                  <a:schemeClr val="dk1"/>
-                </a:solidFill>
-                <a:latin typeface="Calibri"/>
-                <a:ea typeface="Calibri"/>
-                <a:cs typeface="Calibri"/>
-                <a:sym typeface="Calibri"/>
-              </a:rPr>
-              <a:t> place</a:t>
-            </a:r>
-            <a:endParaRPr sz="1000" b="0" i="0" u="none" strike="noStrike" cap="none">
-              <a:solidFill>
-                <a:schemeClr val="dk1"/>
-              </a:solidFill>
-              <a:latin typeface="Calibri"/>
-              <a:ea typeface="Calibri"/>
-              <a:cs typeface="Calibri"/>
-              <a:sym typeface="Calibri"/>
-            </a:endParaRPr>
-          </a:p>
-        </p:txBody>
-      </p:sp>
-      <p:sp>
-        <p:nvSpPr>
-          <p:cNvPr id="242" name="Google Shape;242;p30"/>
+          <p:cNvPr id="247" name="Google Shape;247;p30"/>
           <p:cNvSpPr/>
           <p:nvPr/>
         </p:nvSpPr>
         <p:spPr>
           <a:xfrm>
-            <a:off x="347049" y="2047247"/>
+            <a:off x="347049" y="2123447"/>
             <a:ext cx="125400" cy="125400"/>
           </a:xfrm>
           <a:prstGeom prst="ellipse">
@@ -23114,13 +23603,13 @@
       </p:sp>
       <p:sp>
         <p:nvSpPr>
-          <p:cNvPr id="243" name="Google Shape;243;p30"/>
+          <p:cNvPr id="248" name="Google Shape;248;p30"/>
           <p:cNvSpPr/>
           <p:nvPr/>
         </p:nvSpPr>
         <p:spPr>
           <a:xfrm>
-            <a:off x="344412" y="3017723"/>
+            <a:off x="344412" y="3116189"/>
             <a:ext cx="125400" cy="125400"/>
           </a:xfrm>
           <a:prstGeom prst="ellipse">
@@ -23176,13 +23665,13 @@
       </p:sp>
       <p:sp>
         <p:nvSpPr>
-          <p:cNvPr id="244" name="Google Shape;244;p30"/>
+          <p:cNvPr id="249" name="Google Shape;249;p30"/>
           <p:cNvSpPr/>
           <p:nvPr/>
         </p:nvSpPr>
         <p:spPr>
           <a:xfrm>
-            <a:off x="347524" y="4352595"/>
+            <a:off x="347524" y="4894408"/>
             <a:ext cx="125400" cy="125400"/>
           </a:xfrm>
           <a:prstGeom prst="ellipse">
@@ -23238,13 +23727,13 @@
       </p:sp>
       <p:sp>
         <p:nvSpPr>
-          <p:cNvPr id="245" name="Google Shape;245;p30"/>
+          <p:cNvPr id="250" name="Google Shape;250;p30"/>
           <p:cNvSpPr/>
           <p:nvPr/>
         </p:nvSpPr>
         <p:spPr>
           <a:xfrm>
-            <a:off x="346124" y="4704155"/>
+            <a:off x="3461898" y="1367990"/>
             <a:ext cx="125400" cy="125400"/>
           </a:xfrm>
           <a:prstGeom prst="ellipse">
@@ -23300,13 +23789,75 @@
       </p:sp>
       <p:sp>
         <p:nvSpPr>
-          <p:cNvPr id="246" name="Google Shape;246;p30"/>
+          <p:cNvPr id="251" name="Google Shape;251;p30"/>
           <p:cNvSpPr/>
           <p:nvPr/>
         </p:nvSpPr>
         <p:spPr>
           <a:xfrm>
-            <a:off x="3461898" y="1291790"/>
+            <a:off x="3461846" y="1954894"/>
+            <a:ext cx="125400" cy="125400"/>
+          </a:xfrm>
+          <a:prstGeom prst="ellipse">
+            <a:avLst/>
+          </a:prstGeom>
+          <a:solidFill>
+            <a:srgbClr val="FF0000"/>
+          </a:solidFill>
+          <a:ln w="9525" cap="flat" cmpd="sng">
+            <a:solidFill>
+              <a:srgbClr val="595959"/>
+            </a:solidFill>
+            <a:prstDash val="solid"/>
+            <a:round/>
+            <a:headEnd type="none" w="sm" len="sm"/>
+            <a:tailEnd type="none" w="sm" len="sm"/>
+          </a:ln>
+        </p:spPr>
+        <p:txBody>
+          <a:bodyPr spcFirstLastPara="1" wrap="square" lIns="91425" tIns="91425" rIns="91425" bIns="91425" anchor="ctr" anchorCtr="0">
+            <a:noAutofit/>
+          </a:bodyPr>
+          <a:lstStyle/>
+          <a:p>
+            <a:pPr marL="0" marR="0" lvl="0" indent="0" algn="ctr" rtl="0">
+              <a:lnSpc>
+                <a:spcPct val="100000"/>
+              </a:lnSpc>
+              <a:spcBef>
+                <a:spcPts val="0"/>
+              </a:spcBef>
+              <a:spcAft>
+                <a:spcPts val="0"/>
+              </a:spcAft>
+              <a:buClr>
+                <a:srgbClr val="000000"/>
+              </a:buClr>
+              <a:buSzPts val="1400"/>
+              <a:buFont typeface="Arial"/>
+              <a:buNone/>
+            </a:pPr>
+            <a:endParaRPr sz="1400" b="0" i="0" u="none" strike="noStrike" cap="none">
+              <a:solidFill>
+                <a:srgbClr val="000000"/>
+              </a:solidFill>
+              <a:latin typeface="Arial"/>
+              <a:ea typeface="Arial"/>
+              <a:cs typeface="Arial"/>
+              <a:sym typeface="Arial"/>
+            </a:endParaRPr>
+          </a:p>
+        </p:txBody>
+      </p:sp>
+      <p:sp>
+        <p:nvSpPr>
+          <p:cNvPr id="252" name="Google Shape;252;p30"/>
+          <p:cNvSpPr/>
+          <p:nvPr/>
+        </p:nvSpPr>
+        <p:spPr>
+          <a:xfrm>
+            <a:off x="3465236" y="2938551"/>
             <a:ext cx="125400" cy="125400"/>
           </a:xfrm>
           <a:prstGeom prst="ellipse">
@@ -23362,75 +23913,13 @@
       </p:sp>
       <p:sp>
         <p:nvSpPr>
-          <p:cNvPr id="247" name="Google Shape;247;p30"/>
+          <p:cNvPr id="253" name="Google Shape;253;p30"/>
           <p:cNvSpPr/>
           <p:nvPr/>
         </p:nvSpPr>
         <p:spPr>
           <a:xfrm>
-            <a:off x="3461846" y="1856428"/>
-            <a:ext cx="125400" cy="125400"/>
-          </a:xfrm>
-          <a:prstGeom prst="ellipse">
-            <a:avLst/>
-          </a:prstGeom>
-          <a:solidFill>
-            <a:srgbClr val="FF0000"/>
-          </a:solidFill>
-          <a:ln w="9525" cap="flat" cmpd="sng">
-            <a:solidFill>
-              <a:srgbClr val="595959"/>
-            </a:solidFill>
-            <a:prstDash val="solid"/>
-            <a:round/>
-            <a:headEnd type="none" w="sm" len="sm"/>
-            <a:tailEnd type="none" w="sm" len="sm"/>
-          </a:ln>
-        </p:spPr>
-        <p:txBody>
-          <a:bodyPr spcFirstLastPara="1" wrap="square" lIns="91425" tIns="91425" rIns="91425" bIns="91425" anchor="ctr" anchorCtr="0">
-            <a:noAutofit/>
-          </a:bodyPr>
-          <a:lstStyle/>
-          <a:p>
-            <a:pPr marL="0" marR="0" lvl="0" indent="0" algn="ctr" rtl="0">
-              <a:lnSpc>
-                <a:spcPct val="100000"/>
-              </a:lnSpc>
-              <a:spcBef>
-                <a:spcPts val="0"/>
-              </a:spcBef>
-              <a:spcAft>
-                <a:spcPts val="0"/>
-              </a:spcAft>
-              <a:buClr>
-                <a:srgbClr val="000000"/>
-              </a:buClr>
-              <a:buSzPts val="1400"/>
-              <a:buFont typeface="Arial"/>
-              <a:buNone/>
-            </a:pPr>
-            <a:endParaRPr sz="1400" b="0" i="0" u="none" strike="noStrike" cap="none">
-              <a:solidFill>
-                <a:srgbClr val="000000"/>
-              </a:solidFill>
-              <a:latin typeface="Arial"/>
-              <a:ea typeface="Arial"/>
-              <a:cs typeface="Arial"/>
-              <a:sym typeface="Arial"/>
-            </a:endParaRPr>
-          </a:p>
-        </p:txBody>
-      </p:sp>
-      <p:sp>
-        <p:nvSpPr>
-          <p:cNvPr id="248" name="Google Shape;248;p30"/>
-          <p:cNvSpPr/>
-          <p:nvPr/>
-        </p:nvSpPr>
-        <p:spPr>
-          <a:xfrm>
-            <a:off x="3468686" y="2433294"/>
+            <a:off x="3468666" y="4126850"/>
             <a:ext cx="125400" cy="125400"/>
           </a:xfrm>
           <a:prstGeom prst="ellipse">
@@ -23486,69 +23975,7 @@
       </p:sp>
       <p:sp>
         <p:nvSpPr>
-          <p:cNvPr id="249" name="Google Shape;249;p30"/>
-          <p:cNvSpPr/>
-          <p:nvPr/>
-        </p:nvSpPr>
-        <p:spPr>
-          <a:xfrm>
-            <a:off x="3468666" y="4149116"/>
-            <a:ext cx="125400" cy="125400"/>
-          </a:xfrm>
-          <a:prstGeom prst="ellipse">
-            <a:avLst/>
-          </a:prstGeom>
-          <a:solidFill>
-            <a:srgbClr val="FFFF00"/>
-          </a:solidFill>
-          <a:ln w="9525" cap="flat" cmpd="sng">
-            <a:solidFill>
-              <a:srgbClr val="595959"/>
-            </a:solidFill>
-            <a:prstDash val="solid"/>
-            <a:round/>
-            <a:headEnd type="none" w="sm" len="sm"/>
-            <a:tailEnd type="none" w="sm" len="sm"/>
-          </a:ln>
-        </p:spPr>
-        <p:txBody>
-          <a:bodyPr spcFirstLastPara="1" wrap="square" lIns="91425" tIns="91425" rIns="91425" bIns="91425" anchor="ctr" anchorCtr="0">
-            <a:noAutofit/>
-          </a:bodyPr>
-          <a:lstStyle/>
-          <a:p>
-            <a:pPr marL="0" marR="0" lvl="0" indent="0" algn="ctr" rtl="0">
-              <a:lnSpc>
-                <a:spcPct val="100000"/>
-              </a:lnSpc>
-              <a:spcBef>
-                <a:spcPts val="0"/>
-              </a:spcBef>
-              <a:spcAft>
-                <a:spcPts val="0"/>
-              </a:spcAft>
-              <a:buClr>
-                <a:srgbClr val="000000"/>
-              </a:buClr>
-              <a:buSzPts val="1400"/>
-              <a:buFont typeface="Arial"/>
-              <a:buNone/>
-            </a:pPr>
-            <a:endParaRPr sz="1400" b="0" i="0" u="none" strike="noStrike" cap="none">
-              <a:solidFill>
-                <a:srgbClr val="000000"/>
-              </a:solidFill>
-              <a:latin typeface="Arial"/>
-              <a:ea typeface="Arial"/>
-              <a:cs typeface="Arial"/>
-              <a:sym typeface="Arial"/>
-            </a:endParaRPr>
-          </a:p>
-        </p:txBody>
-      </p:sp>
-      <p:sp>
-        <p:nvSpPr>
-          <p:cNvPr id="250" name="Google Shape;250;p30"/>
+          <p:cNvPr id="254" name="Google Shape;254;p30"/>
           <p:cNvSpPr txBox="1"/>
           <p:nvPr/>
         </p:nvSpPr>
@@ -24120,13 +24547,13 @@
       </p:sp>
       <p:sp>
         <p:nvSpPr>
-          <p:cNvPr id="251" name="Google Shape;251;p30"/>
+          <p:cNvPr id="255" name="Google Shape;255;p30"/>
           <p:cNvSpPr/>
           <p:nvPr/>
         </p:nvSpPr>
         <p:spPr>
           <a:xfrm>
-            <a:off x="346550" y="2430372"/>
+            <a:off x="346550" y="2506572"/>
             <a:ext cx="125400" cy="125400"/>
           </a:xfrm>
           <a:prstGeom prst="ellipse">
@@ -24182,13 +24609,13 @@
       </p:sp>
       <p:sp>
         <p:nvSpPr>
-          <p:cNvPr id="252" name="Google Shape;252;p30"/>
+          <p:cNvPr id="256" name="Google Shape;256;p30"/>
           <p:cNvSpPr/>
           <p:nvPr/>
         </p:nvSpPr>
         <p:spPr>
           <a:xfrm>
-            <a:off x="346550" y="2820502"/>
+            <a:off x="340103" y="4093502"/>
             <a:ext cx="125400" cy="125400"/>
           </a:xfrm>
           <a:prstGeom prst="ellipse">
@@ -24244,13 +24671,13 @@
       </p:sp>
       <p:sp>
         <p:nvSpPr>
-          <p:cNvPr id="253" name="Google Shape;253;p30"/>
+          <p:cNvPr id="257" name="Google Shape;257;p30"/>
           <p:cNvSpPr txBox="1"/>
           <p:nvPr/>
         </p:nvSpPr>
         <p:spPr>
           <a:xfrm>
-            <a:off x="55681" y="3754053"/>
+            <a:off x="55681" y="3700119"/>
             <a:ext cx="287100" cy="141600"/>
           </a:xfrm>
           <a:prstGeom prst="rect">
@@ -24322,13 +24749,13 @@
       </p:sp>
       <p:sp>
         <p:nvSpPr>
-          <p:cNvPr id="254" name="Google Shape;254;p30"/>
+          <p:cNvPr id="258" name="Google Shape;258;p30"/>
           <p:cNvSpPr/>
           <p:nvPr/>
         </p:nvSpPr>
         <p:spPr>
           <a:xfrm>
-            <a:off x="346550" y="3762447"/>
+            <a:off x="346550" y="3708513"/>
             <a:ext cx="125400" cy="125400"/>
           </a:xfrm>
           <a:prstGeom prst="ellipse">
@@ -24384,13 +24811,13 @@
       </p:sp>
       <p:sp>
         <p:nvSpPr>
-          <p:cNvPr id="255" name="Google Shape;255;p30"/>
+          <p:cNvPr id="259" name="Google Shape;259;p30"/>
           <p:cNvSpPr/>
           <p:nvPr/>
         </p:nvSpPr>
         <p:spPr>
           <a:xfrm>
-            <a:off x="347525" y="3573963"/>
+            <a:off x="347525" y="3886185"/>
             <a:ext cx="125400" cy="125400"/>
           </a:xfrm>
           <a:prstGeom prst="ellipse">
@@ -24446,13 +24873,13 @@
       </p:sp>
       <p:sp>
         <p:nvSpPr>
-          <p:cNvPr id="256" name="Google Shape;256;p30"/>
+          <p:cNvPr id="260" name="Google Shape;260;p30"/>
           <p:cNvSpPr/>
           <p:nvPr/>
         </p:nvSpPr>
         <p:spPr>
           <a:xfrm>
-            <a:off x="206798" y="3578353"/>
+            <a:off x="206798" y="3890575"/>
             <a:ext cx="125400" cy="125400"/>
           </a:xfrm>
           <a:prstGeom prst="ellipse">
@@ -24508,13 +24935,13 @@
       </p:sp>
       <p:sp>
         <p:nvSpPr>
-          <p:cNvPr id="257" name="Google Shape;257;p30"/>
+          <p:cNvPr id="261" name="Google Shape;261;p30"/>
           <p:cNvSpPr txBox="1"/>
           <p:nvPr/>
         </p:nvSpPr>
         <p:spPr>
           <a:xfrm>
-            <a:off x="3173227" y="3001780"/>
+            <a:off x="3173227" y="3122512"/>
             <a:ext cx="287100" cy="141600"/>
           </a:xfrm>
           <a:prstGeom prst="rect">
@@ -24586,13 +25013,13 @@
       </p:sp>
       <p:sp>
         <p:nvSpPr>
-          <p:cNvPr id="258" name="Google Shape;258;p30"/>
+          <p:cNvPr id="262" name="Google Shape;262;p30"/>
           <p:cNvSpPr/>
           <p:nvPr/>
         </p:nvSpPr>
         <p:spPr>
           <a:xfrm>
-            <a:off x="3464096" y="3010174"/>
+            <a:off x="3464096" y="3130906"/>
             <a:ext cx="125400" cy="125400"/>
           </a:xfrm>
           <a:prstGeom prst="ellipse">
@@ -24648,13 +25075,13 @@
       </p:sp>
       <p:sp>
         <p:nvSpPr>
-          <p:cNvPr id="259" name="Google Shape;259;p30"/>
+          <p:cNvPr id="263" name="Google Shape;263;p30"/>
           <p:cNvSpPr/>
           <p:nvPr/>
         </p:nvSpPr>
         <p:spPr>
           <a:xfrm>
-            <a:off x="3463644" y="3197303"/>
+            <a:off x="3463644" y="3332880"/>
             <a:ext cx="125400" cy="125400"/>
           </a:xfrm>
           <a:prstGeom prst="ellipse">
@@ -24710,13 +25137,13 @@
       </p:sp>
       <p:sp>
         <p:nvSpPr>
-          <p:cNvPr id="260" name="Google Shape;260;p30"/>
+          <p:cNvPr id="264" name="Google Shape;264;p30"/>
           <p:cNvSpPr txBox="1"/>
           <p:nvPr/>
         </p:nvSpPr>
         <p:spPr>
           <a:xfrm>
-            <a:off x="3295621" y="4530733"/>
+            <a:off x="3303046" y="4913089"/>
             <a:ext cx="288900" cy="141600"/>
           </a:xfrm>
           <a:prstGeom prst="rect">
@@ -24786,53 +25213,15 @@
           </a:p>
         </p:txBody>
       </p:sp>
-      <p:pic>
-        <p:nvPicPr>
-          <p:cNvPr id="261" name="Google Shape;261;p30"/>
-          <p:cNvPicPr preferRelativeResize="0"/>
-          <p:nvPr/>
-        </p:nvPicPr>
-        <p:blipFill rotWithShape="1">
-          <a:blip r:embed="rId15" cstate="email">
-            <a:alphaModFix/>
-            <a:extLst>
-              <a:ext uri="{28A0092B-C50C-407E-A947-70E740481C1C}">
-                <a14:useLocalDpi xmlns:a14="http://schemas.microsoft.com/office/drawing/2010/main"/>
-              </a:ext>
-            </a:extLst>
-          </a:blip>
-          <a:srcRect/>
-          <a:stretch/>
-        </p:blipFill>
-        <p:spPr>
-          <a:xfrm>
-            <a:off x="3607100" y="858575"/>
-            <a:ext cx="2300350" cy="4211451"/>
-          </a:xfrm>
-          <a:prstGeom prst="rect">
-            <a:avLst/>
-          </a:prstGeom>
-          <a:noFill/>
-          <a:ln w="9525" cap="flat" cmpd="sng">
-            <a:solidFill>
-              <a:srgbClr val="FF0000"/>
-            </a:solidFill>
-            <a:prstDash val="solid"/>
-            <a:round/>
-            <a:headEnd type="none" w="sm" len="sm"/>
-            <a:tailEnd type="none" w="sm" len="sm"/>
-          </a:ln>
-        </p:spPr>
-      </p:pic>
       <p:sp>
         <p:nvSpPr>
-          <p:cNvPr id="262" name="Google Shape;262;p30"/>
+          <p:cNvPr id="265" name="Google Shape;265;p30"/>
           <p:cNvSpPr/>
           <p:nvPr/>
         </p:nvSpPr>
         <p:spPr>
           <a:xfrm>
-            <a:off x="3468686" y="2625485"/>
+            <a:off x="3468686" y="2753640"/>
             <a:ext cx="125400" cy="125400"/>
           </a:xfrm>
           <a:prstGeom prst="ellipse">
@@ -24888,13 +25277,13 @@
       </p:sp>
       <p:sp>
         <p:nvSpPr>
-          <p:cNvPr id="263" name="Google Shape;263;p30"/>
+          <p:cNvPr id="266" name="Google Shape;266;p30"/>
           <p:cNvSpPr txBox="1"/>
           <p:nvPr/>
         </p:nvSpPr>
         <p:spPr>
           <a:xfrm>
-            <a:off x="3173227" y="2812971"/>
+            <a:off x="3173227" y="2537859"/>
             <a:ext cx="287100" cy="141600"/>
           </a:xfrm>
           <a:prstGeom prst="rect">
@@ -24966,13 +25355,13 @@
       </p:sp>
       <p:sp>
         <p:nvSpPr>
-          <p:cNvPr id="264" name="Google Shape;264;p30"/>
+          <p:cNvPr id="267" name="Google Shape;267;p30"/>
           <p:cNvSpPr/>
           <p:nvPr/>
         </p:nvSpPr>
         <p:spPr>
           <a:xfrm>
-            <a:off x="3464096" y="2821365"/>
+            <a:off x="3464096" y="2546253"/>
             <a:ext cx="125400" cy="125400"/>
           </a:xfrm>
           <a:prstGeom prst="ellipse">
@@ -25028,175 +25417,13 @@
       </p:sp>
       <p:sp>
         <p:nvSpPr>
-          <p:cNvPr id="265" name="Google Shape;265;p30"/>
-          <p:cNvSpPr/>
-          <p:nvPr/>
-        </p:nvSpPr>
-        <p:spPr>
-          <a:xfrm>
-            <a:off x="3470291" y="4722960"/>
-            <a:ext cx="125400" cy="125400"/>
-          </a:xfrm>
-          <a:prstGeom prst="ellipse">
-            <a:avLst/>
-          </a:prstGeom>
-          <a:solidFill>
-            <a:srgbClr val="3C78D8"/>
-          </a:solidFill>
-          <a:ln w="9525" cap="flat" cmpd="sng">
-            <a:solidFill>
-              <a:srgbClr val="595959"/>
-            </a:solidFill>
-            <a:prstDash val="solid"/>
-            <a:round/>
-            <a:headEnd type="none" w="sm" len="sm"/>
-            <a:tailEnd type="none" w="sm" len="sm"/>
-          </a:ln>
-        </p:spPr>
-        <p:txBody>
-          <a:bodyPr spcFirstLastPara="1" wrap="square" lIns="91425" tIns="91425" rIns="91425" bIns="91425" anchor="ctr" anchorCtr="0">
-            <a:noAutofit/>
-          </a:bodyPr>
-          <a:lstStyle/>
-          <a:p>
-            <a:pPr marL="0" marR="0" lvl="0" indent="0" algn="ctr" rtl="0">
-              <a:lnSpc>
-                <a:spcPct val="100000"/>
-              </a:lnSpc>
-              <a:spcBef>
-                <a:spcPts val="0"/>
-              </a:spcBef>
-              <a:spcAft>
-                <a:spcPts val="0"/>
-              </a:spcAft>
-              <a:buClr>
-                <a:srgbClr val="000000"/>
-              </a:buClr>
-              <a:buSzPts val="1400"/>
-              <a:buFont typeface="Arial"/>
-              <a:buNone/>
-            </a:pPr>
-            <a:endParaRPr sz="1400" b="0" i="0" u="none" strike="noStrike" cap="none">
-              <a:solidFill>
-                <a:srgbClr val="000000"/>
-              </a:solidFill>
-              <a:latin typeface="Arial"/>
-              <a:ea typeface="Arial"/>
-              <a:cs typeface="Arial"/>
-              <a:sym typeface="Arial"/>
-            </a:endParaRPr>
-          </a:p>
-        </p:txBody>
-      </p:sp>
-      <p:sp>
-        <p:nvSpPr>
-          <p:cNvPr id="266" name="Google Shape;266;p30"/>
-          <p:cNvSpPr/>
-          <p:nvPr/>
-        </p:nvSpPr>
-        <p:spPr>
-          <a:xfrm>
-            <a:off x="3470291" y="4907193"/>
-            <a:ext cx="125400" cy="125400"/>
-          </a:xfrm>
-          <a:prstGeom prst="ellipse">
-            <a:avLst/>
-          </a:prstGeom>
-          <a:solidFill>
-            <a:srgbClr val="3C78D8"/>
-          </a:solidFill>
-          <a:ln w="9525" cap="flat" cmpd="sng">
-            <a:solidFill>
-              <a:srgbClr val="595959"/>
-            </a:solidFill>
-            <a:prstDash val="solid"/>
-            <a:round/>
-            <a:headEnd type="none" w="sm" len="sm"/>
-            <a:tailEnd type="none" w="sm" len="sm"/>
-          </a:ln>
-        </p:spPr>
-        <p:txBody>
-          <a:bodyPr spcFirstLastPara="1" wrap="square" lIns="91425" tIns="91425" rIns="91425" bIns="91425" anchor="ctr" anchorCtr="0">
-            <a:noAutofit/>
-          </a:bodyPr>
-          <a:lstStyle/>
-          <a:p>
-            <a:pPr marL="0" marR="0" lvl="0" indent="0" algn="ctr" rtl="0">
-              <a:lnSpc>
-                <a:spcPct val="100000"/>
-              </a:lnSpc>
-              <a:spcBef>
-                <a:spcPts val="0"/>
-              </a:spcBef>
-              <a:spcAft>
-                <a:spcPts val="0"/>
-              </a:spcAft>
-              <a:buClr>
-                <a:srgbClr val="000000"/>
-              </a:buClr>
-              <a:buSzPts val="1400"/>
-              <a:buFont typeface="Arial"/>
-              <a:buNone/>
-            </a:pPr>
-            <a:endParaRPr sz="1400" b="0" i="0" u="none" strike="noStrike" cap="none">
-              <a:solidFill>
-                <a:srgbClr val="000000"/>
-              </a:solidFill>
-              <a:latin typeface="Arial"/>
-              <a:ea typeface="Arial"/>
-              <a:cs typeface="Arial"/>
-              <a:sym typeface="Arial"/>
-            </a:endParaRPr>
-          </a:p>
-        </p:txBody>
-      </p:sp>
-      <p:pic>
-        <p:nvPicPr>
-          <p:cNvPr id="267" name="Google Shape;267;p30"/>
-          <p:cNvPicPr preferRelativeResize="0"/>
-          <p:nvPr/>
-        </p:nvPicPr>
-        <p:blipFill rotWithShape="1">
-          <a:blip r:embed="rId16" cstate="email">
-            <a:alphaModFix/>
-            <a:extLst>
-              <a:ext uri="{28A0092B-C50C-407E-A947-70E740481C1C}">
-                <a14:useLocalDpi xmlns:a14="http://schemas.microsoft.com/office/drawing/2010/main"/>
-              </a:ext>
-            </a:extLst>
-          </a:blip>
-          <a:srcRect/>
-          <a:stretch/>
-        </p:blipFill>
-        <p:spPr>
-          <a:xfrm>
-            <a:off x="497998" y="858575"/>
-            <a:ext cx="2300350" cy="4211451"/>
-          </a:xfrm>
-          <a:prstGeom prst="rect">
-            <a:avLst/>
-          </a:prstGeom>
-          <a:noFill/>
-          <a:ln w="9525" cap="flat" cmpd="sng">
-            <a:solidFill>
-              <a:srgbClr val="FF0000"/>
-            </a:solidFill>
-            <a:prstDash val="solid"/>
-            <a:round/>
-            <a:headEnd type="none" w="sm" len="sm"/>
-            <a:tailEnd type="none" w="sm" len="sm"/>
-          </a:ln>
-        </p:spPr>
-      </p:pic>
-      <p:sp>
-        <p:nvSpPr>
           <p:cNvPr id="268" name="Google Shape;268;p30"/>
           <p:cNvSpPr/>
           <p:nvPr/>
         </p:nvSpPr>
         <p:spPr>
           <a:xfrm>
-            <a:off x="346124" y="3202388"/>
+            <a:off x="347524" y="3513851"/>
             <a:ext cx="125400" cy="125400"/>
           </a:xfrm>
           <a:prstGeom prst="ellipse">
@@ -25250,15 +25477,93 @@
           </a:p>
         </p:txBody>
       </p:sp>
+      <p:pic>
+        <p:nvPicPr>
+          <p:cNvPr id="269" name="Google Shape;269;p30"/>
+          <p:cNvPicPr preferRelativeResize="0"/>
+          <p:nvPr/>
+        </p:nvPicPr>
+        <p:blipFill>
+          <a:blip r:embed="rId15" cstate="email">
+            <a:alphaModFix/>
+            <a:extLst>
+              <a:ext uri="{28A0092B-C50C-407E-A947-70E740481C1C}">
+                <a14:useLocalDpi xmlns:a14="http://schemas.microsoft.com/office/drawing/2010/main"/>
+              </a:ext>
+            </a:extLst>
+          </a:blip>
+          <a:stretch>
+            <a:fillRect/>
+          </a:stretch>
+        </p:blipFill>
+        <p:spPr>
+          <a:xfrm>
+            <a:off x="3616611" y="858574"/>
+            <a:ext cx="2629663" cy="4211451"/>
+          </a:xfrm>
+          <a:prstGeom prst="rect">
+            <a:avLst/>
+          </a:prstGeom>
+          <a:noFill/>
+          <a:ln w="9525" cap="flat" cmpd="sng">
+            <a:solidFill>
+              <a:srgbClr val="FF0000"/>
+            </a:solidFill>
+            <a:prstDash val="solid"/>
+            <a:round/>
+            <a:headEnd type="none" w="sm" len="sm"/>
+            <a:tailEnd type="none" w="sm" len="sm"/>
+          </a:ln>
+        </p:spPr>
+      </p:pic>
+      <p:pic>
+        <p:nvPicPr>
+          <p:cNvPr id="270" name="Google Shape;270;p30"/>
+          <p:cNvPicPr preferRelativeResize="0"/>
+          <p:nvPr/>
+        </p:nvPicPr>
+        <p:blipFill>
+          <a:blip r:embed="rId16" cstate="email">
+            <a:alphaModFix/>
+            <a:extLst>
+              <a:ext uri="{28A0092B-C50C-407E-A947-70E740481C1C}">
+                <a14:useLocalDpi xmlns:a14="http://schemas.microsoft.com/office/drawing/2010/main"/>
+              </a:ext>
+            </a:extLst>
+          </a:blip>
+          <a:stretch>
+            <a:fillRect/>
+          </a:stretch>
+        </p:blipFill>
+        <p:spPr>
+          <a:xfrm>
+            <a:off x="498034" y="847802"/>
+            <a:ext cx="2576960" cy="4211451"/>
+          </a:xfrm>
+          <a:prstGeom prst="rect">
+            <a:avLst/>
+          </a:prstGeom>
+          <a:noFill/>
+          <a:ln w="9525" cap="flat" cmpd="sng">
+            <a:solidFill>
+              <a:srgbClr val="FF0000"/>
+            </a:solidFill>
+            <a:prstDash val="solid"/>
+            <a:round/>
+            <a:headEnd type="none" w="sm" len="sm"/>
+            <a:tailEnd type="none" w="sm" len="sm"/>
+          </a:ln>
+        </p:spPr>
+      </p:pic>
       <p:sp>
         <p:nvSpPr>
-          <p:cNvPr id="269" name="Google Shape;269;p30"/>
+          <p:cNvPr id="271" name="Google Shape;271;p30"/>
           <p:cNvSpPr txBox="1"/>
           <p:nvPr/>
         </p:nvSpPr>
         <p:spPr>
           <a:xfrm>
-            <a:off x="55681" y="4900457"/>
+            <a:off x="185813" y="2722903"/>
             <a:ext cx="287100" cy="141600"/>
           </a:xfrm>
           <a:prstGeom prst="rect">
@@ -25330,192 +25635,19 @@
       </p:sp>
       <p:sp>
         <p:nvSpPr>
-          <p:cNvPr id="270" name="Google Shape;270;p30"/>
-          <p:cNvSpPr/>
+          <p:cNvPr id="272" name="Google Shape;272;p30"/>
+          <p:cNvSpPr txBox="1"/>
           <p:nvPr/>
         </p:nvSpPr>
         <p:spPr>
           <a:xfrm>
-            <a:off x="346550" y="4908851"/>
-            <a:ext cx="125400" cy="125400"/>
+            <a:off x="3303043" y="3921133"/>
+            <a:ext cx="288900" cy="141600"/>
           </a:xfrm>
-          <a:prstGeom prst="ellipse">
+          <a:prstGeom prst="rect">
             <a:avLst/>
           </a:prstGeom>
-          <a:solidFill>
-            <a:srgbClr val="6AA84F"/>
-          </a:solidFill>
-          <a:ln w="9525" cap="flat" cmpd="sng">
-            <a:solidFill>
-              <a:srgbClr val="595959"/>
-            </a:solidFill>
-            <a:prstDash val="solid"/>
-            <a:round/>
-            <a:headEnd type="none" w="sm" len="sm"/>
-            <a:tailEnd type="none" w="sm" len="sm"/>
-          </a:ln>
-        </p:spPr>
-        <p:txBody>
-          <a:bodyPr spcFirstLastPara="1" wrap="square" lIns="91425" tIns="91425" rIns="91425" bIns="91425" anchor="ctr" anchorCtr="0">
-            <a:noAutofit/>
-          </a:bodyPr>
-          <a:lstStyle/>
-          <a:p>
-            <a:pPr marL="0" marR="0" lvl="0" indent="0" algn="ctr" rtl="0">
-              <a:lnSpc>
-                <a:spcPct val="100000"/>
-              </a:lnSpc>
-              <a:spcBef>
-                <a:spcPts val="0"/>
-              </a:spcBef>
-              <a:spcAft>
-                <a:spcPts val="0"/>
-              </a:spcAft>
-              <a:buClr>
-                <a:srgbClr val="000000"/>
-              </a:buClr>
-              <a:buSzPts val="1400"/>
-              <a:buFont typeface="Arial"/>
-              <a:buNone/>
-            </a:pPr>
-            <a:endParaRPr sz="1400" b="0" i="0" u="none" strike="noStrike" cap="none">
-              <a:solidFill>
-                <a:srgbClr val="000000"/>
-              </a:solidFill>
-              <a:latin typeface="Arial"/>
-              <a:ea typeface="Arial"/>
-              <a:cs typeface="Arial"/>
-              <a:sym typeface="Arial"/>
-            </a:endParaRPr>
-          </a:p>
-        </p:txBody>
-      </p:sp>
-      <p:sp>
-        <p:nvSpPr>
-          <p:cNvPr id="271" name="Google Shape;271;p30"/>
-          <p:cNvSpPr/>
-          <p:nvPr/>
-        </p:nvSpPr>
-        <p:spPr>
-          <a:xfrm>
-            <a:off x="1387800" y="3730875"/>
-            <a:ext cx="360600" cy="203100"/>
-          </a:xfrm>
-          <a:prstGeom prst="leftArrow">
-            <a:avLst>
-              <a:gd name="adj1" fmla="val 50000"/>
-              <a:gd name="adj2" fmla="val 50000"/>
-            </a:avLst>
-          </a:prstGeom>
-          <a:solidFill>
-            <a:srgbClr val="93C47D"/>
-          </a:solidFill>
-          <a:ln w="9525" cap="flat" cmpd="sng">
-            <a:solidFill>
-              <a:srgbClr val="6AA84F"/>
-            </a:solidFill>
-            <a:prstDash val="solid"/>
-            <a:round/>
-            <a:headEnd type="none" w="sm" len="sm"/>
-            <a:tailEnd type="none" w="sm" len="sm"/>
-          </a:ln>
-        </p:spPr>
-        <p:txBody>
-          <a:bodyPr spcFirstLastPara="1" wrap="square" lIns="91425" tIns="91425" rIns="91425" bIns="91425" anchor="ctr" anchorCtr="0">
-            <a:noAutofit/>
-          </a:bodyPr>
-          <a:lstStyle/>
-          <a:p>
-            <a:pPr marL="0" lvl="0" indent="0" algn="ctr" rtl="0">
-              <a:spcBef>
-                <a:spcPts val="0"/>
-              </a:spcBef>
-              <a:spcAft>
-                <a:spcPts val="0"/>
-              </a:spcAft>
-              <a:buNone/>
-            </a:pPr>
-            <a:endParaRPr>
-              <a:solidFill>
-                <a:srgbClr val="93C47D"/>
-              </a:solidFill>
-            </a:endParaRPr>
-          </a:p>
-        </p:txBody>
-      </p:sp>
-      <p:sp>
-        <p:nvSpPr>
-          <p:cNvPr id="272" name="Google Shape;272;p30"/>
-          <p:cNvSpPr/>
-          <p:nvPr/>
-        </p:nvSpPr>
-        <p:spPr>
-          <a:xfrm>
-            <a:off x="4492413" y="2782525"/>
-            <a:ext cx="360600" cy="203100"/>
-          </a:xfrm>
-          <a:prstGeom prst="leftArrow">
-            <a:avLst>
-              <a:gd name="adj1" fmla="val 50000"/>
-              <a:gd name="adj2" fmla="val 50000"/>
-            </a:avLst>
-          </a:prstGeom>
-          <a:solidFill>
-            <a:srgbClr val="93C47D"/>
-          </a:solidFill>
-          <a:ln w="9525" cap="flat" cmpd="sng">
-            <a:solidFill>
-              <a:srgbClr val="6AA84F"/>
-            </a:solidFill>
-            <a:prstDash val="solid"/>
-            <a:round/>
-            <a:headEnd type="none" w="sm" len="sm"/>
-            <a:tailEnd type="none" w="sm" len="sm"/>
-          </a:ln>
-        </p:spPr>
-        <p:txBody>
-          <a:bodyPr spcFirstLastPara="1" wrap="square" lIns="91425" tIns="91425" rIns="91425" bIns="91425" anchor="ctr" anchorCtr="0">
-            <a:noAutofit/>
-          </a:bodyPr>
-          <a:lstStyle/>
-          <a:p>
-            <a:pPr marL="0" lvl="0" indent="0" algn="ctr" rtl="0">
-              <a:spcBef>
-                <a:spcPts val="0"/>
-              </a:spcBef>
-              <a:spcAft>
-                <a:spcPts val="0"/>
-              </a:spcAft>
-              <a:buNone/>
-            </a:pPr>
-            <a:endParaRPr>
-              <a:solidFill>
-                <a:srgbClr val="93C47D"/>
-              </a:solidFill>
-            </a:endParaRPr>
-          </a:p>
-        </p:txBody>
-      </p:sp>
-      <p:sp>
-        <p:nvSpPr>
-          <p:cNvPr id="273" name="Google Shape;273;p30"/>
-          <p:cNvSpPr/>
-          <p:nvPr/>
-        </p:nvSpPr>
-        <p:spPr>
-          <a:xfrm>
-            <a:off x="1845000" y="1063875"/>
-            <a:ext cx="360600" cy="203100"/>
-          </a:xfrm>
-          <a:prstGeom prst="leftArrow">
-            <a:avLst>
-              <a:gd name="adj1" fmla="val 50000"/>
-              <a:gd name="adj2" fmla="val 50000"/>
-            </a:avLst>
-          </a:prstGeom>
-          <a:solidFill>
-            <a:srgbClr val="FF0000"/>
-          </a:solidFill>
+          <a:noFill/>
           <a:ln w="9525" cap="flat" cmpd="sng">
             <a:solidFill>
               <a:srgbClr val="FF0000"/>
@@ -25527,77 +25659,54 @@
           </a:ln>
         </p:spPr>
         <p:txBody>
-          <a:bodyPr spcFirstLastPara="1" wrap="square" lIns="91425" tIns="91425" rIns="91425" bIns="91425" anchor="ctr" anchorCtr="0">
-            <a:noAutofit/>
+          <a:bodyPr spcFirstLastPara="1" wrap="square" lIns="9125" tIns="9125" rIns="9125" bIns="9125" anchor="t" anchorCtr="0">
+            <a:spAutoFit/>
           </a:bodyPr>
           <a:lstStyle/>
           <a:p>
-            <a:pPr marL="0" lvl="0" indent="0" algn="ctr" rtl="0">
-              <a:spcBef>
-                <a:spcPts val="0"/>
-              </a:spcBef>
-              <a:spcAft>
-                <a:spcPts val="0"/>
-              </a:spcAft>
-              <a:buNone/>
-            </a:pPr>
-            <a:endParaRPr>
+            <a:pPr marL="0" marR="0" lvl="0" indent="0" algn="l" rtl="0">
+              <a:lnSpc>
+                <a:spcPct val="100000"/>
+              </a:lnSpc>
+              <a:spcBef>
+                <a:spcPts val="0"/>
+              </a:spcBef>
+              <a:spcAft>
+                <a:spcPts val="0"/>
+              </a:spcAft>
+              <a:buClr>
+                <a:srgbClr val="000000"/>
+              </a:buClr>
+              <a:buSzPts val="1100"/>
+              <a:buFont typeface="Arial"/>
+              <a:buNone/>
+            </a:pPr>
+            <a:r>
+              <a:rPr lang="en" sz="800" b="0" i="0" u="none" strike="noStrike" cap="none">
+                <a:solidFill>
+                  <a:srgbClr val="1F2937"/>
+                </a:solidFill>
+                <a:highlight>
+                  <a:srgbClr val="FFFFFF"/>
+                </a:highlight>
+                <a:latin typeface="Calibri"/>
+                <a:ea typeface="Calibri"/>
+                <a:cs typeface="Calibri"/>
+                <a:sym typeface="Calibri"/>
+              </a:rPr>
+              <a:t>China</a:t>
+            </a:r>
+            <a:endParaRPr sz="800" b="0" i="0" u="none" strike="noStrike" cap="none">
               <a:solidFill>
-                <a:srgbClr val="93C47D"/>
+                <a:srgbClr val="1F2937"/>
               </a:solidFill>
-            </a:endParaRPr>
-          </a:p>
-        </p:txBody>
-      </p:sp>
-      <p:sp>
-        <p:nvSpPr>
-          <p:cNvPr id="274" name="Google Shape;274;p30"/>
-          <p:cNvSpPr/>
-          <p:nvPr/>
-        </p:nvSpPr>
-        <p:spPr>
-          <a:xfrm>
-            <a:off x="4969200" y="1063875"/>
-            <a:ext cx="360600" cy="203100"/>
-          </a:xfrm>
-          <a:prstGeom prst="leftArrow">
-            <a:avLst>
-              <a:gd name="adj1" fmla="val 50000"/>
-              <a:gd name="adj2" fmla="val 50000"/>
-            </a:avLst>
-          </a:prstGeom>
-          <a:solidFill>
-            <a:srgbClr val="FF0000"/>
-          </a:solidFill>
-          <a:ln w="9525" cap="flat" cmpd="sng">
-            <a:solidFill>
-              <a:srgbClr val="FF0000"/>
-            </a:solidFill>
-            <a:prstDash val="solid"/>
-            <a:round/>
-            <a:headEnd type="none" w="sm" len="sm"/>
-            <a:tailEnd type="none" w="sm" len="sm"/>
-          </a:ln>
-        </p:spPr>
-        <p:txBody>
-          <a:bodyPr spcFirstLastPara="1" wrap="square" lIns="91425" tIns="91425" rIns="91425" bIns="91425" anchor="ctr" anchorCtr="0">
-            <a:noAutofit/>
-          </a:bodyPr>
-          <a:lstStyle/>
-          <a:p>
-            <a:pPr marL="0" lvl="0" indent="0" algn="ctr" rtl="0">
-              <a:spcBef>
-                <a:spcPts val="0"/>
-              </a:spcBef>
-              <a:spcAft>
-                <a:spcPts val="0"/>
-              </a:spcAft>
-              <a:buNone/>
-            </a:pPr>
-            <a:endParaRPr>
-              <a:solidFill>
-                <a:srgbClr val="93C47D"/>
-              </a:solidFill>
+              <a:highlight>
+                <a:srgbClr val="FFFFFF"/>
+              </a:highlight>
+              <a:latin typeface="Calibri"/>
+              <a:ea typeface="Calibri"/>
+              <a:cs typeface="Calibri"/>
+              <a:sym typeface="Calibri"/>
             </a:endParaRPr>
           </a:p>
         </p:txBody>
@@ -25615,7 +25724,7 @@
   <p:cSld>
     <p:spTree>
       <p:nvGrpSpPr>
-        <p:cNvPr id="1" name="Shape 278"/>
+        <p:cNvPr id="1" name="Shape 276"/>
         <p:cNvGrpSpPr/>
         <p:nvPr/>
       </p:nvGrpSpPr>
@@ -25629,7 +25738,7 @@
       </p:grpSpPr>
       <p:sp>
         <p:nvSpPr>
-          <p:cNvPr id="279" name="Google Shape;279;p31"/>
+          <p:cNvPr id="277" name="Google Shape;277;p31"/>
           <p:cNvSpPr txBox="1"/>
           <p:nvPr/>
         </p:nvSpPr>
@@ -25695,13 +25804,13 @@
       </p:sp>
       <p:sp>
         <p:nvSpPr>
-          <p:cNvPr id="280" name="Google Shape;280;p31"/>
+          <p:cNvPr id="278" name="Google Shape;278;p31"/>
           <p:cNvSpPr txBox="1"/>
           <p:nvPr/>
         </p:nvSpPr>
         <p:spPr>
           <a:xfrm>
-            <a:off x="191550" y="2470200"/>
+            <a:off x="2082413" y="114400"/>
             <a:ext cx="1563000" cy="203100"/>
           </a:xfrm>
           <a:prstGeom prst="rect">
@@ -25782,13 +25891,13 @@
       </p:sp>
       <p:sp>
         <p:nvSpPr>
-          <p:cNvPr id="281" name="Google Shape;281;p31"/>
+          <p:cNvPr id="279" name="Google Shape;279;p31"/>
           <p:cNvSpPr txBox="1"/>
           <p:nvPr/>
         </p:nvSpPr>
         <p:spPr>
           <a:xfrm>
-            <a:off x="5133675" y="450600"/>
+            <a:off x="3730450" y="1578175"/>
             <a:ext cx="2527500" cy="1126800"/>
           </a:xfrm>
           <a:prstGeom prst="rect">
@@ -25837,7 +25946,7 @@
                 <a:cs typeface="Calibri"/>
                 <a:sym typeface="Calibri"/>
               </a:rPr>
-              <a:t>  Layoffs in 2025: as of 5/7/2025:</a:t>
+              <a:t>  Layoffs in 2025: as of 5/16/2025:</a:t>
             </a:r>
             <a:endParaRPr sz="1200">
               <a:latin typeface="Calibri"/>
@@ -25871,7 +25980,7 @@
                 <a:cs typeface="Calibri"/>
                 <a:sym typeface="Calibri"/>
               </a:rPr>
-              <a:t>      52,340 tech employees laid off </a:t>
+              <a:t>      61,220 tech employees laid off </a:t>
             </a:r>
             <a:endParaRPr sz="1200">
               <a:latin typeface="Calibri"/>
@@ -25905,7 +26014,7 @@
                 <a:cs typeface="Calibri"/>
                 <a:sym typeface="Calibri"/>
               </a:rPr>
-              <a:t>      123 tech companies w/ layoffs</a:t>
+              <a:t>      130 tech companies w/ layoffs</a:t>
             </a:r>
             <a:endParaRPr sz="1200">
               <a:latin typeface="Calibri"/>
@@ -26011,7 +26120,7 @@
       </p:sp>
       <p:pic>
         <p:nvPicPr>
-          <p:cNvPr id="282" name="Google Shape;282;p31"/>
+          <p:cNvPr id="280" name="Google Shape;280;p31"/>
           <p:cNvPicPr preferRelativeResize="0"/>
           <p:nvPr/>
         </p:nvPicPr>
@@ -26030,8 +26139,8 @@
         </p:blipFill>
         <p:spPr>
           <a:xfrm>
-            <a:off x="142375" y="379144"/>
-            <a:ext cx="4588102" cy="1952706"/>
+            <a:off x="81952" y="2837650"/>
+            <a:ext cx="5775272" cy="2217351"/>
           </a:xfrm>
           <a:prstGeom prst="rect">
             <a:avLst/>
@@ -26050,7 +26159,7 @@
       </p:pic>
       <p:pic>
         <p:nvPicPr>
-          <p:cNvPr id="283" name="Google Shape;283;p31"/>
+          <p:cNvPr id="281" name="Google Shape;281;p31"/>
           <p:cNvPicPr preferRelativeResize="0"/>
           <p:nvPr/>
         </p:nvPicPr>
@@ -26069,8 +26178,150 @@
         </p:blipFill>
         <p:spPr>
           <a:xfrm>
-            <a:off x="4048700" y="2409475"/>
-            <a:ext cx="4961776" cy="2655325"/>
+            <a:off x="81938" y="468350"/>
+            <a:ext cx="3563476" cy="1850587"/>
+          </a:xfrm>
+          <a:prstGeom prst="rect">
+            <a:avLst/>
+          </a:prstGeom>
+          <a:noFill/>
+          <a:ln w="9525" cap="flat" cmpd="sng">
+            <a:solidFill>
+              <a:srgbClr val="FF0000"/>
+            </a:solidFill>
+            <a:prstDash val="solid"/>
+            <a:round/>
+            <a:headEnd type="none" w="sm" len="sm"/>
+            <a:tailEnd type="none" w="sm" len="sm"/>
+          </a:ln>
+        </p:spPr>
+      </p:pic>
+      <p:sp>
+        <p:nvSpPr>
+          <p:cNvPr id="282" name="Google Shape;282;p31"/>
+          <p:cNvSpPr txBox="1"/>
+          <p:nvPr/>
+        </p:nvSpPr>
+        <p:spPr>
+          <a:xfrm>
+            <a:off x="7144425" y="52750"/>
+            <a:ext cx="1948200" cy="572700"/>
+          </a:xfrm>
+          <a:prstGeom prst="rect">
+            <a:avLst/>
+          </a:prstGeom>
+          <a:solidFill>
+            <a:srgbClr val="FFF2CC"/>
+          </a:solidFill>
+          <a:ln w="9525" cap="flat" cmpd="sng">
+            <a:solidFill>
+              <a:srgbClr val="FF0000"/>
+            </a:solidFill>
+            <a:prstDash val="solid"/>
+            <a:round/>
+            <a:headEnd type="none" w="sm" len="sm"/>
+            <a:tailEnd type="none" w="sm" len="sm"/>
+          </a:ln>
+        </p:spPr>
+        <p:txBody>
+          <a:bodyPr spcFirstLastPara="1" wrap="square" lIns="9125" tIns="9125" rIns="9125" bIns="9125" anchor="t" anchorCtr="0">
+            <a:spAutoFit/>
+          </a:bodyPr>
+          <a:lstStyle/>
+          <a:p>
+            <a:pPr marL="0" marR="0" lvl="0" indent="0" algn="ctr" rtl="0">
+              <a:lnSpc>
+                <a:spcPct val="100000"/>
+              </a:lnSpc>
+              <a:spcBef>
+                <a:spcPts val="0"/>
+              </a:spcBef>
+              <a:spcAft>
+                <a:spcPts val="0"/>
+              </a:spcAft>
+              <a:buNone/>
+            </a:pPr>
+            <a:r>
+              <a:rPr lang="en" sz="1200">
+                <a:solidFill>
+                  <a:schemeClr val="dk1"/>
+                </a:solidFill>
+                <a:latin typeface="Calibri"/>
+                <a:ea typeface="Calibri"/>
+                <a:cs typeface="Calibri"/>
+                <a:sym typeface="Calibri"/>
+              </a:rPr>
+              <a:t>On 5/13/2025, Microsoft laid off a total of 6,840 people (3% of company) globally</a:t>
+            </a:r>
+            <a:endParaRPr sz="1200">
+              <a:solidFill>
+                <a:schemeClr val="dk1"/>
+              </a:solidFill>
+              <a:latin typeface="Calibri"/>
+              <a:ea typeface="Calibri"/>
+              <a:cs typeface="Calibri"/>
+              <a:sym typeface="Calibri"/>
+            </a:endParaRPr>
+          </a:p>
+        </p:txBody>
+      </p:sp>
+      <p:pic>
+        <p:nvPicPr>
+          <p:cNvPr id="283" name="Google Shape;283;p31"/>
+          <p:cNvPicPr preferRelativeResize="0"/>
+          <p:nvPr/>
+        </p:nvPicPr>
+        <p:blipFill>
+          <a:blip r:embed="rId6" cstate="email">
+            <a:alphaModFix/>
+            <a:extLst>
+              <a:ext uri="{28A0092B-C50C-407E-A947-70E740481C1C}">
+                <a14:useLocalDpi xmlns:a14="http://schemas.microsoft.com/office/drawing/2010/main"/>
+              </a:ext>
+            </a:extLst>
+          </a:blip>
+          <a:stretch>
+            <a:fillRect/>
+          </a:stretch>
+        </p:blipFill>
+        <p:spPr>
+          <a:xfrm>
+            <a:off x="5112250" y="289175"/>
+            <a:ext cx="1145700" cy="1017375"/>
+          </a:xfrm>
+          <a:prstGeom prst="rect">
+            <a:avLst/>
+          </a:prstGeom>
+          <a:noFill/>
+          <a:ln w="9525" cap="flat" cmpd="sng">
+            <a:solidFill>
+              <a:srgbClr val="FF0000"/>
+            </a:solidFill>
+            <a:prstDash val="solid"/>
+            <a:round/>
+            <a:headEnd type="none" w="sm" len="sm"/>
+            <a:tailEnd type="none" w="sm" len="sm"/>
+          </a:ln>
+        </p:spPr>
+      </p:pic>
+      <p:pic>
+        <p:nvPicPr>
+          <p:cNvPr id="284" name="Google Shape;284;p31"/>
+          <p:cNvPicPr preferRelativeResize="0"/>
+          <p:nvPr/>
+        </p:nvPicPr>
+        <p:blipFill>
+          <a:blip r:embed="rId7">
+            <a:alphaModFix/>
+          </a:blip>
+          <a:stretch>
+            <a:fillRect/>
+          </a:stretch>
+        </p:blipFill>
+        <p:spPr>
+          <a:xfrm>
+            <a:off x="7714850" y="902100"/>
+            <a:ext cx="1333500" cy="4152900"/>
           </a:xfrm>
           <a:prstGeom prst="rect">
             <a:avLst/>
@@ -26100,7 +26351,7 @@
   <p:cSld>
     <p:spTree>
       <p:nvGrpSpPr>
-        <p:cNvPr id="1" name="Shape 287"/>
+        <p:cNvPr id="1" name="Shape 288"/>
         <p:cNvGrpSpPr/>
         <p:nvPr/>
       </p:nvGrpSpPr>
@@ -26114,7 +26365,7 @@
       </p:grpSpPr>
       <p:pic>
         <p:nvPicPr>
-          <p:cNvPr id="288" name="Google Shape;288;p32"/>
+          <p:cNvPr id="289" name="Google Shape;289;p32"/>
           <p:cNvPicPr preferRelativeResize="0"/>
           <p:nvPr/>
         </p:nvPicPr>
@@ -26146,7 +26397,7 @@
       </p:pic>
       <p:sp>
         <p:nvSpPr>
-          <p:cNvPr id="289" name="Google Shape;289;p32"/>
+          <p:cNvPr id="290" name="Google Shape;290;p32"/>
           <p:cNvSpPr txBox="1"/>
           <p:nvPr/>
         </p:nvSpPr>
@@ -26212,7 +26463,7 @@
       </p:sp>
       <p:sp>
         <p:nvSpPr>
-          <p:cNvPr id="290" name="Google Shape;290;p32"/>
+          <p:cNvPr id="291" name="Google Shape;291;p32"/>
           <p:cNvSpPr txBox="1"/>
           <p:nvPr/>
         </p:nvSpPr>
@@ -26642,7 +26893,7 @@
       </p:sp>
       <p:pic>
         <p:nvPicPr>
-          <p:cNvPr id="291" name="Google Shape;291;p32"/>
+          <p:cNvPr id="292" name="Google Shape;292;p32"/>
           <p:cNvPicPr preferRelativeResize="0"/>
           <p:nvPr/>
         </p:nvPicPr>
@@ -26674,7 +26925,7 @@
       </p:pic>
       <p:sp>
         <p:nvSpPr>
-          <p:cNvPr id="292" name="Google Shape;292;p32"/>
+          <p:cNvPr id="293" name="Google Shape;293;p32"/>
           <p:cNvSpPr txBox="1"/>
           <p:nvPr/>
         </p:nvSpPr>
@@ -26753,7 +27004,7 @@
       </p:sp>
       <p:sp>
         <p:nvSpPr>
-          <p:cNvPr id="293" name="Google Shape;293;p32"/>
+          <p:cNvPr id="294" name="Google Shape;294;p32"/>
           <p:cNvSpPr txBox="1"/>
           <p:nvPr/>
         </p:nvSpPr>
@@ -26830,7 +27081,7 @@
   <p:cSld>
     <p:spTree>
       <p:nvGrpSpPr>
-        <p:cNvPr id="1" name="Shape 297"/>
+        <p:cNvPr id="1" name="Shape 298"/>
         <p:cNvGrpSpPr/>
         <p:nvPr/>
       </p:nvGrpSpPr>
@@ -26844,7 +27095,7 @@
       </p:grpSpPr>
       <p:sp>
         <p:nvSpPr>
-          <p:cNvPr id="298" name="Google Shape;298;p33"/>
+          <p:cNvPr id="299" name="Google Shape;299;p33"/>
           <p:cNvSpPr txBox="1"/>
           <p:nvPr/>
         </p:nvSpPr>
@@ -27007,8 +27258,8 @@
         </p:nvSpPr>
         <p:spPr>
           <a:xfrm>
-            <a:off x="55075" y="475525"/>
-            <a:ext cx="5525100" cy="4220700"/>
+            <a:off x="55075" y="780325"/>
+            <a:ext cx="6087900" cy="3851100"/>
           </a:xfrm>
           <a:prstGeom prst="rect">
             <a:avLst/>
@@ -27279,7 +27530,31 @@
                 <a:cs typeface="Calibri"/>
                 <a:sym typeface="Calibri"/>
               </a:rPr>
-              <a:t>New AI model architecture: (1) Decoupled Internal Dimension for thoughts; (2) Neuron-Level Models: Each neuron has its own internal weights that process the history of incoming signals (pre-activations) to calculate its next activation - dynamic processing of temporal signal history; (3) Synchronization Matrix: computed from the history of all neurons' post-activations and forms the basis for action and output</a:t>
+              <a:t>The model uses </a:t>
+            </a:r>
+            <a:r>
+              <a:rPr lang="en" sz="1200" b="1">
+                <a:solidFill>
+                  <a:srgbClr val="FF0000"/>
+                </a:solidFill>
+                <a:latin typeface="Calibri"/>
+                <a:ea typeface="Calibri"/>
+                <a:cs typeface="Calibri"/>
+                <a:sym typeface="Calibri"/>
+              </a:rPr>
+              <a:t>"ticks" (t) in an artificial time dimension</a:t>
+            </a:r>
+            <a:r>
+              <a:rPr lang="en" sz="1200">
+                <a:solidFill>
+                  <a:schemeClr val="dk1"/>
+                </a:solidFill>
+                <a:latin typeface="Calibri"/>
+                <a:ea typeface="Calibri"/>
+                <a:cs typeface="Calibri"/>
+                <a:sym typeface="Calibri"/>
+              </a:rPr>
+              <a:t> to produce outputs at each internal tick. The system optimizes across this internal temporal dimension using standard loss functions like cross-entropy, similar to classical transformer architectures</a:t>
             </a:r>
             <a:endParaRPr sz="1200">
               <a:solidFill>
@@ -27319,7 +27594,127 @@
                 <a:cs typeface="Calibri"/>
                 <a:sym typeface="Calibri"/>
               </a:rPr>
-              <a:t>The model uses "ticks" (t) in this artificial time dimension to produce outputs at each internal tick. The system optimizes across this internal temporal dimension using standard loss functions like cross-entropy, similar to classical transformer architectures</a:t>
+              <a:t>The new AI model architecture: (1) </a:t>
+            </a:r>
+            <a:r>
+              <a:rPr lang="en" sz="1200" b="1">
+                <a:solidFill>
+                  <a:srgbClr val="6AA84F"/>
+                </a:solidFill>
+                <a:latin typeface="Calibri"/>
+                <a:ea typeface="Calibri"/>
+                <a:cs typeface="Calibri"/>
+                <a:sym typeface="Calibri"/>
+              </a:rPr>
+              <a:t>Decoupled Internal Dimension for thoughts</a:t>
+            </a:r>
+            <a:r>
+              <a:rPr lang="en" sz="1200">
+                <a:solidFill>
+                  <a:schemeClr val="dk1"/>
+                </a:solidFill>
+                <a:latin typeface="Calibri"/>
+                <a:ea typeface="Calibri"/>
+                <a:cs typeface="Calibri"/>
+                <a:sym typeface="Calibri"/>
+              </a:rPr>
+              <a:t>; (2) </a:t>
+            </a:r>
+            <a:r>
+              <a:rPr lang="en" sz="1200" b="1">
+                <a:solidFill>
+                  <a:srgbClr val="6AA84F"/>
+                </a:solidFill>
+                <a:latin typeface="Calibri"/>
+                <a:ea typeface="Calibri"/>
+                <a:cs typeface="Calibri"/>
+                <a:sym typeface="Calibri"/>
+              </a:rPr>
+              <a:t>Neuron-Level Model</a:t>
+            </a:r>
+            <a:r>
+              <a:rPr lang="en" sz="1200">
+                <a:solidFill>
+                  <a:schemeClr val="dk1"/>
+                </a:solidFill>
+                <a:latin typeface="Calibri"/>
+                <a:ea typeface="Calibri"/>
+                <a:cs typeface="Calibri"/>
+                <a:sym typeface="Calibri"/>
+              </a:rPr>
+              <a:t>s: Each neuron has its own internal weights that </a:t>
+            </a:r>
+            <a:r>
+              <a:rPr lang="en" sz="1200" b="1">
+                <a:solidFill>
+                  <a:srgbClr val="6AA84F"/>
+                </a:solidFill>
+                <a:latin typeface="Calibri"/>
+                <a:ea typeface="Calibri"/>
+                <a:cs typeface="Calibri"/>
+                <a:sym typeface="Calibri"/>
+              </a:rPr>
+              <a:t>process the history of incoming signals </a:t>
+            </a:r>
+            <a:r>
+              <a:rPr lang="en" sz="1200">
+                <a:solidFill>
+                  <a:schemeClr val="dk1"/>
+                </a:solidFill>
+                <a:latin typeface="Calibri"/>
+                <a:ea typeface="Calibri"/>
+                <a:cs typeface="Calibri"/>
+                <a:sym typeface="Calibri"/>
+              </a:rPr>
+              <a:t>(pre-activations) to calculate its next activation - </a:t>
+            </a:r>
+            <a:r>
+              <a:rPr lang="en" sz="1200" b="1">
+                <a:solidFill>
+                  <a:srgbClr val="FF0000"/>
+                </a:solidFill>
+                <a:latin typeface="Calibri"/>
+                <a:ea typeface="Calibri"/>
+                <a:cs typeface="Calibri"/>
+                <a:sym typeface="Calibri"/>
+              </a:rPr>
+              <a:t>dynamic processing of temporal signal history</a:t>
+            </a:r>
+            <a:r>
+              <a:rPr lang="en" sz="1200">
+                <a:solidFill>
+                  <a:schemeClr val="dk1"/>
+                </a:solidFill>
+                <a:latin typeface="Calibri"/>
+                <a:ea typeface="Calibri"/>
+                <a:cs typeface="Calibri"/>
+                <a:sym typeface="Calibri"/>
+              </a:rPr>
+              <a:t>; (3) </a:t>
+            </a:r>
+            <a:r>
+              <a:rPr lang="en" sz="1200" b="1">
+                <a:solidFill>
+                  <a:srgbClr val="3C78D8"/>
+                </a:solidFill>
+                <a:latin typeface="Calibri"/>
+                <a:ea typeface="Calibri"/>
+                <a:cs typeface="Calibri"/>
+                <a:sym typeface="Calibri"/>
+              </a:rPr>
+              <a:t>Synchronization Matrix: computed from the history of all neurons</a:t>
+            </a:r>
+            <a:r>
+              <a:rPr lang="en" sz="1200">
+                <a:solidFill>
+                  <a:schemeClr val="dk1"/>
+                </a:solidFill>
+                <a:latin typeface="Calibri"/>
+                <a:ea typeface="Calibri"/>
+                <a:cs typeface="Calibri"/>
+                <a:sym typeface="Calibri"/>
+              </a:rPr>
+              <a:t>' post-activations and forms the basis for action and output</a:t>
             </a:r>
             <a:endParaRPr sz="1200">
               <a:solidFill>
@@ -27332,104 +27727,18 @@
             </a:endParaRPr>
           </a:p>
           <a:p>
-            <a:pPr marL="171450" marR="0" lvl="0" indent="-114300" algn="l" rtl="0">
-              <a:lnSpc>
-                <a:spcPct val="100000"/>
-              </a:lnSpc>
-              <a:spcBef>
-                <a:spcPts val="0"/>
-              </a:spcBef>
-              <a:spcAft>
-                <a:spcPts val="0"/>
-              </a:spcAft>
-              <a:buClr>
-                <a:schemeClr val="dk1"/>
-              </a:buClr>
-              <a:buSzPts val="900"/>
-              <a:buFont typeface="Calibri"/>
-              <a:buChar char="●"/>
-            </a:pPr>
-            <a:r>
-              <a:rPr lang="en" sz="1200">
-                <a:solidFill>
-                  <a:schemeClr val="dk1"/>
-                </a:solidFill>
-                <a:latin typeface="Calibri"/>
-                <a:ea typeface="Calibri"/>
-                <a:cs typeface="Calibri"/>
-                <a:sym typeface="Calibri"/>
-              </a:rPr>
-              <a:t>The architecture consists of:</a:t>
-            </a:r>
-            <a:br>
-              <a:rPr lang="en" sz="1200">
-                <a:solidFill>
-                  <a:schemeClr val="dk1"/>
-                </a:solidFill>
-                <a:latin typeface="Calibri"/>
-                <a:ea typeface="Calibri"/>
-                <a:cs typeface="Calibri"/>
-                <a:sym typeface="Calibri"/>
-              </a:rPr>
-            </a:br>
-            <a:r>
-              <a:rPr lang="en" sz="1200">
-                <a:solidFill>
-                  <a:schemeClr val="dk1"/>
-                </a:solidFill>
-                <a:latin typeface="Calibri"/>
-                <a:ea typeface="Calibri"/>
-                <a:cs typeface="Calibri"/>
-                <a:sym typeface="Calibri"/>
-              </a:rPr>
-              <a:t>- A UNET-style MLP "synapse model" that interconnects neurons across a shared space</a:t>
-            </a:r>
-            <a:br>
-              <a:rPr lang="en" sz="1200">
-                <a:solidFill>
-                  <a:schemeClr val="dk1"/>
-                </a:solidFill>
-                <a:latin typeface="Calibri"/>
-                <a:ea typeface="Calibri"/>
-                <a:cs typeface="Calibri"/>
-                <a:sym typeface="Calibri"/>
-              </a:rPr>
-            </a:br>
-            <a:r>
-              <a:rPr lang="en" sz="1200">
-                <a:solidFill>
-                  <a:schemeClr val="dk1"/>
-                </a:solidFill>
-                <a:latin typeface="Calibri"/>
-                <a:ea typeface="Calibri"/>
-                <a:cs typeface="Calibri"/>
-                <a:sym typeface="Calibri"/>
-              </a:rPr>
-              <a:t>- Individual neuron-level models that compute post-activations based on pre-activation history</a:t>
-            </a:r>
-            <a:br>
-              <a:rPr lang="en" sz="1200">
-                <a:solidFill>
-                  <a:schemeClr val="dk1"/>
-                </a:solidFill>
-                <a:latin typeface="Calibri"/>
-                <a:ea typeface="Calibri"/>
-                <a:cs typeface="Calibri"/>
-                <a:sym typeface="Calibri"/>
-              </a:rPr>
-            </a:br>
-            <a:r>
-              <a:rPr lang="en" sz="1200">
-                <a:solidFill>
-                  <a:schemeClr val="dk1"/>
-                </a:solidFill>
-                <a:latin typeface="Calibri"/>
-                <a:ea typeface="Calibri"/>
-                <a:cs typeface="Calibri"/>
-                <a:sym typeface="Calibri"/>
-              </a:rPr>
-              <a:t>- A synchronization matrix that measures co-activity of neuron pairs over the internal artificial time</a:t>
-            </a:r>
+            <a:pPr marL="0" marR="0" lvl="0" indent="0" algn="l" rtl="0">
+              <a:lnSpc>
+                <a:spcPct val="100000"/>
+              </a:lnSpc>
+              <a:spcBef>
+                <a:spcPts val="0"/>
+              </a:spcBef>
+              <a:spcAft>
+                <a:spcPts val="0"/>
+              </a:spcAft>
+              <a:buNone/>
+            </a:pPr>
             <a:endParaRPr sz="1200">
               <a:solidFill>
                 <a:schemeClr val="dk1"/>
@@ -27468,11 +27777,232 @@
                 <a:cs typeface="Calibri"/>
                 <a:sym typeface="Calibri"/>
               </a:rPr>
-              <a:t>The system trained on solving 39×39 mazes could generalize to solving 99×99 mazes, showing some out-of-distribution generalization capacity</a:t>
+              <a:t>The architecture consists of:</a:t>
+            </a:r>
+            <a:br>
+              <a:rPr lang="en" sz="1200">
+                <a:solidFill>
+                  <a:schemeClr val="dk1"/>
+                </a:solidFill>
+                <a:latin typeface="Calibri"/>
+                <a:ea typeface="Calibri"/>
+                <a:cs typeface="Calibri"/>
+                <a:sym typeface="Calibri"/>
+              </a:rPr>
+            </a:br>
+            <a:r>
+              <a:rPr lang="en" sz="1200">
+                <a:solidFill>
+                  <a:schemeClr val="dk1"/>
+                </a:solidFill>
+                <a:latin typeface="Calibri"/>
+                <a:ea typeface="Calibri"/>
+                <a:cs typeface="Calibri"/>
+                <a:sym typeface="Calibri"/>
+              </a:rPr>
+              <a:t>- A </a:t>
+            </a:r>
+            <a:r>
+              <a:rPr lang="en" sz="1200" b="1">
+                <a:solidFill>
+                  <a:srgbClr val="FF0000"/>
+                </a:solidFill>
+                <a:latin typeface="Calibri"/>
+                <a:ea typeface="Calibri"/>
+                <a:cs typeface="Calibri"/>
+                <a:sym typeface="Calibri"/>
+              </a:rPr>
+              <a:t>UNET-style MLP "synapse model"</a:t>
+            </a:r>
+            <a:r>
+              <a:rPr lang="en" sz="1200">
+                <a:solidFill>
+                  <a:schemeClr val="dk1"/>
+                </a:solidFill>
+                <a:latin typeface="Calibri"/>
+                <a:ea typeface="Calibri"/>
+                <a:cs typeface="Calibri"/>
+                <a:sym typeface="Calibri"/>
+              </a:rPr>
+              <a:t> that interconnects neurons across a shared space</a:t>
+            </a:r>
+            <a:br>
+              <a:rPr lang="en" sz="1200">
+                <a:solidFill>
+                  <a:schemeClr val="dk1"/>
+                </a:solidFill>
+                <a:latin typeface="Calibri"/>
+                <a:ea typeface="Calibri"/>
+                <a:cs typeface="Calibri"/>
+                <a:sym typeface="Calibri"/>
+              </a:rPr>
+            </a:br>
+            <a:r>
+              <a:rPr lang="en" sz="1200">
+                <a:solidFill>
+                  <a:schemeClr val="dk1"/>
+                </a:solidFill>
+                <a:latin typeface="Calibri"/>
+                <a:ea typeface="Calibri"/>
+                <a:cs typeface="Calibri"/>
+                <a:sym typeface="Calibri"/>
+              </a:rPr>
+              <a:t>- Individual </a:t>
+            </a:r>
+            <a:r>
+              <a:rPr lang="en" sz="1200" b="1">
+                <a:solidFill>
+                  <a:srgbClr val="FF0000"/>
+                </a:solidFill>
+                <a:latin typeface="Calibri"/>
+                <a:ea typeface="Calibri"/>
+                <a:cs typeface="Calibri"/>
+                <a:sym typeface="Calibri"/>
+              </a:rPr>
+              <a:t>neuron-level models</a:t>
+            </a:r>
+            <a:r>
+              <a:rPr lang="en" sz="1200">
+                <a:solidFill>
+                  <a:schemeClr val="dk1"/>
+                </a:solidFill>
+                <a:latin typeface="Calibri"/>
+                <a:ea typeface="Calibri"/>
+                <a:cs typeface="Calibri"/>
+                <a:sym typeface="Calibri"/>
+              </a:rPr>
+              <a:t> compute post-activations based on pre-activation history</a:t>
+            </a:r>
+            <a:br>
+              <a:rPr lang="en" sz="1200">
+                <a:solidFill>
+                  <a:schemeClr val="dk1"/>
+                </a:solidFill>
+                <a:latin typeface="Calibri"/>
+                <a:ea typeface="Calibri"/>
+                <a:cs typeface="Calibri"/>
+                <a:sym typeface="Calibri"/>
+              </a:rPr>
+            </a:br>
+            <a:r>
+              <a:rPr lang="en" sz="1200">
+                <a:solidFill>
+                  <a:schemeClr val="dk1"/>
+                </a:solidFill>
+                <a:latin typeface="Calibri"/>
+                <a:ea typeface="Calibri"/>
+                <a:cs typeface="Calibri"/>
+                <a:sym typeface="Calibri"/>
+              </a:rPr>
+              <a:t>- A </a:t>
+            </a:r>
+            <a:r>
+              <a:rPr lang="en" sz="1200" b="1">
+                <a:solidFill>
+                  <a:srgbClr val="FF0000"/>
+                </a:solidFill>
+                <a:latin typeface="Calibri"/>
+                <a:ea typeface="Calibri"/>
+                <a:cs typeface="Calibri"/>
+                <a:sym typeface="Calibri"/>
+              </a:rPr>
+              <a:t>synchronization matrix </a:t>
+            </a:r>
+            <a:r>
+              <a:rPr lang="en" sz="1200">
+                <a:solidFill>
+                  <a:schemeClr val="dk1"/>
+                </a:solidFill>
+                <a:latin typeface="Calibri"/>
+                <a:ea typeface="Calibri"/>
+                <a:cs typeface="Calibri"/>
+                <a:sym typeface="Calibri"/>
+              </a:rPr>
+              <a:t>measures co-activity of neuron pairs over the internal artificial time</a:t>
             </a:r>
             <a:endParaRPr sz="1200">
               <a:solidFill>
                 <a:schemeClr val="dk1"/>
+              </a:solidFill>
+              <a:latin typeface="Calibri"/>
+              <a:ea typeface="Calibri"/>
+              <a:cs typeface="Calibri"/>
+              <a:sym typeface="Calibri"/>
+            </a:endParaRPr>
+          </a:p>
+          <a:p>
+            <a:pPr marL="171450" marR="0" lvl="0" indent="-114300" algn="l" rtl="0">
+              <a:lnSpc>
+                <a:spcPct val="100000"/>
+              </a:lnSpc>
+              <a:spcBef>
+                <a:spcPts val="0"/>
+              </a:spcBef>
+              <a:spcAft>
+                <a:spcPts val="0"/>
+              </a:spcAft>
+              <a:buClr>
+                <a:schemeClr val="dk1"/>
+              </a:buClr>
+              <a:buSzPts val="900"/>
+              <a:buFont typeface="Calibri"/>
+              <a:buChar char="●"/>
+            </a:pPr>
+            <a:r>
+              <a:rPr lang="en" sz="1200">
+                <a:solidFill>
+                  <a:schemeClr val="dk1"/>
+                </a:solidFill>
+                <a:latin typeface="Calibri"/>
+                <a:ea typeface="Calibri"/>
+                <a:cs typeface="Calibri"/>
+                <a:sym typeface="Calibri"/>
+              </a:rPr>
+              <a:t>The system trained on solving 39×39 mazes could generalize to solving 99×99 mazes, showing some out-of-distribution generalization capacity</a:t>
+            </a:r>
+            <a:endParaRPr sz="1200">
+              <a:solidFill>
+                <a:schemeClr val="dk1"/>
+              </a:solidFill>
+              <a:latin typeface="Calibri"/>
+              <a:ea typeface="Calibri"/>
+              <a:cs typeface="Calibri"/>
+              <a:sym typeface="Calibri"/>
+            </a:endParaRPr>
+          </a:p>
+          <a:p>
+            <a:pPr marL="171450" marR="0" lvl="0" indent="-133350" algn="l" rtl="0">
+              <a:lnSpc>
+                <a:spcPct val="100000"/>
+              </a:lnSpc>
+              <a:spcBef>
+                <a:spcPts val="0"/>
+              </a:spcBef>
+              <a:spcAft>
+                <a:spcPts val="0"/>
+              </a:spcAft>
+              <a:buClr>
+                <a:srgbClr val="3C78D8"/>
+              </a:buClr>
+              <a:buSzPts val="1200"/>
+              <a:buFont typeface="Calibri"/>
+              <a:buChar char="●"/>
+            </a:pPr>
+            <a:r>
+              <a:rPr lang="en" sz="1200" b="1">
+                <a:solidFill>
+                  <a:srgbClr val="3C78D8"/>
+                </a:solidFill>
+                <a:latin typeface="Calibri"/>
+                <a:ea typeface="Calibri"/>
+                <a:cs typeface="Calibri"/>
+                <a:sym typeface="Calibri"/>
+              </a:rPr>
+              <a:t>Sakana AI is in Tokyo, Japan</a:t>
+            </a:r>
+            <a:endParaRPr sz="1200" b="1">
+              <a:solidFill>
+                <a:srgbClr val="3C78D8"/>
               </a:solidFill>
               <a:latin typeface="Calibri"/>
               <a:ea typeface="Calibri"/>
@@ -27503,8 +28033,8 @@
         </p:blipFill>
         <p:spPr>
           <a:xfrm>
-            <a:off x="5676650" y="121625"/>
-            <a:ext cx="3374474" cy="1608175"/>
+            <a:off x="6142869" y="121625"/>
+            <a:ext cx="2997448" cy="1428496"/>
           </a:xfrm>
           <a:prstGeom prst="rect">
             <a:avLst/>
@@ -27536,7 +28066,7 @@
         </p:blipFill>
         <p:spPr>
           <a:xfrm>
-            <a:off x="6053675" y="1832800"/>
+            <a:off x="6337975" y="1773325"/>
             <a:ext cx="2690851" cy="3212450"/>
           </a:xfrm>
           <a:prstGeom prst="rect">
@@ -27827,7 +28357,7 @@
         </p:blipFill>
         <p:spPr>
           <a:xfrm>
-            <a:off x="5234550" y="171550"/>
+            <a:off x="5234550" y="95350"/>
             <a:ext cx="3774700" cy="2123274"/>
           </a:xfrm>
           <a:prstGeom prst="rect">
@@ -28532,7 +29062,7 @@
         </p:blipFill>
         <p:spPr>
           <a:xfrm>
-            <a:off x="3480841" y="1311631"/>
+            <a:off x="3480841" y="1387831"/>
             <a:ext cx="1425150" cy="712575"/>
           </a:xfrm>
           <a:prstGeom prst="rect">
